--- a/後期企画書/ショッピングカート.pptx
+++ b/後期企画書/ショッピングカート.pptx
@@ -4,17 +4,25 @@
   <p:sldMasterIdLst>
     <p:sldMasterId id="2147483648" r:id="rId1"/>
   </p:sldMasterIdLst>
+  <p:notesMasterIdLst>
+    <p:notesMasterId r:id="rId17"/>
+  </p:notesMasterIdLst>
   <p:sldIdLst>
     <p:sldId id="256" r:id="rId2"/>
     <p:sldId id="257" r:id="rId3"/>
     <p:sldId id="267" r:id="rId4"/>
-    <p:sldId id="258" r:id="rId5"/>
-    <p:sldId id="259" r:id="rId6"/>
+    <p:sldId id="269" r:id="rId5"/>
+    <p:sldId id="268" r:id="rId6"/>
     <p:sldId id="265" r:id="rId7"/>
     <p:sldId id="266" r:id="rId8"/>
-    <p:sldId id="261" r:id="rId9"/>
-    <p:sldId id="262" r:id="rId10"/>
-    <p:sldId id="264" r:id="rId11"/>
+    <p:sldId id="270" r:id="rId9"/>
+    <p:sldId id="271" r:id="rId10"/>
+    <p:sldId id="274" r:id="rId11"/>
+    <p:sldId id="262" r:id="rId12"/>
+    <p:sldId id="273" r:id="rId13"/>
+    <p:sldId id="272" r:id="rId14"/>
+    <p:sldId id="275" r:id="rId15"/>
+    <p:sldId id="264" r:id="rId16"/>
   </p:sldIdLst>
   <p:sldSz cx="12192000" cy="6858000"/>
   <p:notesSz cx="6858000" cy="9144000"/>
@@ -121,6 +129,556 @@
 </p:presentation>
 </file>
 
+<file path=ppt/notesMasters/notesMaster1.xml><?xml version="1.0" encoding="utf-8"?>
+<p:notesMaster xmlns:a="http://schemas.openxmlformats.org/drawingml/2006/main" xmlns:r="http://schemas.openxmlformats.org/officeDocument/2006/relationships" xmlns:p="http://schemas.openxmlformats.org/presentationml/2006/main">
+  <p:cSld>
+    <p:bg>
+      <p:bgRef idx="1001">
+        <a:schemeClr val="bg1"/>
+      </p:bgRef>
+    </p:bg>
+    <p:spTree>
+      <p:nvGrpSpPr>
+        <p:cNvPr id="1" name=""/>
+        <p:cNvGrpSpPr/>
+        <p:nvPr/>
+      </p:nvGrpSpPr>
+      <p:grpSpPr>
+        <a:xfrm>
+          <a:off x="0" y="0"/>
+          <a:ext cx="0" cy="0"/>
+          <a:chOff x="0" y="0"/>
+          <a:chExt cx="0" cy="0"/>
+        </a:xfrm>
+      </p:grpSpPr>
+      <p:sp>
+        <p:nvSpPr>
+          <p:cNvPr id="2" name="ヘッダー プレースホルダー 1"/>
+          <p:cNvSpPr>
+            <a:spLocks noGrp="1"/>
+          </p:cNvSpPr>
+          <p:nvPr>
+            <p:ph type="hdr" sz="quarter"/>
+          </p:nvPr>
+        </p:nvSpPr>
+        <p:spPr>
+          <a:xfrm>
+            <a:off x="0" y="0"/>
+            <a:ext cx="2971800" cy="458788"/>
+          </a:xfrm>
+          <a:prstGeom prst="rect">
+            <a:avLst/>
+          </a:prstGeom>
+        </p:spPr>
+        <p:txBody>
+          <a:bodyPr vert="horz" lIns="91440" tIns="45720" rIns="91440" bIns="45720" rtlCol="0"/>
+          <a:lstStyle>
+            <a:lvl1pPr algn="l">
+              <a:defRPr sz="1200"/>
+            </a:lvl1pPr>
+          </a:lstStyle>
+          <a:p>
+            <a:endParaRPr kumimoji="1" lang="ja-JP" altLang="en-US"/>
+          </a:p>
+        </p:txBody>
+      </p:sp>
+      <p:sp>
+        <p:nvSpPr>
+          <p:cNvPr id="3" name="日付プレースホルダー 2"/>
+          <p:cNvSpPr>
+            <a:spLocks noGrp="1"/>
+          </p:cNvSpPr>
+          <p:nvPr>
+            <p:ph type="dt" idx="1"/>
+          </p:nvPr>
+        </p:nvSpPr>
+        <p:spPr>
+          <a:xfrm>
+            <a:off x="3884613" y="0"/>
+            <a:ext cx="2971800" cy="458788"/>
+          </a:xfrm>
+          <a:prstGeom prst="rect">
+            <a:avLst/>
+          </a:prstGeom>
+        </p:spPr>
+        <p:txBody>
+          <a:bodyPr vert="horz" lIns="91440" tIns="45720" rIns="91440" bIns="45720" rtlCol="0"/>
+          <a:lstStyle>
+            <a:lvl1pPr algn="r">
+              <a:defRPr sz="1200"/>
+            </a:lvl1pPr>
+          </a:lstStyle>
+          <a:p>
+            <a:fld id="{1192C13D-0622-4A62-AB8C-56D55F9BE08A}" type="datetimeFigureOut">
+              <a:rPr kumimoji="1" lang="ja-JP" altLang="en-US" smtClean="0"/>
+              <a:t>2017/9/26</a:t>
+            </a:fld>
+            <a:endParaRPr kumimoji="1" lang="ja-JP" altLang="en-US"/>
+          </a:p>
+        </p:txBody>
+      </p:sp>
+      <p:sp>
+        <p:nvSpPr>
+          <p:cNvPr id="4" name="スライド イメージ プレースホルダー 3"/>
+          <p:cNvSpPr>
+            <a:spLocks noGrp="1" noRot="1" noChangeAspect="1"/>
+          </p:cNvSpPr>
+          <p:nvPr>
+            <p:ph type="sldImg" idx="2"/>
+          </p:nvPr>
+        </p:nvSpPr>
+        <p:spPr>
+          <a:xfrm>
+            <a:off x="685800" y="1143000"/>
+            <a:ext cx="5486400" cy="3086100"/>
+          </a:xfrm>
+          <a:prstGeom prst="rect">
+            <a:avLst/>
+          </a:prstGeom>
+          <a:noFill/>
+          <a:ln w="12700">
+            <a:solidFill>
+              <a:prstClr val="black"/>
+            </a:solidFill>
+          </a:ln>
+        </p:spPr>
+        <p:txBody>
+          <a:bodyPr vert="horz" lIns="91440" tIns="45720" rIns="91440" bIns="45720" rtlCol="0" anchor="ctr"/>
+          <a:lstStyle/>
+          <a:p>
+            <a:endParaRPr lang="ja-JP" altLang="en-US"/>
+          </a:p>
+        </p:txBody>
+      </p:sp>
+      <p:sp>
+        <p:nvSpPr>
+          <p:cNvPr id="5" name="ノート プレースホルダー 4"/>
+          <p:cNvSpPr>
+            <a:spLocks noGrp="1"/>
+          </p:cNvSpPr>
+          <p:nvPr>
+            <p:ph type="body" sz="quarter" idx="3"/>
+          </p:nvPr>
+        </p:nvSpPr>
+        <p:spPr>
+          <a:xfrm>
+            <a:off x="685800" y="4400550"/>
+            <a:ext cx="5486400" cy="3600450"/>
+          </a:xfrm>
+          <a:prstGeom prst="rect">
+            <a:avLst/>
+          </a:prstGeom>
+        </p:spPr>
+        <p:txBody>
+          <a:bodyPr vert="horz" lIns="91440" tIns="45720" rIns="91440" bIns="45720" rtlCol="0"/>
+          <a:lstStyle/>
+          <a:p>
+            <a:pPr lvl="0"/>
+            <a:r>
+              <a:rPr kumimoji="1" lang="ja-JP" altLang="en-US" smtClean="0"/>
+              <a:t>マスター テキストの書式設定</a:t>
+            </a:r>
+          </a:p>
+          <a:p>
+            <a:pPr lvl="1"/>
+            <a:r>
+              <a:rPr kumimoji="1" lang="ja-JP" altLang="en-US" smtClean="0"/>
+              <a:t>第 </a:t>
+            </a:r>
+            <a:r>
+              <a:rPr kumimoji="1" lang="en-US" altLang="ja-JP" smtClean="0"/>
+              <a:t>2 </a:t>
+            </a:r>
+            <a:r>
+              <a:rPr kumimoji="1" lang="ja-JP" altLang="en-US" smtClean="0"/>
+              <a:t>レベル</a:t>
+            </a:r>
+          </a:p>
+          <a:p>
+            <a:pPr lvl="2"/>
+            <a:r>
+              <a:rPr kumimoji="1" lang="ja-JP" altLang="en-US" smtClean="0"/>
+              <a:t>第 </a:t>
+            </a:r>
+            <a:r>
+              <a:rPr kumimoji="1" lang="en-US" altLang="ja-JP" smtClean="0"/>
+              <a:t>3 </a:t>
+            </a:r>
+            <a:r>
+              <a:rPr kumimoji="1" lang="ja-JP" altLang="en-US" smtClean="0"/>
+              <a:t>レベル</a:t>
+            </a:r>
+          </a:p>
+          <a:p>
+            <a:pPr lvl="3"/>
+            <a:r>
+              <a:rPr kumimoji="1" lang="ja-JP" altLang="en-US" smtClean="0"/>
+              <a:t>第 </a:t>
+            </a:r>
+            <a:r>
+              <a:rPr kumimoji="1" lang="en-US" altLang="ja-JP" smtClean="0"/>
+              <a:t>4 </a:t>
+            </a:r>
+            <a:r>
+              <a:rPr kumimoji="1" lang="ja-JP" altLang="en-US" smtClean="0"/>
+              <a:t>レベル</a:t>
+            </a:r>
+          </a:p>
+          <a:p>
+            <a:pPr lvl="4"/>
+            <a:r>
+              <a:rPr kumimoji="1" lang="ja-JP" altLang="en-US" smtClean="0"/>
+              <a:t>第 </a:t>
+            </a:r>
+            <a:r>
+              <a:rPr kumimoji="1" lang="en-US" altLang="ja-JP" smtClean="0"/>
+              <a:t>5 </a:t>
+            </a:r>
+            <a:r>
+              <a:rPr kumimoji="1" lang="ja-JP" altLang="en-US" smtClean="0"/>
+              <a:t>レベル</a:t>
+            </a:r>
+            <a:endParaRPr kumimoji="1" lang="ja-JP" altLang="en-US"/>
+          </a:p>
+        </p:txBody>
+      </p:sp>
+      <p:sp>
+        <p:nvSpPr>
+          <p:cNvPr id="6" name="フッター プレースホルダー 5"/>
+          <p:cNvSpPr>
+            <a:spLocks noGrp="1"/>
+          </p:cNvSpPr>
+          <p:nvPr>
+            <p:ph type="ftr" sz="quarter" idx="4"/>
+          </p:nvPr>
+        </p:nvSpPr>
+        <p:spPr>
+          <a:xfrm>
+            <a:off x="0" y="8685213"/>
+            <a:ext cx="2971800" cy="458787"/>
+          </a:xfrm>
+          <a:prstGeom prst="rect">
+            <a:avLst/>
+          </a:prstGeom>
+        </p:spPr>
+        <p:txBody>
+          <a:bodyPr vert="horz" lIns="91440" tIns="45720" rIns="91440" bIns="45720" rtlCol="0" anchor="b"/>
+          <a:lstStyle>
+            <a:lvl1pPr algn="l">
+              <a:defRPr sz="1200"/>
+            </a:lvl1pPr>
+          </a:lstStyle>
+          <a:p>
+            <a:endParaRPr kumimoji="1" lang="ja-JP" altLang="en-US"/>
+          </a:p>
+        </p:txBody>
+      </p:sp>
+      <p:sp>
+        <p:nvSpPr>
+          <p:cNvPr id="7" name="スライド番号プレースホルダー 6"/>
+          <p:cNvSpPr>
+            <a:spLocks noGrp="1"/>
+          </p:cNvSpPr>
+          <p:nvPr>
+            <p:ph type="sldNum" sz="quarter" idx="5"/>
+          </p:nvPr>
+        </p:nvSpPr>
+        <p:spPr>
+          <a:xfrm>
+            <a:off x="3884613" y="8685213"/>
+            <a:ext cx="2971800" cy="458787"/>
+          </a:xfrm>
+          <a:prstGeom prst="rect">
+            <a:avLst/>
+          </a:prstGeom>
+        </p:spPr>
+        <p:txBody>
+          <a:bodyPr vert="horz" lIns="91440" tIns="45720" rIns="91440" bIns="45720" rtlCol="0" anchor="b"/>
+          <a:lstStyle>
+            <a:lvl1pPr algn="r">
+              <a:defRPr sz="1200"/>
+            </a:lvl1pPr>
+          </a:lstStyle>
+          <a:p>
+            <a:fld id="{4D8D83FB-14EF-4042-A47A-E198C4F09221}" type="slidenum">
+              <a:rPr kumimoji="1" lang="ja-JP" altLang="en-US" smtClean="0"/>
+              <a:t>‹#›</a:t>
+            </a:fld>
+            <a:endParaRPr kumimoji="1" lang="ja-JP" altLang="en-US"/>
+          </a:p>
+        </p:txBody>
+      </p:sp>
+    </p:spTree>
+    <p:extLst>
+      <p:ext uri="{BB962C8B-B14F-4D97-AF65-F5344CB8AC3E}">
+        <p14:creationId xmlns:p14="http://schemas.microsoft.com/office/powerpoint/2010/main" val="770395444"/>
+      </p:ext>
+    </p:extLst>
+  </p:cSld>
+  <p:clrMap bg1="lt1" tx1="dk1" bg2="lt2" tx2="dk2" accent1="accent1" accent2="accent2" accent3="accent3" accent4="accent4" accent5="accent5" accent6="accent6" hlink="hlink" folHlink="folHlink"/>
+  <p:notesStyle>
+    <a:lvl1pPr marL="0" algn="l" defTabSz="914400" rtl="0" eaLnBrk="1" latinLnBrk="0" hangingPunct="1">
+      <a:defRPr kumimoji="1" sz="1200" kern="1200">
+        <a:solidFill>
+          <a:schemeClr val="tx1"/>
+        </a:solidFill>
+        <a:latin typeface="+mn-lt"/>
+        <a:ea typeface="+mn-ea"/>
+        <a:cs typeface="+mn-cs"/>
+      </a:defRPr>
+    </a:lvl1pPr>
+    <a:lvl2pPr marL="457200" algn="l" defTabSz="914400" rtl="0" eaLnBrk="1" latinLnBrk="0" hangingPunct="1">
+      <a:defRPr kumimoji="1" sz="1200" kern="1200">
+        <a:solidFill>
+          <a:schemeClr val="tx1"/>
+        </a:solidFill>
+        <a:latin typeface="+mn-lt"/>
+        <a:ea typeface="+mn-ea"/>
+        <a:cs typeface="+mn-cs"/>
+      </a:defRPr>
+    </a:lvl2pPr>
+    <a:lvl3pPr marL="914400" algn="l" defTabSz="914400" rtl="0" eaLnBrk="1" latinLnBrk="0" hangingPunct="1">
+      <a:defRPr kumimoji="1" sz="1200" kern="1200">
+        <a:solidFill>
+          <a:schemeClr val="tx1"/>
+        </a:solidFill>
+        <a:latin typeface="+mn-lt"/>
+        <a:ea typeface="+mn-ea"/>
+        <a:cs typeface="+mn-cs"/>
+      </a:defRPr>
+    </a:lvl3pPr>
+    <a:lvl4pPr marL="1371600" algn="l" defTabSz="914400" rtl="0" eaLnBrk="1" latinLnBrk="0" hangingPunct="1">
+      <a:defRPr kumimoji="1" sz="1200" kern="1200">
+        <a:solidFill>
+          <a:schemeClr val="tx1"/>
+        </a:solidFill>
+        <a:latin typeface="+mn-lt"/>
+        <a:ea typeface="+mn-ea"/>
+        <a:cs typeface="+mn-cs"/>
+      </a:defRPr>
+    </a:lvl4pPr>
+    <a:lvl5pPr marL="1828800" algn="l" defTabSz="914400" rtl="0" eaLnBrk="1" latinLnBrk="0" hangingPunct="1">
+      <a:defRPr kumimoji="1" sz="1200" kern="1200">
+        <a:solidFill>
+          <a:schemeClr val="tx1"/>
+        </a:solidFill>
+        <a:latin typeface="+mn-lt"/>
+        <a:ea typeface="+mn-ea"/>
+        <a:cs typeface="+mn-cs"/>
+      </a:defRPr>
+    </a:lvl5pPr>
+    <a:lvl6pPr marL="2286000" algn="l" defTabSz="914400" rtl="0" eaLnBrk="1" latinLnBrk="0" hangingPunct="1">
+      <a:defRPr kumimoji="1" sz="1200" kern="1200">
+        <a:solidFill>
+          <a:schemeClr val="tx1"/>
+        </a:solidFill>
+        <a:latin typeface="+mn-lt"/>
+        <a:ea typeface="+mn-ea"/>
+        <a:cs typeface="+mn-cs"/>
+      </a:defRPr>
+    </a:lvl6pPr>
+    <a:lvl7pPr marL="2743200" algn="l" defTabSz="914400" rtl="0" eaLnBrk="1" latinLnBrk="0" hangingPunct="1">
+      <a:defRPr kumimoji="1" sz="1200" kern="1200">
+        <a:solidFill>
+          <a:schemeClr val="tx1"/>
+        </a:solidFill>
+        <a:latin typeface="+mn-lt"/>
+        <a:ea typeface="+mn-ea"/>
+        <a:cs typeface="+mn-cs"/>
+      </a:defRPr>
+    </a:lvl7pPr>
+    <a:lvl8pPr marL="3200400" algn="l" defTabSz="914400" rtl="0" eaLnBrk="1" latinLnBrk="0" hangingPunct="1">
+      <a:defRPr kumimoji="1" sz="1200" kern="1200">
+        <a:solidFill>
+          <a:schemeClr val="tx1"/>
+        </a:solidFill>
+        <a:latin typeface="+mn-lt"/>
+        <a:ea typeface="+mn-ea"/>
+        <a:cs typeface="+mn-cs"/>
+      </a:defRPr>
+    </a:lvl8pPr>
+    <a:lvl9pPr marL="3657600" algn="l" defTabSz="914400" rtl="0" eaLnBrk="1" latinLnBrk="0" hangingPunct="1">
+      <a:defRPr kumimoji="1" sz="1200" kern="1200">
+        <a:solidFill>
+          <a:schemeClr val="tx1"/>
+        </a:solidFill>
+        <a:latin typeface="+mn-lt"/>
+        <a:ea typeface="+mn-ea"/>
+        <a:cs typeface="+mn-cs"/>
+      </a:defRPr>
+    </a:lvl9pPr>
+  </p:notesStyle>
+</p:notesMaster>
+</file>
+
+<file path=ppt/notesSlides/notesSlide1.xml><?xml version="1.0" encoding="utf-8"?>
+<p:notes xmlns:a="http://schemas.openxmlformats.org/drawingml/2006/main" xmlns:r="http://schemas.openxmlformats.org/officeDocument/2006/relationships" xmlns:p="http://schemas.openxmlformats.org/presentationml/2006/main">
+  <p:cSld>
+    <p:spTree>
+      <p:nvGrpSpPr>
+        <p:cNvPr id="1" name=""/>
+        <p:cNvGrpSpPr/>
+        <p:nvPr/>
+      </p:nvGrpSpPr>
+      <p:grpSpPr>
+        <a:xfrm>
+          <a:off x="0" y="0"/>
+          <a:ext cx="0" cy="0"/>
+          <a:chOff x="0" y="0"/>
+          <a:chExt cx="0" cy="0"/>
+        </a:xfrm>
+      </p:grpSpPr>
+      <p:sp>
+        <p:nvSpPr>
+          <p:cNvPr id="2" name="スライド イメージ プレースホルダー 1"/>
+          <p:cNvSpPr>
+            <a:spLocks noGrp="1" noRot="1" noChangeAspect="1"/>
+          </p:cNvSpPr>
+          <p:nvPr>
+            <p:ph type="sldImg"/>
+          </p:nvPr>
+        </p:nvSpPr>
+        <p:spPr/>
+      </p:sp>
+      <p:sp>
+        <p:nvSpPr>
+          <p:cNvPr id="3" name="ノート プレースホルダー 2"/>
+          <p:cNvSpPr>
+            <a:spLocks noGrp="1"/>
+          </p:cNvSpPr>
+          <p:nvPr>
+            <p:ph type="body" idx="1"/>
+          </p:nvPr>
+        </p:nvSpPr>
+        <p:spPr/>
+        <p:txBody>
+          <a:bodyPr/>
+          <a:lstStyle/>
+          <a:p>
+            <a:endParaRPr kumimoji="1" lang="ja-JP" altLang="en-US" dirty="0"/>
+          </a:p>
+        </p:txBody>
+      </p:sp>
+      <p:sp>
+        <p:nvSpPr>
+          <p:cNvPr id="4" name="スライド番号プレースホルダー 3"/>
+          <p:cNvSpPr>
+            <a:spLocks noGrp="1"/>
+          </p:cNvSpPr>
+          <p:nvPr>
+            <p:ph type="sldNum" sz="quarter" idx="10"/>
+          </p:nvPr>
+        </p:nvSpPr>
+        <p:spPr/>
+        <p:txBody>
+          <a:bodyPr/>
+          <a:lstStyle/>
+          <a:p>
+            <a:fld id="{4D8D83FB-14EF-4042-A47A-E198C4F09221}" type="slidenum">
+              <a:rPr kumimoji="1" lang="ja-JP" altLang="en-US" smtClean="0"/>
+              <a:t>5</a:t>
+            </a:fld>
+            <a:endParaRPr kumimoji="1" lang="ja-JP" altLang="en-US"/>
+          </a:p>
+        </p:txBody>
+      </p:sp>
+    </p:spTree>
+    <p:extLst>
+      <p:ext uri="{BB962C8B-B14F-4D97-AF65-F5344CB8AC3E}">
+        <p14:creationId xmlns:p14="http://schemas.microsoft.com/office/powerpoint/2010/main" val="1690905022"/>
+      </p:ext>
+    </p:extLst>
+  </p:cSld>
+  <p:clrMapOvr>
+    <a:masterClrMapping/>
+  </p:clrMapOvr>
+</p:notes>
+</file>
+
+<file path=ppt/notesSlides/notesSlide2.xml><?xml version="1.0" encoding="utf-8"?>
+<p:notes xmlns:a="http://schemas.openxmlformats.org/drawingml/2006/main" xmlns:r="http://schemas.openxmlformats.org/officeDocument/2006/relationships" xmlns:p="http://schemas.openxmlformats.org/presentationml/2006/main">
+  <p:cSld>
+    <p:spTree>
+      <p:nvGrpSpPr>
+        <p:cNvPr id="1" name=""/>
+        <p:cNvGrpSpPr/>
+        <p:nvPr/>
+      </p:nvGrpSpPr>
+      <p:grpSpPr>
+        <a:xfrm>
+          <a:off x="0" y="0"/>
+          <a:ext cx="0" cy="0"/>
+          <a:chOff x="0" y="0"/>
+          <a:chExt cx="0" cy="0"/>
+        </a:xfrm>
+      </p:grpSpPr>
+      <p:sp>
+        <p:nvSpPr>
+          <p:cNvPr id="2" name="スライド イメージ プレースホルダー 1"/>
+          <p:cNvSpPr>
+            <a:spLocks noGrp="1" noRot="1" noChangeAspect="1"/>
+          </p:cNvSpPr>
+          <p:nvPr>
+            <p:ph type="sldImg"/>
+          </p:nvPr>
+        </p:nvSpPr>
+        <p:spPr/>
+      </p:sp>
+      <p:sp>
+        <p:nvSpPr>
+          <p:cNvPr id="3" name="ノート プレースホルダー 2"/>
+          <p:cNvSpPr>
+            <a:spLocks noGrp="1"/>
+          </p:cNvSpPr>
+          <p:nvPr>
+            <p:ph type="body" idx="1"/>
+          </p:nvPr>
+        </p:nvSpPr>
+        <p:spPr/>
+        <p:txBody>
+          <a:bodyPr/>
+          <a:lstStyle/>
+          <a:p>
+            <a:endParaRPr kumimoji="1" lang="ja-JP" altLang="en-US" dirty="0"/>
+          </a:p>
+        </p:txBody>
+      </p:sp>
+      <p:sp>
+        <p:nvSpPr>
+          <p:cNvPr id="4" name="スライド番号プレースホルダー 3"/>
+          <p:cNvSpPr>
+            <a:spLocks noGrp="1"/>
+          </p:cNvSpPr>
+          <p:nvPr>
+            <p:ph type="sldNum" sz="quarter" idx="10"/>
+          </p:nvPr>
+        </p:nvSpPr>
+        <p:spPr/>
+        <p:txBody>
+          <a:bodyPr/>
+          <a:lstStyle/>
+          <a:p>
+            <a:fld id="{4D8D83FB-14EF-4042-A47A-E198C4F09221}" type="slidenum">
+              <a:rPr kumimoji="1" lang="ja-JP" altLang="en-US" smtClean="0"/>
+              <a:t>6</a:t>
+            </a:fld>
+            <a:endParaRPr kumimoji="1" lang="ja-JP" altLang="en-US"/>
+          </a:p>
+        </p:txBody>
+      </p:sp>
+    </p:spTree>
+    <p:extLst>
+      <p:ext uri="{BB962C8B-B14F-4D97-AF65-F5344CB8AC3E}">
+        <p14:creationId xmlns:p14="http://schemas.microsoft.com/office/powerpoint/2010/main" val="145361914"/>
+      </p:ext>
+    </p:extLst>
+  </p:cSld>
+  <p:clrMapOvr>
+    <a:masterClrMapping/>
+  </p:clrMapOvr>
+</p:notes>
+</file>
+
 <file path=ppt/slideLayouts/slideLayout1.xml><?xml version="1.0" encoding="utf-8"?>
 <p:sldLayout xmlns:a="http://schemas.openxmlformats.org/drawingml/2006/main" xmlns:r="http://schemas.openxmlformats.org/officeDocument/2006/relationships" xmlns:p="http://schemas.openxmlformats.org/presentationml/2006/main" type="title" preserve="1">
   <p:cSld name="タイトル スライド">
@@ -252,7 +810,7 @@
           <a:p>
             <a:fld id="{70E1B586-A8BD-4333-A42D-47BDB602A482}" type="datetimeFigureOut">
               <a:rPr kumimoji="1" lang="ja-JP" altLang="en-US" smtClean="0"/>
-              <a:t>2017/9/18</a:t>
+              <a:t>2017/9/26</a:t>
             </a:fld>
             <a:endParaRPr kumimoji="1" lang="ja-JP" altLang="en-US" dirty="0"/>
           </a:p>
@@ -454,7 +1012,7 @@
           <a:p>
             <a:fld id="{70E1B586-A8BD-4333-A42D-47BDB602A482}" type="datetimeFigureOut">
               <a:rPr kumimoji="1" lang="ja-JP" altLang="en-US" smtClean="0"/>
-              <a:t>2017/9/18</a:t>
+              <a:t>2017/9/26</a:t>
             </a:fld>
             <a:endParaRPr kumimoji="1" lang="ja-JP" altLang="en-US" dirty="0"/>
           </a:p>
@@ -666,7 +1224,7 @@
           <a:p>
             <a:fld id="{70E1B586-A8BD-4333-A42D-47BDB602A482}" type="datetimeFigureOut">
               <a:rPr kumimoji="1" lang="ja-JP" altLang="en-US" smtClean="0"/>
-              <a:t>2017/9/18</a:t>
+              <a:t>2017/9/26</a:t>
             </a:fld>
             <a:endParaRPr kumimoji="1" lang="ja-JP" altLang="en-US" dirty="0"/>
           </a:p>
@@ -868,7 +1426,7 @@
           <a:p>
             <a:fld id="{70E1B586-A8BD-4333-A42D-47BDB602A482}" type="datetimeFigureOut">
               <a:rPr kumimoji="1" lang="ja-JP" altLang="en-US" smtClean="0"/>
-              <a:t>2017/9/18</a:t>
+              <a:t>2017/9/26</a:t>
             </a:fld>
             <a:endParaRPr kumimoji="1" lang="ja-JP" altLang="en-US" dirty="0"/>
           </a:p>
@@ -1114,7 +1672,7 @@
           <a:p>
             <a:fld id="{70E1B586-A8BD-4333-A42D-47BDB602A482}" type="datetimeFigureOut">
               <a:rPr kumimoji="1" lang="ja-JP" altLang="en-US" smtClean="0"/>
-              <a:t>2017/9/18</a:t>
+              <a:t>2017/9/26</a:t>
             </a:fld>
             <a:endParaRPr kumimoji="1" lang="ja-JP" altLang="en-US" dirty="0"/>
           </a:p>
@@ -1410,7 +1968,7 @@
           <a:p>
             <a:fld id="{70E1B586-A8BD-4333-A42D-47BDB602A482}" type="datetimeFigureOut">
               <a:rPr kumimoji="1" lang="ja-JP" altLang="en-US" smtClean="0"/>
-              <a:t>2017/9/18</a:t>
+              <a:t>2017/9/26</a:t>
             </a:fld>
             <a:endParaRPr kumimoji="1" lang="ja-JP" altLang="en-US" dirty="0"/>
           </a:p>
@@ -1841,7 +2399,7 @@
           <a:p>
             <a:fld id="{70E1B586-A8BD-4333-A42D-47BDB602A482}" type="datetimeFigureOut">
               <a:rPr kumimoji="1" lang="ja-JP" altLang="en-US" smtClean="0"/>
-              <a:t>2017/9/18</a:t>
+              <a:t>2017/9/26</a:t>
             </a:fld>
             <a:endParaRPr kumimoji="1" lang="ja-JP" altLang="en-US" dirty="0"/>
           </a:p>
@@ -1959,7 +2517,7 @@
           <a:p>
             <a:fld id="{70E1B586-A8BD-4333-A42D-47BDB602A482}" type="datetimeFigureOut">
               <a:rPr kumimoji="1" lang="ja-JP" altLang="en-US" smtClean="0"/>
-              <a:t>2017/9/18</a:t>
+              <a:t>2017/9/26</a:t>
             </a:fld>
             <a:endParaRPr kumimoji="1" lang="ja-JP" altLang="en-US" dirty="0"/>
           </a:p>
@@ -2054,7 +2612,7 @@
           <a:p>
             <a:fld id="{70E1B586-A8BD-4333-A42D-47BDB602A482}" type="datetimeFigureOut">
               <a:rPr kumimoji="1" lang="ja-JP" altLang="en-US" smtClean="0"/>
-              <a:t>2017/9/18</a:t>
+              <a:t>2017/9/26</a:t>
             </a:fld>
             <a:endParaRPr kumimoji="1" lang="ja-JP" altLang="en-US" dirty="0"/>
           </a:p>
@@ -2363,7 +2921,7 @@
           <a:p>
             <a:fld id="{70E1B586-A8BD-4333-A42D-47BDB602A482}" type="datetimeFigureOut">
               <a:rPr kumimoji="1" lang="ja-JP" altLang="en-US" smtClean="0"/>
-              <a:t>2017/9/18</a:t>
+              <a:t>2017/9/26</a:t>
             </a:fld>
             <a:endParaRPr kumimoji="1" lang="ja-JP" altLang="en-US" dirty="0"/>
           </a:p>
@@ -2616,7 +3174,7 @@
           <a:p>
             <a:fld id="{70E1B586-A8BD-4333-A42D-47BDB602A482}" type="datetimeFigureOut">
               <a:rPr kumimoji="1" lang="ja-JP" altLang="en-US" smtClean="0"/>
-              <a:t>2017/9/18</a:t>
+              <a:t>2017/9/26</a:t>
             </a:fld>
             <a:endParaRPr kumimoji="1" lang="ja-JP" altLang="en-US" dirty="0"/>
           </a:p>
@@ -2871,7 +3429,7 @@
           <a:p>
             <a:fld id="{70E1B586-A8BD-4333-A42D-47BDB602A482}" type="datetimeFigureOut">
               <a:rPr kumimoji="1" lang="ja-JP" altLang="en-US" smtClean="0"/>
-              <a:t>2017/9/18</a:t>
+              <a:t>2017/9/26</a:t>
             </a:fld>
             <a:endParaRPr kumimoji="1" lang="ja-JP" altLang="en-US" dirty="0"/>
           </a:p>
@@ -3435,34 +3993,34 @@
                 <a:latin typeface="ＭＳ ゴシック" panose="020B0609070205080204" pitchFamily="49" charset="-128"/>
                 <a:ea typeface="ＭＳ ゴシック" panose="020B0609070205080204" pitchFamily="49" charset="-128"/>
               </a:rPr>
-              <a:t>プラットフォーム：</a:t>
-            </a:r>
-            <a:r>
-              <a:rPr lang="en-US" altLang="ja-JP" sz="3600" b="1" dirty="0" smtClean="0">
-                <a:latin typeface="ＭＳ ゴシック" panose="020B0609070205080204" pitchFamily="49" charset="-128"/>
-                <a:ea typeface="ＭＳ ゴシック" panose="020B0609070205080204" pitchFamily="49" charset="-128"/>
-              </a:rPr>
-              <a:t>PC</a:t>
-            </a:r>
+              <a:t>プラットフォーム：ＰＣ</a:t>
+            </a:r>
+            <a:endParaRPr lang="en-US" altLang="ja-JP" sz="3600" b="1" dirty="0">
+              <a:latin typeface="ＭＳ ゴシック" panose="020B0609070205080204" pitchFamily="49" charset="-128"/>
+              <a:ea typeface="ＭＳ ゴシック" panose="020B0609070205080204" pitchFamily="49" charset="-128"/>
+            </a:endParaRPr>
+          </a:p>
+          <a:p>
             <a:r>
               <a:rPr lang="ja-JP" altLang="en-US" sz="3600" b="1" dirty="0" smtClean="0">
                 <a:latin typeface="ＭＳ ゴシック" panose="020B0609070205080204" pitchFamily="49" charset="-128"/>
                 <a:ea typeface="ＭＳ ゴシック" panose="020B0609070205080204" pitchFamily="49" charset="-128"/>
               </a:rPr>
-              <a:t>　４台</a:t>
-            </a:r>
-            <a:endParaRPr lang="en-US" altLang="ja-JP" sz="3600" b="1" dirty="0" smtClean="0">
-              <a:latin typeface="ＭＳ ゴシック" panose="020B0609070205080204" pitchFamily="49" charset="-128"/>
-              <a:ea typeface="ＭＳ ゴシック" panose="020B0609070205080204" pitchFamily="49" charset="-128"/>
-            </a:endParaRPr>
-          </a:p>
-          <a:p>
+              <a:t>ジャンル　　　　：３</a:t>
+            </a:r>
+            <a:r>
+              <a:rPr lang="ja-JP" altLang="en-US" sz="3600" b="1" dirty="0">
+                <a:latin typeface="ＭＳ ゴシック" panose="020B0609070205080204" pitchFamily="49" charset="-128"/>
+                <a:ea typeface="ＭＳ ゴシック" panose="020B0609070205080204" pitchFamily="49" charset="-128"/>
+              </a:rPr>
+              <a:t>Ｄ</a:t>
+            </a:r>
             <a:r>
               <a:rPr lang="ja-JP" altLang="en-US" sz="3600" b="1" dirty="0" smtClean="0">
                 <a:latin typeface="ＭＳ ゴシック" panose="020B0609070205080204" pitchFamily="49" charset="-128"/>
                 <a:ea typeface="ＭＳ ゴシック" panose="020B0609070205080204" pitchFamily="49" charset="-128"/>
               </a:rPr>
-              <a:t>ジャンル　　　　：対戦アクション</a:t>
+              <a:t>アクション</a:t>
             </a:r>
             <a:endParaRPr lang="en-US" altLang="ja-JP" sz="3600" b="1" dirty="0" smtClean="0">
               <a:latin typeface="ＭＳ ゴシック" panose="020B0609070205080204" pitchFamily="49" charset="-128"/>
@@ -3503,14 +4061,14 @@
       </p:grpSpPr>
       <p:sp>
         <p:nvSpPr>
-          <p:cNvPr id="33" name="正方形/長方形 32"/>
+          <p:cNvPr id="8" name="正方形/長方形 7"/>
           <p:cNvSpPr/>
           <p:nvPr/>
         </p:nvSpPr>
         <p:spPr>
           <a:xfrm>
-            <a:off x="8529476" y="4015368"/>
-            <a:ext cx="2022409" cy="445985"/>
+            <a:off x="304791" y="1048269"/>
+            <a:ext cx="11164345" cy="1109824"/>
           </a:xfrm>
           <a:prstGeom prst="rect">
             <a:avLst/>
@@ -3545,20 +4103,24 @@
           <a:lstStyle/>
           <a:p>
             <a:pPr algn="ctr"/>
-            <a:endParaRPr kumimoji="1" lang="ja-JP" altLang="en-US" dirty="0"/>
-          </a:p>
-        </p:txBody>
-      </p:sp>
-      <p:sp>
-        <p:nvSpPr>
-          <p:cNvPr id="32" name="正方形/長方形 31"/>
+            <a:endParaRPr kumimoji="1" lang="ja-JP" altLang="en-US" dirty="0">
+              <a:solidFill>
+                <a:schemeClr val="tx1"/>
+              </a:solidFill>
+            </a:endParaRPr>
+          </a:p>
+        </p:txBody>
+      </p:sp>
+      <p:sp>
+        <p:nvSpPr>
+          <p:cNvPr id="7" name="正方形/長方形 6"/>
           <p:cNvSpPr/>
           <p:nvPr/>
         </p:nvSpPr>
         <p:spPr>
           <a:xfrm>
-            <a:off x="8573626" y="3491269"/>
-            <a:ext cx="3558910" cy="445985"/>
+            <a:off x="0" y="-32606"/>
+            <a:ext cx="12192000" cy="1015663"/>
           </a:xfrm>
           <a:prstGeom prst="rect">
             <a:avLst/>
@@ -3599,14 +4161,50 @@
       </p:sp>
       <p:sp>
         <p:nvSpPr>
-          <p:cNvPr id="29" name="正方形/長方形 28"/>
+          <p:cNvPr id="3" name="テキスト ボックス 2"/>
+          <p:cNvSpPr txBox="1"/>
+          <p:nvPr/>
+        </p:nvSpPr>
+        <p:spPr>
+          <a:xfrm>
+            <a:off x="0" y="0"/>
+            <a:ext cx="7984901" cy="1015663"/>
+          </a:xfrm>
+          <a:prstGeom prst="rect">
+            <a:avLst/>
+          </a:prstGeom>
+          <a:noFill/>
+        </p:spPr>
+        <p:txBody>
+          <a:bodyPr wrap="square" rtlCol="0">
+            <a:spAutoFit/>
+          </a:bodyPr>
+          <a:lstStyle/>
+          <a:p>
+            <a:r>
+              <a:rPr kumimoji="1" lang="ja-JP" altLang="en-US" sz="6000" b="1" dirty="0" smtClean="0">
+                <a:latin typeface="ＭＳ ゴシック" panose="020B0609070205080204" pitchFamily="49" charset="-128"/>
+                <a:ea typeface="ＭＳ ゴシック" panose="020B0609070205080204" pitchFamily="49" charset="-128"/>
+              </a:rPr>
+              <a:t>ゲームシステム</a:t>
+            </a:r>
+            <a:endParaRPr kumimoji="1" lang="ja-JP" altLang="en-US" sz="6000" b="1" dirty="0">
+              <a:latin typeface="ＭＳ ゴシック" panose="020B0609070205080204" pitchFamily="49" charset="-128"/>
+              <a:ea typeface="ＭＳ ゴシック" panose="020B0609070205080204" pitchFamily="49" charset="-128"/>
+            </a:endParaRPr>
+          </a:p>
+        </p:txBody>
+      </p:sp>
+      <p:sp>
+        <p:nvSpPr>
+          <p:cNvPr id="10" name="正方形/長方形 9"/>
           <p:cNvSpPr/>
           <p:nvPr/>
         </p:nvSpPr>
         <p:spPr>
           <a:xfrm>
-            <a:off x="8592457" y="2924511"/>
-            <a:ext cx="3547354" cy="445985"/>
+            <a:off x="339594" y="2496866"/>
+            <a:ext cx="11164345" cy="4155909"/>
           </a:xfrm>
           <a:prstGeom prst="rect">
             <a:avLst/>
@@ -3641,20 +4239,231 @@
           <a:lstStyle/>
           <a:p>
             <a:pPr algn="ctr"/>
-            <a:endParaRPr kumimoji="1" lang="ja-JP" altLang="en-US" dirty="0"/>
-          </a:p>
-        </p:txBody>
-      </p:sp>
-      <p:sp>
-        <p:nvSpPr>
-          <p:cNvPr id="27" name="正方形/長方形 26"/>
+            <a:endParaRPr kumimoji="1" lang="ja-JP" altLang="en-US" dirty="0">
+              <a:solidFill>
+                <a:schemeClr val="tx1"/>
+              </a:solidFill>
+            </a:endParaRPr>
+          </a:p>
+        </p:txBody>
+      </p:sp>
+      <p:sp>
+        <p:nvSpPr>
+          <p:cNvPr id="22" name="テキスト ボックス 21"/>
+          <p:cNvSpPr txBox="1"/>
+          <p:nvPr/>
+        </p:nvSpPr>
+        <p:spPr>
+          <a:xfrm>
+            <a:off x="1739697" y="1064572"/>
+            <a:ext cx="10264012" cy="584775"/>
+          </a:xfrm>
+          <a:prstGeom prst="rect">
+            <a:avLst/>
+          </a:prstGeom>
+          <a:noFill/>
+        </p:spPr>
+        <p:txBody>
+          <a:bodyPr wrap="square" rtlCol="0">
+            <a:spAutoFit/>
+          </a:bodyPr>
+          <a:lstStyle/>
+          <a:p>
+            <a:endParaRPr lang="en-US" altLang="ja-JP" sz="3200" b="1" dirty="0">
+              <a:latin typeface="ＭＳ ゴシック" panose="020B0609070205080204" pitchFamily="49" charset="-128"/>
+              <a:ea typeface="ＭＳ ゴシック" panose="020B0609070205080204" pitchFamily="49" charset="-128"/>
+            </a:endParaRPr>
+          </a:p>
+        </p:txBody>
+      </p:sp>
+      <p:sp>
+        <p:nvSpPr>
+          <p:cNvPr id="26" name="テキスト ボックス 25"/>
+          <p:cNvSpPr txBox="1"/>
+          <p:nvPr/>
+        </p:nvSpPr>
+        <p:spPr>
+          <a:xfrm>
+            <a:off x="305955" y="1064572"/>
+            <a:ext cx="10264012" cy="1077218"/>
+          </a:xfrm>
+          <a:prstGeom prst="rect">
+            <a:avLst/>
+          </a:prstGeom>
+          <a:noFill/>
+        </p:spPr>
+        <p:txBody>
+          <a:bodyPr wrap="square" rtlCol="0">
+            <a:spAutoFit/>
+          </a:bodyPr>
+          <a:lstStyle/>
+          <a:p>
+            <a:r>
+              <a:rPr lang="ja-JP" altLang="en-US" sz="3200" b="1" dirty="0">
+                <a:latin typeface="ＭＳ ゴシック" panose="020B0609070205080204" pitchFamily="49" charset="-128"/>
+                <a:ea typeface="ＭＳ ゴシック" panose="020B0609070205080204" pitchFamily="49" charset="-128"/>
+              </a:rPr>
+              <a:t>買</a:t>
+            </a:r>
+            <a:r>
+              <a:rPr lang="ja-JP" altLang="en-US" sz="3200" b="1" dirty="0" smtClean="0">
+                <a:latin typeface="ＭＳ ゴシック" panose="020B0609070205080204" pitchFamily="49" charset="-128"/>
+                <a:ea typeface="ＭＳ ゴシック" panose="020B0609070205080204" pitchFamily="49" charset="-128"/>
+              </a:rPr>
+              <a:t>いたいものが決まったらレジへ</a:t>
+            </a:r>
+            <a:endParaRPr lang="en-US" altLang="ja-JP" sz="3200" b="1" dirty="0" smtClean="0">
+              <a:latin typeface="ＭＳ ゴシック" panose="020B0609070205080204" pitchFamily="49" charset="-128"/>
+              <a:ea typeface="ＭＳ ゴシック" panose="020B0609070205080204" pitchFamily="49" charset="-128"/>
+            </a:endParaRPr>
+          </a:p>
+          <a:p>
+            <a:r>
+              <a:rPr lang="ja-JP" altLang="en-US" sz="3200" b="1" dirty="0" smtClean="0">
+                <a:latin typeface="ＭＳ ゴシック" panose="020B0609070205080204" pitchFamily="49" charset="-128"/>
+                <a:ea typeface="ＭＳ ゴシック" panose="020B0609070205080204" pitchFamily="49" charset="-128"/>
+              </a:rPr>
+              <a:t>レジへ行くことでレジ袋に入れて一つの物へ</a:t>
+            </a:r>
+            <a:endParaRPr lang="en-US" altLang="ja-JP" sz="3200" b="1" dirty="0" smtClean="0">
+              <a:latin typeface="ＭＳ ゴシック" panose="020B0609070205080204" pitchFamily="49" charset="-128"/>
+              <a:ea typeface="ＭＳ ゴシック" panose="020B0609070205080204" pitchFamily="49" charset="-128"/>
+            </a:endParaRPr>
+          </a:p>
+        </p:txBody>
+      </p:sp>
+      <p:sp>
+        <p:nvSpPr>
+          <p:cNvPr id="32" name="テキスト ボックス 31"/>
+          <p:cNvSpPr txBox="1"/>
+          <p:nvPr/>
+        </p:nvSpPr>
+        <p:spPr>
+          <a:xfrm>
+            <a:off x="505127" y="2922183"/>
+            <a:ext cx="12983689" cy="1569660"/>
+          </a:xfrm>
+          <a:prstGeom prst="rect">
+            <a:avLst/>
+          </a:prstGeom>
+          <a:noFill/>
+        </p:spPr>
+        <p:txBody>
+          <a:bodyPr wrap="square" rtlCol="0">
+            <a:spAutoFit/>
+          </a:bodyPr>
+          <a:lstStyle/>
+          <a:p>
+            <a:r>
+              <a:rPr lang="ja-JP" altLang="en-US" sz="3200" b="1" dirty="0" smtClean="0">
+                <a:latin typeface="ＭＳ ゴシック" panose="020B0609070205080204" pitchFamily="49" charset="-128"/>
+                <a:ea typeface="ＭＳ ゴシック" panose="020B0609070205080204" pitchFamily="49" charset="-128"/>
+              </a:rPr>
+              <a:t>レジ袋に入れたらカートの下のかごへ</a:t>
+            </a:r>
+            <a:endParaRPr lang="en-US" altLang="ja-JP" sz="3200" b="1" dirty="0" smtClean="0">
+              <a:latin typeface="ＭＳ ゴシック" panose="020B0609070205080204" pitchFamily="49" charset="-128"/>
+              <a:ea typeface="ＭＳ ゴシック" panose="020B0609070205080204" pitchFamily="49" charset="-128"/>
+            </a:endParaRPr>
+          </a:p>
+          <a:p>
+            <a:r>
+              <a:rPr lang="ja-JP" altLang="en-US" sz="3200" b="1" dirty="0" smtClean="0">
+                <a:latin typeface="ＭＳ ゴシック" panose="020B0609070205080204" pitchFamily="49" charset="-128"/>
+                <a:ea typeface="ＭＳ ゴシック" panose="020B0609070205080204" pitchFamily="49" charset="-128"/>
+              </a:rPr>
+              <a:t>次のレジから換算されないが落とすと</a:t>
+            </a:r>
+            <a:endParaRPr lang="en-US" altLang="ja-JP" sz="3200" b="1" dirty="0" smtClean="0">
+              <a:latin typeface="ＭＳ ゴシック" panose="020B0609070205080204" pitchFamily="49" charset="-128"/>
+              <a:ea typeface="ＭＳ ゴシック" panose="020B0609070205080204" pitchFamily="49" charset="-128"/>
+            </a:endParaRPr>
+          </a:p>
+          <a:p>
+            <a:r>
+              <a:rPr lang="ja-JP" altLang="en-US" sz="3200" b="1" dirty="0" smtClean="0">
+                <a:latin typeface="ＭＳ ゴシック" panose="020B0609070205080204" pitchFamily="49" charset="-128"/>
+                <a:ea typeface="ＭＳ ゴシック" panose="020B0609070205080204" pitchFamily="49" charset="-128"/>
+              </a:rPr>
+              <a:t>スコアにならない！</a:t>
+            </a:r>
+            <a:endParaRPr lang="en-US" altLang="ja-JP" sz="3200" b="1" dirty="0" smtClean="0">
+              <a:latin typeface="ＭＳ ゴシック" panose="020B0609070205080204" pitchFamily="49" charset="-128"/>
+              <a:ea typeface="ＭＳ ゴシック" panose="020B0609070205080204" pitchFamily="49" charset="-128"/>
+            </a:endParaRPr>
+          </a:p>
+        </p:txBody>
+      </p:sp>
+      <p:pic>
+        <p:nvPicPr>
+          <p:cNvPr id="4" name="図 3"/>
+          <p:cNvPicPr>
+            <a:picLocks noChangeAspect="1"/>
+          </p:cNvPicPr>
+          <p:nvPr/>
+        </p:nvPicPr>
+        <p:blipFill>
+          <a:blip r:embed="rId2" cstate="print">
+            <a:extLst>
+              <a:ext uri="{28A0092B-C50C-407E-A947-70E740481C1C}">
+                <a14:useLocalDpi xmlns:a14="http://schemas.microsoft.com/office/drawing/2010/main" val="0"/>
+              </a:ext>
+            </a:extLst>
+          </a:blip>
+          <a:stretch>
+            <a:fillRect/>
+          </a:stretch>
+        </p:blipFill>
+        <p:spPr>
+          <a:xfrm rot="222526">
+            <a:off x="7561212" y="3088083"/>
+            <a:ext cx="2442697" cy="3305274"/>
+          </a:xfrm>
+          <a:prstGeom prst="rect">
+            <a:avLst/>
+          </a:prstGeom>
+        </p:spPr>
+      </p:pic>
+    </p:spTree>
+    <p:extLst>
+      <p:ext uri="{BB962C8B-B14F-4D97-AF65-F5344CB8AC3E}">
+        <p14:creationId xmlns:p14="http://schemas.microsoft.com/office/powerpoint/2010/main" val="3196187879"/>
+      </p:ext>
+    </p:extLst>
+  </p:cSld>
+  <p:clrMapOvr>
+    <a:masterClrMapping/>
+  </p:clrMapOvr>
+</p:sld>
+</file>
+
+<file path=ppt/slides/slide11.xml><?xml version="1.0" encoding="utf-8"?>
+<p:sld xmlns:a="http://schemas.openxmlformats.org/drawingml/2006/main" xmlns:r="http://schemas.openxmlformats.org/officeDocument/2006/relationships" xmlns:p="http://schemas.openxmlformats.org/presentationml/2006/main">
+  <p:cSld>
+    <p:spTree>
+      <p:nvGrpSpPr>
+        <p:cNvPr id="1" name=""/>
+        <p:cNvGrpSpPr/>
+        <p:nvPr/>
+      </p:nvGrpSpPr>
+      <p:grpSpPr>
+        <a:xfrm>
+          <a:off x="0" y="0"/>
+          <a:ext cx="0" cy="0"/>
+          <a:chOff x="0" y="0"/>
+          <a:chExt cx="0" cy="0"/>
+        </a:xfrm>
+      </p:grpSpPr>
+      <p:sp>
+        <p:nvSpPr>
+          <p:cNvPr id="16" name="正方形/長方形 15"/>
           <p:cNvSpPr/>
           <p:nvPr/>
         </p:nvSpPr>
         <p:spPr>
           <a:xfrm>
-            <a:off x="8592457" y="2170525"/>
-            <a:ext cx="1606058" cy="445985"/>
+            <a:off x="0" y="5471711"/>
+            <a:ext cx="12192000" cy="1015663"/>
           </a:xfrm>
           <a:prstGeom prst="rect">
             <a:avLst/>
@@ -3695,14 +4504,14 @@
       </p:sp>
       <p:sp>
         <p:nvSpPr>
-          <p:cNvPr id="26" name="正方形/長方形 25"/>
+          <p:cNvPr id="11" name="正方形/長方形 10"/>
           <p:cNvSpPr/>
           <p:nvPr/>
         </p:nvSpPr>
         <p:spPr>
           <a:xfrm>
-            <a:off x="37965" y="2723614"/>
-            <a:ext cx="3624558" cy="2042144"/>
+            <a:off x="239151" y="1093201"/>
+            <a:ext cx="11495649" cy="691665"/>
           </a:xfrm>
           <a:prstGeom prst="rect">
             <a:avLst/>
@@ -3743,7 +4552,7 @@
       </p:sp>
       <p:sp>
         <p:nvSpPr>
-          <p:cNvPr id="5" name="正方形/長方形 4"/>
+          <p:cNvPr id="6" name="正方形/長方形 5"/>
           <p:cNvSpPr/>
           <p:nvPr/>
         </p:nvSpPr>
@@ -3785,7 +4594,7 @@
           <a:lstStyle/>
           <a:p>
             <a:pPr algn="ctr"/>
-            <a:endParaRPr kumimoji="1" lang="ja-JP" altLang="en-US"/>
+            <a:endParaRPr kumimoji="1" lang="ja-JP" altLang="en-US" dirty="0"/>
           </a:p>
         </p:txBody>
       </p:sp>
@@ -3812,11 +4621,11 @@
           <a:lstStyle/>
           <a:p>
             <a:r>
-              <a:rPr lang="ja-JP" altLang="en-US" sz="6000" b="1" dirty="0" smtClean="0">
+              <a:rPr kumimoji="1" lang="ja-JP" altLang="en-US" sz="6000" b="1" dirty="0" smtClean="0">
                 <a:latin typeface="ＭＳ ゴシック" panose="020B0609070205080204" pitchFamily="49" charset="-128"/>
                 <a:ea typeface="ＭＳ ゴシック" panose="020B0609070205080204" pitchFamily="49" charset="-128"/>
               </a:rPr>
-              <a:t>操作方法</a:t>
+              <a:t>ゲームシステム</a:t>
             </a:r>
             <a:endParaRPr kumimoji="1" lang="ja-JP" altLang="en-US" sz="6000" b="1" dirty="0">
               <a:latin typeface="ＭＳ ゴシック" panose="020B0609070205080204" pitchFamily="49" charset="-128"/>
@@ -3825,9 +4634,45 @@
           </a:p>
         </p:txBody>
       </p:sp>
+      <p:sp>
+        <p:nvSpPr>
+          <p:cNvPr id="5" name="テキスト ボックス 4"/>
+          <p:cNvSpPr txBox="1"/>
+          <p:nvPr/>
+        </p:nvSpPr>
+        <p:spPr>
+          <a:xfrm>
+            <a:off x="239151" y="1146647"/>
+            <a:ext cx="13303875" cy="584775"/>
+          </a:xfrm>
+          <a:prstGeom prst="rect">
+            <a:avLst/>
+          </a:prstGeom>
+          <a:noFill/>
+        </p:spPr>
+        <p:txBody>
+          <a:bodyPr wrap="square" rtlCol="0">
+            <a:spAutoFit/>
+          </a:bodyPr>
+          <a:lstStyle/>
+          <a:p>
+            <a:r>
+              <a:rPr lang="ja-JP" altLang="en-US" sz="3200" b="1" dirty="0" smtClean="0">
+                <a:latin typeface="ＭＳ ゴシック" panose="020B0609070205080204" pitchFamily="49" charset="-128"/>
+                <a:ea typeface="ＭＳ ゴシック" panose="020B0609070205080204" pitchFamily="49" charset="-128"/>
+              </a:rPr>
+              <a:t>カートを乗り換えて高得点を狙え！</a:t>
+            </a:r>
+            <a:endParaRPr lang="en-US" altLang="ja-JP" sz="3200" b="1" dirty="0" smtClean="0">
+              <a:latin typeface="ＭＳ ゴシック" panose="020B0609070205080204" pitchFamily="49" charset="-128"/>
+              <a:ea typeface="ＭＳ ゴシック" panose="020B0609070205080204" pitchFamily="49" charset="-128"/>
+            </a:endParaRPr>
+          </a:p>
+        </p:txBody>
+      </p:sp>
       <p:pic>
         <p:nvPicPr>
-          <p:cNvPr id="6" name="図 5"/>
+          <p:cNvPr id="9" name="図 8"/>
           <p:cNvPicPr>
             <a:picLocks noChangeAspect="1"/>
           </p:cNvPicPr>
@@ -3847,6 +4692,2416 @@
         </p:blipFill>
         <p:spPr>
           <a:xfrm>
+            <a:off x="8996598" y="2050936"/>
+            <a:ext cx="2992517" cy="3277518"/>
+          </a:xfrm>
+          <a:prstGeom prst="rect">
+            <a:avLst/>
+          </a:prstGeom>
+          <a:ln w="38100">
+            <a:solidFill>
+              <a:schemeClr val="tx1"/>
+            </a:solidFill>
+          </a:ln>
+        </p:spPr>
+      </p:pic>
+      <p:pic>
+        <p:nvPicPr>
+          <p:cNvPr id="10" name="図 9"/>
+          <p:cNvPicPr>
+            <a:picLocks noChangeAspect="1"/>
+          </p:cNvPicPr>
+          <p:nvPr/>
+        </p:nvPicPr>
+        <p:blipFill>
+          <a:blip r:embed="rId3">
+            <a:extLst>
+              <a:ext uri="{28A0092B-C50C-407E-A947-70E740481C1C}">
+                <a14:useLocalDpi xmlns:a14="http://schemas.microsoft.com/office/drawing/2010/main" val="0"/>
+              </a:ext>
+            </a:extLst>
+          </a:blip>
+          <a:stretch>
+            <a:fillRect/>
+          </a:stretch>
+        </p:blipFill>
+        <p:spPr>
+          <a:xfrm>
+            <a:off x="5247241" y="1838312"/>
+            <a:ext cx="2545959" cy="3455776"/>
+          </a:xfrm>
+          <a:prstGeom prst="rect">
+            <a:avLst/>
+          </a:prstGeom>
+        </p:spPr>
+      </p:pic>
+      <p:sp>
+        <p:nvSpPr>
+          <p:cNvPr id="12" name="テキスト ボックス 11"/>
+          <p:cNvSpPr txBox="1"/>
+          <p:nvPr/>
+        </p:nvSpPr>
+        <p:spPr>
+          <a:xfrm>
+            <a:off x="-86064" y="5414909"/>
+            <a:ext cx="4601029" cy="954107"/>
+          </a:xfrm>
+          <a:prstGeom prst="rect">
+            <a:avLst/>
+          </a:prstGeom>
+          <a:noFill/>
+        </p:spPr>
+        <p:txBody>
+          <a:bodyPr wrap="square" rtlCol="0">
+            <a:spAutoFit/>
+          </a:bodyPr>
+          <a:lstStyle/>
+          <a:p>
+            <a:r>
+              <a:rPr lang="ja-JP" altLang="en-US" sz="2800" b="1" dirty="0" smtClean="0">
+                <a:latin typeface="ＭＳ ゴシック" panose="020B0609070205080204" pitchFamily="49" charset="-128"/>
+                <a:ea typeface="ＭＳ ゴシック" panose="020B0609070205080204" pitchFamily="49" charset="-128"/>
+              </a:rPr>
+              <a:t>重いがたくさん乗せられる</a:t>
+            </a:r>
+            <a:endParaRPr lang="en-US" altLang="ja-JP" sz="2800" b="1" dirty="0" smtClean="0">
+              <a:latin typeface="ＭＳ ゴシック" panose="020B0609070205080204" pitchFamily="49" charset="-128"/>
+              <a:ea typeface="ＭＳ ゴシック" panose="020B0609070205080204" pitchFamily="49" charset="-128"/>
+            </a:endParaRPr>
+          </a:p>
+          <a:p>
+            <a:r>
+              <a:rPr lang="ja-JP" altLang="en-US" sz="2800" b="1" dirty="0" smtClean="0">
+                <a:latin typeface="ＭＳ ゴシック" panose="020B0609070205080204" pitchFamily="49" charset="-128"/>
+                <a:ea typeface="ＭＳ ゴシック" panose="020B0609070205080204" pitchFamily="49" charset="-128"/>
+              </a:rPr>
+              <a:t>　　</a:t>
+            </a:r>
+            <a:r>
+              <a:rPr lang="ja-JP" altLang="en-US" sz="2800" b="1" dirty="0">
+                <a:latin typeface="ＭＳ ゴシック" panose="020B0609070205080204" pitchFamily="49" charset="-128"/>
+                <a:ea typeface="ＭＳ ゴシック" panose="020B0609070205080204" pitchFamily="49" charset="-128"/>
+              </a:rPr>
+              <a:t>　</a:t>
+            </a:r>
+            <a:r>
+              <a:rPr lang="ja-JP" altLang="en-US" sz="2800" b="1" dirty="0" smtClean="0">
+                <a:latin typeface="ＭＳ ゴシック" panose="020B0609070205080204" pitchFamily="49" charset="-128"/>
+                <a:ea typeface="ＭＳ ゴシック" panose="020B0609070205080204" pitchFamily="49" charset="-128"/>
+              </a:rPr>
+              <a:t>大型カート</a:t>
+            </a:r>
+            <a:endParaRPr lang="en-US" altLang="ja-JP" sz="2800" b="1" dirty="0" smtClean="0">
+              <a:latin typeface="ＭＳ ゴシック" panose="020B0609070205080204" pitchFamily="49" charset="-128"/>
+              <a:ea typeface="ＭＳ ゴシック" panose="020B0609070205080204" pitchFamily="49" charset="-128"/>
+            </a:endParaRPr>
+          </a:p>
+        </p:txBody>
+      </p:sp>
+      <p:sp>
+        <p:nvSpPr>
+          <p:cNvPr id="14" name="テキスト ボックス 13"/>
+          <p:cNvSpPr txBox="1"/>
+          <p:nvPr/>
+        </p:nvSpPr>
+        <p:spPr>
+          <a:xfrm>
+            <a:off x="4395569" y="5387738"/>
+            <a:ext cx="4601029" cy="954107"/>
+          </a:xfrm>
+          <a:prstGeom prst="rect">
+            <a:avLst/>
+          </a:prstGeom>
+          <a:noFill/>
+        </p:spPr>
+        <p:txBody>
+          <a:bodyPr wrap="square" rtlCol="0">
+            <a:spAutoFit/>
+          </a:bodyPr>
+          <a:lstStyle/>
+          <a:p>
+            <a:r>
+              <a:rPr lang="ja-JP" altLang="en-US" sz="2800" b="1" dirty="0" smtClean="0">
+                <a:latin typeface="ＭＳ ゴシック" panose="020B0609070205080204" pitchFamily="49" charset="-128"/>
+                <a:ea typeface="ＭＳ ゴシック" panose="020B0609070205080204" pitchFamily="49" charset="-128"/>
+              </a:rPr>
+              <a:t>　平均的な速さと軽さ</a:t>
+            </a:r>
+            <a:endParaRPr lang="en-US" altLang="ja-JP" sz="2800" b="1" dirty="0" smtClean="0">
+              <a:latin typeface="ＭＳ ゴシック" panose="020B0609070205080204" pitchFamily="49" charset="-128"/>
+              <a:ea typeface="ＭＳ ゴシック" panose="020B0609070205080204" pitchFamily="49" charset="-128"/>
+            </a:endParaRPr>
+          </a:p>
+          <a:p>
+            <a:r>
+              <a:rPr lang="ja-JP" altLang="en-US" sz="2800" b="1" dirty="0">
+                <a:latin typeface="ＭＳ ゴシック" panose="020B0609070205080204" pitchFamily="49" charset="-128"/>
+                <a:ea typeface="ＭＳ ゴシック" panose="020B0609070205080204" pitchFamily="49" charset="-128"/>
+              </a:rPr>
+              <a:t>　</a:t>
+            </a:r>
+            <a:r>
+              <a:rPr lang="ja-JP" altLang="en-US" sz="2800" b="1" dirty="0" smtClean="0">
+                <a:latin typeface="ＭＳ ゴシック" panose="020B0609070205080204" pitchFamily="49" charset="-128"/>
+                <a:ea typeface="ＭＳ ゴシック" panose="020B0609070205080204" pitchFamily="49" charset="-128"/>
+              </a:rPr>
+              <a:t>ショピングカート</a:t>
+            </a:r>
+            <a:endParaRPr lang="en-US" altLang="ja-JP" sz="2800" b="1" dirty="0" smtClean="0">
+              <a:latin typeface="ＭＳ ゴシック" panose="020B0609070205080204" pitchFamily="49" charset="-128"/>
+              <a:ea typeface="ＭＳ ゴシック" panose="020B0609070205080204" pitchFamily="49" charset="-128"/>
+            </a:endParaRPr>
+          </a:p>
+        </p:txBody>
+      </p:sp>
+      <p:sp>
+        <p:nvSpPr>
+          <p:cNvPr id="15" name="テキスト ボックス 14"/>
+          <p:cNvSpPr txBox="1"/>
+          <p:nvPr/>
+        </p:nvSpPr>
+        <p:spPr>
+          <a:xfrm>
+            <a:off x="8873227" y="5387737"/>
+            <a:ext cx="3609374" cy="954107"/>
+          </a:xfrm>
+          <a:prstGeom prst="rect">
+            <a:avLst/>
+          </a:prstGeom>
+          <a:noFill/>
+        </p:spPr>
+        <p:txBody>
+          <a:bodyPr wrap="square" rtlCol="0">
+            <a:spAutoFit/>
+          </a:bodyPr>
+          <a:lstStyle/>
+          <a:p>
+            <a:r>
+              <a:rPr lang="ja-JP" altLang="en-US" sz="2800" b="1" dirty="0" smtClean="0">
+                <a:latin typeface="ＭＳ ゴシック" panose="020B0609070205080204" pitchFamily="49" charset="-128"/>
+                <a:ea typeface="ＭＳ ゴシック" panose="020B0609070205080204" pitchFamily="49" charset="-128"/>
+              </a:rPr>
+              <a:t>速くて小回りの利く</a:t>
+            </a:r>
+            <a:endParaRPr lang="en-US" altLang="ja-JP" sz="2800" b="1" dirty="0" smtClean="0">
+              <a:latin typeface="ＭＳ ゴシック" panose="020B0609070205080204" pitchFamily="49" charset="-128"/>
+              <a:ea typeface="ＭＳ ゴシック" panose="020B0609070205080204" pitchFamily="49" charset="-128"/>
+            </a:endParaRPr>
+          </a:p>
+          <a:p>
+            <a:r>
+              <a:rPr lang="ja-JP" altLang="en-US" sz="2800" b="1" dirty="0" smtClean="0">
+                <a:latin typeface="ＭＳ ゴシック" panose="020B0609070205080204" pitchFamily="49" charset="-128"/>
+                <a:ea typeface="ＭＳ ゴシック" panose="020B0609070205080204" pitchFamily="49" charset="-128"/>
+              </a:rPr>
+              <a:t>　子供用カート</a:t>
+            </a:r>
+            <a:endParaRPr lang="en-US" altLang="ja-JP" sz="2800" b="1" dirty="0" smtClean="0">
+              <a:latin typeface="ＭＳ ゴシック" panose="020B0609070205080204" pitchFamily="49" charset="-128"/>
+              <a:ea typeface="ＭＳ ゴシック" panose="020B0609070205080204" pitchFamily="49" charset="-128"/>
+            </a:endParaRPr>
+          </a:p>
+        </p:txBody>
+      </p:sp>
+      <p:pic>
+        <p:nvPicPr>
+          <p:cNvPr id="2" name="図 1"/>
+          <p:cNvPicPr>
+            <a:picLocks noChangeAspect="1"/>
+          </p:cNvPicPr>
+          <p:nvPr/>
+        </p:nvPicPr>
+        <p:blipFill rotWithShape="1">
+          <a:blip r:embed="rId4">
+            <a:extLst>
+              <a:ext uri="{28A0092B-C50C-407E-A947-70E740481C1C}">
+                <a14:useLocalDpi xmlns:a14="http://schemas.microsoft.com/office/drawing/2010/main" val="0"/>
+              </a:ext>
+            </a:extLst>
+          </a:blip>
+          <a:srcRect l="-12523" t="51282" r="12523" b="410"/>
+          <a:stretch/>
+        </p:blipFill>
+        <p:spPr>
+          <a:xfrm>
+            <a:off x="0" y="2033224"/>
+            <a:ext cx="4156418" cy="3312942"/>
+          </a:xfrm>
+          <a:prstGeom prst="rect">
+            <a:avLst/>
+          </a:prstGeom>
+        </p:spPr>
+      </p:pic>
+    </p:spTree>
+    <p:extLst>
+      <p:ext uri="{BB962C8B-B14F-4D97-AF65-F5344CB8AC3E}">
+        <p14:creationId xmlns:p14="http://schemas.microsoft.com/office/powerpoint/2010/main" val="4234566880"/>
+      </p:ext>
+    </p:extLst>
+  </p:cSld>
+  <p:clrMapOvr>
+    <a:masterClrMapping/>
+  </p:clrMapOvr>
+</p:sld>
+</file>
+
+<file path=ppt/slides/slide12.xml><?xml version="1.0" encoding="utf-8"?>
+<p:sld xmlns:a="http://schemas.openxmlformats.org/drawingml/2006/main" xmlns:r="http://schemas.openxmlformats.org/officeDocument/2006/relationships" xmlns:p="http://schemas.openxmlformats.org/presentationml/2006/main">
+  <p:cSld>
+    <p:spTree>
+      <p:nvGrpSpPr>
+        <p:cNvPr id="1" name=""/>
+        <p:cNvGrpSpPr/>
+        <p:nvPr/>
+      </p:nvGrpSpPr>
+      <p:grpSpPr>
+        <a:xfrm>
+          <a:off x="0" y="0"/>
+          <a:ext cx="0" cy="0"/>
+          <a:chOff x="0" y="0"/>
+          <a:chExt cx="0" cy="0"/>
+        </a:xfrm>
+      </p:grpSpPr>
+      <p:sp>
+        <p:nvSpPr>
+          <p:cNvPr id="7" name="正方形/長方形 6"/>
+          <p:cNvSpPr/>
+          <p:nvPr/>
+        </p:nvSpPr>
+        <p:spPr>
+          <a:xfrm>
+            <a:off x="0" y="-32606"/>
+            <a:ext cx="12192000" cy="1015663"/>
+          </a:xfrm>
+          <a:prstGeom prst="rect">
+            <a:avLst/>
+          </a:prstGeom>
+          <a:solidFill>
+            <a:schemeClr val="bg1"/>
+          </a:solidFill>
+          <a:ln>
+            <a:solidFill>
+              <a:schemeClr val="tx1"/>
+            </a:solidFill>
+          </a:ln>
+        </p:spPr>
+        <p:style>
+          <a:lnRef idx="2">
+            <a:schemeClr val="accent1">
+              <a:shade val="50000"/>
+            </a:schemeClr>
+          </a:lnRef>
+          <a:fillRef idx="1">
+            <a:schemeClr val="accent1"/>
+          </a:fillRef>
+          <a:effectRef idx="0">
+            <a:schemeClr val="accent1"/>
+          </a:effectRef>
+          <a:fontRef idx="minor">
+            <a:schemeClr val="lt1"/>
+          </a:fontRef>
+        </p:style>
+        <p:txBody>
+          <a:bodyPr rtlCol="0" anchor="ctr"/>
+          <a:lstStyle/>
+          <a:p>
+            <a:pPr algn="ctr"/>
+            <a:endParaRPr kumimoji="1" lang="ja-JP" altLang="en-US" dirty="0"/>
+          </a:p>
+        </p:txBody>
+      </p:sp>
+      <p:sp>
+        <p:nvSpPr>
+          <p:cNvPr id="3" name="テキスト ボックス 2"/>
+          <p:cNvSpPr txBox="1"/>
+          <p:nvPr/>
+        </p:nvSpPr>
+        <p:spPr>
+          <a:xfrm>
+            <a:off x="0" y="0"/>
+            <a:ext cx="7984901" cy="1015663"/>
+          </a:xfrm>
+          <a:prstGeom prst="rect">
+            <a:avLst/>
+          </a:prstGeom>
+          <a:noFill/>
+        </p:spPr>
+        <p:txBody>
+          <a:bodyPr wrap="square" rtlCol="0">
+            <a:spAutoFit/>
+          </a:bodyPr>
+          <a:lstStyle/>
+          <a:p>
+            <a:r>
+              <a:rPr kumimoji="1" lang="ja-JP" altLang="en-US" sz="6000" b="1" dirty="0" smtClean="0">
+                <a:latin typeface="ＭＳ ゴシック" panose="020B0609070205080204" pitchFamily="49" charset="-128"/>
+                <a:ea typeface="ＭＳ ゴシック" panose="020B0609070205080204" pitchFamily="49" charset="-128"/>
+              </a:rPr>
+              <a:t>ゲームシステム</a:t>
+            </a:r>
+            <a:endParaRPr kumimoji="1" lang="ja-JP" altLang="en-US" sz="6000" b="1" dirty="0">
+              <a:latin typeface="ＭＳ ゴシック" panose="020B0609070205080204" pitchFamily="49" charset="-128"/>
+              <a:ea typeface="ＭＳ ゴシック" panose="020B0609070205080204" pitchFamily="49" charset="-128"/>
+            </a:endParaRPr>
+          </a:p>
+        </p:txBody>
+      </p:sp>
+      <p:sp>
+        <p:nvSpPr>
+          <p:cNvPr id="10" name="正方形/長方形 9"/>
+          <p:cNvSpPr/>
+          <p:nvPr/>
+        </p:nvSpPr>
+        <p:spPr>
+          <a:xfrm>
+            <a:off x="126609" y="1054208"/>
+            <a:ext cx="11877099" cy="5555597"/>
+          </a:xfrm>
+          <a:prstGeom prst="rect">
+            <a:avLst/>
+          </a:prstGeom>
+          <a:solidFill>
+            <a:schemeClr val="bg1"/>
+          </a:solidFill>
+          <a:ln>
+            <a:solidFill>
+              <a:schemeClr val="tx1"/>
+            </a:solidFill>
+          </a:ln>
+        </p:spPr>
+        <p:style>
+          <a:lnRef idx="2">
+            <a:schemeClr val="accent1">
+              <a:shade val="50000"/>
+            </a:schemeClr>
+          </a:lnRef>
+          <a:fillRef idx="1">
+            <a:schemeClr val="accent1"/>
+          </a:fillRef>
+          <a:effectRef idx="0">
+            <a:schemeClr val="accent1"/>
+          </a:effectRef>
+          <a:fontRef idx="minor">
+            <a:schemeClr val="lt1"/>
+          </a:fontRef>
+        </p:style>
+        <p:txBody>
+          <a:bodyPr rtlCol="0" anchor="ctr"/>
+          <a:lstStyle/>
+          <a:p>
+            <a:pPr algn="ctr"/>
+            <a:endParaRPr kumimoji="1" lang="ja-JP" altLang="en-US" dirty="0">
+              <a:solidFill>
+                <a:schemeClr val="tx1"/>
+              </a:solidFill>
+            </a:endParaRPr>
+          </a:p>
+        </p:txBody>
+      </p:sp>
+      <p:sp>
+        <p:nvSpPr>
+          <p:cNvPr id="22" name="テキスト ボックス 21"/>
+          <p:cNvSpPr txBox="1"/>
+          <p:nvPr/>
+        </p:nvSpPr>
+        <p:spPr>
+          <a:xfrm>
+            <a:off x="1739697" y="1064572"/>
+            <a:ext cx="10264012" cy="584775"/>
+          </a:xfrm>
+          <a:prstGeom prst="rect">
+            <a:avLst/>
+          </a:prstGeom>
+          <a:noFill/>
+        </p:spPr>
+        <p:txBody>
+          <a:bodyPr wrap="square" rtlCol="0">
+            <a:spAutoFit/>
+          </a:bodyPr>
+          <a:lstStyle/>
+          <a:p>
+            <a:endParaRPr lang="en-US" altLang="ja-JP" sz="3200" b="1" dirty="0">
+              <a:latin typeface="ＭＳ ゴシック" panose="020B0609070205080204" pitchFamily="49" charset="-128"/>
+              <a:ea typeface="ＭＳ ゴシック" panose="020B0609070205080204" pitchFamily="49" charset="-128"/>
+            </a:endParaRPr>
+          </a:p>
+        </p:txBody>
+      </p:sp>
+      <p:sp>
+        <p:nvSpPr>
+          <p:cNvPr id="32" name="テキスト ボックス 31"/>
+          <p:cNvSpPr txBox="1"/>
+          <p:nvPr/>
+        </p:nvSpPr>
+        <p:spPr>
+          <a:xfrm>
+            <a:off x="503693" y="1192253"/>
+            <a:ext cx="12983689" cy="1077218"/>
+          </a:xfrm>
+          <a:prstGeom prst="rect">
+            <a:avLst/>
+          </a:prstGeom>
+          <a:noFill/>
+        </p:spPr>
+        <p:txBody>
+          <a:bodyPr wrap="square" rtlCol="0">
+            <a:spAutoFit/>
+          </a:bodyPr>
+          <a:lstStyle/>
+          <a:p>
+            <a:r>
+              <a:rPr lang="ja-JP" altLang="en-US" sz="3200" b="1" dirty="0" smtClean="0">
+                <a:latin typeface="ＭＳ ゴシック" panose="020B0609070205080204" pitchFamily="49" charset="-128"/>
+                <a:ea typeface="ＭＳ ゴシック" panose="020B0609070205080204" pitchFamily="49" charset="-128"/>
+              </a:rPr>
+              <a:t>客にはカートを持った客や子連れの客がいる</a:t>
+            </a:r>
+            <a:endParaRPr lang="en-US" altLang="ja-JP" sz="3200" b="1" dirty="0" smtClean="0">
+              <a:latin typeface="ＭＳ ゴシック" panose="020B0609070205080204" pitchFamily="49" charset="-128"/>
+              <a:ea typeface="ＭＳ ゴシック" panose="020B0609070205080204" pitchFamily="49" charset="-128"/>
+            </a:endParaRPr>
+          </a:p>
+          <a:p>
+            <a:r>
+              <a:rPr lang="ja-JP" altLang="en-US" sz="3200" b="1" dirty="0" smtClean="0">
+                <a:latin typeface="ＭＳ ゴシック" panose="020B0609070205080204" pitchFamily="49" charset="-128"/>
+                <a:ea typeface="ＭＳ ゴシック" panose="020B0609070205080204" pitchFamily="49" charset="-128"/>
+              </a:rPr>
+              <a:t>カートを持った客にはかごを投げつけてジャックできる</a:t>
+            </a:r>
+            <a:endParaRPr lang="en-US" altLang="ja-JP" sz="3200" b="1" dirty="0" smtClean="0">
+              <a:latin typeface="ＭＳ ゴシック" panose="020B0609070205080204" pitchFamily="49" charset="-128"/>
+              <a:ea typeface="ＭＳ ゴシック" panose="020B0609070205080204" pitchFamily="49" charset="-128"/>
+            </a:endParaRPr>
+          </a:p>
+        </p:txBody>
+      </p:sp>
+      <p:pic>
+        <p:nvPicPr>
+          <p:cNvPr id="4" name="図 3"/>
+          <p:cNvPicPr>
+            <a:picLocks noChangeAspect="1"/>
+          </p:cNvPicPr>
+          <p:nvPr/>
+        </p:nvPicPr>
+        <p:blipFill>
+          <a:blip r:embed="rId2" cstate="print">
+            <a:extLst>
+              <a:ext uri="{28A0092B-C50C-407E-A947-70E740481C1C}">
+                <a14:useLocalDpi xmlns:a14="http://schemas.microsoft.com/office/drawing/2010/main" val="0"/>
+              </a:ext>
+            </a:extLst>
+          </a:blip>
+          <a:stretch>
+            <a:fillRect/>
+          </a:stretch>
+        </p:blipFill>
+        <p:spPr>
+          <a:xfrm>
+            <a:off x="696548" y="2623765"/>
+            <a:ext cx="2472008" cy="2416485"/>
+          </a:xfrm>
+          <a:prstGeom prst="rect">
+            <a:avLst/>
+          </a:prstGeom>
+        </p:spPr>
+      </p:pic>
+      <p:pic>
+        <p:nvPicPr>
+          <p:cNvPr id="5" name="図 4"/>
+          <p:cNvPicPr>
+            <a:picLocks noChangeAspect="1"/>
+          </p:cNvPicPr>
+          <p:nvPr/>
+        </p:nvPicPr>
+        <p:blipFill>
+          <a:blip r:embed="rId3" cstate="print">
+            <a:extLst>
+              <a:ext uri="{28A0092B-C50C-407E-A947-70E740481C1C}">
+                <a14:useLocalDpi xmlns:a14="http://schemas.microsoft.com/office/drawing/2010/main" val="0"/>
+              </a:ext>
+            </a:extLst>
+          </a:blip>
+          <a:stretch>
+            <a:fillRect/>
+          </a:stretch>
+        </p:blipFill>
+        <p:spPr>
+          <a:xfrm>
+            <a:off x="4677099" y="2440622"/>
+            <a:ext cx="2283883" cy="2480581"/>
+          </a:xfrm>
+          <a:prstGeom prst="rect">
+            <a:avLst/>
+          </a:prstGeom>
+        </p:spPr>
+      </p:pic>
+      <p:pic>
+        <p:nvPicPr>
+          <p:cNvPr id="6" name="図 5"/>
+          <p:cNvPicPr>
+            <a:picLocks noChangeAspect="1"/>
+          </p:cNvPicPr>
+          <p:nvPr/>
+        </p:nvPicPr>
+        <p:blipFill>
+          <a:blip r:embed="rId4" cstate="print">
+            <a:extLst>
+              <a:ext uri="{28A0092B-C50C-407E-A947-70E740481C1C}">
+                <a14:useLocalDpi xmlns:a14="http://schemas.microsoft.com/office/drawing/2010/main" val="0"/>
+              </a:ext>
+            </a:extLst>
+          </a:blip>
+          <a:stretch>
+            <a:fillRect/>
+          </a:stretch>
+        </p:blipFill>
+        <p:spPr>
+          <a:xfrm>
+            <a:off x="8925940" y="2364546"/>
+            <a:ext cx="1692426" cy="2606081"/>
+          </a:xfrm>
+          <a:prstGeom prst="rect">
+            <a:avLst/>
+          </a:prstGeom>
+        </p:spPr>
+      </p:pic>
+      <p:sp>
+        <p:nvSpPr>
+          <p:cNvPr id="15" name="テキスト ボックス 14"/>
+          <p:cNvSpPr txBox="1"/>
+          <p:nvPr/>
+        </p:nvSpPr>
+        <p:spPr>
+          <a:xfrm>
+            <a:off x="379858" y="5240311"/>
+            <a:ext cx="12983689" cy="1569660"/>
+          </a:xfrm>
+          <a:prstGeom prst="rect">
+            <a:avLst/>
+          </a:prstGeom>
+          <a:noFill/>
+        </p:spPr>
+        <p:txBody>
+          <a:bodyPr wrap="square" rtlCol="0">
+            <a:spAutoFit/>
+          </a:bodyPr>
+          <a:lstStyle/>
+          <a:p>
+            <a:r>
+              <a:rPr lang="ja-JP" altLang="en-US" sz="3200" b="1" dirty="0" smtClean="0">
+                <a:latin typeface="ＭＳ ゴシック" panose="020B0609070205080204" pitchFamily="49" charset="-128"/>
+                <a:ea typeface="ＭＳ ゴシック" panose="020B0609070205080204" pitchFamily="49" charset="-128"/>
+              </a:rPr>
+              <a:t>子連れ</a:t>
+            </a:r>
+            <a:r>
+              <a:rPr lang="ja-JP" altLang="en-US" sz="3200" b="1" dirty="0">
+                <a:latin typeface="ＭＳ ゴシック" panose="020B0609070205080204" pitchFamily="49" charset="-128"/>
+                <a:ea typeface="ＭＳ ゴシック" panose="020B0609070205080204" pitchFamily="49" charset="-128"/>
+              </a:rPr>
+              <a:t>の客は親をカートに</a:t>
+            </a:r>
+            <a:r>
+              <a:rPr lang="ja-JP" altLang="en-US" sz="3200" b="1" dirty="0" smtClean="0">
+                <a:latin typeface="ＭＳ ゴシック" panose="020B0609070205080204" pitchFamily="49" charset="-128"/>
+                <a:ea typeface="ＭＳ ゴシック" panose="020B0609070205080204" pitchFamily="49" charset="-128"/>
+              </a:rPr>
+              <a:t>乗せると後ろに子供がついてくる。</a:t>
+            </a:r>
+            <a:endParaRPr lang="en-US" altLang="ja-JP" sz="3200" b="1" dirty="0" smtClean="0">
+              <a:latin typeface="ＭＳ ゴシック" panose="020B0609070205080204" pitchFamily="49" charset="-128"/>
+              <a:ea typeface="ＭＳ ゴシック" panose="020B0609070205080204" pitchFamily="49" charset="-128"/>
+            </a:endParaRPr>
+          </a:p>
+          <a:p>
+            <a:r>
+              <a:rPr lang="ja-JP" altLang="en-US" sz="3200" b="1" dirty="0">
+                <a:latin typeface="ＭＳ ゴシック" panose="020B0609070205080204" pitchFamily="49" charset="-128"/>
+                <a:ea typeface="ＭＳ ゴシック" panose="020B0609070205080204" pitchFamily="49" charset="-128"/>
+              </a:rPr>
+              <a:t>脚</a:t>
+            </a:r>
+            <a:r>
+              <a:rPr lang="ja-JP" altLang="en-US" sz="3200" b="1" dirty="0" smtClean="0">
+                <a:latin typeface="ＭＳ ゴシック" panose="020B0609070205080204" pitchFamily="49" charset="-128"/>
+                <a:ea typeface="ＭＳ ゴシック" panose="020B0609070205080204" pitchFamily="49" charset="-128"/>
+              </a:rPr>
+              <a:t>は遅いので離れすぎるといなくなってしまう。</a:t>
+            </a:r>
+            <a:endParaRPr lang="en-US" altLang="ja-JP" sz="3200" b="1" dirty="0">
+              <a:latin typeface="ＭＳ ゴシック" panose="020B0609070205080204" pitchFamily="49" charset="-128"/>
+              <a:ea typeface="ＭＳ ゴシック" panose="020B0609070205080204" pitchFamily="49" charset="-128"/>
+            </a:endParaRPr>
+          </a:p>
+          <a:p>
+            <a:endParaRPr lang="en-US" altLang="ja-JP" sz="3200" b="1" dirty="0" smtClean="0">
+              <a:latin typeface="ＭＳ ゴシック" panose="020B0609070205080204" pitchFamily="49" charset="-128"/>
+              <a:ea typeface="ＭＳ ゴシック" panose="020B0609070205080204" pitchFamily="49" charset="-128"/>
+            </a:endParaRPr>
+          </a:p>
+        </p:txBody>
+      </p:sp>
+    </p:spTree>
+    <p:extLst>
+      <p:ext uri="{BB962C8B-B14F-4D97-AF65-F5344CB8AC3E}">
+        <p14:creationId xmlns:p14="http://schemas.microsoft.com/office/powerpoint/2010/main" val="571696591"/>
+      </p:ext>
+    </p:extLst>
+  </p:cSld>
+  <p:clrMapOvr>
+    <a:masterClrMapping/>
+  </p:clrMapOvr>
+</p:sld>
+</file>
+
+<file path=ppt/slides/slide13.xml><?xml version="1.0" encoding="utf-8"?>
+<p:sld xmlns:a="http://schemas.openxmlformats.org/drawingml/2006/main" xmlns:r="http://schemas.openxmlformats.org/officeDocument/2006/relationships" xmlns:p="http://schemas.openxmlformats.org/presentationml/2006/main">
+  <p:cSld>
+    <p:spTree>
+      <p:nvGrpSpPr>
+        <p:cNvPr id="1" name=""/>
+        <p:cNvGrpSpPr/>
+        <p:nvPr/>
+      </p:nvGrpSpPr>
+      <p:grpSpPr>
+        <a:xfrm>
+          <a:off x="0" y="0"/>
+          <a:ext cx="0" cy="0"/>
+          <a:chOff x="0" y="0"/>
+          <a:chExt cx="0" cy="0"/>
+        </a:xfrm>
+      </p:grpSpPr>
+      <p:sp>
+        <p:nvSpPr>
+          <p:cNvPr id="8" name="正方形/長方形 7"/>
+          <p:cNvSpPr/>
+          <p:nvPr/>
+        </p:nvSpPr>
+        <p:spPr>
+          <a:xfrm>
+            <a:off x="304791" y="1048269"/>
+            <a:ext cx="11335666" cy="1109824"/>
+          </a:xfrm>
+          <a:prstGeom prst="rect">
+            <a:avLst/>
+          </a:prstGeom>
+          <a:solidFill>
+            <a:schemeClr val="bg1"/>
+          </a:solidFill>
+          <a:ln>
+            <a:solidFill>
+              <a:schemeClr val="tx1"/>
+            </a:solidFill>
+          </a:ln>
+        </p:spPr>
+        <p:style>
+          <a:lnRef idx="2">
+            <a:schemeClr val="accent1">
+              <a:shade val="50000"/>
+            </a:schemeClr>
+          </a:lnRef>
+          <a:fillRef idx="1">
+            <a:schemeClr val="accent1"/>
+          </a:fillRef>
+          <a:effectRef idx="0">
+            <a:schemeClr val="accent1"/>
+          </a:effectRef>
+          <a:fontRef idx="minor">
+            <a:schemeClr val="lt1"/>
+          </a:fontRef>
+        </p:style>
+        <p:txBody>
+          <a:bodyPr rtlCol="0" anchor="ctr"/>
+          <a:lstStyle/>
+          <a:p>
+            <a:pPr algn="ctr"/>
+            <a:endParaRPr kumimoji="1" lang="ja-JP" altLang="en-US" dirty="0">
+              <a:solidFill>
+                <a:schemeClr val="tx1"/>
+              </a:solidFill>
+            </a:endParaRPr>
+          </a:p>
+        </p:txBody>
+      </p:sp>
+      <p:sp>
+        <p:nvSpPr>
+          <p:cNvPr id="7" name="正方形/長方形 6"/>
+          <p:cNvSpPr/>
+          <p:nvPr/>
+        </p:nvSpPr>
+        <p:spPr>
+          <a:xfrm>
+            <a:off x="0" y="-32606"/>
+            <a:ext cx="12192000" cy="1015663"/>
+          </a:xfrm>
+          <a:prstGeom prst="rect">
+            <a:avLst/>
+          </a:prstGeom>
+          <a:solidFill>
+            <a:schemeClr val="bg1"/>
+          </a:solidFill>
+          <a:ln>
+            <a:solidFill>
+              <a:schemeClr val="tx1"/>
+            </a:solidFill>
+          </a:ln>
+        </p:spPr>
+        <p:style>
+          <a:lnRef idx="2">
+            <a:schemeClr val="accent1">
+              <a:shade val="50000"/>
+            </a:schemeClr>
+          </a:lnRef>
+          <a:fillRef idx="1">
+            <a:schemeClr val="accent1"/>
+          </a:fillRef>
+          <a:effectRef idx="0">
+            <a:schemeClr val="accent1"/>
+          </a:effectRef>
+          <a:fontRef idx="minor">
+            <a:schemeClr val="lt1"/>
+          </a:fontRef>
+        </p:style>
+        <p:txBody>
+          <a:bodyPr rtlCol="0" anchor="ctr"/>
+          <a:lstStyle/>
+          <a:p>
+            <a:pPr algn="ctr"/>
+            <a:endParaRPr kumimoji="1" lang="ja-JP" altLang="en-US" dirty="0"/>
+          </a:p>
+        </p:txBody>
+      </p:sp>
+      <p:sp>
+        <p:nvSpPr>
+          <p:cNvPr id="3" name="テキスト ボックス 2"/>
+          <p:cNvSpPr txBox="1"/>
+          <p:nvPr/>
+        </p:nvSpPr>
+        <p:spPr>
+          <a:xfrm>
+            <a:off x="0" y="0"/>
+            <a:ext cx="7984901" cy="1015663"/>
+          </a:xfrm>
+          <a:prstGeom prst="rect">
+            <a:avLst/>
+          </a:prstGeom>
+          <a:noFill/>
+        </p:spPr>
+        <p:txBody>
+          <a:bodyPr wrap="square" rtlCol="0">
+            <a:spAutoFit/>
+          </a:bodyPr>
+          <a:lstStyle/>
+          <a:p>
+            <a:r>
+              <a:rPr kumimoji="1" lang="ja-JP" altLang="en-US" sz="6000" b="1" dirty="0" smtClean="0">
+                <a:latin typeface="ＭＳ ゴシック" panose="020B0609070205080204" pitchFamily="49" charset="-128"/>
+                <a:ea typeface="ＭＳ ゴシック" panose="020B0609070205080204" pitchFamily="49" charset="-128"/>
+              </a:rPr>
+              <a:t>ゲームシステム</a:t>
+            </a:r>
+            <a:endParaRPr kumimoji="1" lang="ja-JP" altLang="en-US" sz="6000" b="1" dirty="0">
+              <a:latin typeface="ＭＳ ゴシック" panose="020B0609070205080204" pitchFamily="49" charset="-128"/>
+              <a:ea typeface="ＭＳ ゴシック" panose="020B0609070205080204" pitchFamily="49" charset="-128"/>
+            </a:endParaRPr>
+          </a:p>
+        </p:txBody>
+      </p:sp>
+      <p:sp>
+        <p:nvSpPr>
+          <p:cNvPr id="10" name="正方形/長方形 9"/>
+          <p:cNvSpPr/>
+          <p:nvPr/>
+        </p:nvSpPr>
+        <p:spPr>
+          <a:xfrm>
+            <a:off x="339594" y="2496865"/>
+            <a:ext cx="11402463" cy="4154407"/>
+          </a:xfrm>
+          <a:prstGeom prst="rect">
+            <a:avLst/>
+          </a:prstGeom>
+          <a:solidFill>
+            <a:schemeClr val="bg1"/>
+          </a:solidFill>
+          <a:ln>
+            <a:solidFill>
+              <a:schemeClr val="tx1"/>
+            </a:solidFill>
+          </a:ln>
+        </p:spPr>
+        <p:style>
+          <a:lnRef idx="2">
+            <a:schemeClr val="accent1">
+              <a:shade val="50000"/>
+            </a:schemeClr>
+          </a:lnRef>
+          <a:fillRef idx="1">
+            <a:schemeClr val="accent1"/>
+          </a:fillRef>
+          <a:effectRef idx="0">
+            <a:schemeClr val="accent1"/>
+          </a:effectRef>
+          <a:fontRef idx="minor">
+            <a:schemeClr val="lt1"/>
+          </a:fontRef>
+        </p:style>
+        <p:txBody>
+          <a:bodyPr rtlCol="0" anchor="ctr"/>
+          <a:lstStyle/>
+          <a:p>
+            <a:pPr algn="ctr"/>
+            <a:endParaRPr kumimoji="1" lang="ja-JP" altLang="en-US" dirty="0">
+              <a:solidFill>
+                <a:schemeClr val="tx1"/>
+              </a:solidFill>
+            </a:endParaRPr>
+          </a:p>
+        </p:txBody>
+      </p:sp>
+      <p:sp>
+        <p:nvSpPr>
+          <p:cNvPr id="22" name="テキスト ボックス 21"/>
+          <p:cNvSpPr txBox="1"/>
+          <p:nvPr/>
+        </p:nvSpPr>
+        <p:spPr>
+          <a:xfrm>
+            <a:off x="1739697" y="1064572"/>
+            <a:ext cx="10264012" cy="584775"/>
+          </a:xfrm>
+          <a:prstGeom prst="rect">
+            <a:avLst/>
+          </a:prstGeom>
+          <a:noFill/>
+        </p:spPr>
+        <p:txBody>
+          <a:bodyPr wrap="square" rtlCol="0">
+            <a:spAutoFit/>
+          </a:bodyPr>
+          <a:lstStyle/>
+          <a:p>
+            <a:endParaRPr lang="en-US" altLang="ja-JP" sz="3200" b="1" dirty="0">
+              <a:latin typeface="ＭＳ ゴシック" panose="020B0609070205080204" pitchFamily="49" charset="-128"/>
+              <a:ea typeface="ＭＳ ゴシック" panose="020B0609070205080204" pitchFamily="49" charset="-128"/>
+            </a:endParaRPr>
+          </a:p>
+        </p:txBody>
+      </p:sp>
+      <p:sp>
+        <p:nvSpPr>
+          <p:cNvPr id="26" name="テキスト ボックス 25"/>
+          <p:cNvSpPr txBox="1"/>
+          <p:nvPr/>
+        </p:nvSpPr>
+        <p:spPr>
+          <a:xfrm>
+            <a:off x="339594" y="1032051"/>
+            <a:ext cx="10996063" cy="1077218"/>
+          </a:xfrm>
+          <a:prstGeom prst="rect">
+            <a:avLst/>
+          </a:prstGeom>
+          <a:noFill/>
+        </p:spPr>
+        <p:txBody>
+          <a:bodyPr wrap="square" rtlCol="0">
+            <a:spAutoFit/>
+          </a:bodyPr>
+          <a:lstStyle/>
+          <a:p>
+            <a:r>
+              <a:rPr lang="ja-JP" altLang="en-US" sz="3200" b="1" dirty="0" smtClean="0">
+                <a:latin typeface="ＭＳ ゴシック" panose="020B0609070205080204" pitchFamily="49" charset="-128"/>
+                <a:ea typeface="ＭＳ ゴシック" panose="020B0609070205080204" pitchFamily="49" charset="-128"/>
+              </a:rPr>
+              <a:t>カートに人を乗せているのを警備員に発見されると</a:t>
+            </a:r>
+            <a:endParaRPr lang="en-US" altLang="ja-JP" sz="3200" b="1" dirty="0" smtClean="0">
+              <a:latin typeface="ＭＳ ゴシック" panose="020B0609070205080204" pitchFamily="49" charset="-128"/>
+              <a:ea typeface="ＭＳ ゴシック" panose="020B0609070205080204" pitchFamily="49" charset="-128"/>
+            </a:endParaRPr>
+          </a:p>
+          <a:p>
+            <a:r>
+              <a:rPr lang="ja-JP" altLang="en-US" sz="3200" b="1" dirty="0" smtClean="0">
+                <a:latin typeface="ＭＳ ゴシック" panose="020B0609070205080204" pitchFamily="49" charset="-128"/>
+                <a:ea typeface="ＭＳ ゴシック" panose="020B0609070205080204" pitchFamily="49" charset="-128"/>
+              </a:rPr>
+              <a:t>追いかけて来る！</a:t>
+            </a:r>
+            <a:endParaRPr lang="en-US" altLang="ja-JP" sz="3200" b="1" dirty="0" smtClean="0">
+              <a:latin typeface="ＭＳ ゴシック" panose="020B0609070205080204" pitchFamily="49" charset="-128"/>
+              <a:ea typeface="ＭＳ ゴシック" panose="020B0609070205080204" pitchFamily="49" charset="-128"/>
+            </a:endParaRPr>
+          </a:p>
+        </p:txBody>
+      </p:sp>
+      <p:sp>
+        <p:nvSpPr>
+          <p:cNvPr id="32" name="テキスト ボックス 31"/>
+          <p:cNvSpPr txBox="1"/>
+          <p:nvPr/>
+        </p:nvSpPr>
+        <p:spPr>
+          <a:xfrm>
+            <a:off x="548670" y="2587183"/>
+            <a:ext cx="12983689" cy="584775"/>
+          </a:xfrm>
+          <a:prstGeom prst="rect">
+            <a:avLst/>
+          </a:prstGeom>
+          <a:noFill/>
+        </p:spPr>
+        <p:txBody>
+          <a:bodyPr wrap="square" rtlCol="0">
+            <a:spAutoFit/>
+          </a:bodyPr>
+          <a:lstStyle/>
+          <a:p>
+            <a:endParaRPr lang="en-US" altLang="ja-JP" sz="3200" b="1" dirty="0" smtClean="0">
+              <a:latin typeface="ＭＳ ゴシック" panose="020B0609070205080204" pitchFamily="49" charset="-128"/>
+              <a:ea typeface="ＭＳ ゴシック" panose="020B0609070205080204" pitchFamily="49" charset="-128"/>
+            </a:endParaRPr>
+          </a:p>
+        </p:txBody>
+      </p:sp>
+      <p:pic>
+        <p:nvPicPr>
+          <p:cNvPr id="4" name="図 3"/>
+          <p:cNvPicPr>
+            <a:picLocks noChangeAspect="1"/>
+          </p:cNvPicPr>
+          <p:nvPr/>
+        </p:nvPicPr>
+        <p:blipFill>
+          <a:blip r:embed="rId2">
+            <a:extLst>
+              <a:ext uri="{28A0092B-C50C-407E-A947-70E740481C1C}">
+                <a14:useLocalDpi xmlns:a14="http://schemas.microsoft.com/office/drawing/2010/main" val="0"/>
+              </a:ext>
+            </a:extLst>
+          </a:blip>
+          <a:stretch>
+            <a:fillRect/>
+          </a:stretch>
+        </p:blipFill>
+        <p:spPr>
+          <a:xfrm>
+            <a:off x="1956155" y="3510731"/>
+            <a:ext cx="3140542" cy="3140542"/>
+          </a:xfrm>
+          <a:prstGeom prst="rect">
+            <a:avLst/>
+          </a:prstGeom>
+        </p:spPr>
+      </p:pic>
+      <p:sp>
+        <p:nvSpPr>
+          <p:cNvPr id="13" name="正方形/長方形 12"/>
+          <p:cNvSpPr/>
+          <p:nvPr/>
+        </p:nvSpPr>
+        <p:spPr>
+          <a:xfrm>
+            <a:off x="6993762" y="5731336"/>
+            <a:ext cx="4160416" cy="292647"/>
+          </a:xfrm>
+          <a:prstGeom prst="rect">
+            <a:avLst/>
+          </a:prstGeom>
+          <a:solidFill>
+            <a:schemeClr val="accent1">
+              <a:lumMod val="60000"/>
+              <a:lumOff val="40000"/>
+            </a:schemeClr>
+          </a:solidFill>
+        </p:spPr>
+        <p:style>
+          <a:lnRef idx="2">
+            <a:schemeClr val="accent1">
+              <a:shade val="50000"/>
+            </a:schemeClr>
+          </a:lnRef>
+          <a:fillRef idx="1">
+            <a:schemeClr val="accent1"/>
+          </a:fillRef>
+          <a:effectRef idx="0">
+            <a:schemeClr val="accent1"/>
+          </a:effectRef>
+          <a:fontRef idx="minor">
+            <a:schemeClr val="lt1"/>
+          </a:fontRef>
+        </p:style>
+        <p:txBody>
+          <a:bodyPr rtlCol="0" anchor="ctr"/>
+          <a:lstStyle/>
+          <a:p>
+            <a:pPr algn="ctr"/>
+            <a:endParaRPr kumimoji="1" lang="ja-JP" altLang="en-US"/>
+          </a:p>
+        </p:txBody>
+      </p:sp>
+      <p:sp>
+        <p:nvSpPr>
+          <p:cNvPr id="14" name="楕円 13"/>
+          <p:cNvSpPr/>
+          <p:nvPr/>
+        </p:nvSpPr>
+        <p:spPr>
+          <a:xfrm>
+            <a:off x="6486975" y="5554511"/>
+            <a:ext cx="765949" cy="619036"/>
+          </a:xfrm>
+          <a:prstGeom prst="ellipse">
+            <a:avLst/>
+          </a:prstGeom>
+          <a:solidFill>
+            <a:srgbClr val="EA4646"/>
+          </a:solidFill>
+        </p:spPr>
+        <p:style>
+          <a:lnRef idx="2">
+            <a:schemeClr val="accent1">
+              <a:shade val="50000"/>
+            </a:schemeClr>
+          </a:lnRef>
+          <a:fillRef idx="1">
+            <a:schemeClr val="accent1"/>
+          </a:fillRef>
+          <a:effectRef idx="0">
+            <a:schemeClr val="accent1"/>
+          </a:effectRef>
+          <a:fontRef idx="minor">
+            <a:schemeClr val="lt1"/>
+          </a:fontRef>
+        </p:style>
+        <p:txBody>
+          <a:bodyPr rtlCol="0" anchor="ctr"/>
+          <a:lstStyle/>
+          <a:p>
+            <a:pPr algn="ctr"/>
+            <a:endParaRPr kumimoji="1" lang="ja-JP" altLang="en-US"/>
+          </a:p>
+        </p:txBody>
+      </p:sp>
+      <p:pic>
+        <p:nvPicPr>
+          <p:cNvPr id="15" name="図 14"/>
+          <p:cNvPicPr>
+            <a:picLocks noChangeAspect="1"/>
+          </p:cNvPicPr>
+          <p:nvPr/>
+        </p:nvPicPr>
+        <p:blipFill>
+          <a:blip r:embed="rId3" cstate="print">
+            <a:extLst>
+              <a:ext uri="{28A0092B-C50C-407E-A947-70E740481C1C}">
+                <a14:useLocalDpi xmlns:a14="http://schemas.microsoft.com/office/drawing/2010/main" val="0"/>
+              </a:ext>
+            </a:extLst>
+          </a:blip>
+          <a:stretch>
+            <a:fillRect/>
+          </a:stretch>
+        </p:blipFill>
+        <p:spPr>
+          <a:xfrm flipH="1">
+            <a:off x="8925026" y="5371848"/>
+            <a:ext cx="878075" cy="1023460"/>
+          </a:xfrm>
+          <a:prstGeom prst="rect">
+            <a:avLst/>
+          </a:prstGeom>
+        </p:spPr>
+      </p:pic>
+      <p:sp>
+        <p:nvSpPr>
+          <p:cNvPr id="16" name="月 15"/>
+          <p:cNvSpPr/>
+          <p:nvPr/>
+        </p:nvSpPr>
+        <p:spPr>
+          <a:xfrm rot="2134749" flipH="1">
+            <a:off x="10709836" y="5536448"/>
+            <a:ext cx="538765" cy="678714"/>
+          </a:xfrm>
+          <a:prstGeom prst="moon">
+            <a:avLst>
+              <a:gd name="adj" fmla="val 51505"/>
+            </a:avLst>
+          </a:prstGeom>
+          <a:solidFill>
+            <a:srgbClr val="FFFF00"/>
+          </a:solidFill>
+        </p:spPr>
+        <p:style>
+          <a:lnRef idx="2">
+            <a:schemeClr val="accent1">
+              <a:shade val="50000"/>
+            </a:schemeClr>
+          </a:lnRef>
+          <a:fillRef idx="1">
+            <a:schemeClr val="accent1"/>
+          </a:fillRef>
+          <a:effectRef idx="0">
+            <a:schemeClr val="accent1"/>
+          </a:effectRef>
+          <a:fontRef idx="minor">
+            <a:schemeClr val="lt1"/>
+          </a:fontRef>
+        </p:style>
+        <p:txBody>
+          <a:bodyPr rtlCol="0" anchor="ctr"/>
+          <a:lstStyle/>
+          <a:p>
+            <a:pPr algn="ctr"/>
+            <a:endParaRPr kumimoji="1" lang="ja-JP" altLang="en-US"/>
+          </a:p>
+        </p:txBody>
+      </p:sp>
+      <p:sp>
+        <p:nvSpPr>
+          <p:cNvPr id="18" name="テキスト ボックス 17"/>
+          <p:cNvSpPr txBox="1"/>
+          <p:nvPr/>
+        </p:nvSpPr>
+        <p:spPr>
+          <a:xfrm>
+            <a:off x="304791" y="2558253"/>
+            <a:ext cx="11437266" cy="1077218"/>
+          </a:xfrm>
+          <a:prstGeom prst="rect">
+            <a:avLst/>
+          </a:prstGeom>
+          <a:noFill/>
+        </p:spPr>
+        <p:txBody>
+          <a:bodyPr wrap="square" rtlCol="0">
+            <a:spAutoFit/>
+          </a:bodyPr>
+          <a:lstStyle/>
+          <a:p>
+            <a:r>
+              <a:rPr lang="ja-JP" altLang="en-US" sz="3200" b="1" dirty="0" smtClean="0">
+                <a:latin typeface="ＭＳ ゴシック" panose="020B0609070205080204" pitchFamily="49" charset="-128"/>
+                <a:ea typeface="ＭＳ ゴシック" panose="020B0609070205080204" pitchFamily="49" charset="-128"/>
+              </a:rPr>
+              <a:t>つかまると出禁にされ、時間が経過するまで入店できない</a:t>
+            </a:r>
+            <a:endParaRPr lang="en-US" altLang="ja-JP" sz="3200" b="1" dirty="0" smtClean="0">
+              <a:latin typeface="ＭＳ ゴシック" panose="020B0609070205080204" pitchFamily="49" charset="-128"/>
+              <a:ea typeface="ＭＳ ゴシック" panose="020B0609070205080204" pitchFamily="49" charset="-128"/>
+            </a:endParaRPr>
+          </a:p>
+          <a:p>
+            <a:r>
+              <a:rPr lang="ja-JP" altLang="en-US" sz="3200" b="1" dirty="0" smtClean="0">
+                <a:latin typeface="ＭＳ ゴシック" panose="020B0609070205080204" pitchFamily="49" charset="-128"/>
+                <a:ea typeface="ＭＳ ゴシック" panose="020B0609070205080204" pitchFamily="49" charset="-128"/>
+              </a:rPr>
+              <a:t>店員は人を乗せるとこを発見すると叫んで警備員を呼ぶ！</a:t>
+            </a:r>
+            <a:endParaRPr lang="en-US" altLang="ja-JP" sz="3200" b="1" dirty="0" smtClean="0">
+              <a:latin typeface="ＭＳ ゴシック" panose="020B0609070205080204" pitchFamily="49" charset="-128"/>
+              <a:ea typeface="ＭＳ ゴシック" panose="020B0609070205080204" pitchFamily="49" charset="-128"/>
+            </a:endParaRPr>
+          </a:p>
+        </p:txBody>
+      </p:sp>
+      <p:pic>
+        <p:nvPicPr>
+          <p:cNvPr id="5" name="図 4"/>
+          <p:cNvPicPr>
+            <a:picLocks noChangeAspect="1"/>
+          </p:cNvPicPr>
+          <p:nvPr/>
+        </p:nvPicPr>
+        <p:blipFill>
+          <a:blip r:embed="rId4">
+            <a:extLst>
+              <a:ext uri="{28A0092B-C50C-407E-A947-70E740481C1C}">
+                <a14:useLocalDpi xmlns:a14="http://schemas.microsoft.com/office/drawing/2010/main" val="0"/>
+              </a:ext>
+            </a:extLst>
+          </a:blip>
+          <a:stretch>
+            <a:fillRect/>
+          </a:stretch>
+        </p:blipFill>
+        <p:spPr>
+          <a:xfrm>
+            <a:off x="654070" y="3670641"/>
+            <a:ext cx="1553175" cy="2847487"/>
+          </a:xfrm>
+          <a:prstGeom prst="rect">
+            <a:avLst/>
+          </a:prstGeom>
+        </p:spPr>
+      </p:pic>
+    </p:spTree>
+    <p:extLst>
+      <p:ext uri="{BB962C8B-B14F-4D97-AF65-F5344CB8AC3E}">
+        <p14:creationId xmlns:p14="http://schemas.microsoft.com/office/powerpoint/2010/main" val="3609582055"/>
+      </p:ext>
+    </p:extLst>
+  </p:cSld>
+  <p:clrMapOvr>
+    <a:masterClrMapping/>
+  </p:clrMapOvr>
+</p:sld>
+</file>
+
+<file path=ppt/slides/slide14.xml><?xml version="1.0" encoding="utf-8"?>
+<p:sld xmlns:a="http://schemas.openxmlformats.org/drawingml/2006/main" xmlns:r="http://schemas.openxmlformats.org/officeDocument/2006/relationships" xmlns:p="http://schemas.openxmlformats.org/presentationml/2006/main">
+  <p:cSld>
+    <p:spTree>
+      <p:nvGrpSpPr>
+        <p:cNvPr id="1" name=""/>
+        <p:cNvGrpSpPr/>
+        <p:nvPr/>
+      </p:nvGrpSpPr>
+      <p:grpSpPr>
+        <a:xfrm>
+          <a:off x="0" y="0"/>
+          <a:ext cx="0" cy="0"/>
+          <a:chOff x="0" y="0"/>
+          <a:chExt cx="0" cy="0"/>
+        </a:xfrm>
+      </p:grpSpPr>
+      <p:sp>
+        <p:nvSpPr>
+          <p:cNvPr id="10" name="正方形/長方形 9"/>
+          <p:cNvSpPr/>
+          <p:nvPr/>
+        </p:nvSpPr>
+        <p:spPr>
+          <a:xfrm>
+            <a:off x="218791" y="2431685"/>
+            <a:ext cx="11402463" cy="4302944"/>
+          </a:xfrm>
+          <a:prstGeom prst="rect">
+            <a:avLst/>
+          </a:prstGeom>
+          <a:solidFill>
+            <a:schemeClr val="bg1"/>
+          </a:solidFill>
+          <a:ln>
+            <a:solidFill>
+              <a:schemeClr val="tx1"/>
+            </a:solidFill>
+          </a:ln>
+          <a:effectLst>
+            <a:glow rad="101600">
+              <a:schemeClr val="accent1">
+                <a:alpha val="40000"/>
+              </a:schemeClr>
+            </a:glow>
+          </a:effectLst>
+        </p:spPr>
+        <p:style>
+          <a:lnRef idx="2">
+            <a:schemeClr val="accent1">
+              <a:shade val="50000"/>
+            </a:schemeClr>
+          </a:lnRef>
+          <a:fillRef idx="1">
+            <a:schemeClr val="accent1"/>
+          </a:fillRef>
+          <a:effectRef idx="0">
+            <a:schemeClr val="accent1"/>
+          </a:effectRef>
+          <a:fontRef idx="minor">
+            <a:schemeClr val="lt1"/>
+          </a:fontRef>
+        </p:style>
+        <p:txBody>
+          <a:bodyPr rtlCol="0" anchor="ctr"/>
+          <a:lstStyle/>
+          <a:p>
+            <a:pPr algn="ctr"/>
+            <a:endParaRPr kumimoji="1" lang="ja-JP" altLang="en-US" dirty="0">
+              <a:solidFill>
+                <a:schemeClr val="tx1"/>
+              </a:solidFill>
+            </a:endParaRPr>
+          </a:p>
+        </p:txBody>
+      </p:sp>
+      <p:pic>
+        <p:nvPicPr>
+          <p:cNvPr id="21" name="図 20"/>
+          <p:cNvPicPr>
+            <a:picLocks noChangeAspect="1"/>
+          </p:cNvPicPr>
+          <p:nvPr/>
+        </p:nvPicPr>
+        <p:blipFill>
+          <a:blip r:embed="rId2" cstate="print">
+            <a:extLst>
+              <a:ext uri="{28A0092B-C50C-407E-A947-70E740481C1C}">
+                <a14:useLocalDpi xmlns:a14="http://schemas.microsoft.com/office/drawing/2010/main" val="0"/>
+              </a:ext>
+            </a:extLst>
+          </a:blip>
+          <a:stretch>
+            <a:fillRect/>
+          </a:stretch>
+        </p:blipFill>
+        <p:spPr>
+          <a:xfrm rot="4916663">
+            <a:off x="9370492" y="5034628"/>
+            <a:ext cx="921366" cy="1590535"/>
+          </a:xfrm>
+          <a:prstGeom prst="rect">
+            <a:avLst/>
+          </a:prstGeom>
+        </p:spPr>
+      </p:pic>
+      <p:pic>
+        <p:nvPicPr>
+          <p:cNvPr id="17" name="図 16"/>
+          <p:cNvPicPr>
+            <a:picLocks noChangeAspect="1"/>
+          </p:cNvPicPr>
+          <p:nvPr/>
+        </p:nvPicPr>
+        <p:blipFill>
+          <a:blip r:embed="rId3" cstate="print">
+            <a:extLst>
+              <a:ext uri="{28A0092B-C50C-407E-A947-70E740481C1C}">
+                <a14:useLocalDpi xmlns:a14="http://schemas.microsoft.com/office/drawing/2010/main" val="0"/>
+              </a:ext>
+            </a:extLst>
+          </a:blip>
+          <a:stretch>
+            <a:fillRect/>
+          </a:stretch>
+        </p:blipFill>
+        <p:spPr>
+          <a:xfrm rot="2349207">
+            <a:off x="9137536" y="4055827"/>
+            <a:ext cx="1175453" cy="1590535"/>
+          </a:xfrm>
+          <a:prstGeom prst="rect">
+            <a:avLst/>
+          </a:prstGeom>
+        </p:spPr>
+      </p:pic>
+      <p:sp>
+        <p:nvSpPr>
+          <p:cNvPr id="8" name="正方形/長方形 7"/>
+          <p:cNvSpPr/>
+          <p:nvPr/>
+        </p:nvSpPr>
+        <p:spPr>
+          <a:xfrm>
+            <a:off x="304791" y="1048269"/>
+            <a:ext cx="11335666" cy="1109824"/>
+          </a:xfrm>
+          <a:prstGeom prst="rect">
+            <a:avLst/>
+          </a:prstGeom>
+          <a:solidFill>
+            <a:schemeClr val="bg1"/>
+          </a:solidFill>
+          <a:ln>
+            <a:solidFill>
+              <a:schemeClr val="tx1"/>
+            </a:solidFill>
+          </a:ln>
+        </p:spPr>
+        <p:style>
+          <a:lnRef idx="2">
+            <a:schemeClr val="accent1">
+              <a:shade val="50000"/>
+            </a:schemeClr>
+          </a:lnRef>
+          <a:fillRef idx="1">
+            <a:schemeClr val="accent1"/>
+          </a:fillRef>
+          <a:effectRef idx="0">
+            <a:schemeClr val="accent1"/>
+          </a:effectRef>
+          <a:fontRef idx="minor">
+            <a:schemeClr val="lt1"/>
+          </a:fontRef>
+        </p:style>
+        <p:txBody>
+          <a:bodyPr rtlCol="0" anchor="ctr"/>
+          <a:lstStyle/>
+          <a:p>
+            <a:pPr algn="ctr"/>
+            <a:endParaRPr kumimoji="1" lang="ja-JP" altLang="en-US" dirty="0">
+              <a:solidFill>
+                <a:schemeClr val="tx1"/>
+              </a:solidFill>
+            </a:endParaRPr>
+          </a:p>
+        </p:txBody>
+      </p:sp>
+      <p:sp>
+        <p:nvSpPr>
+          <p:cNvPr id="7" name="正方形/長方形 6"/>
+          <p:cNvSpPr/>
+          <p:nvPr/>
+        </p:nvSpPr>
+        <p:spPr>
+          <a:xfrm>
+            <a:off x="0" y="-32606"/>
+            <a:ext cx="12192000" cy="1015663"/>
+          </a:xfrm>
+          <a:prstGeom prst="rect">
+            <a:avLst/>
+          </a:prstGeom>
+          <a:solidFill>
+            <a:schemeClr val="bg1"/>
+          </a:solidFill>
+          <a:ln>
+            <a:solidFill>
+              <a:schemeClr val="tx1"/>
+            </a:solidFill>
+          </a:ln>
+        </p:spPr>
+        <p:style>
+          <a:lnRef idx="2">
+            <a:schemeClr val="accent1">
+              <a:shade val="50000"/>
+            </a:schemeClr>
+          </a:lnRef>
+          <a:fillRef idx="1">
+            <a:schemeClr val="accent1"/>
+          </a:fillRef>
+          <a:effectRef idx="0">
+            <a:schemeClr val="accent1"/>
+          </a:effectRef>
+          <a:fontRef idx="minor">
+            <a:schemeClr val="lt1"/>
+          </a:fontRef>
+        </p:style>
+        <p:txBody>
+          <a:bodyPr rtlCol="0" anchor="ctr"/>
+          <a:lstStyle/>
+          <a:p>
+            <a:pPr algn="ctr"/>
+            <a:endParaRPr kumimoji="1" lang="ja-JP" altLang="en-US" dirty="0"/>
+          </a:p>
+        </p:txBody>
+      </p:sp>
+      <p:sp>
+        <p:nvSpPr>
+          <p:cNvPr id="3" name="テキスト ボックス 2"/>
+          <p:cNvSpPr txBox="1"/>
+          <p:nvPr/>
+        </p:nvSpPr>
+        <p:spPr>
+          <a:xfrm>
+            <a:off x="0" y="0"/>
+            <a:ext cx="7984901" cy="1015663"/>
+          </a:xfrm>
+          <a:prstGeom prst="rect">
+            <a:avLst/>
+          </a:prstGeom>
+          <a:noFill/>
+        </p:spPr>
+        <p:txBody>
+          <a:bodyPr wrap="square" rtlCol="0">
+            <a:spAutoFit/>
+          </a:bodyPr>
+          <a:lstStyle/>
+          <a:p>
+            <a:r>
+              <a:rPr kumimoji="1" lang="ja-JP" altLang="en-US" sz="6000" b="1" dirty="0" smtClean="0">
+                <a:latin typeface="ＭＳ ゴシック" panose="020B0609070205080204" pitchFamily="49" charset="-128"/>
+                <a:ea typeface="ＭＳ ゴシック" panose="020B0609070205080204" pitchFamily="49" charset="-128"/>
+              </a:rPr>
+              <a:t>ゲームシステム</a:t>
+            </a:r>
+            <a:endParaRPr kumimoji="1" lang="ja-JP" altLang="en-US" sz="6000" b="1" dirty="0">
+              <a:latin typeface="ＭＳ ゴシック" panose="020B0609070205080204" pitchFamily="49" charset="-128"/>
+              <a:ea typeface="ＭＳ ゴシック" panose="020B0609070205080204" pitchFamily="49" charset="-128"/>
+            </a:endParaRPr>
+          </a:p>
+        </p:txBody>
+      </p:sp>
+      <p:sp>
+        <p:nvSpPr>
+          <p:cNvPr id="22" name="テキスト ボックス 21"/>
+          <p:cNvSpPr txBox="1"/>
+          <p:nvPr/>
+        </p:nvSpPr>
+        <p:spPr>
+          <a:xfrm>
+            <a:off x="1739697" y="1064572"/>
+            <a:ext cx="10264012" cy="584775"/>
+          </a:xfrm>
+          <a:prstGeom prst="rect">
+            <a:avLst/>
+          </a:prstGeom>
+          <a:noFill/>
+        </p:spPr>
+        <p:txBody>
+          <a:bodyPr wrap="square" rtlCol="0">
+            <a:spAutoFit/>
+          </a:bodyPr>
+          <a:lstStyle/>
+          <a:p>
+            <a:endParaRPr lang="en-US" altLang="ja-JP" sz="3200" b="1" dirty="0">
+              <a:latin typeface="ＭＳ ゴシック" panose="020B0609070205080204" pitchFamily="49" charset="-128"/>
+              <a:ea typeface="ＭＳ ゴシック" panose="020B0609070205080204" pitchFamily="49" charset="-128"/>
+            </a:endParaRPr>
+          </a:p>
+        </p:txBody>
+      </p:sp>
+      <p:sp>
+        <p:nvSpPr>
+          <p:cNvPr id="26" name="テキスト ボックス 25"/>
+          <p:cNvSpPr txBox="1"/>
+          <p:nvPr/>
+        </p:nvSpPr>
+        <p:spPr>
+          <a:xfrm>
+            <a:off x="339594" y="1032051"/>
+            <a:ext cx="10996063" cy="1077218"/>
+          </a:xfrm>
+          <a:prstGeom prst="rect">
+            <a:avLst/>
+          </a:prstGeom>
+          <a:noFill/>
+        </p:spPr>
+        <p:txBody>
+          <a:bodyPr wrap="square" rtlCol="0">
+            <a:spAutoFit/>
+          </a:bodyPr>
+          <a:lstStyle/>
+          <a:p>
+            <a:r>
+              <a:rPr lang="ja-JP" altLang="en-US" sz="3200" b="1" dirty="0" smtClean="0">
+                <a:latin typeface="ＭＳ ゴシック" panose="020B0609070205080204" pitchFamily="49" charset="-128"/>
+                <a:ea typeface="ＭＳ ゴシック" panose="020B0609070205080204" pitchFamily="49" charset="-128"/>
+              </a:rPr>
+              <a:t>買い物が終わったらレシートがスコアになる</a:t>
+            </a:r>
+            <a:endParaRPr lang="en-US" altLang="ja-JP" sz="3200" b="1" dirty="0" smtClean="0">
+              <a:latin typeface="ＭＳ ゴシック" panose="020B0609070205080204" pitchFamily="49" charset="-128"/>
+              <a:ea typeface="ＭＳ ゴシック" panose="020B0609070205080204" pitchFamily="49" charset="-128"/>
+            </a:endParaRPr>
+          </a:p>
+          <a:p>
+            <a:r>
+              <a:rPr lang="ja-JP" altLang="en-US" sz="3200" b="1" dirty="0" smtClean="0">
+                <a:latin typeface="ＭＳ ゴシック" panose="020B0609070205080204" pitchFamily="49" charset="-128"/>
+                <a:ea typeface="ＭＳ ゴシック" panose="020B0609070205080204" pitchFamily="49" charset="-128"/>
+              </a:rPr>
+              <a:t>どれだけ特売品を買えたかによってランクが付く</a:t>
+            </a:r>
+            <a:endParaRPr lang="en-US" altLang="ja-JP" sz="3200" b="1" dirty="0">
+              <a:latin typeface="ＭＳ ゴシック" panose="020B0609070205080204" pitchFamily="49" charset="-128"/>
+              <a:ea typeface="ＭＳ ゴシック" panose="020B0609070205080204" pitchFamily="49" charset="-128"/>
+            </a:endParaRPr>
+          </a:p>
+        </p:txBody>
+      </p:sp>
+      <p:sp>
+        <p:nvSpPr>
+          <p:cNvPr id="32" name="テキスト ボックス 31"/>
+          <p:cNvSpPr txBox="1"/>
+          <p:nvPr/>
+        </p:nvSpPr>
+        <p:spPr>
+          <a:xfrm>
+            <a:off x="548670" y="2587183"/>
+            <a:ext cx="12983689" cy="584775"/>
+          </a:xfrm>
+          <a:prstGeom prst="rect">
+            <a:avLst/>
+          </a:prstGeom>
+          <a:noFill/>
+        </p:spPr>
+        <p:txBody>
+          <a:bodyPr wrap="square" rtlCol="0">
+            <a:spAutoFit/>
+          </a:bodyPr>
+          <a:lstStyle/>
+          <a:p>
+            <a:endParaRPr lang="en-US" altLang="ja-JP" sz="3200" b="1" dirty="0" smtClean="0">
+              <a:latin typeface="ＭＳ ゴシック" panose="020B0609070205080204" pitchFamily="49" charset="-128"/>
+              <a:ea typeface="ＭＳ ゴシック" panose="020B0609070205080204" pitchFamily="49" charset="-128"/>
+            </a:endParaRPr>
+          </a:p>
+        </p:txBody>
+      </p:sp>
+      <p:pic>
+        <p:nvPicPr>
+          <p:cNvPr id="15" name="図 14"/>
+          <p:cNvPicPr>
+            <a:picLocks noChangeAspect="1"/>
+          </p:cNvPicPr>
+          <p:nvPr/>
+        </p:nvPicPr>
+        <p:blipFill>
+          <a:blip r:embed="rId4" cstate="print">
+            <a:extLst>
+              <a:ext uri="{28A0092B-C50C-407E-A947-70E740481C1C}">
+                <a14:useLocalDpi xmlns:a14="http://schemas.microsoft.com/office/drawing/2010/main" val="0"/>
+              </a:ext>
+            </a:extLst>
+          </a:blip>
+          <a:stretch>
+            <a:fillRect/>
+          </a:stretch>
+        </p:blipFill>
+        <p:spPr>
+          <a:xfrm flipH="1">
+            <a:off x="8259709" y="4712846"/>
+            <a:ext cx="2137246" cy="1875188"/>
+          </a:xfrm>
+          <a:prstGeom prst="rect">
+            <a:avLst/>
+          </a:prstGeom>
+        </p:spPr>
+      </p:pic>
+      <p:pic>
+        <p:nvPicPr>
+          <p:cNvPr id="19" name="図 18"/>
+          <p:cNvPicPr>
+            <a:picLocks noChangeAspect="1"/>
+          </p:cNvPicPr>
+          <p:nvPr/>
+        </p:nvPicPr>
+        <p:blipFill>
+          <a:blip r:embed="rId3" cstate="print">
+            <a:extLst>
+              <a:ext uri="{28A0092B-C50C-407E-A947-70E740481C1C}">
+                <a14:useLocalDpi xmlns:a14="http://schemas.microsoft.com/office/drawing/2010/main" val="0"/>
+              </a:ext>
+            </a:extLst>
+          </a:blip>
+          <a:stretch>
+            <a:fillRect/>
+          </a:stretch>
+        </p:blipFill>
+        <p:spPr>
+          <a:xfrm rot="4916663">
+            <a:off x="9049427" y="3551892"/>
+            <a:ext cx="1175453" cy="1590535"/>
+          </a:xfrm>
+          <a:prstGeom prst="rect">
+            <a:avLst/>
+          </a:prstGeom>
+        </p:spPr>
+      </p:pic>
+      <p:pic>
+        <p:nvPicPr>
+          <p:cNvPr id="20" name="図 19"/>
+          <p:cNvPicPr>
+            <a:picLocks noChangeAspect="1"/>
+          </p:cNvPicPr>
+          <p:nvPr/>
+        </p:nvPicPr>
+        <p:blipFill>
+          <a:blip r:embed="rId3" cstate="print">
+            <a:extLst>
+              <a:ext uri="{28A0092B-C50C-407E-A947-70E740481C1C}">
+                <a14:useLocalDpi xmlns:a14="http://schemas.microsoft.com/office/drawing/2010/main" val="0"/>
+              </a:ext>
+            </a:extLst>
+          </a:blip>
+          <a:stretch>
+            <a:fillRect/>
+          </a:stretch>
+        </p:blipFill>
+        <p:spPr>
+          <a:xfrm rot="4916663">
+            <a:off x="8994438" y="3382416"/>
+            <a:ext cx="1175453" cy="1590535"/>
+          </a:xfrm>
+          <a:prstGeom prst="rect">
+            <a:avLst/>
+          </a:prstGeom>
+        </p:spPr>
+      </p:pic>
+      <p:sp>
+        <p:nvSpPr>
+          <p:cNvPr id="2" name="正方形/長方形 1"/>
+          <p:cNvSpPr/>
+          <p:nvPr/>
+        </p:nvSpPr>
+        <p:spPr>
+          <a:xfrm>
+            <a:off x="1913869" y="2619788"/>
+            <a:ext cx="3761217" cy="3968245"/>
+          </a:xfrm>
+          <a:prstGeom prst="rect">
+            <a:avLst/>
+          </a:prstGeom>
+          <a:noFill/>
+          <a:ln w="69850">
+            <a:solidFill>
+              <a:schemeClr val="tx1"/>
+            </a:solidFill>
+          </a:ln>
+        </p:spPr>
+        <p:style>
+          <a:lnRef idx="2">
+            <a:schemeClr val="accent1">
+              <a:shade val="50000"/>
+            </a:schemeClr>
+          </a:lnRef>
+          <a:fillRef idx="1">
+            <a:schemeClr val="accent1"/>
+          </a:fillRef>
+          <a:effectRef idx="0">
+            <a:schemeClr val="accent1"/>
+          </a:effectRef>
+          <a:fontRef idx="minor">
+            <a:schemeClr val="lt1"/>
+          </a:fontRef>
+        </p:style>
+        <p:txBody>
+          <a:bodyPr rtlCol="0" anchor="ctr"/>
+          <a:lstStyle/>
+          <a:p>
+            <a:pPr algn="ctr"/>
+            <a:endParaRPr kumimoji="1" lang="ja-JP" altLang="en-US"/>
+          </a:p>
+        </p:txBody>
+      </p:sp>
+      <p:sp>
+        <p:nvSpPr>
+          <p:cNvPr id="6" name="テキスト ボックス 5"/>
+          <p:cNvSpPr txBox="1"/>
+          <p:nvPr/>
+        </p:nvSpPr>
+        <p:spPr>
+          <a:xfrm>
+            <a:off x="2510971" y="2619788"/>
+            <a:ext cx="3585029" cy="646331"/>
+          </a:xfrm>
+          <a:prstGeom prst="rect">
+            <a:avLst/>
+          </a:prstGeom>
+          <a:noFill/>
+        </p:spPr>
+        <p:txBody>
+          <a:bodyPr wrap="square" rtlCol="0">
+            <a:spAutoFit/>
+          </a:bodyPr>
+          <a:lstStyle/>
+          <a:p>
+            <a:r>
+              <a:rPr kumimoji="1" lang="ja-JP" altLang="en-US" sz="3600" b="1" dirty="0" smtClean="0">
+                <a:latin typeface="ＭＳ Ｐゴシック" panose="020B0600070205080204" pitchFamily="50" charset="-128"/>
+                <a:ea typeface="ＭＳ Ｐゴシック" panose="020B0600070205080204" pitchFamily="50" charset="-128"/>
+              </a:rPr>
+              <a:t>ＭＡＲＫＥＴ</a:t>
+            </a:r>
+            <a:endParaRPr kumimoji="1" lang="ja-JP" altLang="en-US" sz="3600" b="1" dirty="0">
+              <a:latin typeface="ＭＳ Ｐゴシック" panose="020B0600070205080204" pitchFamily="50" charset="-128"/>
+              <a:ea typeface="ＭＳ Ｐゴシック" panose="020B0600070205080204" pitchFamily="50" charset="-128"/>
+            </a:endParaRPr>
+          </a:p>
+        </p:txBody>
+      </p:sp>
+      <p:sp>
+        <p:nvSpPr>
+          <p:cNvPr id="23" name="テキスト ボックス 22"/>
+          <p:cNvSpPr txBox="1"/>
+          <p:nvPr/>
+        </p:nvSpPr>
+        <p:spPr>
+          <a:xfrm>
+            <a:off x="2001962" y="3539393"/>
+            <a:ext cx="3585029" cy="1938992"/>
+          </a:xfrm>
+          <a:prstGeom prst="rect">
+            <a:avLst/>
+          </a:prstGeom>
+          <a:noFill/>
+        </p:spPr>
+        <p:txBody>
+          <a:bodyPr wrap="square" rtlCol="0">
+            <a:spAutoFit/>
+          </a:bodyPr>
+          <a:lstStyle/>
+          <a:p>
+            <a:r>
+              <a:rPr kumimoji="1" lang="ja-JP" altLang="en-US" sz="2400" dirty="0" smtClean="0">
+                <a:latin typeface="ＭＳ Ｐゴシック" panose="020B0600070205080204" pitchFamily="50" charset="-128"/>
+                <a:ea typeface="ＭＳ Ｐゴシック" panose="020B0600070205080204" pitchFamily="50" charset="-128"/>
+              </a:rPr>
+              <a:t>特売　ブタ　</a:t>
+            </a:r>
+            <a:r>
+              <a:rPr kumimoji="1" lang="en-US" altLang="ja-JP" sz="2400" dirty="0" smtClean="0">
+                <a:latin typeface="ＭＳ Ｐゴシック" panose="020B0600070205080204" pitchFamily="50" charset="-128"/>
+                <a:ea typeface="ＭＳ Ｐゴシック" panose="020B0600070205080204" pitchFamily="50" charset="-128"/>
+              </a:rPr>
+              <a:t>×</a:t>
+            </a:r>
+            <a:r>
+              <a:rPr kumimoji="1" lang="ja-JP" altLang="en-US" sz="2400" dirty="0" smtClean="0">
+                <a:latin typeface="ＭＳ Ｐゴシック" panose="020B0600070205080204" pitchFamily="50" charset="-128"/>
+                <a:ea typeface="ＭＳ Ｐゴシック" panose="020B0600070205080204" pitchFamily="50" charset="-128"/>
+              </a:rPr>
+              <a:t>１　１０００円</a:t>
+            </a:r>
+            <a:endParaRPr lang="en-US" altLang="ja-JP" sz="2400" dirty="0" smtClean="0">
+              <a:latin typeface="ＭＳ Ｐゴシック" panose="020B0600070205080204" pitchFamily="50" charset="-128"/>
+              <a:ea typeface="ＭＳ Ｐゴシック" panose="020B0600070205080204" pitchFamily="50" charset="-128"/>
+            </a:endParaRPr>
+          </a:p>
+          <a:p>
+            <a:r>
+              <a:rPr lang="ja-JP" altLang="en-US" sz="2400" dirty="0">
+                <a:latin typeface="ＭＳ Ｐゴシック" panose="020B0600070205080204" pitchFamily="50" charset="-128"/>
+                <a:ea typeface="ＭＳ Ｐゴシック" panose="020B0600070205080204" pitchFamily="50" charset="-128"/>
+              </a:rPr>
+              <a:t>特売　</a:t>
+            </a:r>
+            <a:r>
+              <a:rPr lang="ja-JP" altLang="en-US" sz="2400" dirty="0" smtClean="0">
+                <a:latin typeface="ＭＳ Ｐゴシック" panose="020B0600070205080204" pitchFamily="50" charset="-128"/>
+                <a:ea typeface="ＭＳ Ｐゴシック" panose="020B0600070205080204" pitchFamily="50" charset="-128"/>
+              </a:rPr>
+              <a:t>牛　</a:t>
+            </a:r>
+            <a:r>
+              <a:rPr lang="ja-JP" altLang="en-US" sz="2400" dirty="0">
+                <a:latin typeface="ＭＳ Ｐゴシック" panose="020B0600070205080204" pitchFamily="50" charset="-128"/>
+                <a:ea typeface="ＭＳ Ｐゴシック" panose="020B0600070205080204" pitchFamily="50" charset="-128"/>
+              </a:rPr>
+              <a:t>　</a:t>
+            </a:r>
+            <a:r>
+              <a:rPr lang="en-US" altLang="ja-JP" sz="2400" dirty="0">
+                <a:latin typeface="ＭＳ Ｐゴシック" panose="020B0600070205080204" pitchFamily="50" charset="-128"/>
+                <a:ea typeface="ＭＳ Ｐゴシック" panose="020B0600070205080204" pitchFamily="50" charset="-128"/>
+              </a:rPr>
+              <a:t>×</a:t>
+            </a:r>
+            <a:r>
+              <a:rPr lang="ja-JP" altLang="en-US" sz="2400" dirty="0">
+                <a:latin typeface="ＭＳ Ｐゴシック" panose="020B0600070205080204" pitchFamily="50" charset="-128"/>
+                <a:ea typeface="ＭＳ Ｐゴシック" panose="020B0600070205080204" pitchFamily="50" charset="-128"/>
+              </a:rPr>
+              <a:t>１　</a:t>
+            </a:r>
+            <a:r>
+              <a:rPr lang="ja-JP" altLang="en-US" sz="2400" dirty="0" smtClean="0">
+                <a:latin typeface="ＭＳ Ｐゴシック" panose="020B0600070205080204" pitchFamily="50" charset="-128"/>
+                <a:ea typeface="ＭＳ Ｐゴシック" panose="020B0600070205080204" pitchFamily="50" charset="-128"/>
+              </a:rPr>
+              <a:t>３０００円</a:t>
+            </a:r>
+            <a:endParaRPr lang="en-US" altLang="ja-JP" sz="2400" dirty="0">
+              <a:latin typeface="ＭＳ Ｐゴシック" panose="020B0600070205080204" pitchFamily="50" charset="-128"/>
+              <a:ea typeface="ＭＳ Ｐゴシック" panose="020B0600070205080204" pitchFamily="50" charset="-128"/>
+            </a:endParaRPr>
+          </a:p>
+          <a:p>
+            <a:r>
+              <a:rPr lang="ja-JP" altLang="en-US" sz="2400" dirty="0">
+                <a:latin typeface="ＭＳ Ｐゴシック" panose="020B0600070205080204" pitchFamily="50" charset="-128"/>
+                <a:ea typeface="ＭＳ Ｐゴシック" panose="020B0600070205080204" pitchFamily="50" charset="-128"/>
+              </a:rPr>
+              <a:t>特売　</a:t>
+            </a:r>
+            <a:r>
+              <a:rPr lang="ja-JP" altLang="en-US" sz="2400" dirty="0" smtClean="0">
+                <a:latin typeface="ＭＳ Ｐゴシック" panose="020B0600070205080204" pitchFamily="50" charset="-128"/>
+                <a:ea typeface="ＭＳ Ｐゴシック" panose="020B0600070205080204" pitchFamily="50" charset="-128"/>
+              </a:rPr>
+              <a:t>牛　</a:t>
+            </a:r>
+            <a:r>
+              <a:rPr lang="ja-JP" altLang="en-US" sz="2400" dirty="0">
+                <a:latin typeface="ＭＳ Ｐゴシック" panose="020B0600070205080204" pitchFamily="50" charset="-128"/>
+                <a:ea typeface="ＭＳ Ｐゴシック" panose="020B0600070205080204" pitchFamily="50" charset="-128"/>
+              </a:rPr>
+              <a:t>　</a:t>
+            </a:r>
+            <a:r>
+              <a:rPr lang="en-US" altLang="ja-JP" sz="2400" dirty="0">
+                <a:latin typeface="ＭＳ Ｐゴシック" panose="020B0600070205080204" pitchFamily="50" charset="-128"/>
+                <a:ea typeface="ＭＳ Ｐゴシック" panose="020B0600070205080204" pitchFamily="50" charset="-128"/>
+              </a:rPr>
+              <a:t>×</a:t>
+            </a:r>
+            <a:r>
+              <a:rPr lang="ja-JP" altLang="en-US" sz="2400" dirty="0">
+                <a:latin typeface="ＭＳ Ｐゴシック" panose="020B0600070205080204" pitchFamily="50" charset="-128"/>
+                <a:ea typeface="ＭＳ Ｐゴシック" panose="020B0600070205080204" pitchFamily="50" charset="-128"/>
+              </a:rPr>
+              <a:t>１　</a:t>
+            </a:r>
+            <a:r>
+              <a:rPr lang="ja-JP" altLang="en-US" sz="2400" dirty="0" smtClean="0">
+                <a:latin typeface="ＭＳ Ｐゴシック" panose="020B0600070205080204" pitchFamily="50" charset="-128"/>
+                <a:ea typeface="ＭＳ Ｐゴシック" panose="020B0600070205080204" pitchFamily="50" charset="-128"/>
+              </a:rPr>
+              <a:t>３０００円</a:t>
+            </a:r>
+            <a:endParaRPr lang="en-US" altLang="ja-JP" sz="2400" dirty="0">
+              <a:latin typeface="ＭＳ Ｐゴシック" panose="020B0600070205080204" pitchFamily="50" charset="-128"/>
+              <a:ea typeface="ＭＳ Ｐゴシック" panose="020B0600070205080204" pitchFamily="50" charset="-128"/>
+            </a:endParaRPr>
+          </a:p>
+          <a:p>
+            <a:r>
+              <a:rPr lang="ja-JP" altLang="en-US" sz="2400" dirty="0">
+                <a:latin typeface="ＭＳ Ｐゴシック" panose="020B0600070205080204" pitchFamily="50" charset="-128"/>
+                <a:ea typeface="ＭＳ Ｐゴシック" panose="020B0600070205080204" pitchFamily="50" charset="-128"/>
+              </a:rPr>
+              <a:t>特売　鮪　</a:t>
+            </a:r>
+            <a:r>
+              <a:rPr lang="ja-JP" altLang="en-US" sz="2400" dirty="0" smtClean="0">
+                <a:latin typeface="ＭＳ Ｐゴシック" panose="020B0600070205080204" pitchFamily="50" charset="-128"/>
+                <a:ea typeface="ＭＳ Ｐゴシック" panose="020B0600070205080204" pitchFamily="50" charset="-128"/>
+              </a:rPr>
+              <a:t>　</a:t>
+            </a:r>
+            <a:r>
+              <a:rPr lang="en-US" altLang="ja-JP" sz="2400" dirty="0" smtClean="0">
+                <a:latin typeface="ＭＳ Ｐゴシック" panose="020B0600070205080204" pitchFamily="50" charset="-128"/>
+                <a:ea typeface="ＭＳ Ｐゴシック" panose="020B0600070205080204" pitchFamily="50" charset="-128"/>
+              </a:rPr>
+              <a:t>×</a:t>
+            </a:r>
+            <a:r>
+              <a:rPr lang="ja-JP" altLang="en-US" sz="2400" dirty="0">
+                <a:latin typeface="ＭＳ Ｐゴシック" panose="020B0600070205080204" pitchFamily="50" charset="-128"/>
+                <a:ea typeface="ＭＳ Ｐゴシック" panose="020B0600070205080204" pitchFamily="50" charset="-128"/>
+              </a:rPr>
+              <a:t>１　</a:t>
+            </a:r>
+            <a:r>
+              <a:rPr lang="ja-JP" altLang="en-US" sz="2400" dirty="0" smtClean="0">
+                <a:latin typeface="ＭＳ Ｐゴシック" panose="020B0600070205080204" pitchFamily="50" charset="-128"/>
+                <a:ea typeface="ＭＳ Ｐゴシック" panose="020B0600070205080204" pitchFamily="50" charset="-128"/>
+              </a:rPr>
+              <a:t>５０００円</a:t>
+            </a:r>
+            <a:endParaRPr lang="en-US" altLang="ja-JP" sz="2400" dirty="0">
+              <a:latin typeface="ＭＳ Ｐゴシック" panose="020B0600070205080204" pitchFamily="50" charset="-128"/>
+              <a:ea typeface="ＭＳ Ｐゴシック" panose="020B0600070205080204" pitchFamily="50" charset="-128"/>
+            </a:endParaRPr>
+          </a:p>
+          <a:p>
+            <a:r>
+              <a:rPr lang="ja-JP" altLang="en-US" sz="2400" dirty="0">
+                <a:latin typeface="ＭＳ Ｐゴシック" panose="020B0600070205080204" pitchFamily="50" charset="-128"/>
+                <a:ea typeface="ＭＳ Ｐゴシック" panose="020B0600070205080204" pitchFamily="50" charset="-128"/>
+              </a:rPr>
+              <a:t>特売　ブタ　</a:t>
+            </a:r>
+            <a:r>
+              <a:rPr lang="en-US" altLang="ja-JP" sz="2400" dirty="0">
+                <a:latin typeface="ＭＳ Ｐゴシック" panose="020B0600070205080204" pitchFamily="50" charset="-128"/>
+                <a:ea typeface="ＭＳ Ｐゴシック" panose="020B0600070205080204" pitchFamily="50" charset="-128"/>
+              </a:rPr>
+              <a:t>×</a:t>
+            </a:r>
+            <a:r>
+              <a:rPr lang="ja-JP" altLang="en-US" sz="2400" dirty="0">
+                <a:latin typeface="ＭＳ Ｐゴシック" panose="020B0600070205080204" pitchFamily="50" charset="-128"/>
+                <a:ea typeface="ＭＳ Ｐゴシック" panose="020B0600070205080204" pitchFamily="50" charset="-128"/>
+              </a:rPr>
+              <a:t>１　</a:t>
+            </a:r>
+            <a:r>
+              <a:rPr lang="ja-JP" altLang="en-US" sz="2400" dirty="0" smtClean="0">
+                <a:latin typeface="ＭＳ Ｐゴシック" panose="020B0600070205080204" pitchFamily="50" charset="-128"/>
+                <a:ea typeface="ＭＳ Ｐゴシック" panose="020B0600070205080204" pitchFamily="50" charset="-128"/>
+              </a:rPr>
+              <a:t>１０００円</a:t>
+            </a:r>
+            <a:endParaRPr lang="en-US" altLang="ja-JP" sz="2400" dirty="0">
+              <a:latin typeface="ＭＳ Ｐゴシック" panose="020B0600070205080204" pitchFamily="50" charset="-128"/>
+              <a:ea typeface="ＭＳ Ｐゴシック" panose="020B0600070205080204" pitchFamily="50" charset="-128"/>
+            </a:endParaRPr>
+          </a:p>
+        </p:txBody>
+      </p:sp>
+      <p:sp>
+        <p:nvSpPr>
+          <p:cNvPr id="24" name="テキスト ボックス 23"/>
+          <p:cNvSpPr txBox="1"/>
+          <p:nvPr/>
+        </p:nvSpPr>
+        <p:spPr>
+          <a:xfrm>
+            <a:off x="2455796" y="5468317"/>
+            <a:ext cx="3585029" cy="830997"/>
+          </a:xfrm>
+          <a:prstGeom prst="rect">
+            <a:avLst/>
+          </a:prstGeom>
+          <a:noFill/>
+        </p:spPr>
+        <p:txBody>
+          <a:bodyPr wrap="square" rtlCol="0">
+            <a:spAutoFit/>
+          </a:bodyPr>
+          <a:lstStyle/>
+          <a:p>
+            <a:r>
+              <a:rPr lang="ja-JP" altLang="en-US" sz="2400" dirty="0" smtClean="0">
+                <a:latin typeface="ＭＳ Ｐゴシック" panose="020B0600070205080204" pitchFamily="50" charset="-128"/>
+                <a:ea typeface="ＭＳ Ｐゴシック" panose="020B0600070205080204" pitchFamily="50" charset="-128"/>
+              </a:rPr>
+              <a:t>小計　５点　　１３０００円</a:t>
+            </a:r>
+            <a:endParaRPr lang="en-US" altLang="ja-JP" sz="2400" dirty="0" smtClean="0">
+              <a:latin typeface="ＭＳ Ｐゴシック" panose="020B0600070205080204" pitchFamily="50" charset="-128"/>
+              <a:ea typeface="ＭＳ Ｐゴシック" panose="020B0600070205080204" pitchFamily="50" charset="-128"/>
+            </a:endParaRPr>
+          </a:p>
+          <a:p>
+            <a:r>
+              <a:rPr lang="ja-JP" altLang="en-US" sz="2400" dirty="0" smtClean="0">
+                <a:latin typeface="ＭＳ Ｐゴシック" panose="020B0600070205080204" pitchFamily="50" charset="-128"/>
+                <a:ea typeface="ＭＳ Ｐゴシック" panose="020B0600070205080204" pitchFamily="50" charset="-128"/>
+              </a:rPr>
+              <a:t>ＲＡＮＫ　　　　；Ａ</a:t>
+            </a:r>
+            <a:endParaRPr lang="en-US" altLang="ja-JP" sz="2400" dirty="0">
+              <a:latin typeface="ＭＳ Ｐゴシック" panose="020B0600070205080204" pitchFamily="50" charset="-128"/>
+              <a:ea typeface="ＭＳ Ｐゴシック" panose="020B0600070205080204" pitchFamily="50" charset="-128"/>
+            </a:endParaRPr>
+          </a:p>
+        </p:txBody>
+      </p:sp>
+    </p:spTree>
+    <p:extLst>
+      <p:ext uri="{BB962C8B-B14F-4D97-AF65-F5344CB8AC3E}">
+        <p14:creationId xmlns:p14="http://schemas.microsoft.com/office/powerpoint/2010/main" val="3368138465"/>
+      </p:ext>
+    </p:extLst>
+  </p:cSld>
+  <p:clrMapOvr>
+    <a:masterClrMapping/>
+  </p:clrMapOvr>
+</p:sld>
+</file>
+
+<file path=ppt/slides/slide15.xml><?xml version="1.0" encoding="utf-8"?>
+<p:sld xmlns:a="http://schemas.openxmlformats.org/drawingml/2006/main" xmlns:r="http://schemas.openxmlformats.org/officeDocument/2006/relationships" xmlns:p="http://schemas.openxmlformats.org/presentationml/2006/main">
+  <p:cSld>
+    <p:spTree>
+      <p:nvGrpSpPr>
+        <p:cNvPr id="1" name=""/>
+        <p:cNvGrpSpPr/>
+        <p:nvPr/>
+      </p:nvGrpSpPr>
+      <p:grpSpPr>
+        <a:xfrm>
+          <a:off x="0" y="0"/>
+          <a:ext cx="0" cy="0"/>
+          <a:chOff x="0" y="0"/>
+          <a:chExt cx="0" cy="0"/>
+        </a:xfrm>
+      </p:grpSpPr>
+      <p:sp>
+        <p:nvSpPr>
+          <p:cNvPr id="33" name="正方形/長方形 32"/>
+          <p:cNvSpPr/>
+          <p:nvPr/>
+        </p:nvSpPr>
+        <p:spPr>
+          <a:xfrm>
+            <a:off x="8529476" y="4015368"/>
+            <a:ext cx="2022409" cy="445985"/>
+          </a:xfrm>
+          <a:prstGeom prst="rect">
+            <a:avLst/>
+          </a:prstGeom>
+          <a:solidFill>
+            <a:schemeClr val="bg1"/>
+          </a:solidFill>
+          <a:ln>
+            <a:solidFill>
+              <a:schemeClr val="tx1"/>
+            </a:solidFill>
+          </a:ln>
+        </p:spPr>
+        <p:style>
+          <a:lnRef idx="2">
+            <a:schemeClr val="accent1">
+              <a:shade val="50000"/>
+            </a:schemeClr>
+          </a:lnRef>
+          <a:fillRef idx="1">
+            <a:schemeClr val="accent1"/>
+          </a:fillRef>
+          <a:effectRef idx="0">
+            <a:schemeClr val="accent1"/>
+          </a:effectRef>
+          <a:fontRef idx="minor">
+            <a:schemeClr val="lt1"/>
+          </a:fontRef>
+        </p:style>
+        <p:txBody>
+          <a:bodyPr rtlCol="0" anchor="ctr"/>
+          <a:lstStyle/>
+          <a:p>
+            <a:pPr algn="ctr"/>
+            <a:endParaRPr kumimoji="1" lang="ja-JP" altLang="en-US" dirty="0"/>
+          </a:p>
+        </p:txBody>
+      </p:sp>
+      <p:sp>
+        <p:nvSpPr>
+          <p:cNvPr id="29" name="正方形/長方形 28"/>
+          <p:cNvSpPr/>
+          <p:nvPr/>
+        </p:nvSpPr>
+        <p:spPr>
+          <a:xfrm>
+            <a:off x="8592457" y="2924511"/>
+            <a:ext cx="3547354" cy="445985"/>
+          </a:xfrm>
+          <a:prstGeom prst="rect">
+            <a:avLst/>
+          </a:prstGeom>
+          <a:solidFill>
+            <a:schemeClr val="bg1"/>
+          </a:solidFill>
+          <a:ln>
+            <a:solidFill>
+              <a:schemeClr val="tx1"/>
+            </a:solidFill>
+          </a:ln>
+        </p:spPr>
+        <p:style>
+          <a:lnRef idx="2">
+            <a:schemeClr val="accent1">
+              <a:shade val="50000"/>
+            </a:schemeClr>
+          </a:lnRef>
+          <a:fillRef idx="1">
+            <a:schemeClr val="accent1"/>
+          </a:fillRef>
+          <a:effectRef idx="0">
+            <a:schemeClr val="accent1"/>
+          </a:effectRef>
+          <a:fontRef idx="minor">
+            <a:schemeClr val="lt1"/>
+          </a:fontRef>
+        </p:style>
+        <p:txBody>
+          <a:bodyPr rtlCol="0" anchor="ctr"/>
+          <a:lstStyle/>
+          <a:p>
+            <a:pPr algn="ctr"/>
+            <a:endParaRPr kumimoji="1" lang="ja-JP" altLang="en-US" dirty="0"/>
+          </a:p>
+        </p:txBody>
+      </p:sp>
+      <p:sp>
+        <p:nvSpPr>
+          <p:cNvPr id="27" name="正方形/長方形 26"/>
+          <p:cNvSpPr/>
+          <p:nvPr/>
+        </p:nvSpPr>
+        <p:spPr>
+          <a:xfrm>
+            <a:off x="8592457" y="2170525"/>
+            <a:ext cx="1606058" cy="445985"/>
+          </a:xfrm>
+          <a:prstGeom prst="rect">
+            <a:avLst/>
+          </a:prstGeom>
+          <a:solidFill>
+            <a:schemeClr val="bg1"/>
+          </a:solidFill>
+          <a:ln>
+            <a:solidFill>
+              <a:schemeClr val="tx1"/>
+            </a:solidFill>
+          </a:ln>
+        </p:spPr>
+        <p:style>
+          <a:lnRef idx="2">
+            <a:schemeClr val="accent1">
+              <a:shade val="50000"/>
+            </a:schemeClr>
+          </a:lnRef>
+          <a:fillRef idx="1">
+            <a:schemeClr val="accent1"/>
+          </a:fillRef>
+          <a:effectRef idx="0">
+            <a:schemeClr val="accent1"/>
+          </a:effectRef>
+          <a:fontRef idx="minor">
+            <a:schemeClr val="lt1"/>
+          </a:fontRef>
+        </p:style>
+        <p:txBody>
+          <a:bodyPr rtlCol="0" anchor="ctr"/>
+          <a:lstStyle/>
+          <a:p>
+            <a:pPr algn="ctr"/>
+            <a:endParaRPr kumimoji="1" lang="ja-JP" altLang="en-US" dirty="0"/>
+          </a:p>
+        </p:txBody>
+      </p:sp>
+      <p:sp>
+        <p:nvSpPr>
+          <p:cNvPr id="26" name="正方形/長方形 25"/>
+          <p:cNvSpPr/>
+          <p:nvPr/>
+        </p:nvSpPr>
+        <p:spPr>
+          <a:xfrm>
+            <a:off x="1852248" y="2647431"/>
+            <a:ext cx="1372025" cy="423889"/>
+          </a:xfrm>
+          <a:prstGeom prst="rect">
+            <a:avLst/>
+          </a:prstGeom>
+          <a:solidFill>
+            <a:schemeClr val="bg1"/>
+          </a:solidFill>
+          <a:ln>
+            <a:solidFill>
+              <a:schemeClr val="tx1"/>
+            </a:solidFill>
+          </a:ln>
+        </p:spPr>
+        <p:style>
+          <a:lnRef idx="2">
+            <a:schemeClr val="accent1">
+              <a:shade val="50000"/>
+            </a:schemeClr>
+          </a:lnRef>
+          <a:fillRef idx="1">
+            <a:schemeClr val="accent1"/>
+          </a:fillRef>
+          <a:effectRef idx="0">
+            <a:schemeClr val="accent1"/>
+          </a:effectRef>
+          <a:fontRef idx="minor">
+            <a:schemeClr val="lt1"/>
+          </a:fontRef>
+        </p:style>
+        <p:txBody>
+          <a:bodyPr rtlCol="0" anchor="ctr"/>
+          <a:lstStyle/>
+          <a:p>
+            <a:pPr algn="ctr"/>
+            <a:endParaRPr kumimoji="1" lang="ja-JP" altLang="en-US" dirty="0"/>
+          </a:p>
+        </p:txBody>
+      </p:sp>
+      <p:sp>
+        <p:nvSpPr>
+          <p:cNvPr id="5" name="正方形/長方形 4"/>
+          <p:cNvSpPr/>
+          <p:nvPr/>
+        </p:nvSpPr>
+        <p:spPr>
+          <a:xfrm>
+            <a:off x="0" y="-32606"/>
+            <a:ext cx="12192000" cy="1015663"/>
+          </a:xfrm>
+          <a:prstGeom prst="rect">
+            <a:avLst/>
+          </a:prstGeom>
+          <a:solidFill>
+            <a:schemeClr val="bg1"/>
+          </a:solidFill>
+          <a:ln>
+            <a:solidFill>
+              <a:schemeClr val="tx1"/>
+            </a:solidFill>
+          </a:ln>
+        </p:spPr>
+        <p:style>
+          <a:lnRef idx="2">
+            <a:schemeClr val="accent1">
+              <a:shade val="50000"/>
+            </a:schemeClr>
+          </a:lnRef>
+          <a:fillRef idx="1">
+            <a:schemeClr val="accent1"/>
+          </a:fillRef>
+          <a:effectRef idx="0">
+            <a:schemeClr val="accent1"/>
+          </a:effectRef>
+          <a:fontRef idx="minor">
+            <a:schemeClr val="lt1"/>
+          </a:fontRef>
+        </p:style>
+        <p:txBody>
+          <a:bodyPr rtlCol="0" anchor="ctr"/>
+          <a:lstStyle/>
+          <a:p>
+            <a:pPr algn="ctr"/>
+            <a:endParaRPr kumimoji="1" lang="ja-JP" altLang="en-US" dirty="0"/>
+          </a:p>
+        </p:txBody>
+      </p:sp>
+      <p:sp>
+        <p:nvSpPr>
+          <p:cNvPr id="4" name="テキスト ボックス 3"/>
+          <p:cNvSpPr txBox="1"/>
+          <p:nvPr/>
+        </p:nvSpPr>
+        <p:spPr>
+          <a:xfrm>
+            <a:off x="0" y="0"/>
+            <a:ext cx="7984901" cy="1015663"/>
+          </a:xfrm>
+          <a:prstGeom prst="rect">
+            <a:avLst/>
+          </a:prstGeom>
+          <a:noFill/>
+        </p:spPr>
+        <p:txBody>
+          <a:bodyPr wrap="square" rtlCol="0">
+            <a:spAutoFit/>
+          </a:bodyPr>
+          <a:lstStyle/>
+          <a:p>
+            <a:r>
+              <a:rPr lang="ja-JP" altLang="en-US" sz="6000" b="1" dirty="0" smtClean="0">
+                <a:latin typeface="ＭＳ ゴシック" panose="020B0609070205080204" pitchFamily="49" charset="-128"/>
+                <a:ea typeface="ＭＳ ゴシック" panose="020B0609070205080204" pitchFamily="49" charset="-128"/>
+              </a:rPr>
+              <a:t>操作方法</a:t>
+            </a:r>
+            <a:endParaRPr kumimoji="1" lang="ja-JP" altLang="en-US" sz="6000" b="1" dirty="0">
+              <a:latin typeface="ＭＳ ゴシック" panose="020B0609070205080204" pitchFamily="49" charset="-128"/>
+              <a:ea typeface="ＭＳ ゴシック" panose="020B0609070205080204" pitchFamily="49" charset="-128"/>
+            </a:endParaRPr>
+          </a:p>
+        </p:txBody>
+      </p:sp>
+      <p:pic>
+        <p:nvPicPr>
+          <p:cNvPr id="6" name="図 5"/>
+          <p:cNvPicPr>
+            <a:picLocks noChangeAspect="1"/>
+          </p:cNvPicPr>
+          <p:nvPr/>
+        </p:nvPicPr>
+        <p:blipFill>
+          <a:blip r:embed="rId2">
+            <a:extLst>
+              <a:ext uri="{28A0092B-C50C-407E-A947-70E740481C1C}">
+                <a14:useLocalDpi xmlns:a14="http://schemas.microsoft.com/office/drawing/2010/main" val="0"/>
+              </a:ext>
+            </a:extLst>
+          </a:blip>
+          <a:stretch>
+            <a:fillRect/>
+          </a:stretch>
+        </p:blipFill>
+        <p:spPr>
+          <a:xfrm>
             <a:off x="3714750" y="2054679"/>
             <a:ext cx="4762500" cy="3619500"/>
           </a:xfrm>
@@ -3956,8 +7211,8 @@
         </p:nvSpPr>
         <p:spPr>
           <a:xfrm>
-            <a:off x="55061" y="2823165"/>
-            <a:ext cx="4095610" cy="1815882"/>
+            <a:off x="2000390" y="2609319"/>
+            <a:ext cx="4095610" cy="523220"/>
           </a:xfrm>
           <a:prstGeom prst="rect">
             <a:avLst/>
@@ -3970,68 +7225,12 @@
           </a:bodyPr>
           <a:lstStyle/>
           <a:p>
-            <a:r>
-              <a:rPr lang="ja-JP" altLang="en-US" sz="2800" b="1" dirty="0">
-                <a:latin typeface="ＭＳ ゴシック" panose="020B0609070205080204" pitchFamily="49" charset="-128"/>
-                <a:ea typeface="ＭＳ ゴシック" panose="020B0609070205080204" pitchFamily="49" charset="-128"/>
-              </a:rPr>
-              <a:t>前</a:t>
-            </a:r>
             <a:r>
               <a:rPr lang="ja-JP" altLang="en-US" sz="2800" b="1" dirty="0" smtClean="0">
                 <a:latin typeface="ＭＳ ゴシック" panose="020B0609070205080204" pitchFamily="49" charset="-128"/>
                 <a:ea typeface="ＭＳ ゴシック" panose="020B0609070205080204" pitchFamily="49" charset="-128"/>
               </a:rPr>
-              <a:t>に二度倒すと突進</a:t>
-            </a:r>
-            <a:endParaRPr lang="en-US" altLang="ja-JP" sz="2800" b="1" dirty="0" smtClean="0">
-              <a:latin typeface="ＭＳ ゴシック" panose="020B0609070205080204" pitchFamily="49" charset="-128"/>
-              <a:ea typeface="ＭＳ ゴシック" panose="020B0609070205080204" pitchFamily="49" charset="-128"/>
-            </a:endParaRPr>
-          </a:p>
-          <a:p>
-            <a:r>
-              <a:rPr lang="ja-JP" altLang="en-US" sz="2800" b="1" dirty="0" smtClean="0">
-                <a:latin typeface="ＭＳ ゴシック" panose="020B0609070205080204" pitchFamily="49" charset="-128"/>
-                <a:ea typeface="ＭＳ ゴシック" panose="020B0609070205080204" pitchFamily="49" charset="-128"/>
-              </a:rPr>
-              <a:t>後ろに倒すとウィリ</a:t>
-            </a:r>
-            <a:r>
-              <a:rPr lang="en-US" altLang="ja-JP" sz="2800" b="1" dirty="0" smtClean="0">
-                <a:latin typeface="ＭＳ ゴシック" panose="020B0609070205080204" pitchFamily="49" charset="-128"/>
-                <a:ea typeface="ＭＳ ゴシック" panose="020B0609070205080204" pitchFamily="49" charset="-128"/>
-              </a:rPr>
-              <a:t>―</a:t>
-            </a:r>
-          </a:p>
-          <a:p>
-            <a:r>
-              <a:rPr lang="ja-JP" altLang="en-US" sz="2800" b="1" dirty="0">
-                <a:latin typeface="ＭＳ ゴシック" panose="020B0609070205080204" pitchFamily="49" charset="-128"/>
-                <a:ea typeface="ＭＳ ゴシック" panose="020B0609070205080204" pitchFamily="49" charset="-128"/>
-              </a:rPr>
-              <a:t>回</a:t>
-            </a:r>
-            <a:r>
-              <a:rPr lang="ja-JP" altLang="en-US" sz="2800" b="1" dirty="0" smtClean="0">
-                <a:latin typeface="ＭＳ ゴシック" panose="020B0609070205080204" pitchFamily="49" charset="-128"/>
-                <a:ea typeface="ＭＳ ゴシック" panose="020B0609070205080204" pitchFamily="49" charset="-128"/>
-              </a:rPr>
-              <a:t>すとスピン</a:t>
-            </a:r>
-            <a:endParaRPr lang="en-US" altLang="ja-JP" sz="2800" b="1" dirty="0" smtClean="0">
-              <a:latin typeface="ＭＳ ゴシック" panose="020B0609070205080204" pitchFamily="49" charset="-128"/>
-              <a:ea typeface="ＭＳ ゴシック" panose="020B0609070205080204" pitchFamily="49" charset="-128"/>
-            </a:endParaRPr>
-          </a:p>
-          <a:p>
-            <a:r>
-              <a:rPr lang="ja-JP" altLang="en-US" sz="2800" b="1" dirty="0" smtClean="0">
-                <a:latin typeface="ＭＳ ゴシック" panose="020B0609070205080204" pitchFamily="49" charset="-128"/>
-                <a:ea typeface="ＭＳ ゴシック" panose="020B0609070205080204" pitchFamily="49" charset="-128"/>
-              </a:rPr>
-              <a:t>左右はカーブ</a:t>
+              <a:t>移動</a:t>
             </a:r>
             <a:endParaRPr lang="en-US" altLang="ja-JP" sz="2800" b="1" dirty="0" smtClean="0">
               <a:latin typeface="ＭＳ ゴシック" panose="020B0609070205080204" pitchFamily="49" charset="-128"/>
@@ -4107,78 +7306,52 @@
           </a:fontRef>
         </p:style>
       </p:cxnSp>
-      <p:cxnSp>
-        <p:nvCxnSpPr>
-          <p:cNvPr id="16" name="直線コネクタ 15"/>
-          <p:cNvCxnSpPr/>
-          <p:nvPr/>
-        </p:nvCxnSpPr>
-        <p:spPr>
-          <a:xfrm>
-            <a:off x="7030832" y="3113979"/>
-            <a:ext cx="0" cy="630707"/>
-          </a:xfrm>
-          <a:prstGeom prst="line">
-            <a:avLst/>
-          </a:prstGeom>
-          <a:ln w="130175"/>
-        </p:spPr>
-        <p:style>
-          <a:lnRef idx="1">
-            <a:schemeClr val="accent1"/>
-          </a:lnRef>
-          <a:fillRef idx="0">
-            <a:schemeClr val="accent1"/>
-          </a:fillRef>
-          <a:effectRef idx="0">
-            <a:schemeClr val="accent1"/>
-          </a:effectRef>
-          <a:fontRef idx="minor">
-            <a:schemeClr val="tx1"/>
-          </a:fontRef>
-        </p:style>
-      </p:cxnSp>
-      <p:cxnSp>
-        <p:nvCxnSpPr>
-          <p:cNvPr id="19" name="直線コネクタ 18"/>
-          <p:cNvCxnSpPr/>
-          <p:nvPr/>
-        </p:nvCxnSpPr>
-        <p:spPr>
-          <a:xfrm>
-            <a:off x="6978574" y="3731106"/>
-            <a:ext cx="1498676" cy="13580"/>
-          </a:xfrm>
-          <a:prstGeom prst="line">
-            <a:avLst/>
-          </a:prstGeom>
-          <a:ln w="130175"/>
-        </p:spPr>
-        <p:style>
-          <a:lnRef idx="1">
-            <a:schemeClr val="accent1"/>
-          </a:lnRef>
-          <a:fillRef idx="0">
-            <a:schemeClr val="accent1"/>
-          </a:fillRef>
-          <a:effectRef idx="0">
-            <a:schemeClr val="accent1"/>
-          </a:effectRef>
-          <a:fontRef idx="minor">
-            <a:schemeClr val="tx1"/>
-          </a:fontRef>
-        </p:style>
-      </p:cxnSp>
-      <p:sp>
-        <p:nvSpPr>
-          <p:cNvPr id="23" name="テキスト ボックス 22"/>
+      <p:sp>
+        <p:nvSpPr>
+          <p:cNvPr id="25" name="テキスト ボックス 24"/>
           <p:cNvSpPr txBox="1"/>
           <p:nvPr/>
         </p:nvSpPr>
         <p:spPr>
           <a:xfrm>
-            <a:off x="8477250" y="3469496"/>
-            <a:ext cx="4095610" cy="523220"/>
+            <a:off x="8857083" y="2115218"/>
+            <a:ext cx="1176948" cy="523220"/>
+          </a:xfrm>
+          <a:prstGeom prst="rect">
+            <a:avLst/>
+          </a:prstGeom>
+          <a:noFill/>
+        </p:spPr>
+        <p:txBody>
+          <a:bodyPr wrap="square" rtlCol="0">
+            <a:spAutoFit/>
+          </a:bodyPr>
+          <a:lstStyle/>
+          <a:p>
+            <a:r>
+              <a:rPr lang="ja-JP" altLang="en-US" sz="2800" b="1" dirty="0">
+                <a:latin typeface="ＭＳ ゴシック" panose="020B0609070205080204" pitchFamily="49" charset="-128"/>
+                <a:ea typeface="ＭＳ ゴシック" panose="020B0609070205080204" pitchFamily="49" charset="-128"/>
+              </a:rPr>
+              <a:t>滑走</a:t>
+            </a:r>
+            <a:endParaRPr lang="en-US" altLang="ja-JP" sz="2800" b="1" dirty="0" smtClean="0">
+              <a:latin typeface="ＭＳ ゴシック" panose="020B0609070205080204" pitchFamily="49" charset="-128"/>
+              <a:ea typeface="ＭＳ ゴシック" panose="020B0609070205080204" pitchFamily="49" charset="-128"/>
+            </a:endParaRPr>
+          </a:p>
+        </p:txBody>
+      </p:sp>
+      <p:sp>
+        <p:nvSpPr>
+          <p:cNvPr id="21" name="テキスト ボックス 20"/>
+          <p:cNvSpPr txBox="1"/>
+          <p:nvPr/>
+        </p:nvSpPr>
+        <p:spPr>
+          <a:xfrm>
+            <a:off x="8690715" y="2870929"/>
+            <a:ext cx="3449095" cy="523220"/>
           </a:xfrm>
           <a:prstGeom prst="rect">
             <a:avLst/>
@@ -4196,79 +7369,7 @@
                 <a:latin typeface="ＭＳ ゴシック" panose="020B0609070205080204" pitchFamily="49" charset="-128"/>
                 <a:ea typeface="ＭＳ ゴシック" panose="020B0609070205080204" pitchFamily="49" charset="-128"/>
               </a:rPr>
-              <a:t>左手を伸ばす・投げる</a:t>
-            </a:r>
-            <a:endParaRPr lang="en-US" altLang="ja-JP" sz="2800" b="1" dirty="0" smtClean="0">
-              <a:latin typeface="ＭＳ ゴシック" panose="020B0609070205080204" pitchFamily="49" charset="-128"/>
-              <a:ea typeface="ＭＳ ゴシック" panose="020B0609070205080204" pitchFamily="49" charset="-128"/>
-            </a:endParaRPr>
-          </a:p>
-        </p:txBody>
-      </p:sp>
-      <p:sp>
-        <p:nvSpPr>
-          <p:cNvPr id="25" name="テキスト ボックス 24"/>
-          <p:cNvSpPr txBox="1"/>
-          <p:nvPr/>
-        </p:nvSpPr>
-        <p:spPr>
-          <a:xfrm>
-            <a:off x="8592457" y="2111950"/>
-            <a:ext cx="4095610" cy="523220"/>
-          </a:xfrm>
-          <a:prstGeom prst="rect">
-            <a:avLst/>
-          </a:prstGeom>
-          <a:noFill/>
-        </p:spPr>
-        <p:txBody>
-          <a:bodyPr wrap="square" rtlCol="0">
-            <a:spAutoFit/>
-          </a:bodyPr>
-          <a:lstStyle/>
-          <a:p>
-            <a:r>
-              <a:rPr lang="ja-JP" altLang="en-US" sz="2800" b="1" dirty="0">
-                <a:latin typeface="ＭＳ ゴシック" panose="020B0609070205080204" pitchFamily="49" charset="-128"/>
-                <a:ea typeface="ＭＳ ゴシック" panose="020B0609070205080204" pitchFamily="49" charset="-128"/>
-              </a:rPr>
-              <a:t>アクセル</a:t>
-            </a:r>
-            <a:endParaRPr lang="en-US" altLang="ja-JP" sz="2800" b="1" dirty="0" smtClean="0">
-              <a:latin typeface="ＭＳ ゴシック" panose="020B0609070205080204" pitchFamily="49" charset="-128"/>
-              <a:ea typeface="ＭＳ ゴシック" panose="020B0609070205080204" pitchFamily="49" charset="-128"/>
-            </a:endParaRPr>
-          </a:p>
-        </p:txBody>
-      </p:sp>
-      <p:sp>
-        <p:nvSpPr>
-          <p:cNvPr id="15" name="テキスト ボックス 14"/>
-          <p:cNvSpPr txBox="1"/>
-          <p:nvPr/>
-        </p:nvSpPr>
-        <p:spPr>
-          <a:xfrm>
-            <a:off x="8455085" y="2852831"/>
-            <a:ext cx="4095610" cy="523220"/>
-          </a:xfrm>
-          <a:prstGeom prst="rect">
-            <a:avLst/>
-          </a:prstGeom>
-          <a:noFill/>
-        </p:spPr>
-        <p:txBody>
-          <a:bodyPr wrap="square" rtlCol="0">
-            <a:spAutoFit/>
-          </a:bodyPr>
-          <a:lstStyle/>
-          <a:p>
-            <a:r>
-              <a:rPr lang="ja-JP" altLang="en-US" sz="2800" b="1" dirty="0" smtClean="0">
-                <a:latin typeface="ＭＳ ゴシック" panose="020B0609070205080204" pitchFamily="49" charset="-128"/>
-                <a:ea typeface="ＭＳ ゴシック" panose="020B0609070205080204" pitchFamily="49" charset="-128"/>
-              </a:rPr>
-              <a:t>左手を伸ばす・投げる</a:t>
+              <a:t>つかむ・離す</a:t>
             </a:r>
             <a:endParaRPr lang="en-US" altLang="ja-JP" sz="2800" b="1" dirty="0" smtClean="0">
               <a:latin typeface="ＭＳ ゴシック" panose="020B0609070205080204" pitchFamily="49" charset="-128"/>
@@ -4514,7 +7615,7 @@
                 <a:latin typeface="ＭＳ ゴシック" panose="020B0609070205080204" pitchFamily="49" charset="-128"/>
                 <a:ea typeface="ＭＳ ゴシック" panose="020B0609070205080204" pitchFamily="49" charset="-128"/>
               </a:rPr>
-              <a:t>時間以内にポイントを溜めて一位を目指せ！</a:t>
+              <a:t>特売品を買い占めろ！</a:t>
             </a:r>
             <a:endParaRPr lang="en-US" altLang="ja-JP" sz="2800" b="1" dirty="0">
               <a:latin typeface="ＭＳ ゴシック" panose="020B0609070205080204" pitchFamily="49" charset="-128"/>
@@ -4581,7 +7682,7 @@
         </p:blipFill>
         <p:spPr>
           <a:xfrm rot="21375691">
-            <a:off x="1297345" y="4299495"/>
+            <a:off x="1038089" y="4595230"/>
             <a:ext cx="1995029" cy="1601011"/>
           </a:xfrm>
           <a:prstGeom prst="rect">
@@ -4611,8 +7712,8 @@
         </p:blipFill>
         <p:spPr>
           <a:xfrm>
-            <a:off x="1579225" y="4663562"/>
-            <a:ext cx="2281434" cy="2178948"/>
+            <a:off x="1783271" y="5318160"/>
+            <a:ext cx="1506700" cy="1439016"/>
           </a:xfrm>
           <a:prstGeom prst="rect">
             <a:avLst/>
@@ -4641,7 +7742,7 @@
         </p:blipFill>
         <p:spPr>
           <a:xfrm>
-            <a:off x="1579225" y="2373502"/>
+            <a:off x="1410231" y="2237938"/>
             <a:ext cx="1953508" cy="1582882"/>
           </a:xfrm>
           <a:prstGeom prst="rect">
@@ -4671,7 +7772,7 @@
         </p:blipFill>
         <p:spPr>
           <a:xfrm>
-            <a:off x="1086323" y="3329578"/>
+            <a:off x="905257" y="3249073"/>
             <a:ext cx="2542555" cy="1802036"/>
           </a:xfrm>
           <a:prstGeom prst="rect">
@@ -4886,7 +7987,7 @@
         <p:spPr>
           <a:xfrm>
             <a:off x="102793" y="1463393"/>
-            <a:ext cx="11263901" cy="584775"/>
+            <a:ext cx="11739061" cy="584775"/>
           </a:xfrm>
           <a:prstGeom prst="rect">
             <a:avLst/>
@@ -4904,7 +8005,7 @@
                 <a:latin typeface="ＭＳ ゴシック" panose="020B0609070205080204" pitchFamily="49" charset="-128"/>
                 <a:ea typeface="ＭＳ ゴシック" panose="020B0609070205080204" pitchFamily="49" charset="-128"/>
               </a:rPr>
-              <a:t>ショピングカートに乗って店を滑走し、特売品を奪い合え！</a:t>
+              <a:t>カートに他の客を乗せて御１人様一点限りの品物を買いまくれ</a:t>
             </a:r>
             <a:endParaRPr lang="en-US" altLang="ja-JP" sz="3200" b="1" dirty="0">
               <a:latin typeface="ＭＳ ゴシック" panose="020B0609070205080204" pitchFamily="49" charset="-128"/>
@@ -4943,198 +8044,6 @@
           <a:chExt cx="0" cy="0"/>
         </a:xfrm>
       </p:grpSpPr>
-      <p:sp>
-        <p:nvSpPr>
-          <p:cNvPr id="44" name="正方形/長方形 43"/>
-          <p:cNvSpPr/>
-          <p:nvPr/>
-        </p:nvSpPr>
-        <p:spPr>
-          <a:xfrm>
-            <a:off x="10195775" y="1360152"/>
-            <a:ext cx="1618343" cy="774350"/>
-          </a:xfrm>
-          <a:prstGeom prst="rect">
-            <a:avLst/>
-          </a:prstGeom>
-          <a:solidFill>
-            <a:schemeClr val="bg1"/>
-          </a:solidFill>
-          <a:ln>
-            <a:solidFill>
-              <a:schemeClr val="tx1"/>
-            </a:solidFill>
-          </a:ln>
-        </p:spPr>
-        <p:style>
-          <a:lnRef idx="2">
-            <a:schemeClr val="accent1">
-              <a:shade val="50000"/>
-            </a:schemeClr>
-          </a:lnRef>
-          <a:fillRef idx="1">
-            <a:schemeClr val="accent1"/>
-          </a:fillRef>
-          <a:effectRef idx="0">
-            <a:schemeClr val="accent1"/>
-          </a:effectRef>
-          <a:fontRef idx="minor">
-            <a:schemeClr val="lt1"/>
-          </a:fontRef>
-        </p:style>
-        <p:txBody>
-          <a:bodyPr rtlCol="0" anchor="ctr"/>
-          <a:lstStyle/>
-          <a:p>
-            <a:pPr algn="ctr"/>
-            <a:endParaRPr kumimoji="1" lang="ja-JP" altLang="en-US" dirty="0"/>
-          </a:p>
-        </p:txBody>
-      </p:sp>
-      <p:sp>
-        <p:nvSpPr>
-          <p:cNvPr id="43" name="正方形/長方形 42"/>
-          <p:cNvSpPr/>
-          <p:nvPr/>
-        </p:nvSpPr>
-        <p:spPr>
-          <a:xfrm>
-            <a:off x="107932" y="3935728"/>
-            <a:ext cx="2079856" cy="774350"/>
-          </a:xfrm>
-          <a:prstGeom prst="rect">
-            <a:avLst/>
-          </a:prstGeom>
-          <a:solidFill>
-            <a:schemeClr val="bg1"/>
-          </a:solidFill>
-          <a:ln>
-            <a:solidFill>
-              <a:schemeClr val="tx1"/>
-            </a:solidFill>
-          </a:ln>
-        </p:spPr>
-        <p:style>
-          <a:lnRef idx="2">
-            <a:schemeClr val="accent1">
-              <a:shade val="50000"/>
-            </a:schemeClr>
-          </a:lnRef>
-          <a:fillRef idx="1">
-            <a:schemeClr val="accent1"/>
-          </a:fillRef>
-          <a:effectRef idx="0">
-            <a:schemeClr val="accent1"/>
-          </a:effectRef>
-          <a:fontRef idx="minor">
-            <a:schemeClr val="lt1"/>
-          </a:fontRef>
-        </p:style>
-        <p:txBody>
-          <a:bodyPr rtlCol="0" anchor="ctr"/>
-          <a:lstStyle/>
-          <a:p>
-            <a:pPr algn="ctr"/>
-            <a:endParaRPr kumimoji="1" lang="ja-JP" altLang="en-US" dirty="0"/>
-          </a:p>
-        </p:txBody>
-      </p:sp>
-      <p:sp>
-        <p:nvSpPr>
-          <p:cNvPr id="42" name="正方形/長方形 41"/>
-          <p:cNvSpPr/>
-          <p:nvPr/>
-        </p:nvSpPr>
-        <p:spPr>
-          <a:xfrm>
-            <a:off x="481426" y="1350690"/>
-            <a:ext cx="1618343" cy="774350"/>
-          </a:xfrm>
-          <a:prstGeom prst="rect">
-            <a:avLst/>
-          </a:prstGeom>
-          <a:solidFill>
-            <a:schemeClr val="bg1"/>
-          </a:solidFill>
-          <a:ln>
-            <a:solidFill>
-              <a:schemeClr val="tx1"/>
-            </a:solidFill>
-          </a:ln>
-        </p:spPr>
-        <p:style>
-          <a:lnRef idx="2">
-            <a:schemeClr val="accent1">
-              <a:shade val="50000"/>
-            </a:schemeClr>
-          </a:lnRef>
-          <a:fillRef idx="1">
-            <a:schemeClr val="accent1"/>
-          </a:fillRef>
-          <a:effectRef idx="0">
-            <a:schemeClr val="accent1"/>
-          </a:effectRef>
-          <a:fontRef idx="minor">
-            <a:schemeClr val="lt1"/>
-          </a:fontRef>
-        </p:style>
-        <p:txBody>
-          <a:bodyPr rtlCol="0" anchor="ctr"/>
-          <a:lstStyle/>
-          <a:p>
-            <a:pPr algn="ctr"/>
-            <a:endParaRPr kumimoji="1" lang="ja-JP" altLang="en-US" dirty="0"/>
-          </a:p>
-        </p:txBody>
-      </p:sp>
-      <p:sp>
-        <p:nvSpPr>
-          <p:cNvPr id="27" name="正方形/長方形 26"/>
-          <p:cNvSpPr/>
-          <p:nvPr/>
-        </p:nvSpPr>
-        <p:spPr>
-          <a:xfrm>
-            <a:off x="2028946" y="5734439"/>
-            <a:ext cx="8263864" cy="1015663"/>
-          </a:xfrm>
-          <a:prstGeom prst="rect">
-            <a:avLst/>
-          </a:prstGeom>
-          <a:solidFill>
-            <a:schemeClr val="bg1"/>
-          </a:solidFill>
-          <a:ln>
-            <a:solidFill>
-              <a:schemeClr val="tx1"/>
-            </a:solidFill>
-          </a:ln>
-        </p:spPr>
-        <p:style>
-          <a:lnRef idx="2">
-            <a:schemeClr val="accent1">
-              <a:shade val="50000"/>
-            </a:schemeClr>
-          </a:lnRef>
-          <a:fillRef idx="1">
-            <a:schemeClr val="accent1"/>
-          </a:fillRef>
-          <a:effectRef idx="0">
-            <a:schemeClr val="accent1"/>
-          </a:effectRef>
-          <a:fontRef idx="minor">
-            <a:schemeClr val="lt1"/>
-          </a:fontRef>
-        </p:style>
-        <p:txBody>
-          <a:bodyPr rtlCol="0" anchor="ctr"/>
-          <a:lstStyle/>
-          <a:p>
-            <a:pPr algn="ctr"/>
-            <a:endParaRPr kumimoji="1" lang="ja-JP" altLang="en-US" dirty="0"/>
-          </a:p>
-        </p:txBody>
-      </p:sp>
       <p:pic>
         <p:nvPicPr>
           <p:cNvPr id="2" name="図 1"/>
@@ -5157,7 +8066,7 @@
         </p:blipFill>
         <p:spPr>
           <a:xfrm>
-            <a:off x="2292387" y="1236492"/>
+            <a:off x="2221711" y="1152503"/>
             <a:ext cx="7846681" cy="4409566"/>
           </a:xfrm>
           <a:prstGeom prst="rect">
@@ -5165,6 +8074,244 @@
           </a:prstGeom>
         </p:spPr>
       </p:pic>
+      <p:sp>
+        <p:nvSpPr>
+          <p:cNvPr id="10" name="正方形/長方形 9"/>
+          <p:cNvSpPr/>
+          <p:nvPr/>
+        </p:nvSpPr>
+        <p:spPr>
+          <a:xfrm>
+            <a:off x="4054065" y="1363310"/>
+            <a:ext cx="4213626" cy="343459"/>
+          </a:xfrm>
+          <a:prstGeom prst="rect">
+            <a:avLst/>
+          </a:prstGeom>
+          <a:solidFill>
+            <a:schemeClr val="accent1">
+              <a:lumMod val="60000"/>
+              <a:lumOff val="40000"/>
+            </a:schemeClr>
+          </a:solidFill>
+        </p:spPr>
+        <p:style>
+          <a:lnRef idx="2">
+            <a:schemeClr val="accent1">
+              <a:shade val="50000"/>
+            </a:schemeClr>
+          </a:lnRef>
+          <a:fillRef idx="1">
+            <a:schemeClr val="accent1"/>
+          </a:fillRef>
+          <a:effectRef idx="0">
+            <a:schemeClr val="accent1"/>
+          </a:effectRef>
+          <a:fontRef idx="minor">
+            <a:schemeClr val="lt1"/>
+          </a:fontRef>
+        </p:style>
+        <p:txBody>
+          <a:bodyPr rtlCol="0" anchor="ctr"/>
+          <a:lstStyle/>
+          <a:p>
+            <a:pPr algn="ctr"/>
+            <a:endParaRPr kumimoji="1" lang="ja-JP" altLang="en-US"/>
+          </a:p>
+        </p:txBody>
+      </p:sp>
+      <p:sp>
+        <p:nvSpPr>
+          <p:cNvPr id="44" name="正方形/長方形 43"/>
+          <p:cNvSpPr/>
+          <p:nvPr/>
+        </p:nvSpPr>
+        <p:spPr>
+          <a:xfrm>
+            <a:off x="10195775" y="1360152"/>
+            <a:ext cx="1618343" cy="774350"/>
+          </a:xfrm>
+          <a:prstGeom prst="rect">
+            <a:avLst/>
+          </a:prstGeom>
+          <a:solidFill>
+            <a:schemeClr val="bg1"/>
+          </a:solidFill>
+          <a:ln>
+            <a:solidFill>
+              <a:schemeClr val="tx1"/>
+            </a:solidFill>
+          </a:ln>
+        </p:spPr>
+        <p:style>
+          <a:lnRef idx="2">
+            <a:schemeClr val="accent1">
+              <a:shade val="50000"/>
+            </a:schemeClr>
+          </a:lnRef>
+          <a:fillRef idx="1">
+            <a:schemeClr val="accent1"/>
+          </a:fillRef>
+          <a:effectRef idx="0">
+            <a:schemeClr val="accent1"/>
+          </a:effectRef>
+          <a:fontRef idx="minor">
+            <a:schemeClr val="lt1"/>
+          </a:fontRef>
+        </p:style>
+        <p:txBody>
+          <a:bodyPr rtlCol="0" anchor="ctr"/>
+          <a:lstStyle/>
+          <a:p>
+            <a:pPr algn="ctr"/>
+            <a:endParaRPr kumimoji="1" lang="ja-JP" altLang="en-US" dirty="0"/>
+          </a:p>
+        </p:txBody>
+      </p:sp>
+      <p:sp>
+        <p:nvSpPr>
+          <p:cNvPr id="43" name="正方形/長方形 42"/>
+          <p:cNvSpPr/>
+          <p:nvPr/>
+        </p:nvSpPr>
+        <p:spPr>
+          <a:xfrm>
+            <a:off x="107932" y="3935728"/>
+            <a:ext cx="2079856" cy="774350"/>
+          </a:xfrm>
+          <a:prstGeom prst="rect">
+            <a:avLst/>
+          </a:prstGeom>
+          <a:solidFill>
+            <a:schemeClr val="bg1"/>
+          </a:solidFill>
+          <a:ln>
+            <a:solidFill>
+              <a:schemeClr val="tx1"/>
+            </a:solidFill>
+          </a:ln>
+        </p:spPr>
+        <p:style>
+          <a:lnRef idx="2">
+            <a:schemeClr val="accent1">
+              <a:shade val="50000"/>
+            </a:schemeClr>
+          </a:lnRef>
+          <a:fillRef idx="1">
+            <a:schemeClr val="accent1"/>
+          </a:fillRef>
+          <a:effectRef idx="0">
+            <a:schemeClr val="accent1"/>
+          </a:effectRef>
+          <a:fontRef idx="minor">
+            <a:schemeClr val="lt1"/>
+          </a:fontRef>
+        </p:style>
+        <p:txBody>
+          <a:bodyPr rtlCol="0" anchor="ctr"/>
+          <a:lstStyle/>
+          <a:p>
+            <a:pPr algn="ctr"/>
+            <a:endParaRPr kumimoji="1" lang="ja-JP" altLang="en-US" dirty="0"/>
+          </a:p>
+        </p:txBody>
+      </p:sp>
+      <p:sp>
+        <p:nvSpPr>
+          <p:cNvPr id="42" name="正方形/長方形 41"/>
+          <p:cNvSpPr/>
+          <p:nvPr/>
+        </p:nvSpPr>
+        <p:spPr>
+          <a:xfrm>
+            <a:off x="481426" y="1350690"/>
+            <a:ext cx="1618343" cy="774350"/>
+          </a:xfrm>
+          <a:prstGeom prst="rect">
+            <a:avLst/>
+          </a:prstGeom>
+          <a:solidFill>
+            <a:schemeClr val="bg1"/>
+          </a:solidFill>
+          <a:ln>
+            <a:solidFill>
+              <a:schemeClr val="tx1"/>
+            </a:solidFill>
+          </a:ln>
+        </p:spPr>
+        <p:style>
+          <a:lnRef idx="2">
+            <a:schemeClr val="accent1">
+              <a:shade val="50000"/>
+            </a:schemeClr>
+          </a:lnRef>
+          <a:fillRef idx="1">
+            <a:schemeClr val="accent1"/>
+          </a:fillRef>
+          <a:effectRef idx="0">
+            <a:schemeClr val="accent1"/>
+          </a:effectRef>
+          <a:fontRef idx="minor">
+            <a:schemeClr val="lt1"/>
+          </a:fontRef>
+        </p:style>
+        <p:txBody>
+          <a:bodyPr rtlCol="0" anchor="ctr"/>
+          <a:lstStyle/>
+          <a:p>
+            <a:pPr algn="ctr"/>
+            <a:endParaRPr kumimoji="1" lang="ja-JP" altLang="en-US" dirty="0"/>
+          </a:p>
+        </p:txBody>
+      </p:sp>
+      <p:sp>
+        <p:nvSpPr>
+          <p:cNvPr id="27" name="正方形/長方形 26"/>
+          <p:cNvSpPr/>
+          <p:nvPr/>
+        </p:nvSpPr>
+        <p:spPr>
+          <a:xfrm>
+            <a:off x="2028946" y="5734439"/>
+            <a:ext cx="8263864" cy="1015663"/>
+          </a:xfrm>
+          <a:prstGeom prst="rect">
+            <a:avLst/>
+          </a:prstGeom>
+          <a:solidFill>
+            <a:schemeClr val="bg1"/>
+          </a:solidFill>
+          <a:ln>
+            <a:solidFill>
+              <a:schemeClr val="tx1"/>
+            </a:solidFill>
+          </a:ln>
+        </p:spPr>
+        <p:style>
+          <a:lnRef idx="2">
+            <a:schemeClr val="accent1">
+              <a:shade val="50000"/>
+            </a:schemeClr>
+          </a:lnRef>
+          <a:fillRef idx="1">
+            <a:schemeClr val="accent1"/>
+          </a:fillRef>
+          <a:effectRef idx="0">
+            <a:schemeClr val="accent1"/>
+          </a:effectRef>
+          <a:fontRef idx="minor">
+            <a:schemeClr val="lt1"/>
+          </a:fontRef>
+        </p:style>
+        <p:txBody>
+          <a:bodyPr rtlCol="0" anchor="ctr"/>
+          <a:lstStyle/>
+          <a:p>
+            <a:pPr algn="ctr"/>
+            <a:endParaRPr kumimoji="1" lang="ja-JP" altLang="en-US" dirty="0"/>
+          </a:p>
+        </p:txBody>
+      </p:sp>
       <p:pic>
         <p:nvPicPr>
           <p:cNvPr id="4" name="図 3"/>
@@ -5227,54 +8374,6 @@
       </p:pic>
       <p:sp>
         <p:nvSpPr>
-          <p:cNvPr id="5" name="正方形/長方形 4"/>
-          <p:cNvSpPr/>
-          <p:nvPr/>
-        </p:nvSpPr>
-        <p:spPr>
-          <a:xfrm>
-            <a:off x="3836092" y="3754880"/>
-            <a:ext cx="723732" cy="222033"/>
-          </a:xfrm>
-          <a:prstGeom prst="rect">
-            <a:avLst/>
-          </a:prstGeom>
-          <a:solidFill>
-            <a:schemeClr val="tx1"/>
-          </a:solidFill>
-          <a:ln>
-            <a:solidFill>
-              <a:schemeClr val="tx1"/>
-            </a:solidFill>
-          </a:ln>
-        </p:spPr>
-        <p:style>
-          <a:lnRef idx="2">
-            <a:schemeClr val="accent1">
-              <a:shade val="50000"/>
-            </a:schemeClr>
-          </a:lnRef>
-          <a:fillRef idx="1">
-            <a:schemeClr val="accent1"/>
-          </a:fillRef>
-          <a:effectRef idx="0">
-            <a:schemeClr val="accent1"/>
-          </a:effectRef>
-          <a:fontRef idx="minor">
-            <a:schemeClr val="lt1"/>
-          </a:fontRef>
-        </p:style>
-        <p:txBody>
-          <a:bodyPr rtlCol="0" anchor="ctr"/>
-          <a:lstStyle/>
-          <a:p>
-            <a:pPr algn="ctr"/>
-            <a:endParaRPr kumimoji="1" lang="ja-JP" altLang="en-US"/>
-          </a:p>
-        </p:txBody>
-      </p:sp>
-      <p:sp>
-        <p:nvSpPr>
           <p:cNvPr id="6" name="正方形/長方形 5"/>
           <p:cNvSpPr/>
           <p:nvPr/>
@@ -5389,16 +8488,16 @@
       </p:sp>
       <p:sp>
         <p:nvSpPr>
-          <p:cNvPr id="11" name="楕円 10"/>
+          <p:cNvPr id="23" name="正方形/長方形 22"/>
           <p:cNvSpPr/>
           <p:nvPr/>
         </p:nvSpPr>
         <p:spPr>
           <a:xfrm>
-            <a:off x="3433590" y="1319251"/>
-            <a:ext cx="1086375" cy="679987"/>
-          </a:xfrm>
-          <a:prstGeom prst="ellipse">
+            <a:off x="2272769" y="1319251"/>
+            <a:ext cx="1146647" cy="648193"/>
+          </a:xfrm>
+          <a:prstGeom prst="rect">
             <a:avLst/>
           </a:prstGeom>
         </p:spPr>
@@ -5423,140 +8522,63 @@
           <a:lstStyle/>
           <a:p>
             <a:pPr algn="ctr"/>
-            <a:endParaRPr kumimoji="1" lang="ja-JP" altLang="en-US"/>
-          </a:p>
-        </p:txBody>
-      </p:sp>
-      <p:sp>
-        <p:nvSpPr>
-          <p:cNvPr id="16" name="楕円 15"/>
-          <p:cNvSpPr/>
-          <p:nvPr/>
-        </p:nvSpPr>
-        <p:spPr>
-          <a:xfrm>
-            <a:off x="4643569" y="1331341"/>
-            <a:ext cx="1152091" cy="679987"/>
-          </a:xfrm>
-          <a:prstGeom prst="ellipse">
-            <a:avLst/>
-          </a:prstGeom>
-        </p:spPr>
-        <p:style>
-          <a:lnRef idx="2">
-            <a:schemeClr val="accent1">
-              <a:shade val="50000"/>
-            </a:schemeClr>
-          </a:lnRef>
-          <a:fillRef idx="1">
-            <a:schemeClr val="accent1"/>
-          </a:fillRef>
-          <a:effectRef idx="0">
-            <a:schemeClr val="accent1"/>
-          </a:effectRef>
-          <a:fontRef idx="minor">
-            <a:schemeClr val="lt1"/>
-          </a:fontRef>
-        </p:style>
-        <p:txBody>
-          <a:bodyPr rtlCol="0" anchor="ctr"/>
-          <a:lstStyle/>
-          <a:p>
-            <a:pPr algn="ctr"/>
-            <a:endParaRPr kumimoji="1" lang="ja-JP" altLang="en-US"/>
-          </a:p>
-        </p:txBody>
-      </p:sp>
-      <p:sp>
-        <p:nvSpPr>
-          <p:cNvPr id="17" name="楕円 16"/>
-          <p:cNvSpPr/>
-          <p:nvPr/>
-        </p:nvSpPr>
-        <p:spPr>
-          <a:xfrm>
-            <a:off x="5896755" y="1360152"/>
-            <a:ext cx="1152091" cy="679987"/>
-          </a:xfrm>
-          <a:prstGeom prst="ellipse">
-            <a:avLst/>
-          </a:prstGeom>
-        </p:spPr>
-        <p:style>
-          <a:lnRef idx="2">
-            <a:schemeClr val="accent1">
-              <a:shade val="50000"/>
-            </a:schemeClr>
-          </a:lnRef>
-          <a:fillRef idx="1">
-            <a:schemeClr val="accent1"/>
-          </a:fillRef>
-          <a:effectRef idx="0">
-            <a:schemeClr val="accent1"/>
-          </a:effectRef>
-          <a:fontRef idx="minor">
-            <a:schemeClr val="lt1"/>
-          </a:fontRef>
-        </p:style>
-        <p:txBody>
-          <a:bodyPr rtlCol="0" anchor="ctr"/>
-          <a:lstStyle/>
-          <a:p>
-            <a:pPr algn="ctr"/>
-            <a:endParaRPr kumimoji="1" lang="ja-JP" altLang="en-US"/>
-          </a:p>
-        </p:txBody>
-      </p:sp>
-      <p:sp>
-        <p:nvSpPr>
-          <p:cNvPr id="18" name="楕円 17"/>
-          <p:cNvSpPr/>
-          <p:nvPr/>
-        </p:nvSpPr>
-        <p:spPr>
-          <a:xfrm>
-            <a:off x="7172450" y="1386757"/>
-            <a:ext cx="1152091" cy="679987"/>
-          </a:xfrm>
-          <a:prstGeom prst="ellipse">
-            <a:avLst/>
-          </a:prstGeom>
-        </p:spPr>
-        <p:style>
-          <a:lnRef idx="2">
-            <a:schemeClr val="accent1">
-              <a:shade val="50000"/>
-            </a:schemeClr>
-          </a:lnRef>
-          <a:fillRef idx="1">
-            <a:schemeClr val="accent1"/>
-          </a:fillRef>
-          <a:effectRef idx="0">
-            <a:schemeClr val="accent1"/>
-          </a:effectRef>
-          <a:fontRef idx="minor">
-            <a:schemeClr val="lt1"/>
-          </a:fontRef>
-        </p:style>
-        <p:txBody>
-          <a:bodyPr rtlCol="0" anchor="ctr"/>
-          <a:lstStyle/>
-          <a:p>
-            <a:pPr algn="ctr"/>
-            <a:endParaRPr kumimoji="1" lang="ja-JP" altLang="en-US"/>
-          </a:p>
-        </p:txBody>
-      </p:sp>
-      <p:sp>
-        <p:nvSpPr>
-          <p:cNvPr id="19" name="テキスト ボックス 18"/>
+            <a:endParaRPr kumimoji="1" lang="ja-JP" altLang="en-US" dirty="0"/>
+          </a:p>
+        </p:txBody>
+      </p:sp>
+      <p:sp>
+        <p:nvSpPr>
+          <p:cNvPr id="25" name="テキスト ボックス 24"/>
           <p:cNvSpPr txBox="1"/>
           <p:nvPr/>
         </p:nvSpPr>
         <p:spPr>
           <a:xfrm>
-            <a:off x="3534685" y="1398673"/>
-            <a:ext cx="1400629" cy="584775"/>
+            <a:off x="2237558" y="1437126"/>
+            <a:ext cx="1400629" cy="400110"/>
+          </a:xfrm>
+          <a:prstGeom prst="rect">
+            <a:avLst/>
+          </a:prstGeom>
+          <a:noFill/>
+        </p:spPr>
+        <p:txBody>
+          <a:bodyPr wrap="square" rtlCol="0">
+            <a:spAutoFit/>
+          </a:bodyPr>
+          <a:lstStyle/>
+          <a:p>
+            <a:r>
+              <a:rPr lang="ja-JP" altLang="en-US" sz="2000" b="1" dirty="0" smtClean="0">
+                <a:latin typeface="ＭＳ ゴシック" panose="020B0609070205080204" pitchFamily="49" charset="-128"/>
+                <a:ea typeface="ＭＳ ゴシック" panose="020B0609070205080204" pitchFamily="49" charset="-128"/>
+              </a:rPr>
+              <a:t>ポイン</a:t>
+            </a:r>
+            <a:r>
+              <a:rPr lang="ja-JP" altLang="en-US" sz="2000" b="1" dirty="0">
+                <a:latin typeface="ＭＳ ゴシック" panose="020B0609070205080204" pitchFamily="49" charset="-128"/>
+                <a:ea typeface="ＭＳ ゴシック" panose="020B0609070205080204" pitchFamily="49" charset="-128"/>
+              </a:rPr>
+              <a:t>ト</a:t>
+            </a:r>
+            <a:endParaRPr kumimoji="1" lang="ja-JP" altLang="en-US" sz="2000" b="1" dirty="0">
+              <a:latin typeface="ＭＳ ゴシック" panose="020B0609070205080204" pitchFamily="49" charset="-128"/>
+              <a:ea typeface="ＭＳ ゴシック" panose="020B0609070205080204" pitchFamily="49" charset="-128"/>
+            </a:endParaRPr>
+          </a:p>
+        </p:txBody>
+      </p:sp>
+      <p:sp>
+        <p:nvSpPr>
+          <p:cNvPr id="26" name="テキスト ボックス 25"/>
+          <p:cNvSpPr txBox="1"/>
+          <p:nvPr/>
+        </p:nvSpPr>
+        <p:spPr>
+          <a:xfrm>
+            <a:off x="2028946" y="5676253"/>
+            <a:ext cx="8373561" cy="1077218"/>
           </a:xfrm>
           <a:prstGeom prst="rect">
             <a:avLst/>
@@ -5574,255 +8596,27 @@
                 <a:latin typeface="ＭＳ ゴシック" panose="020B0609070205080204" pitchFamily="49" charset="-128"/>
                 <a:ea typeface="ＭＳ ゴシック" panose="020B0609070205080204" pitchFamily="49" charset="-128"/>
               </a:rPr>
-              <a:t>１</a:t>
-            </a:r>
-            <a:r>
-              <a:rPr lang="en-US" altLang="ja-JP" sz="3200" b="1" dirty="0">
-                <a:latin typeface="ＭＳ ゴシック" panose="020B0609070205080204" pitchFamily="49" charset="-128"/>
-                <a:ea typeface="ＭＳ ゴシック" panose="020B0609070205080204" pitchFamily="49" charset="-128"/>
-              </a:rPr>
-              <a:t>P</a:t>
-            </a:r>
-            <a:endParaRPr kumimoji="1" lang="ja-JP" altLang="en-US" sz="3200" b="1" dirty="0">
+              <a:t>ショッピングカートでお店の中を滑走して</a:t>
+            </a:r>
+            <a:endParaRPr lang="en-US" altLang="ja-JP" sz="3200" b="1" dirty="0" smtClean="0">
               <a:latin typeface="ＭＳ ゴシック" panose="020B0609070205080204" pitchFamily="49" charset="-128"/>
               <a:ea typeface="ＭＳ ゴシック" panose="020B0609070205080204" pitchFamily="49" charset="-128"/>
             </a:endParaRPr>
           </a:p>
-        </p:txBody>
-      </p:sp>
-      <p:sp>
-        <p:nvSpPr>
-          <p:cNvPr id="20" name="テキスト ボックス 19"/>
-          <p:cNvSpPr txBox="1"/>
-          <p:nvPr/>
-        </p:nvSpPr>
-        <p:spPr>
-          <a:xfrm>
-            <a:off x="4784148" y="1382669"/>
-            <a:ext cx="1400629" cy="584775"/>
-          </a:xfrm>
-          <a:prstGeom prst="rect">
-            <a:avLst/>
-          </a:prstGeom>
-          <a:noFill/>
-        </p:spPr>
-        <p:txBody>
-          <a:bodyPr wrap="square" rtlCol="0">
-            <a:spAutoFit/>
-          </a:bodyPr>
-          <a:lstStyle/>
           <a:p>
             <a:r>
               <a:rPr lang="ja-JP" altLang="en-US" sz="3200" b="1" dirty="0">
                 <a:latin typeface="ＭＳ ゴシック" panose="020B0609070205080204" pitchFamily="49" charset="-128"/>
                 <a:ea typeface="ＭＳ ゴシック" panose="020B0609070205080204" pitchFamily="49" charset="-128"/>
               </a:rPr>
-              <a:t>２</a:t>
-            </a:r>
-            <a:r>
-              <a:rPr lang="en-US" altLang="ja-JP" sz="3200" b="1" dirty="0" smtClean="0">
-                <a:latin typeface="ＭＳ ゴシック" panose="020B0609070205080204" pitchFamily="49" charset="-128"/>
-                <a:ea typeface="ＭＳ ゴシック" panose="020B0609070205080204" pitchFamily="49" charset="-128"/>
-              </a:rPr>
-              <a:t>P</a:t>
-            </a:r>
-            <a:endParaRPr kumimoji="1" lang="ja-JP" altLang="en-US" sz="3200" b="1" dirty="0">
-              <a:latin typeface="ＭＳ ゴシック" panose="020B0609070205080204" pitchFamily="49" charset="-128"/>
-              <a:ea typeface="ＭＳ ゴシック" panose="020B0609070205080204" pitchFamily="49" charset="-128"/>
-            </a:endParaRPr>
-          </a:p>
-        </p:txBody>
-      </p:sp>
-      <p:sp>
-        <p:nvSpPr>
-          <p:cNvPr id="21" name="テキスト ボックス 20"/>
-          <p:cNvSpPr txBox="1"/>
-          <p:nvPr/>
-        </p:nvSpPr>
-        <p:spPr>
-          <a:xfrm>
-            <a:off x="6078613" y="1382669"/>
-            <a:ext cx="1400629" cy="584775"/>
-          </a:xfrm>
-          <a:prstGeom prst="rect">
-            <a:avLst/>
-          </a:prstGeom>
-          <a:noFill/>
-        </p:spPr>
-        <p:txBody>
-          <a:bodyPr wrap="square" rtlCol="0">
-            <a:spAutoFit/>
-          </a:bodyPr>
-          <a:lstStyle/>
-          <a:p>
-            <a:r>
-              <a:rPr lang="ja-JP" altLang="en-US" sz="3200" b="1" dirty="0">
-                <a:latin typeface="ＭＳ ゴシック" panose="020B0609070205080204" pitchFamily="49" charset="-128"/>
-                <a:ea typeface="ＭＳ ゴシック" panose="020B0609070205080204" pitchFamily="49" charset="-128"/>
-              </a:rPr>
-              <a:t>３</a:t>
-            </a:r>
-            <a:r>
-              <a:rPr lang="en-US" altLang="ja-JP" sz="3200" b="1" dirty="0" smtClean="0">
-                <a:latin typeface="ＭＳ ゴシック" panose="020B0609070205080204" pitchFamily="49" charset="-128"/>
-                <a:ea typeface="ＭＳ ゴシック" panose="020B0609070205080204" pitchFamily="49" charset="-128"/>
-              </a:rPr>
-              <a:t>P</a:t>
-            </a:r>
-            <a:endParaRPr kumimoji="1" lang="ja-JP" altLang="en-US" sz="3200" b="1" dirty="0">
-              <a:latin typeface="ＭＳ ゴシック" panose="020B0609070205080204" pitchFamily="49" charset="-128"/>
-              <a:ea typeface="ＭＳ ゴシック" panose="020B0609070205080204" pitchFamily="49" charset="-128"/>
-            </a:endParaRPr>
-          </a:p>
-        </p:txBody>
-      </p:sp>
-      <p:sp>
-        <p:nvSpPr>
-          <p:cNvPr id="22" name="テキスト ボックス 21"/>
-          <p:cNvSpPr txBox="1"/>
-          <p:nvPr/>
-        </p:nvSpPr>
-        <p:spPr>
-          <a:xfrm>
-            <a:off x="7303523" y="1419016"/>
-            <a:ext cx="1400629" cy="584775"/>
-          </a:xfrm>
-          <a:prstGeom prst="rect">
-            <a:avLst/>
-          </a:prstGeom>
-          <a:noFill/>
-        </p:spPr>
-        <p:txBody>
-          <a:bodyPr wrap="square" rtlCol="0">
-            <a:spAutoFit/>
-          </a:bodyPr>
-          <a:lstStyle/>
-          <a:p>
-            <a:r>
-              <a:rPr lang="ja-JP" altLang="en-US" sz="3200" b="1" dirty="0">
-                <a:latin typeface="ＭＳ ゴシック" panose="020B0609070205080204" pitchFamily="49" charset="-128"/>
-                <a:ea typeface="ＭＳ ゴシック" panose="020B0609070205080204" pitchFamily="49" charset="-128"/>
-              </a:rPr>
-              <a:t>４</a:t>
-            </a:r>
-            <a:r>
-              <a:rPr lang="en-US" altLang="ja-JP" sz="3200" b="1" dirty="0" smtClean="0">
-                <a:latin typeface="ＭＳ ゴシック" panose="020B0609070205080204" pitchFamily="49" charset="-128"/>
-                <a:ea typeface="ＭＳ ゴシック" panose="020B0609070205080204" pitchFamily="49" charset="-128"/>
-              </a:rPr>
-              <a:t>P</a:t>
-            </a:r>
-            <a:endParaRPr kumimoji="1" lang="ja-JP" altLang="en-US" sz="3200" b="1" dirty="0">
-              <a:latin typeface="ＭＳ ゴシック" panose="020B0609070205080204" pitchFamily="49" charset="-128"/>
-              <a:ea typeface="ＭＳ ゴシック" panose="020B0609070205080204" pitchFamily="49" charset="-128"/>
-            </a:endParaRPr>
-          </a:p>
-        </p:txBody>
-      </p:sp>
-      <p:sp>
-        <p:nvSpPr>
-          <p:cNvPr id="23" name="正方形/長方形 22"/>
-          <p:cNvSpPr/>
-          <p:nvPr/>
-        </p:nvSpPr>
-        <p:spPr>
-          <a:xfrm>
-            <a:off x="2272769" y="1319251"/>
-            <a:ext cx="1146647" cy="648193"/>
-          </a:xfrm>
-          <a:prstGeom prst="rect">
-            <a:avLst/>
-          </a:prstGeom>
-        </p:spPr>
-        <p:style>
-          <a:lnRef idx="2">
-            <a:schemeClr val="accent1">
-              <a:shade val="50000"/>
-            </a:schemeClr>
-          </a:lnRef>
-          <a:fillRef idx="1">
-            <a:schemeClr val="accent1"/>
-          </a:fillRef>
-          <a:effectRef idx="0">
-            <a:schemeClr val="accent1"/>
-          </a:effectRef>
-          <a:fontRef idx="minor">
-            <a:schemeClr val="lt1"/>
-          </a:fontRef>
-        </p:style>
-        <p:txBody>
-          <a:bodyPr rtlCol="0" anchor="ctr"/>
-          <a:lstStyle/>
-          <a:p>
-            <a:pPr algn="ctr"/>
-            <a:endParaRPr kumimoji="1" lang="ja-JP" altLang="en-US"/>
-          </a:p>
-        </p:txBody>
-      </p:sp>
-      <p:sp>
-        <p:nvSpPr>
-          <p:cNvPr id="25" name="テキスト ボックス 24"/>
-          <p:cNvSpPr txBox="1"/>
-          <p:nvPr/>
-        </p:nvSpPr>
-        <p:spPr>
-          <a:xfrm>
-            <a:off x="2355608" y="1360152"/>
-            <a:ext cx="1400629" cy="584775"/>
-          </a:xfrm>
-          <a:prstGeom prst="rect">
-            <a:avLst/>
-          </a:prstGeom>
-          <a:noFill/>
-        </p:spPr>
-        <p:txBody>
-          <a:bodyPr wrap="square" rtlCol="0">
-            <a:spAutoFit/>
-          </a:bodyPr>
-          <a:lstStyle/>
-          <a:p>
-            <a:r>
-              <a:rPr lang="ja-JP" altLang="en-US" sz="3200" b="1" dirty="0">
-                <a:latin typeface="ＭＳ ゴシック" panose="020B0609070205080204" pitchFamily="49" charset="-128"/>
-                <a:ea typeface="ＭＳ ゴシック" panose="020B0609070205080204" pitchFamily="49" charset="-128"/>
-              </a:rPr>
-              <a:t>時間</a:t>
-            </a:r>
-            <a:endParaRPr kumimoji="1" lang="ja-JP" altLang="en-US" sz="3200" b="1" dirty="0">
-              <a:latin typeface="ＭＳ ゴシック" panose="020B0609070205080204" pitchFamily="49" charset="-128"/>
-              <a:ea typeface="ＭＳ ゴシック" panose="020B0609070205080204" pitchFamily="49" charset="-128"/>
-            </a:endParaRPr>
-          </a:p>
-        </p:txBody>
-      </p:sp>
-      <p:sp>
-        <p:nvSpPr>
-          <p:cNvPr id="26" name="テキスト ボックス 25"/>
-          <p:cNvSpPr txBox="1"/>
-          <p:nvPr/>
-        </p:nvSpPr>
-        <p:spPr>
-          <a:xfrm>
-            <a:off x="2028946" y="5686959"/>
-            <a:ext cx="8373561" cy="1077218"/>
-          </a:xfrm>
-          <a:prstGeom prst="rect">
-            <a:avLst/>
-          </a:prstGeom>
-          <a:noFill/>
-        </p:spPr>
-        <p:txBody>
-          <a:bodyPr wrap="square" rtlCol="0">
-            <a:spAutoFit/>
-          </a:bodyPr>
-          <a:lstStyle/>
-          <a:p>
+              <a:t>特</a:t>
+            </a:r>
             <a:r>
               <a:rPr lang="ja-JP" altLang="en-US" sz="3200" b="1" dirty="0" smtClean="0">
                 <a:latin typeface="ＭＳ ゴシック" panose="020B0609070205080204" pitchFamily="49" charset="-128"/>
                 <a:ea typeface="ＭＳ ゴシック" panose="020B0609070205080204" pitchFamily="49" charset="-128"/>
               </a:rPr>
-              <a:t>滑走しながら品物をとってかごにいれたり、投げつけられる</a:t>
+              <a:t>売品を買ってポイントを溜めろ！</a:t>
             </a:r>
             <a:endParaRPr lang="en-US" altLang="ja-JP" sz="3200" b="1" dirty="0">
               <a:latin typeface="ＭＳ ゴシック" panose="020B0609070205080204" pitchFamily="49" charset="-128"/>
@@ -5906,7 +8700,7 @@
         </p:nvSpPr>
         <p:spPr>
           <a:xfrm>
-            <a:off x="400295" y="1445478"/>
+            <a:off x="626973" y="1480266"/>
             <a:ext cx="2462223" cy="584775"/>
           </a:xfrm>
           <a:prstGeom prst="rect">
@@ -5920,19 +8714,19 @@
           </a:bodyPr>
           <a:lstStyle/>
           <a:p>
+            <a:r>
+              <a:rPr lang="ja-JP" altLang="en-US" sz="3200" b="1" dirty="0" smtClean="0">
+                <a:latin typeface="ＭＳ ゴシック" panose="020B0609070205080204" pitchFamily="49" charset="-128"/>
+                <a:ea typeface="ＭＳ ゴシック" panose="020B0609070205080204" pitchFamily="49" charset="-128"/>
+              </a:rPr>
+              <a:t>スコ</a:t>
+            </a:r>
             <a:r>
               <a:rPr lang="ja-JP" altLang="en-US" sz="3200" b="1" dirty="0">
                 <a:latin typeface="ＭＳ ゴシック" panose="020B0609070205080204" pitchFamily="49" charset="-128"/>
                 <a:ea typeface="ＭＳ ゴシック" panose="020B0609070205080204" pitchFamily="49" charset="-128"/>
               </a:rPr>
-              <a:t>タイマ</a:t>
-            </a:r>
-            <a:r>
-              <a:rPr lang="ja-JP" altLang="en-US" sz="3200" b="1" dirty="0" smtClean="0">
-                <a:latin typeface="ＭＳ ゴシック" panose="020B0609070205080204" pitchFamily="49" charset="-128"/>
-                <a:ea typeface="ＭＳ ゴシック" panose="020B0609070205080204" pitchFamily="49" charset="-128"/>
-              </a:rPr>
-              <a:t>ー</a:t>
+              <a:t>ア</a:t>
             </a:r>
             <a:endParaRPr lang="en-US" altLang="ja-JP" sz="3200" b="1" dirty="0">
               <a:latin typeface="ＭＳ ゴシック" panose="020B0609070205080204" pitchFamily="49" charset="-128"/>
@@ -5985,8 +8779,8 @@
         </p:nvSpPr>
         <p:spPr>
           <a:xfrm>
-            <a:off x="5110988" y="1943278"/>
-            <a:ext cx="1759058" cy="774350"/>
+            <a:off x="5707222" y="1847405"/>
+            <a:ext cx="1201205" cy="774350"/>
           </a:xfrm>
           <a:prstGeom prst="rect">
             <a:avLst/>
@@ -6033,7 +8827,7 @@
         </p:nvSpPr>
         <p:spPr>
           <a:xfrm>
-            <a:off x="5114488" y="2014924"/>
+            <a:off x="5741145" y="1940799"/>
             <a:ext cx="2462223" cy="584775"/>
           </a:xfrm>
           <a:prstGeom prst="rect">
@@ -6047,17 +8841,106 @@
           </a:bodyPr>
           <a:lstStyle/>
           <a:p>
-            <a:r>
-              <a:rPr lang="ja-JP" altLang="en-US" sz="3200" b="1" dirty="0" smtClean="0">
+            <a:pPr algn="just"/>
+            <a:r>
+              <a:rPr lang="ja-JP" altLang="en-US" sz="3200" b="1" dirty="0">
                 <a:latin typeface="ＭＳ ゴシック" panose="020B0609070205080204" pitchFamily="49" charset="-128"/>
                 <a:ea typeface="ＭＳ ゴシック" panose="020B0609070205080204" pitchFamily="49" charset="-128"/>
               </a:rPr>
-              <a:t>ポイント</a:t>
+              <a:t>時間</a:t>
             </a:r>
             <a:endParaRPr lang="en-US" altLang="ja-JP" sz="3200" b="1" dirty="0">
               <a:latin typeface="ＭＳ ゴシック" panose="020B0609070205080204" pitchFamily="49" charset="-128"/>
               <a:ea typeface="ＭＳ ゴシック" panose="020B0609070205080204" pitchFamily="49" charset="-128"/>
             </a:endParaRPr>
+          </a:p>
+        </p:txBody>
+      </p:sp>
+      <p:sp>
+        <p:nvSpPr>
+          <p:cNvPr id="7" name="月 6"/>
+          <p:cNvSpPr/>
+          <p:nvPr/>
+        </p:nvSpPr>
+        <p:spPr>
+          <a:xfrm rot="2134749" flipH="1">
+            <a:off x="7932823" y="1147528"/>
+            <a:ext cx="545656" cy="796559"/>
+          </a:xfrm>
+          <a:prstGeom prst="moon">
+            <a:avLst>
+              <a:gd name="adj" fmla="val 51505"/>
+            </a:avLst>
+          </a:prstGeom>
+          <a:solidFill>
+            <a:srgbClr val="FFFF00"/>
+          </a:solidFill>
+        </p:spPr>
+        <p:style>
+          <a:lnRef idx="2">
+            <a:schemeClr val="accent1">
+              <a:shade val="50000"/>
+            </a:schemeClr>
+          </a:lnRef>
+          <a:fillRef idx="1">
+            <a:schemeClr val="accent1"/>
+          </a:fillRef>
+          <a:effectRef idx="0">
+            <a:schemeClr val="accent1"/>
+          </a:effectRef>
+          <a:fontRef idx="minor">
+            <a:schemeClr val="lt1"/>
+          </a:fontRef>
+        </p:style>
+        <p:txBody>
+          <a:bodyPr rtlCol="0" anchor="ctr"/>
+          <a:lstStyle/>
+          <a:p>
+            <a:pPr algn="ctr"/>
+            <a:endParaRPr kumimoji="1" lang="ja-JP" altLang="en-US"/>
+          </a:p>
+        </p:txBody>
+      </p:sp>
+      <p:sp>
+        <p:nvSpPr>
+          <p:cNvPr id="11" name="楕円 10"/>
+          <p:cNvSpPr/>
+          <p:nvPr/>
+        </p:nvSpPr>
+        <p:spPr>
+          <a:xfrm>
+            <a:off x="3779665" y="1200696"/>
+            <a:ext cx="775746" cy="726518"/>
+          </a:xfrm>
+          <a:prstGeom prst="ellipse">
+            <a:avLst/>
+          </a:prstGeom>
+          <a:solidFill>
+            <a:srgbClr val="EA4646"/>
+          </a:solidFill>
+        </p:spPr>
+        <p:style>
+          <a:lnRef idx="2">
+            <a:schemeClr val="accent1">
+              <a:shade val="50000"/>
+            </a:schemeClr>
+          </a:lnRef>
+          <a:fillRef idx="1">
+            <a:schemeClr val="accent1"/>
+          </a:fillRef>
+          <a:effectRef idx="0">
+            <a:schemeClr val="accent1"/>
+          </a:effectRef>
+          <a:fontRef idx="minor">
+            <a:schemeClr val="lt1"/>
+          </a:fontRef>
+        </p:style>
+        <p:txBody>
+          <a:bodyPr rtlCol="0" anchor="ctr"/>
+          <a:lstStyle/>
+          <a:p>
+            <a:pPr algn="ctr"/>
+            <a:endParaRPr kumimoji="1" lang="ja-JP" altLang="en-US"/>
           </a:p>
         </p:txBody>
       </p:sp>
@@ -6071,6 +8954,13 @@
   <p:clrMapOvr>
     <a:masterClrMapping/>
   </p:clrMapOvr>
+  <p:timing>
+    <p:tnLst>
+      <p:par>
+        <p:cTn id="1" dur="indefinite" restart="never" nodeType="tmRoot"/>
+      </p:par>
+    </p:tnLst>
+  </p:timing>
 </p:sld>
 </file>
 
@@ -6093,14 +8983,14 @@
       </p:grpSpPr>
       <p:sp>
         <p:nvSpPr>
-          <p:cNvPr id="27" name="正方形/長方形 26"/>
+          <p:cNvPr id="10" name="正方形/長方形 9"/>
           <p:cNvSpPr/>
           <p:nvPr/>
         </p:nvSpPr>
         <p:spPr>
           <a:xfrm>
-            <a:off x="0" y="-32606"/>
-            <a:ext cx="12192000" cy="1015663"/>
+            <a:off x="513827" y="2812233"/>
+            <a:ext cx="11164345" cy="3951982"/>
           </a:xfrm>
           <a:prstGeom prst="rect">
             <a:avLst/>
@@ -6139,105 +9029,9 @@
           </a:p>
         </p:txBody>
       </p:sp>
-      <p:sp>
-        <p:nvSpPr>
-          <p:cNvPr id="26" name="正方形/長方形 25"/>
-          <p:cNvSpPr/>
-          <p:nvPr/>
-        </p:nvSpPr>
-        <p:spPr>
-          <a:xfrm>
-            <a:off x="126419" y="1111085"/>
-            <a:ext cx="8581483" cy="981796"/>
-          </a:xfrm>
-          <a:prstGeom prst="rect">
-            <a:avLst/>
-          </a:prstGeom>
-          <a:solidFill>
-            <a:schemeClr val="bg1"/>
-          </a:solidFill>
-          <a:ln>
-            <a:solidFill>
-              <a:schemeClr val="tx1"/>
-            </a:solidFill>
-          </a:ln>
-        </p:spPr>
-        <p:style>
-          <a:lnRef idx="2">
-            <a:schemeClr val="accent1">
-              <a:shade val="50000"/>
-            </a:schemeClr>
-          </a:lnRef>
-          <a:fillRef idx="1">
-            <a:schemeClr val="accent1"/>
-          </a:fillRef>
-          <a:effectRef idx="0">
-            <a:schemeClr val="accent1"/>
-          </a:effectRef>
-          <a:fontRef idx="minor">
-            <a:schemeClr val="lt1"/>
-          </a:fontRef>
-        </p:style>
-        <p:txBody>
-          <a:bodyPr rtlCol="0" anchor="ctr"/>
-          <a:lstStyle/>
-          <a:p>
-            <a:pPr algn="ctr"/>
-            <a:endParaRPr kumimoji="1" lang="ja-JP" altLang="en-US" dirty="0"/>
-          </a:p>
-        </p:txBody>
-      </p:sp>
-      <p:sp>
-        <p:nvSpPr>
-          <p:cNvPr id="25" name="正方形/長方形 24"/>
-          <p:cNvSpPr/>
-          <p:nvPr/>
-        </p:nvSpPr>
-        <p:spPr>
-          <a:xfrm>
-            <a:off x="126419" y="2654983"/>
-            <a:ext cx="11739515" cy="4126405"/>
-          </a:xfrm>
-          <a:prstGeom prst="rect">
-            <a:avLst/>
-          </a:prstGeom>
-          <a:solidFill>
-            <a:schemeClr val="bg1"/>
-          </a:solidFill>
-          <a:ln>
-            <a:solidFill>
-              <a:schemeClr val="tx1"/>
-            </a:solidFill>
-          </a:ln>
-        </p:spPr>
-        <p:style>
-          <a:lnRef idx="2">
-            <a:schemeClr val="accent1">
-              <a:shade val="50000"/>
-            </a:schemeClr>
-          </a:lnRef>
-          <a:fillRef idx="1">
-            <a:schemeClr val="accent1"/>
-          </a:fillRef>
-          <a:effectRef idx="0">
-            <a:schemeClr val="accent1"/>
-          </a:effectRef>
-          <a:fontRef idx="minor">
-            <a:schemeClr val="lt1"/>
-          </a:fontRef>
-        </p:style>
-        <p:txBody>
-          <a:bodyPr rtlCol="0" anchor="ctr"/>
-          <a:lstStyle/>
-          <a:p>
-            <a:pPr algn="ctr"/>
-            <a:endParaRPr kumimoji="1" lang="ja-JP" altLang="en-US" dirty="0"/>
-          </a:p>
-        </p:txBody>
-      </p:sp>
       <p:pic>
         <p:nvPicPr>
-          <p:cNvPr id="24" name="図 23"/>
+          <p:cNvPr id="16" name="図 15"/>
           <p:cNvPicPr>
             <a:picLocks noChangeAspect="1"/>
           </p:cNvPicPr>
@@ -6256,117 +9050,25 @@
           </a:stretch>
         </p:blipFill>
         <p:spPr>
-          <a:xfrm rot="20873802" flipH="1">
-            <a:off x="9988030" y="3635027"/>
-            <a:ext cx="1655293" cy="2298879"/>
+          <a:xfrm rot="20024842">
+            <a:off x="5614571" y="4022816"/>
+            <a:ext cx="2114622" cy="1435300"/>
           </a:xfrm>
           <a:prstGeom prst="rect">
             <a:avLst/>
           </a:prstGeom>
         </p:spPr>
       </p:pic>
-      <p:sp>
-        <p:nvSpPr>
-          <p:cNvPr id="3" name="テキスト ボックス 2"/>
-          <p:cNvSpPr txBox="1"/>
-          <p:nvPr/>
-        </p:nvSpPr>
-        <p:spPr>
-          <a:xfrm>
-            <a:off x="0" y="0"/>
-            <a:ext cx="7984901" cy="1015663"/>
-          </a:xfrm>
-          <a:prstGeom prst="rect">
-            <a:avLst/>
-          </a:prstGeom>
-          <a:noFill/>
-        </p:spPr>
-        <p:txBody>
-          <a:bodyPr wrap="square" rtlCol="0">
-            <a:spAutoFit/>
-          </a:bodyPr>
-          <a:lstStyle/>
-          <a:p>
-            <a:r>
-              <a:rPr kumimoji="1" lang="ja-JP" altLang="en-US" sz="6000" b="1" dirty="0" smtClean="0">
-                <a:latin typeface="ＭＳ ゴシック" panose="020B0609070205080204" pitchFamily="49" charset="-128"/>
-                <a:ea typeface="ＭＳ ゴシック" panose="020B0609070205080204" pitchFamily="49" charset="-128"/>
-              </a:rPr>
-              <a:t>ゲームシステム</a:t>
-            </a:r>
-            <a:endParaRPr kumimoji="1" lang="ja-JP" altLang="en-US" sz="6000" b="1" dirty="0">
-              <a:latin typeface="ＭＳ ゴシック" panose="020B0609070205080204" pitchFamily="49" charset="-128"/>
-              <a:ea typeface="ＭＳ ゴシック" panose="020B0609070205080204" pitchFamily="49" charset="-128"/>
-            </a:endParaRPr>
-          </a:p>
-        </p:txBody>
-      </p:sp>
-      <p:sp>
-        <p:nvSpPr>
-          <p:cNvPr id="5" name="テキスト ボックス 4"/>
-          <p:cNvSpPr txBox="1"/>
-          <p:nvPr/>
-        </p:nvSpPr>
-        <p:spPr>
-          <a:xfrm>
-            <a:off x="0" y="1100549"/>
-            <a:ext cx="9723121" cy="1077218"/>
-          </a:xfrm>
-          <a:prstGeom prst="rect">
-            <a:avLst/>
-          </a:prstGeom>
-          <a:noFill/>
-        </p:spPr>
-        <p:txBody>
-          <a:bodyPr wrap="square" rtlCol="0">
-            <a:spAutoFit/>
-          </a:bodyPr>
-          <a:lstStyle/>
-          <a:p>
-            <a:r>
-              <a:rPr lang="ja-JP" altLang="en-US" sz="3200" b="1" dirty="0" smtClean="0">
-                <a:latin typeface="ＭＳ ゴシック" panose="020B0609070205080204" pitchFamily="49" charset="-128"/>
-                <a:ea typeface="ＭＳ ゴシック" panose="020B0609070205080204" pitchFamily="49" charset="-128"/>
-              </a:rPr>
-              <a:t>ショッピングカート</a:t>
-            </a:r>
-            <a:r>
-              <a:rPr lang="ja-JP" altLang="en-US" sz="3200" b="1" dirty="0" smtClean="0">
-                <a:latin typeface="ＭＳ ゴシック" panose="020B0609070205080204" pitchFamily="49" charset="-128"/>
-                <a:ea typeface="ＭＳ ゴシック" panose="020B0609070205080204" pitchFamily="49" charset="-128"/>
-              </a:rPr>
-              <a:t>で店の中を滑走してかごに</a:t>
-            </a:r>
-            <a:endParaRPr lang="en-US" altLang="ja-JP" sz="3200" b="1" dirty="0" smtClean="0">
-              <a:latin typeface="ＭＳ ゴシック" panose="020B0609070205080204" pitchFamily="49" charset="-128"/>
-              <a:ea typeface="ＭＳ ゴシック" panose="020B0609070205080204" pitchFamily="49" charset="-128"/>
-            </a:endParaRPr>
-          </a:p>
-          <a:p>
-            <a:r>
-              <a:rPr lang="ja-JP" altLang="en-US" sz="3200" b="1" dirty="0" smtClean="0">
-                <a:latin typeface="ＭＳ ゴシック" panose="020B0609070205080204" pitchFamily="49" charset="-128"/>
-                <a:ea typeface="ＭＳ ゴシック" panose="020B0609070205080204" pitchFamily="49" charset="-128"/>
-              </a:rPr>
-              <a:t>セール品を詰め込みまくれ！</a:t>
-            </a:r>
-            <a:endParaRPr lang="en-US" altLang="ja-JP" sz="3200" b="1" dirty="0">
-              <a:latin typeface="ＭＳ ゴシック" panose="020B0609070205080204" pitchFamily="49" charset="-128"/>
-              <a:ea typeface="ＭＳ ゴシック" panose="020B0609070205080204" pitchFamily="49" charset="-128"/>
-            </a:endParaRPr>
-          </a:p>
-        </p:txBody>
-      </p:sp>
       <p:pic>
         <p:nvPicPr>
-          <p:cNvPr id="2" name="図 1"/>
+          <p:cNvPr id="27" name="図 26"/>
           <p:cNvPicPr>
             <a:picLocks noChangeAspect="1"/>
           </p:cNvPicPr>
           <p:nvPr/>
         </p:nvPicPr>
         <p:blipFill>
-          <a:blip r:embed="rId3" cstate="print">
+          <a:blip r:embed="rId3">
             <a:extLst>
               <a:ext uri="{28A0092B-C50C-407E-A947-70E740481C1C}">
                 <a14:useLocalDpi xmlns:a14="http://schemas.microsoft.com/office/drawing/2010/main" val="0"/>
@@ -6379,8 +9081,8 @@
         </p:blipFill>
         <p:spPr>
           <a:xfrm>
-            <a:off x="794708" y="3525741"/>
-            <a:ext cx="2407006" cy="2298879"/>
+            <a:off x="5874723" y="4450991"/>
+            <a:ext cx="1500852" cy="1228408"/>
           </a:xfrm>
           <a:prstGeom prst="rect">
             <a:avLst/>
@@ -6389,14 +9091,14 @@
       </p:pic>
       <p:pic>
         <p:nvPicPr>
-          <p:cNvPr id="6" name="図 5"/>
+          <p:cNvPr id="25" name="図 24"/>
           <p:cNvPicPr>
             <a:picLocks noChangeAspect="1"/>
           </p:cNvPicPr>
           <p:nvPr/>
         </p:nvPicPr>
         <p:blipFill>
-          <a:blip r:embed="rId3" cstate="print">
+          <a:blip r:embed="rId3">
             <a:extLst>
               <a:ext uri="{28A0092B-C50C-407E-A947-70E740481C1C}">
                 <a14:useLocalDpi xmlns:a14="http://schemas.microsoft.com/office/drawing/2010/main" val="0"/>
@@ -6408,18 +9110,199 @@
           </a:stretch>
         </p:blipFill>
         <p:spPr>
-          <a:xfrm rot="2930496">
-            <a:off x="4465125" y="3568745"/>
-            <a:ext cx="2407006" cy="2298879"/>
+          <a:xfrm>
+            <a:off x="1768528" y="4336865"/>
+            <a:ext cx="1420656" cy="1202030"/>
           </a:xfrm>
           <a:prstGeom prst="rect">
             <a:avLst/>
           </a:prstGeom>
         </p:spPr>
       </p:pic>
+      <p:sp>
+        <p:nvSpPr>
+          <p:cNvPr id="8" name="正方形/長方形 7"/>
+          <p:cNvSpPr/>
+          <p:nvPr/>
+        </p:nvSpPr>
+        <p:spPr>
+          <a:xfrm>
+            <a:off x="339960" y="1169268"/>
+            <a:ext cx="11164345" cy="1109824"/>
+          </a:xfrm>
+          <a:prstGeom prst="rect">
+            <a:avLst/>
+          </a:prstGeom>
+          <a:solidFill>
+            <a:schemeClr val="bg1"/>
+          </a:solidFill>
+          <a:ln>
+            <a:solidFill>
+              <a:schemeClr val="tx1"/>
+            </a:solidFill>
+          </a:ln>
+        </p:spPr>
+        <p:style>
+          <a:lnRef idx="2">
+            <a:schemeClr val="accent1">
+              <a:shade val="50000"/>
+            </a:schemeClr>
+          </a:lnRef>
+          <a:fillRef idx="1">
+            <a:schemeClr val="accent1"/>
+          </a:fillRef>
+          <a:effectRef idx="0">
+            <a:schemeClr val="accent1"/>
+          </a:effectRef>
+          <a:fontRef idx="minor">
+            <a:schemeClr val="lt1"/>
+          </a:fontRef>
+        </p:style>
+        <p:txBody>
+          <a:bodyPr rtlCol="0" anchor="ctr"/>
+          <a:lstStyle/>
+          <a:p>
+            <a:pPr algn="ctr"/>
+            <a:endParaRPr kumimoji="1" lang="ja-JP" altLang="en-US" dirty="0"/>
+          </a:p>
+        </p:txBody>
+      </p:sp>
+      <p:sp>
+        <p:nvSpPr>
+          <p:cNvPr id="7" name="正方形/長方形 6"/>
+          <p:cNvSpPr/>
+          <p:nvPr/>
+        </p:nvSpPr>
+        <p:spPr>
+          <a:xfrm>
+            <a:off x="0" y="-32606"/>
+            <a:ext cx="12192000" cy="1015663"/>
+          </a:xfrm>
+          <a:prstGeom prst="rect">
+            <a:avLst/>
+          </a:prstGeom>
+          <a:solidFill>
+            <a:schemeClr val="bg1"/>
+          </a:solidFill>
+          <a:ln>
+            <a:solidFill>
+              <a:schemeClr val="tx1"/>
+            </a:solidFill>
+          </a:ln>
+        </p:spPr>
+        <p:style>
+          <a:lnRef idx="2">
+            <a:schemeClr val="accent1">
+              <a:shade val="50000"/>
+            </a:schemeClr>
+          </a:lnRef>
+          <a:fillRef idx="1">
+            <a:schemeClr val="accent1"/>
+          </a:fillRef>
+          <a:effectRef idx="0">
+            <a:schemeClr val="accent1"/>
+          </a:effectRef>
+          <a:fontRef idx="minor">
+            <a:schemeClr val="lt1"/>
+          </a:fontRef>
+        </p:style>
+        <p:txBody>
+          <a:bodyPr rtlCol="0" anchor="ctr"/>
+          <a:lstStyle/>
+          <a:p>
+            <a:pPr algn="ctr"/>
+            <a:endParaRPr kumimoji="1" lang="ja-JP" altLang="en-US" dirty="0"/>
+          </a:p>
+        </p:txBody>
+      </p:sp>
+      <p:sp>
+        <p:nvSpPr>
+          <p:cNvPr id="3" name="テキスト ボックス 2"/>
+          <p:cNvSpPr txBox="1"/>
+          <p:nvPr/>
+        </p:nvSpPr>
+        <p:spPr>
+          <a:xfrm>
+            <a:off x="0" y="0"/>
+            <a:ext cx="7984901" cy="1015663"/>
+          </a:xfrm>
+          <a:prstGeom prst="rect">
+            <a:avLst/>
+          </a:prstGeom>
+          <a:noFill/>
+        </p:spPr>
+        <p:txBody>
+          <a:bodyPr wrap="square" rtlCol="0">
+            <a:spAutoFit/>
+          </a:bodyPr>
+          <a:lstStyle/>
+          <a:p>
+            <a:r>
+              <a:rPr kumimoji="1" lang="ja-JP" altLang="en-US" sz="6000" b="1" dirty="0" smtClean="0">
+                <a:latin typeface="ＭＳ ゴシック" panose="020B0609070205080204" pitchFamily="49" charset="-128"/>
+                <a:ea typeface="ＭＳ ゴシック" panose="020B0609070205080204" pitchFamily="49" charset="-128"/>
+              </a:rPr>
+              <a:t>ゲームシステム</a:t>
+            </a:r>
+            <a:endParaRPr kumimoji="1" lang="ja-JP" altLang="en-US" sz="6000" b="1" dirty="0">
+              <a:latin typeface="ＭＳ ゴシック" panose="020B0609070205080204" pitchFamily="49" charset="-128"/>
+              <a:ea typeface="ＭＳ ゴシック" panose="020B0609070205080204" pitchFamily="49" charset="-128"/>
+            </a:endParaRPr>
+          </a:p>
+        </p:txBody>
+      </p:sp>
+      <p:sp>
+        <p:nvSpPr>
+          <p:cNvPr id="4" name="テキスト ボックス 3"/>
+          <p:cNvSpPr txBox="1"/>
+          <p:nvPr/>
+        </p:nvSpPr>
+        <p:spPr>
+          <a:xfrm>
+            <a:off x="1981200" y="1250036"/>
+            <a:ext cx="10679913" cy="1077218"/>
+          </a:xfrm>
+          <a:prstGeom prst="rect">
+            <a:avLst/>
+          </a:prstGeom>
+          <a:noFill/>
+        </p:spPr>
+        <p:txBody>
+          <a:bodyPr wrap="square" rtlCol="0">
+            <a:spAutoFit/>
+          </a:bodyPr>
+          <a:lstStyle/>
+          <a:p>
+            <a:r>
+              <a:rPr lang="ja-JP" altLang="en-US" sz="3200" b="1" dirty="0" smtClean="0">
+                <a:latin typeface="ＭＳ ゴシック" panose="020B0609070205080204" pitchFamily="49" charset="-128"/>
+                <a:ea typeface="ＭＳ ゴシック" panose="020B0609070205080204" pitchFamily="49" charset="-128"/>
+              </a:rPr>
+              <a:t>客にカートで突進してかごの中に乗せよう！</a:t>
+            </a:r>
+            <a:endParaRPr lang="en-US" altLang="ja-JP" sz="3200" b="1" dirty="0" smtClean="0">
+              <a:latin typeface="ＭＳ ゴシック" panose="020B0609070205080204" pitchFamily="49" charset="-128"/>
+              <a:ea typeface="ＭＳ ゴシック" panose="020B0609070205080204" pitchFamily="49" charset="-128"/>
+            </a:endParaRPr>
+          </a:p>
+          <a:p>
+            <a:r>
+              <a:rPr lang="ja-JP" altLang="en-US" sz="3200" b="1" dirty="0" smtClean="0">
+                <a:latin typeface="ＭＳ ゴシック" panose="020B0609070205080204" pitchFamily="49" charset="-128"/>
+                <a:ea typeface="ＭＳ ゴシック" panose="020B0609070205080204" pitchFamily="49" charset="-128"/>
+              </a:rPr>
+              <a:t>客を乗せると特売品が多く乗せられる！</a:t>
+            </a:r>
+            <a:endParaRPr lang="en-US" altLang="ja-JP" sz="3200" b="1" dirty="0" smtClean="0">
+              <a:latin typeface="ＭＳ ゴシック" panose="020B0609070205080204" pitchFamily="49" charset="-128"/>
+              <a:ea typeface="ＭＳ ゴシック" panose="020B0609070205080204" pitchFamily="49" charset="-128"/>
+            </a:endParaRPr>
+          </a:p>
+        </p:txBody>
+      </p:sp>
       <p:pic>
         <p:nvPicPr>
-          <p:cNvPr id="7" name="図 6"/>
+          <p:cNvPr id="2" name="図 1"/>
           <p:cNvPicPr>
             <a:picLocks noChangeAspect="1"/>
           </p:cNvPicPr>
@@ -6438,9 +9321,39 @@
           </a:stretch>
         </p:blipFill>
         <p:spPr>
-          <a:xfrm rot="1408503">
-            <a:off x="7818274" y="3445466"/>
-            <a:ext cx="1528438" cy="2649860"/>
+          <a:xfrm>
+            <a:off x="2945794" y="3509980"/>
+            <a:ext cx="1607777" cy="2760133"/>
+          </a:xfrm>
+          <a:prstGeom prst="rect">
+            <a:avLst/>
+          </a:prstGeom>
+        </p:spPr>
+      </p:pic>
+      <p:pic>
+        <p:nvPicPr>
+          <p:cNvPr id="9" name="図 8"/>
+          <p:cNvPicPr>
+            <a:picLocks noChangeAspect="1"/>
+          </p:cNvPicPr>
+          <p:nvPr/>
+        </p:nvPicPr>
+        <p:blipFill>
+          <a:blip r:embed="rId5" cstate="print">
+            <a:extLst>
+              <a:ext uri="{28A0092B-C50C-407E-A947-70E740481C1C}">
+                <a14:useLocalDpi xmlns:a14="http://schemas.microsoft.com/office/drawing/2010/main" val="0"/>
+              </a:ext>
+            </a:extLst>
+          </a:blip>
+          <a:stretch>
+            <a:fillRect/>
+          </a:stretch>
+        </p:blipFill>
+        <p:spPr>
+          <a:xfrm flipH="1">
+            <a:off x="1055543" y="4063046"/>
+            <a:ext cx="2163100" cy="2421926"/>
           </a:xfrm>
           <a:prstGeom prst="rect">
             <a:avLst/>
@@ -6449,21 +9362,24 @@
       </p:pic>
       <p:cxnSp>
         <p:nvCxnSpPr>
-          <p:cNvPr id="10" name="直線コネクタ 9"/>
+          <p:cNvPr id="6" name="直線コネクタ 5"/>
           <p:cNvCxnSpPr/>
           <p:nvPr/>
         </p:nvCxnSpPr>
         <p:spPr>
-          <a:xfrm flipV="1">
-            <a:off x="182185" y="3146964"/>
-            <a:ext cx="2575775" cy="1571222"/>
+          <a:xfrm>
+            <a:off x="1981200" y="3608763"/>
+            <a:ext cx="1371600" cy="1396991"/>
           </a:xfrm>
           <a:prstGeom prst="line">
             <a:avLst/>
           </a:prstGeom>
           <a:ln>
             <a:solidFill>
-              <a:schemeClr val="tx1"/>
+              <a:schemeClr val="tx1">
+                <a:lumMod val="95000"/>
+                <a:lumOff val="5000"/>
+              </a:schemeClr>
             </a:solidFill>
           </a:ln>
         </p:spPr>
@@ -6489,9 +9405,9 @@
           <p:nvPr/>
         </p:nvCxnSpPr>
         <p:spPr>
-          <a:xfrm>
-            <a:off x="182185" y="4902292"/>
-            <a:ext cx="2333223" cy="1205175"/>
+          <a:xfrm flipV="1">
+            <a:off x="1512219" y="5284390"/>
+            <a:ext cx="1840581" cy="1261323"/>
           </a:xfrm>
           <a:prstGeom prst="line">
             <a:avLst/>
@@ -6524,9 +9440,9 @@
           <p:nvPr/>
         </p:nvCxnSpPr>
         <p:spPr>
-          <a:xfrm>
-            <a:off x="408368" y="4859609"/>
-            <a:ext cx="2942020" cy="645270"/>
+          <a:xfrm flipV="1">
+            <a:off x="1269220" y="5107523"/>
+            <a:ext cx="2010700" cy="80543"/>
           </a:xfrm>
           <a:prstGeom prst="line">
             <a:avLst/>
@@ -6534,6 +9450,179 @@
           <a:ln>
             <a:solidFill>
               <a:schemeClr val="tx1"/>
+            </a:solidFill>
+          </a:ln>
+        </p:spPr>
+        <p:style>
+          <a:lnRef idx="1">
+            <a:schemeClr val="accent1"/>
+          </a:lnRef>
+          <a:fillRef idx="0">
+            <a:schemeClr val="accent1"/>
+          </a:fillRef>
+          <a:effectRef idx="0">
+            <a:schemeClr val="accent1"/>
+          </a:effectRef>
+          <a:fontRef idx="minor">
+            <a:schemeClr val="tx1"/>
+          </a:fontRef>
+        </p:style>
+      </p:cxnSp>
+      <p:pic>
+        <p:nvPicPr>
+          <p:cNvPr id="15" name="図 14"/>
+          <p:cNvPicPr>
+            <a:picLocks noChangeAspect="1"/>
+          </p:cNvPicPr>
+          <p:nvPr/>
+        </p:nvPicPr>
+        <p:blipFill>
+          <a:blip r:embed="rId5" cstate="print">
+            <a:extLst>
+              <a:ext uri="{28A0092B-C50C-407E-A947-70E740481C1C}">
+                <a14:useLocalDpi xmlns:a14="http://schemas.microsoft.com/office/drawing/2010/main" val="0"/>
+              </a:ext>
+            </a:extLst>
+          </a:blip>
+          <a:stretch>
+            <a:fillRect/>
+          </a:stretch>
+        </p:blipFill>
+        <p:spPr>
+          <a:xfrm flipH="1">
+            <a:off x="5212400" y="4158003"/>
+            <a:ext cx="2163100" cy="2421926"/>
+          </a:xfrm>
+          <a:prstGeom prst="rect">
+            <a:avLst/>
+          </a:prstGeom>
+        </p:spPr>
+      </p:pic>
+      <p:sp>
+        <p:nvSpPr>
+          <p:cNvPr id="17" name="右矢印 16"/>
+          <p:cNvSpPr/>
+          <p:nvPr/>
+        </p:nvSpPr>
+        <p:spPr>
+          <a:xfrm>
+            <a:off x="4398351" y="4560711"/>
+            <a:ext cx="1126146" cy="1354340"/>
+          </a:xfrm>
+          <a:prstGeom prst="rightArrow">
+            <a:avLst/>
+          </a:prstGeom>
+        </p:spPr>
+        <p:style>
+          <a:lnRef idx="2">
+            <a:schemeClr val="accent1">
+              <a:shade val="50000"/>
+            </a:schemeClr>
+          </a:lnRef>
+          <a:fillRef idx="1">
+            <a:schemeClr val="accent1"/>
+          </a:fillRef>
+          <a:effectRef idx="0">
+            <a:schemeClr val="accent1"/>
+          </a:effectRef>
+          <a:fontRef idx="minor">
+            <a:schemeClr val="lt1"/>
+          </a:fontRef>
+        </p:style>
+        <p:txBody>
+          <a:bodyPr rtlCol="0" anchor="ctr"/>
+          <a:lstStyle/>
+          <a:p>
+            <a:pPr algn="ctr"/>
+            <a:endParaRPr kumimoji="1" lang="ja-JP" altLang="en-US"/>
+          </a:p>
+        </p:txBody>
+      </p:sp>
+      <p:pic>
+        <p:nvPicPr>
+          <p:cNvPr id="18" name="図 17"/>
+          <p:cNvPicPr>
+            <a:picLocks noChangeAspect="1"/>
+          </p:cNvPicPr>
+          <p:nvPr/>
+        </p:nvPicPr>
+        <p:blipFill rotWithShape="1">
+          <a:blip r:embed="rId6">
+            <a:extLst>
+              <a:ext uri="{28A0092B-C50C-407E-A947-70E740481C1C}">
+                <a14:useLocalDpi xmlns:a14="http://schemas.microsoft.com/office/drawing/2010/main" val="0"/>
+              </a:ext>
+            </a:extLst>
+          </a:blip>
+          <a:srcRect b="18622"/>
+          <a:stretch/>
+        </p:blipFill>
+        <p:spPr>
+          <a:xfrm>
+            <a:off x="9102207" y="3657909"/>
+            <a:ext cx="2382173" cy="2788045"/>
+          </a:xfrm>
+          <a:prstGeom prst="rect">
+            <a:avLst/>
+          </a:prstGeom>
+        </p:spPr>
+      </p:pic>
+      <p:sp>
+        <p:nvSpPr>
+          <p:cNvPr id="19" name="テキスト ボックス 18"/>
+          <p:cNvSpPr txBox="1"/>
+          <p:nvPr/>
+        </p:nvSpPr>
+        <p:spPr>
+          <a:xfrm>
+            <a:off x="9102207" y="3124768"/>
+            <a:ext cx="2238743" cy="584775"/>
+          </a:xfrm>
+          <a:prstGeom prst="rect">
+            <a:avLst/>
+          </a:prstGeom>
+          <a:noFill/>
+        </p:spPr>
+        <p:txBody>
+          <a:bodyPr wrap="square" rtlCol="0">
+            <a:spAutoFit/>
+          </a:bodyPr>
+          <a:lstStyle/>
+          <a:p>
+            <a:r>
+              <a:rPr lang="ja-JP" altLang="en-US" sz="3200" b="1" dirty="0" smtClean="0">
+                <a:latin typeface="ＭＳ ゴシック" panose="020B0609070205080204" pitchFamily="49" charset="-128"/>
+                <a:ea typeface="ＭＳ ゴシック" panose="020B0609070205080204" pitchFamily="49" charset="-128"/>
+              </a:rPr>
+              <a:t>イメージ図</a:t>
+            </a:r>
+            <a:endParaRPr lang="en-US" altLang="ja-JP" sz="3200" b="1" dirty="0" smtClean="0">
+              <a:latin typeface="ＭＳ ゴシック" panose="020B0609070205080204" pitchFamily="49" charset="-128"/>
+              <a:ea typeface="ＭＳ ゴシック" panose="020B0609070205080204" pitchFamily="49" charset="-128"/>
+            </a:endParaRPr>
+          </a:p>
+        </p:txBody>
+      </p:sp>
+      <p:cxnSp>
+        <p:nvCxnSpPr>
+          <p:cNvPr id="20" name="直線コネクタ 19"/>
+          <p:cNvCxnSpPr/>
+          <p:nvPr/>
+        </p:nvCxnSpPr>
+        <p:spPr>
+          <a:xfrm>
+            <a:off x="1705725" y="4108268"/>
+            <a:ext cx="1575133" cy="956927"/>
+          </a:xfrm>
+          <a:prstGeom prst="line">
+            <a:avLst/>
+          </a:prstGeom>
+          <a:ln>
+            <a:solidFill>
+              <a:schemeClr val="tx1">
+                <a:lumMod val="95000"/>
+                <a:lumOff val="5000"/>
+              </a:schemeClr>
             </a:solidFill>
           </a:ln>
         </p:spPr>
@@ -6554,14 +9643,14 @@
       </p:cxnSp>
       <p:cxnSp>
         <p:nvCxnSpPr>
-          <p:cNvPr id="16" name="直線コネクタ 15"/>
+          <p:cNvPr id="22" name="直線コネクタ 21"/>
           <p:cNvCxnSpPr/>
           <p:nvPr/>
         </p:nvCxnSpPr>
         <p:spPr>
           <a:xfrm flipV="1">
-            <a:off x="408368" y="4286154"/>
-            <a:ext cx="2954381" cy="435247"/>
+            <a:off x="1230495" y="5263628"/>
+            <a:ext cx="2020470" cy="523688"/>
           </a:xfrm>
           <a:prstGeom prst="line">
             <a:avLst/>
@@ -6587,383 +9676,10 @@
           </a:fontRef>
         </p:style>
       </p:cxnSp>
-      <p:sp>
-        <p:nvSpPr>
-          <p:cNvPr id="18" name="円弧 17"/>
-          <p:cNvSpPr/>
-          <p:nvPr/>
-        </p:nvSpPr>
-        <p:spPr>
-          <a:xfrm rot="12224836">
-            <a:off x="4333831" y="4507464"/>
-            <a:ext cx="1372612" cy="1300769"/>
-          </a:xfrm>
-          <a:prstGeom prst="arc">
-            <a:avLst/>
-          </a:prstGeom>
-          <a:ln>
-            <a:solidFill>
-              <a:schemeClr val="tx1"/>
-            </a:solidFill>
-          </a:ln>
-        </p:spPr>
-        <p:style>
-          <a:lnRef idx="1">
-            <a:schemeClr val="accent1"/>
-          </a:lnRef>
-          <a:fillRef idx="0">
-            <a:schemeClr val="accent1"/>
-          </a:fillRef>
-          <a:effectRef idx="0">
-            <a:schemeClr val="accent1"/>
-          </a:effectRef>
-          <a:fontRef idx="minor">
-            <a:schemeClr val="tx1"/>
-          </a:fontRef>
-        </p:style>
-        <p:txBody>
-          <a:bodyPr rtlCol="0" anchor="ctr"/>
-          <a:lstStyle/>
-          <a:p>
-            <a:pPr algn="ctr"/>
-            <a:endParaRPr kumimoji="1" lang="ja-JP" altLang="en-US" dirty="0"/>
-          </a:p>
-        </p:txBody>
-      </p:sp>
-      <p:sp>
-        <p:nvSpPr>
-          <p:cNvPr id="19" name="円弧 18"/>
-          <p:cNvSpPr/>
-          <p:nvPr/>
-        </p:nvSpPr>
-        <p:spPr>
-          <a:xfrm rot="12224836">
-            <a:off x="4489439" y="4507463"/>
-            <a:ext cx="1372612" cy="1300769"/>
-          </a:xfrm>
-          <a:prstGeom prst="arc">
-            <a:avLst/>
-          </a:prstGeom>
-          <a:ln>
-            <a:solidFill>
-              <a:schemeClr val="tx1"/>
-            </a:solidFill>
-          </a:ln>
-        </p:spPr>
-        <p:style>
-          <a:lnRef idx="1">
-            <a:schemeClr val="accent1"/>
-          </a:lnRef>
-          <a:fillRef idx="0">
-            <a:schemeClr val="accent1"/>
-          </a:fillRef>
-          <a:effectRef idx="0">
-            <a:schemeClr val="accent1"/>
-          </a:effectRef>
-          <a:fontRef idx="minor">
-            <a:schemeClr val="tx1"/>
-          </a:fontRef>
-        </p:style>
-        <p:txBody>
-          <a:bodyPr rtlCol="0" anchor="ctr"/>
-          <a:lstStyle/>
-          <a:p>
-            <a:pPr algn="ctr"/>
-            <a:endParaRPr kumimoji="1" lang="ja-JP" altLang="en-US" dirty="0"/>
-          </a:p>
-        </p:txBody>
-      </p:sp>
-      <p:sp>
-        <p:nvSpPr>
-          <p:cNvPr id="20" name="円弧 19"/>
-          <p:cNvSpPr/>
-          <p:nvPr/>
-        </p:nvSpPr>
-        <p:spPr>
-          <a:xfrm rot="12224836">
-            <a:off x="4647810" y="4507462"/>
-            <a:ext cx="1372612" cy="1300769"/>
-          </a:xfrm>
-          <a:prstGeom prst="arc">
-            <a:avLst/>
-          </a:prstGeom>
-          <a:ln>
-            <a:solidFill>
-              <a:schemeClr val="tx1"/>
-            </a:solidFill>
-          </a:ln>
-        </p:spPr>
-        <p:style>
-          <a:lnRef idx="1">
-            <a:schemeClr val="accent1"/>
-          </a:lnRef>
-          <a:fillRef idx="0">
-            <a:schemeClr val="accent1"/>
-          </a:fillRef>
-          <a:effectRef idx="0">
-            <a:schemeClr val="accent1"/>
-          </a:effectRef>
-          <a:fontRef idx="minor">
-            <a:schemeClr val="tx1"/>
-          </a:fontRef>
-        </p:style>
-        <p:txBody>
-          <a:bodyPr rtlCol="0" anchor="ctr"/>
-          <a:lstStyle/>
-          <a:p>
-            <a:pPr algn="ctr"/>
-            <a:endParaRPr kumimoji="1" lang="ja-JP" altLang="en-US" dirty="0"/>
-          </a:p>
-        </p:txBody>
-      </p:sp>
-      <p:sp>
-        <p:nvSpPr>
-          <p:cNvPr id="21" name="円弧 20"/>
-          <p:cNvSpPr/>
-          <p:nvPr/>
-        </p:nvSpPr>
-        <p:spPr>
-          <a:xfrm rot="8349511">
-            <a:off x="8088880" y="2052943"/>
-            <a:ext cx="4005208" cy="2237239"/>
-          </a:xfrm>
-          <a:prstGeom prst="arc">
-            <a:avLst/>
-          </a:prstGeom>
-          <a:ln>
-            <a:solidFill>
-              <a:schemeClr val="tx1"/>
-            </a:solidFill>
-          </a:ln>
-        </p:spPr>
-        <p:style>
-          <a:lnRef idx="1">
-            <a:schemeClr val="accent1"/>
-          </a:lnRef>
-          <a:fillRef idx="0">
-            <a:schemeClr val="accent1"/>
-          </a:fillRef>
-          <a:effectRef idx="0">
-            <a:schemeClr val="accent1"/>
-          </a:effectRef>
-          <a:fontRef idx="minor">
-            <a:schemeClr val="tx1"/>
-          </a:fontRef>
-        </p:style>
-        <p:txBody>
-          <a:bodyPr rtlCol="0" anchor="ctr"/>
-          <a:lstStyle/>
-          <a:p>
-            <a:pPr algn="ctr"/>
-            <a:endParaRPr kumimoji="1" lang="ja-JP" altLang="en-US" dirty="0"/>
-          </a:p>
-        </p:txBody>
-      </p:sp>
-      <p:sp>
-        <p:nvSpPr>
-          <p:cNvPr id="22" name="円弧 21"/>
-          <p:cNvSpPr/>
-          <p:nvPr/>
-        </p:nvSpPr>
-        <p:spPr>
-          <a:xfrm rot="8349511">
-            <a:off x="8290442" y="2433428"/>
-            <a:ext cx="3429774" cy="2237239"/>
-          </a:xfrm>
-          <a:prstGeom prst="arc">
-            <a:avLst/>
-          </a:prstGeom>
-          <a:ln>
-            <a:solidFill>
-              <a:schemeClr val="tx1"/>
-            </a:solidFill>
-          </a:ln>
-        </p:spPr>
-        <p:style>
-          <a:lnRef idx="1">
-            <a:schemeClr val="accent1"/>
-          </a:lnRef>
-          <a:fillRef idx="0">
-            <a:schemeClr val="accent1"/>
-          </a:fillRef>
-          <a:effectRef idx="0">
-            <a:schemeClr val="accent1"/>
-          </a:effectRef>
-          <a:fontRef idx="minor">
-            <a:schemeClr val="tx1"/>
-          </a:fontRef>
-        </p:style>
-        <p:txBody>
-          <a:bodyPr rtlCol="0" anchor="ctr"/>
-          <a:lstStyle/>
-          <a:p>
-            <a:pPr algn="ctr"/>
-            <a:endParaRPr kumimoji="1" lang="ja-JP" altLang="en-US" dirty="0"/>
-          </a:p>
-        </p:txBody>
-      </p:sp>
-      <p:sp>
-        <p:nvSpPr>
-          <p:cNvPr id="23" name="円弧 22"/>
-          <p:cNvSpPr/>
-          <p:nvPr/>
-        </p:nvSpPr>
-        <p:spPr>
-          <a:xfrm rot="8349511">
-            <a:off x="8116593" y="1961057"/>
-            <a:ext cx="3323631" cy="2237239"/>
-          </a:xfrm>
-          <a:prstGeom prst="arc">
-            <a:avLst/>
-          </a:prstGeom>
-          <a:ln>
-            <a:solidFill>
-              <a:schemeClr val="tx1"/>
-            </a:solidFill>
-          </a:ln>
-        </p:spPr>
-        <p:style>
-          <a:lnRef idx="1">
-            <a:schemeClr val="accent1"/>
-          </a:lnRef>
-          <a:fillRef idx="0">
-            <a:schemeClr val="accent1"/>
-          </a:fillRef>
-          <a:effectRef idx="0">
-            <a:schemeClr val="accent1"/>
-          </a:effectRef>
-          <a:fontRef idx="minor">
-            <a:schemeClr val="tx1"/>
-          </a:fontRef>
-        </p:style>
-        <p:txBody>
-          <a:bodyPr rtlCol="0" anchor="ctr"/>
-          <a:lstStyle/>
-          <a:p>
-            <a:pPr algn="ctr"/>
-            <a:endParaRPr kumimoji="1" lang="ja-JP" altLang="en-US" dirty="0"/>
-          </a:p>
-        </p:txBody>
-      </p:sp>
-      <p:sp>
-        <p:nvSpPr>
-          <p:cNvPr id="29" name="テキスト ボックス 28"/>
-          <p:cNvSpPr txBox="1"/>
-          <p:nvPr/>
-        </p:nvSpPr>
-        <p:spPr>
-          <a:xfrm>
-            <a:off x="1323439" y="6015867"/>
-            <a:ext cx="1153552" cy="584775"/>
-          </a:xfrm>
-          <a:prstGeom prst="rect">
-            <a:avLst/>
-          </a:prstGeom>
-          <a:noFill/>
-        </p:spPr>
-        <p:txBody>
-          <a:bodyPr wrap="square" rtlCol="0">
-            <a:spAutoFit/>
-          </a:bodyPr>
-          <a:lstStyle/>
-          <a:p>
-            <a:r>
-              <a:rPr lang="ja-JP" altLang="en-US" sz="3200" b="1" dirty="0" smtClean="0">
-                <a:latin typeface="ＭＳ ゴシック" panose="020B0609070205080204" pitchFamily="49" charset="-128"/>
-                <a:ea typeface="ＭＳ ゴシック" panose="020B0609070205080204" pitchFamily="49" charset="-128"/>
-              </a:rPr>
-              <a:t>突進</a:t>
-            </a:r>
-            <a:endParaRPr lang="en-US" altLang="ja-JP" sz="3200" b="1" dirty="0">
-              <a:latin typeface="ＭＳ ゴシック" panose="020B0609070205080204" pitchFamily="49" charset="-128"/>
-              <a:ea typeface="ＭＳ ゴシック" panose="020B0609070205080204" pitchFamily="49" charset="-128"/>
-            </a:endParaRPr>
-          </a:p>
-        </p:txBody>
-      </p:sp>
-      <p:sp>
-        <p:nvSpPr>
-          <p:cNvPr id="30" name="テキスト ボックス 29"/>
-          <p:cNvSpPr txBox="1"/>
-          <p:nvPr/>
-        </p:nvSpPr>
-        <p:spPr>
-          <a:xfrm>
-            <a:off x="4548274" y="6050945"/>
-            <a:ext cx="2240708" cy="584775"/>
-          </a:xfrm>
-          <a:prstGeom prst="rect">
-            <a:avLst/>
-          </a:prstGeom>
-          <a:noFill/>
-        </p:spPr>
-        <p:txBody>
-          <a:bodyPr wrap="square" rtlCol="0">
-            <a:spAutoFit/>
-          </a:bodyPr>
-          <a:lstStyle/>
-          <a:p>
-            <a:r>
-              <a:rPr lang="ja-JP" altLang="en-US" sz="3200" b="1" dirty="0">
-                <a:latin typeface="ＭＳ ゴシック" panose="020B0609070205080204" pitchFamily="49" charset="-128"/>
-                <a:ea typeface="ＭＳ ゴシック" panose="020B0609070205080204" pitchFamily="49" charset="-128"/>
-              </a:rPr>
-              <a:t>ウィリ</a:t>
-            </a:r>
-            <a:r>
-              <a:rPr lang="ja-JP" altLang="en-US" sz="3200" b="1" dirty="0" smtClean="0">
-                <a:latin typeface="ＭＳ ゴシック" panose="020B0609070205080204" pitchFamily="49" charset="-128"/>
-                <a:ea typeface="ＭＳ ゴシック" panose="020B0609070205080204" pitchFamily="49" charset="-128"/>
-              </a:rPr>
-              <a:t>ー</a:t>
-            </a:r>
-            <a:endParaRPr lang="en-US" altLang="ja-JP" sz="3200" b="1" dirty="0">
-              <a:latin typeface="ＭＳ ゴシック" panose="020B0609070205080204" pitchFamily="49" charset="-128"/>
-              <a:ea typeface="ＭＳ ゴシック" panose="020B0609070205080204" pitchFamily="49" charset="-128"/>
-            </a:endParaRPr>
-          </a:p>
-        </p:txBody>
-      </p:sp>
-      <p:sp>
-        <p:nvSpPr>
-          <p:cNvPr id="31" name="テキスト ボックス 30"/>
-          <p:cNvSpPr txBox="1"/>
-          <p:nvPr/>
-        </p:nvSpPr>
-        <p:spPr>
-          <a:xfrm>
-            <a:off x="8852829" y="6034462"/>
-            <a:ext cx="1634880" cy="584775"/>
-          </a:xfrm>
-          <a:prstGeom prst="rect">
-            <a:avLst/>
-          </a:prstGeom>
-          <a:noFill/>
-        </p:spPr>
-        <p:txBody>
-          <a:bodyPr wrap="square" rtlCol="0">
-            <a:spAutoFit/>
-          </a:bodyPr>
-          <a:lstStyle/>
-          <a:p>
-            <a:r>
-              <a:rPr lang="ja-JP" altLang="en-US" sz="3200" b="1" dirty="0">
-                <a:latin typeface="ＭＳ ゴシック" panose="020B0609070205080204" pitchFamily="49" charset="-128"/>
-                <a:ea typeface="ＭＳ ゴシック" panose="020B0609070205080204" pitchFamily="49" charset="-128"/>
-              </a:rPr>
-              <a:t>スピン</a:t>
-            </a:r>
-            <a:endParaRPr lang="en-US" altLang="ja-JP" sz="3200" b="1" dirty="0">
-              <a:latin typeface="ＭＳ ゴシック" panose="020B0609070205080204" pitchFamily="49" charset="-128"/>
-              <a:ea typeface="ＭＳ ゴシック" panose="020B0609070205080204" pitchFamily="49" charset="-128"/>
-            </a:endParaRPr>
-          </a:p>
-        </p:txBody>
-      </p:sp>
     </p:spTree>
     <p:extLst>
       <p:ext uri="{BB962C8B-B14F-4D97-AF65-F5344CB8AC3E}">
-        <p14:creationId xmlns:p14="http://schemas.microsoft.com/office/powerpoint/2010/main" val="1287472879"/>
+        <p14:creationId xmlns:p14="http://schemas.microsoft.com/office/powerpoint/2010/main" val="550762080"/>
       </p:ext>
     </p:extLst>
   </p:cSld>
@@ -6992,14 +9708,14 @@
       </p:grpSpPr>
       <p:sp>
         <p:nvSpPr>
-          <p:cNvPr id="13" name="正方形/長方形 12"/>
+          <p:cNvPr id="18" name="正方形/長方形 17"/>
           <p:cNvSpPr/>
           <p:nvPr/>
         </p:nvSpPr>
         <p:spPr>
           <a:xfrm>
-            <a:off x="56272" y="3729790"/>
-            <a:ext cx="8890780" cy="1355242"/>
+            <a:off x="519935" y="2412733"/>
+            <a:ext cx="11152129" cy="4196115"/>
           </a:xfrm>
           <a:prstGeom prst="rect">
             <a:avLst/>
@@ -7038,275 +9754,9 @@
           </a:p>
         </p:txBody>
       </p:sp>
-      <p:sp>
-        <p:nvSpPr>
-          <p:cNvPr id="12" name="正方形/長方形 11"/>
-          <p:cNvSpPr/>
-          <p:nvPr/>
-        </p:nvSpPr>
-        <p:spPr>
-          <a:xfrm>
-            <a:off x="56272" y="1824193"/>
-            <a:ext cx="9047871" cy="1015663"/>
-          </a:xfrm>
-          <a:prstGeom prst="rect">
-            <a:avLst/>
-          </a:prstGeom>
-          <a:solidFill>
-            <a:schemeClr val="bg1"/>
-          </a:solidFill>
-          <a:ln>
-            <a:solidFill>
-              <a:schemeClr val="tx1"/>
-            </a:solidFill>
-          </a:ln>
-        </p:spPr>
-        <p:style>
-          <a:lnRef idx="2">
-            <a:schemeClr val="accent1">
-              <a:shade val="50000"/>
-            </a:schemeClr>
-          </a:lnRef>
-          <a:fillRef idx="1">
-            <a:schemeClr val="accent1"/>
-          </a:fillRef>
-          <a:effectRef idx="0">
-            <a:schemeClr val="accent1"/>
-          </a:effectRef>
-          <a:fontRef idx="minor">
-            <a:schemeClr val="lt1"/>
-          </a:fontRef>
-        </p:style>
-        <p:txBody>
-          <a:bodyPr rtlCol="0" anchor="ctr"/>
-          <a:lstStyle/>
-          <a:p>
-            <a:pPr algn="ctr"/>
-            <a:endParaRPr kumimoji="1" lang="ja-JP" altLang="en-US"/>
-          </a:p>
-        </p:txBody>
-      </p:sp>
-      <p:sp>
-        <p:nvSpPr>
-          <p:cNvPr id="11" name="正方形/長方形 10"/>
-          <p:cNvSpPr/>
-          <p:nvPr/>
-        </p:nvSpPr>
-        <p:spPr>
-          <a:xfrm>
-            <a:off x="0" y="-32606"/>
-            <a:ext cx="12192000" cy="1015663"/>
-          </a:xfrm>
-          <a:prstGeom prst="rect">
-            <a:avLst/>
-          </a:prstGeom>
-          <a:solidFill>
-            <a:schemeClr val="bg1"/>
-          </a:solidFill>
-          <a:ln>
-            <a:solidFill>
-              <a:schemeClr val="tx1"/>
-            </a:solidFill>
-          </a:ln>
-        </p:spPr>
-        <p:style>
-          <a:lnRef idx="2">
-            <a:schemeClr val="accent1">
-              <a:shade val="50000"/>
-            </a:schemeClr>
-          </a:lnRef>
-          <a:fillRef idx="1">
-            <a:schemeClr val="accent1"/>
-          </a:fillRef>
-          <a:effectRef idx="0">
-            <a:schemeClr val="accent1"/>
-          </a:effectRef>
-          <a:fontRef idx="minor">
-            <a:schemeClr val="lt1"/>
-          </a:fontRef>
-        </p:style>
-        <p:txBody>
-          <a:bodyPr rtlCol="0" anchor="ctr"/>
-          <a:lstStyle/>
-          <a:p>
-            <a:pPr algn="ctr"/>
-            <a:endParaRPr kumimoji="1" lang="ja-JP" altLang="en-US" dirty="0"/>
-          </a:p>
-        </p:txBody>
-      </p:sp>
-      <p:sp>
-        <p:nvSpPr>
-          <p:cNvPr id="3" name="テキスト ボックス 2"/>
-          <p:cNvSpPr txBox="1"/>
-          <p:nvPr/>
-        </p:nvSpPr>
-        <p:spPr>
-          <a:xfrm>
-            <a:off x="0" y="0"/>
-            <a:ext cx="7984901" cy="1015663"/>
-          </a:xfrm>
-          <a:prstGeom prst="rect">
-            <a:avLst/>
-          </a:prstGeom>
-          <a:noFill/>
-        </p:spPr>
-        <p:txBody>
-          <a:bodyPr wrap="square" rtlCol="0">
-            <a:spAutoFit/>
-          </a:bodyPr>
-          <a:lstStyle/>
-          <a:p>
-            <a:r>
-              <a:rPr kumimoji="1" lang="ja-JP" altLang="en-US" sz="6000" b="1" dirty="0" smtClean="0">
-                <a:latin typeface="ＭＳ ゴシック" panose="020B0609070205080204" pitchFamily="49" charset="-128"/>
-                <a:ea typeface="ＭＳ ゴシック" panose="020B0609070205080204" pitchFamily="49" charset="-128"/>
-              </a:rPr>
-              <a:t>ゲームシステム</a:t>
-            </a:r>
-            <a:endParaRPr kumimoji="1" lang="ja-JP" altLang="en-US" sz="6000" b="1" dirty="0">
-              <a:latin typeface="ＭＳ ゴシック" panose="020B0609070205080204" pitchFamily="49" charset="-128"/>
-              <a:ea typeface="ＭＳ ゴシック" panose="020B0609070205080204" pitchFamily="49" charset="-128"/>
-            </a:endParaRPr>
-          </a:p>
-        </p:txBody>
-      </p:sp>
-      <p:sp>
-        <p:nvSpPr>
-          <p:cNvPr id="4" name="テキスト ボックス 3"/>
-          <p:cNvSpPr txBox="1"/>
-          <p:nvPr/>
-        </p:nvSpPr>
-        <p:spPr>
-          <a:xfrm>
-            <a:off x="0" y="1824193"/>
-            <a:ext cx="9723121" cy="1077218"/>
-          </a:xfrm>
-          <a:prstGeom prst="rect">
-            <a:avLst/>
-          </a:prstGeom>
-          <a:noFill/>
-        </p:spPr>
-        <p:txBody>
-          <a:bodyPr wrap="square" rtlCol="0">
-            <a:spAutoFit/>
-          </a:bodyPr>
-          <a:lstStyle/>
-          <a:p>
-            <a:r>
-              <a:rPr lang="ja-JP" altLang="en-US" sz="3200" b="1" dirty="0" smtClean="0">
-                <a:latin typeface="ＭＳ ゴシック" panose="020B0609070205080204" pitchFamily="49" charset="-128"/>
-                <a:ea typeface="ＭＳ ゴシック" panose="020B0609070205080204" pitchFamily="49" charset="-128"/>
-              </a:rPr>
-              <a:t>他のプレイヤーをかごに乗せて</a:t>
-            </a:r>
-            <a:endParaRPr lang="en-US" altLang="ja-JP" sz="3200" b="1" dirty="0" smtClean="0">
-              <a:latin typeface="ＭＳ ゴシック" panose="020B0609070205080204" pitchFamily="49" charset="-128"/>
-              <a:ea typeface="ＭＳ ゴシック" panose="020B0609070205080204" pitchFamily="49" charset="-128"/>
-            </a:endParaRPr>
-          </a:p>
-          <a:p>
-            <a:r>
-              <a:rPr lang="ja-JP" altLang="en-US" sz="3200" b="1" dirty="0">
-                <a:latin typeface="ＭＳ ゴシック" panose="020B0609070205080204" pitchFamily="49" charset="-128"/>
-                <a:ea typeface="ＭＳ ゴシック" panose="020B0609070205080204" pitchFamily="49" charset="-128"/>
-              </a:rPr>
-              <a:t>御１</a:t>
-            </a:r>
-            <a:r>
-              <a:rPr lang="ja-JP" altLang="en-US" sz="3200" b="1" dirty="0" smtClean="0">
-                <a:latin typeface="ＭＳ ゴシック" panose="020B0609070205080204" pitchFamily="49" charset="-128"/>
-                <a:ea typeface="ＭＳ ゴシック" panose="020B0609070205080204" pitchFamily="49" charset="-128"/>
-              </a:rPr>
-              <a:t>人様一点限りの特売品を大量に買いまくれ！</a:t>
-            </a:r>
-            <a:endParaRPr lang="en-US" altLang="ja-JP" sz="3200" b="1" dirty="0">
-              <a:latin typeface="ＭＳ ゴシック" panose="020B0609070205080204" pitchFamily="49" charset="-128"/>
-              <a:ea typeface="ＭＳ ゴシック" panose="020B0609070205080204" pitchFamily="49" charset="-128"/>
-            </a:endParaRPr>
-          </a:p>
-        </p:txBody>
-      </p:sp>
       <p:pic>
         <p:nvPicPr>
-          <p:cNvPr id="2" name="図 1"/>
-          <p:cNvPicPr>
-            <a:picLocks noChangeAspect="1"/>
-          </p:cNvPicPr>
-          <p:nvPr/>
-        </p:nvPicPr>
-        <p:blipFill rotWithShape="1">
-          <a:blip r:embed="rId2">
-            <a:extLst>
-              <a:ext uri="{28A0092B-C50C-407E-A947-70E740481C1C}">
-                <a14:useLocalDpi xmlns:a14="http://schemas.microsoft.com/office/drawing/2010/main" val="0"/>
-              </a:ext>
-            </a:extLst>
-          </a:blip>
-          <a:srcRect t="11180" b="18398"/>
-          <a:stretch/>
-        </p:blipFill>
-        <p:spPr>
-          <a:xfrm>
-            <a:off x="9160415" y="1824193"/>
-            <a:ext cx="2543175" cy="2575775"/>
-          </a:xfrm>
-          <a:prstGeom prst="rect">
-            <a:avLst/>
-          </a:prstGeom>
-        </p:spPr>
-      </p:pic>
-      <p:sp>
-        <p:nvSpPr>
-          <p:cNvPr id="10" name="テキスト ボックス 9"/>
-          <p:cNvSpPr txBox="1"/>
-          <p:nvPr/>
-        </p:nvSpPr>
-        <p:spPr>
-          <a:xfrm>
-            <a:off x="56272" y="3768130"/>
-            <a:ext cx="9723121" cy="1077218"/>
-          </a:xfrm>
-          <a:prstGeom prst="rect">
-            <a:avLst/>
-          </a:prstGeom>
-          <a:noFill/>
-        </p:spPr>
-        <p:txBody>
-          <a:bodyPr wrap="square" rtlCol="0">
-            <a:spAutoFit/>
-          </a:bodyPr>
-          <a:lstStyle/>
-          <a:p>
-            <a:r>
-              <a:rPr lang="ja-JP" altLang="en-US" sz="3200" b="1" dirty="0" smtClean="0">
-                <a:latin typeface="ＭＳ ゴシック" panose="020B0609070205080204" pitchFamily="49" charset="-128"/>
-                <a:ea typeface="ＭＳ ゴシック" panose="020B0609070205080204" pitchFamily="49" charset="-128"/>
-              </a:rPr>
-              <a:t>特売品が出るときはお店にアナウンスが入る！</a:t>
-            </a:r>
-            <a:endParaRPr lang="en-US" altLang="ja-JP" sz="3200" b="1" dirty="0" smtClean="0">
-              <a:latin typeface="ＭＳ ゴシック" panose="020B0609070205080204" pitchFamily="49" charset="-128"/>
-              <a:ea typeface="ＭＳ ゴシック" panose="020B0609070205080204" pitchFamily="49" charset="-128"/>
-            </a:endParaRPr>
-          </a:p>
-          <a:p>
-            <a:r>
-              <a:rPr lang="ja-JP" altLang="en-US" sz="3200" b="1" dirty="0" smtClean="0">
-                <a:latin typeface="ＭＳ ゴシック" panose="020B0609070205080204" pitchFamily="49" charset="-128"/>
-                <a:ea typeface="ＭＳ ゴシック" panose="020B0609070205080204" pitchFamily="49" charset="-128"/>
-              </a:rPr>
-              <a:t>動き回る特売品を捕まえろ！</a:t>
-            </a:r>
-            <a:endParaRPr lang="en-US" altLang="ja-JP" sz="3200" b="1" dirty="0">
-              <a:latin typeface="ＭＳ ゴシック" panose="020B0609070205080204" pitchFamily="49" charset="-128"/>
-              <a:ea typeface="ＭＳ ゴシック" panose="020B0609070205080204" pitchFamily="49" charset="-128"/>
-            </a:endParaRPr>
-          </a:p>
-        </p:txBody>
-      </p:sp>
-      <p:pic>
-        <p:nvPicPr>
-          <p:cNvPr id="14" name="図 13"/>
+          <p:cNvPr id="10" name="図 9"/>
           <p:cNvPicPr>
             <a:picLocks noChangeAspect="1"/>
           </p:cNvPicPr>
@@ -7325,9 +9775,9 @@
           </a:stretch>
         </p:blipFill>
         <p:spPr>
-          <a:xfrm>
-            <a:off x="477427" y="5085032"/>
-            <a:ext cx="2293907" cy="1858699"/>
+          <a:xfrm rot="1437019">
+            <a:off x="4594814" y="3945376"/>
+            <a:ext cx="1995029" cy="1601011"/>
           </a:xfrm>
           <a:prstGeom prst="rect">
             <a:avLst/>
@@ -7336,14 +9786,14 @@
       </p:pic>
       <p:pic>
         <p:nvPicPr>
-          <p:cNvPr id="15" name="図 14"/>
+          <p:cNvPr id="24" name="図 23"/>
           <p:cNvPicPr>
             <a:picLocks noChangeAspect="1"/>
           </p:cNvPicPr>
           <p:nvPr/>
         </p:nvPicPr>
         <p:blipFill>
-          <a:blip r:embed="rId4" cstate="print">
+          <a:blip r:embed="rId4">
             <a:extLst>
               <a:ext uri="{28A0092B-C50C-407E-A947-70E740481C1C}">
                 <a14:useLocalDpi xmlns:a14="http://schemas.microsoft.com/office/drawing/2010/main" val="0"/>
@@ -7355,8 +9805,326 @@
           </a:stretch>
         </p:blipFill>
         <p:spPr>
+          <a:xfrm>
+            <a:off x="5024120" y="4453513"/>
+            <a:ext cx="1500852" cy="1228408"/>
+          </a:xfrm>
+          <a:prstGeom prst="rect">
+            <a:avLst/>
+          </a:prstGeom>
+        </p:spPr>
+      </p:pic>
+      <p:pic>
+        <p:nvPicPr>
+          <p:cNvPr id="15" name="図 14"/>
+          <p:cNvPicPr>
+            <a:picLocks noChangeAspect="1"/>
+          </p:cNvPicPr>
+          <p:nvPr/>
+        </p:nvPicPr>
+        <p:blipFill>
+          <a:blip r:embed="rId3" cstate="print">
+            <a:extLst>
+              <a:ext uri="{28A0092B-C50C-407E-A947-70E740481C1C}">
+                <a14:useLocalDpi xmlns:a14="http://schemas.microsoft.com/office/drawing/2010/main" val="0"/>
+              </a:ext>
+            </a:extLst>
+          </a:blip>
+          <a:stretch>
+            <a:fillRect/>
+          </a:stretch>
+        </p:blipFill>
+        <p:spPr>
+          <a:xfrm rot="1437019">
+            <a:off x="579032" y="3981952"/>
+            <a:ext cx="1995029" cy="1601011"/>
+          </a:xfrm>
+          <a:prstGeom prst="rect">
+            <a:avLst/>
+          </a:prstGeom>
+        </p:spPr>
+      </p:pic>
+      <p:pic>
+        <p:nvPicPr>
+          <p:cNvPr id="23" name="図 22"/>
+          <p:cNvPicPr>
+            <a:picLocks noChangeAspect="1"/>
+          </p:cNvPicPr>
+          <p:nvPr/>
+        </p:nvPicPr>
+        <p:blipFill>
+          <a:blip r:embed="rId4">
+            <a:extLst>
+              <a:ext uri="{28A0092B-C50C-407E-A947-70E740481C1C}">
+                <a14:useLocalDpi xmlns:a14="http://schemas.microsoft.com/office/drawing/2010/main" val="0"/>
+              </a:ext>
+            </a:extLst>
+          </a:blip>
+          <a:stretch>
+            <a:fillRect/>
+          </a:stretch>
+        </p:blipFill>
+        <p:spPr>
+          <a:xfrm>
+            <a:off x="1015928" y="4284333"/>
+            <a:ext cx="1500852" cy="1228408"/>
+          </a:xfrm>
+          <a:prstGeom prst="rect">
+            <a:avLst/>
+          </a:prstGeom>
+        </p:spPr>
+      </p:pic>
+      <p:sp>
+        <p:nvSpPr>
+          <p:cNvPr id="8" name="正方形/長方形 7"/>
+          <p:cNvSpPr/>
+          <p:nvPr/>
+        </p:nvSpPr>
+        <p:spPr>
+          <a:xfrm>
+            <a:off x="339960" y="1169268"/>
+            <a:ext cx="11152129" cy="847299"/>
+          </a:xfrm>
+          <a:prstGeom prst="rect">
+            <a:avLst/>
+          </a:prstGeom>
+          <a:solidFill>
+            <a:schemeClr val="bg1"/>
+          </a:solidFill>
+          <a:ln>
+            <a:solidFill>
+              <a:schemeClr val="tx1"/>
+            </a:solidFill>
+          </a:ln>
+        </p:spPr>
+        <p:style>
+          <a:lnRef idx="2">
+            <a:schemeClr val="accent1">
+              <a:shade val="50000"/>
+            </a:schemeClr>
+          </a:lnRef>
+          <a:fillRef idx="1">
+            <a:schemeClr val="accent1"/>
+          </a:fillRef>
+          <a:effectRef idx="0">
+            <a:schemeClr val="accent1"/>
+          </a:effectRef>
+          <a:fontRef idx="minor">
+            <a:schemeClr val="lt1"/>
+          </a:fontRef>
+        </p:style>
+        <p:txBody>
+          <a:bodyPr rtlCol="0" anchor="ctr"/>
+          <a:lstStyle/>
+          <a:p>
+            <a:pPr algn="ctr"/>
+            <a:endParaRPr kumimoji="1" lang="ja-JP" altLang="en-US" dirty="0"/>
+          </a:p>
+        </p:txBody>
+      </p:sp>
+      <p:sp>
+        <p:nvSpPr>
+          <p:cNvPr id="7" name="正方形/長方形 6"/>
+          <p:cNvSpPr/>
+          <p:nvPr/>
+        </p:nvSpPr>
+        <p:spPr>
+          <a:xfrm>
+            <a:off x="0" y="-32606"/>
+            <a:ext cx="12192000" cy="1015663"/>
+          </a:xfrm>
+          <a:prstGeom prst="rect">
+            <a:avLst/>
+          </a:prstGeom>
+          <a:solidFill>
+            <a:schemeClr val="bg1"/>
+          </a:solidFill>
+          <a:ln>
+            <a:solidFill>
+              <a:schemeClr val="tx1"/>
+            </a:solidFill>
+          </a:ln>
+        </p:spPr>
+        <p:style>
+          <a:lnRef idx="2">
+            <a:schemeClr val="accent1">
+              <a:shade val="50000"/>
+            </a:schemeClr>
+          </a:lnRef>
+          <a:fillRef idx="1">
+            <a:schemeClr val="accent1"/>
+          </a:fillRef>
+          <a:effectRef idx="0">
+            <a:schemeClr val="accent1"/>
+          </a:effectRef>
+          <a:fontRef idx="minor">
+            <a:schemeClr val="lt1"/>
+          </a:fontRef>
+        </p:style>
+        <p:txBody>
+          <a:bodyPr rtlCol="0" anchor="ctr"/>
+          <a:lstStyle/>
+          <a:p>
+            <a:pPr algn="ctr"/>
+            <a:endParaRPr kumimoji="1" lang="ja-JP" altLang="en-US" dirty="0"/>
+          </a:p>
+        </p:txBody>
+      </p:sp>
+      <p:sp>
+        <p:nvSpPr>
+          <p:cNvPr id="3" name="テキスト ボックス 2"/>
+          <p:cNvSpPr txBox="1"/>
+          <p:nvPr/>
+        </p:nvSpPr>
+        <p:spPr>
+          <a:xfrm>
+            <a:off x="0" y="0"/>
+            <a:ext cx="7984901" cy="1015663"/>
+          </a:xfrm>
+          <a:prstGeom prst="rect">
+            <a:avLst/>
+          </a:prstGeom>
+          <a:noFill/>
+        </p:spPr>
+        <p:txBody>
+          <a:bodyPr wrap="square" rtlCol="0">
+            <a:spAutoFit/>
+          </a:bodyPr>
+          <a:lstStyle/>
+          <a:p>
+            <a:r>
+              <a:rPr kumimoji="1" lang="ja-JP" altLang="en-US" sz="6000" b="1" dirty="0" smtClean="0">
+                <a:latin typeface="ＭＳ ゴシック" panose="020B0609070205080204" pitchFamily="49" charset="-128"/>
+                <a:ea typeface="ＭＳ ゴシック" panose="020B0609070205080204" pitchFamily="49" charset="-128"/>
+              </a:rPr>
+              <a:t>ゲームシステム</a:t>
+            </a:r>
+            <a:endParaRPr kumimoji="1" lang="ja-JP" altLang="en-US" sz="6000" b="1" dirty="0">
+              <a:latin typeface="ＭＳ ゴシック" panose="020B0609070205080204" pitchFamily="49" charset="-128"/>
+              <a:ea typeface="ＭＳ ゴシック" panose="020B0609070205080204" pitchFamily="49" charset="-128"/>
+            </a:endParaRPr>
+          </a:p>
+        </p:txBody>
+      </p:sp>
+      <p:sp>
+        <p:nvSpPr>
+          <p:cNvPr id="6" name="テキスト ボックス 5"/>
+          <p:cNvSpPr txBox="1"/>
+          <p:nvPr/>
+        </p:nvSpPr>
+        <p:spPr>
+          <a:xfrm>
+            <a:off x="921287" y="1300529"/>
+            <a:ext cx="9989474" cy="584775"/>
+          </a:xfrm>
+          <a:prstGeom prst="rect">
+            <a:avLst/>
+          </a:prstGeom>
+          <a:noFill/>
+        </p:spPr>
+        <p:txBody>
+          <a:bodyPr wrap="square" rtlCol="0">
+            <a:spAutoFit/>
+          </a:bodyPr>
+          <a:lstStyle/>
+          <a:p>
+            <a:r>
+              <a:rPr lang="ja-JP" altLang="en-US" sz="3200" b="1" dirty="0" smtClean="0">
+                <a:latin typeface="ＭＳ ゴシック" panose="020B0609070205080204" pitchFamily="49" charset="-128"/>
+                <a:ea typeface="ＭＳ ゴシック" panose="020B0609070205080204" pitchFamily="49" charset="-128"/>
+              </a:rPr>
+              <a:t>人を乗せれば乗せるほど特売品をかごに乗せられる</a:t>
+            </a:r>
+            <a:endParaRPr lang="en-US" altLang="ja-JP" sz="3200" b="1" dirty="0" smtClean="0">
+              <a:latin typeface="ＭＳ ゴシック" panose="020B0609070205080204" pitchFamily="49" charset="-128"/>
+              <a:ea typeface="ＭＳ ゴシック" panose="020B0609070205080204" pitchFamily="49" charset="-128"/>
+            </a:endParaRPr>
+          </a:p>
+        </p:txBody>
+      </p:sp>
+      <p:pic>
+        <p:nvPicPr>
+          <p:cNvPr id="2" name="図 1"/>
+          <p:cNvPicPr>
+            <a:picLocks noChangeAspect="1"/>
+          </p:cNvPicPr>
+          <p:nvPr/>
+        </p:nvPicPr>
+        <p:blipFill>
+          <a:blip r:embed="rId5" cstate="print">
+            <a:extLst>
+              <a:ext uri="{28A0092B-C50C-407E-A947-70E740481C1C}">
+                <a14:useLocalDpi xmlns:a14="http://schemas.microsoft.com/office/drawing/2010/main" val="0"/>
+              </a:ext>
+            </a:extLst>
+          </a:blip>
+          <a:stretch>
+            <a:fillRect/>
+          </a:stretch>
+        </p:blipFill>
+        <p:spPr>
+          <a:xfrm rot="1736039">
+            <a:off x="4781119" y="3209498"/>
+            <a:ext cx="2308972" cy="1567215"/>
+          </a:xfrm>
+          <a:prstGeom prst="rect">
+            <a:avLst/>
+          </a:prstGeom>
+        </p:spPr>
+      </p:pic>
+      <p:pic>
+        <p:nvPicPr>
+          <p:cNvPr id="9" name="図 8"/>
+          <p:cNvPicPr>
+            <a:picLocks noChangeAspect="1"/>
+          </p:cNvPicPr>
+          <p:nvPr/>
+        </p:nvPicPr>
+        <p:blipFill>
+          <a:blip r:embed="rId6" cstate="print">
+            <a:extLst>
+              <a:ext uri="{28A0092B-C50C-407E-A947-70E740481C1C}">
+                <a14:useLocalDpi xmlns:a14="http://schemas.microsoft.com/office/drawing/2010/main" val="0"/>
+              </a:ext>
+            </a:extLst>
+          </a:blip>
+          <a:stretch>
+            <a:fillRect/>
+          </a:stretch>
+        </p:blipFill>
+        <p:spPr>
+          <a:xfrm>
+            <a:off x="5073765" y="4189608"/>
+            <a:ext cx="2285239" cy="2421926"/>
+          </a:xfrm>
+          <a:prstGeom prst="rect">
+            <a:avLst/>
+          </a:prstGeom>
+        </p:spPr>
+      </p:pic>
+      <p:pic>
+        <p:nvPicPr>
+          <p:cNvPr id="11" name="図 10"/>
+          <p:cNvPicPr>
+            <a:picLocks noChangeAspect="1"/>
+          </p:cNvPicPr>
+          <p:nvPr/>
+        </p:nvPicPr>
+        <p:blipFill>
+          <a:blip r:embed="rId3" cstate="print">
+            <a:extLst>
+              <a:ext uri="{28A0092B-C50C-407E-A947-70E740481C1C}">
+                <a14:useLocalDpi xmlns:a14="http://schemas.microsoft.com/office/drawing/2010/main" val="0"/>
+              </a:ext>
+            </a:extLst>
+          </a:blip>
+          <a:stretch>
+            <a:fillRect/>
+          </a:stretch>
+        </p:blipFill>
+        <p:spPr>
           <a:xfrm rot="21375691">
-            <a:off x="3321266" y="5279383"/>
+            <a:off x="4594815" y="2476071"/>
             <a:ext cx="1995029" cy="1601011"/>
           </a:xfrm>
           <a:prstGeom prst="rect">
@@ -7364,10 +10132,226 @@
           </a:prstGeom>
         </p:spPr>
       </p:pic>
+      <p:pic>
+        <p:nvPicPr>
+          <p:cNvPr id="16" name="図 15"/>
+          <p:cNvPicPr>
+            <a:picLocks noChangeAspect="1"/>
+          </p:cNvPicPr>
+          <p:nvPr/>
+        </p:nvPicPr>
+        <p:blipFill>
+          <a:blip r:embed="rId6" cstate="print">
+            <a:extLst>
+              <a:ext uri="{28A0092B-C50C-407E-A947-70E740481C1C}">
+                <a14:useLocalDpi xmlns:a14="http://schemas.microsoft.com/office/drawing/2010/main" val="0"/>
+              </a:ext>
+            </a:extLst>
+          </a:blip>
+          <a:stretch>
+            <a:fillRect/>
+          </a:stretch>
+        </p:blipFill>
+        <p:spPr>
+          <a:xfrm>
+            <a:off x="955189" y="4009432"/>
+            <a:ext cx="2285239" cy="2421926"/>
+          </a:xfrm>
+          <a:prstGeom prst="rect">
+            <a:avLst/>
+          </a:prstGeom>
+        </p:spPr>
+      </p:pic>
+      <p:sp>
+        <p:nvSpPr>
+          <p:cNvPr id="5" name="右矢印 4"/>
+          <p:cNvSpPr/>
+          <p:nvPr/>
+        </p:nvSpPr>
+        <p:spPr>
+          <a:xfrm>
+            <a:off x="3110199" y="3882371"/>
+            <a:ext cx="1535289" cy="1630370"/>
+          </a:xfrm>
+          <a:prstGeom prst="rightArrow">
+            <a:avLst/>
+          </a:prstGeom>
+        </p:spPr>
+        <p:style>
+          <a:lnRef idx="2">
+            <a:schemeClr val="accent1">
+              <a:shade val="50000"/>
+            </a:schemeClr>
+          </a:lnRef>
+          <a:fillRef idx="1">
+            <a:schemeClr val="accent1"/>
+          </a:fillRef>
+          <a:effectRef idx="0">
+            <a:schemeClr val="accent1"/>
+          </a:effectRef>
+          <a:fontRef idx="minor">
+            <a:schemeClr val="lt1"/>
+          </a:fontRef>
+        </p:style>
+        <p:txBody>
+          <a:bodyPr rtlCol="0" anchor="ctr"/>
+          <a:lstStyle/>
+          <a:p>
+            <a:pPr algn="ctr"/>
+            <a:endParaRPr kumimoji="1" lang="ja-JP" altLang="en-US"/>
+          </a:p>
+        </p:txBody>
+      </p:sp>
+      <p:pic>
+        <p:nvPicPr>
+          <p:cNvPr id="19" name="図 18"/>
+          <p:cNvPicPr>
+            <a:picLocks noChangeAspect="1"/>
+          </p:cNvPicPr>
+          <p:nvPr/>
+        </p:nvPicPr>
+        <p:blipFill>
+          <a:blip r:embed="rId5" cstate="print">
+            <a:extLst>
+              <a:ext uri="{28A0092B-C50C-407E-A947-70E740481C1C}">
+                <a14:useLocalDpi xmlns:a14="http://schemas.microsoft.com/office/drawing/2010/main" val="0"/>
+              </a:ext>
+            </a:extLst>
+          </a:blip>
+          <a:stretch>
+            <a:fillRect/>
+          </a:stretch>
+        </p:blipFill>
+        <p:spPr>
+          <a:xfrm>
+            <a:off x="7858115" y="2660102"/>
+            <a:ext cx="2308972" cy="1567215"/>
+          </a:xfrm>
+          <a:prstGeom prst="rect">
+            <a:avLst/>
+          </a:prstGeom>
+        </p:spPr>
+      </p:pic>
+      <p:pic>
+        <p:nvPicPr>
+          <p:cNvPr id="20" name="図 19"/>
+          <p:cNvPicPr>
+            <a:picLocks noChangeAspect="1"/>
+          </p:cNvPicPr>
+          <p:nvPr/>
+        </p:nvPicPr>
+        <p:blipFill>
+          <a:blip r:embed="rId3" cstate="print">
+            <a:extLst>
+              <a:ext uri="{28A0092B-C50C-407E-A947-70E740481C1C}">
+                <a14:useLocalDpi xmlns:a14="http://schemas.microsoft.com/office/drawing/2010/main" val="0"/>
+              </a:ext>
+            </a:extLst>
+          </a:blip>
+          <a:stretch>
+            <a:fillRect/>
+          </a:stretch>
+        </p:blipFill>
+        <p:spPr>
+          <a:xfrm>
+            <a:off x="7858115" y="4317963"/>
+            <a:ext cx="1995029" cy="1601011"/>
+          </a:xfrm>
+          <a:prstGeom prst="rect">
+            <a:avLst/>
+          </a:prstGeom>
+        </p:spPr>
+      </p:pic>
+      <p:sp>
+        <p:nvSpPr>
+          <p:cNvPr id="21" name="テキスト ボックス 20"/>
+          <p:cNvSpPr txBox="1"/>
+          <p:nvPr/>
+        </p:nvSpPr>
+        <p:spPr>
+          <a:xfrm>
+            <a:off x="9481764" y="3936740"/>
+            <a:ext cx="2258116" cy="400110"/>
+          </a:xfrm>
+          <a:prstGeom prst="rect">
+            <a:avLst/>
+          </a:prstGeom>
+          <a:noFill/>
+        </p:spPr>
+        <p:txBody>
+          <a:bodyPr wrap="square" rtlCol="0">
+            <a:spAutoFit/>
+          </a:bodyPr>
+          <a:lstStyle/>
+          <a:p>
+            <a:r>
+              <a:rPr lang="en-US" altLang="ja-JP" sz="2000" b="1" dirty="0" smtClean="0">
+                <a:latin typeface="ＭＳ ゴシック" panose="020B0609070205080204" pitchFamily="49" charset="-128"/>
+                <a:ea typeface="ＭＳ ゴシック" panose="020B0609070205080204" pitchFamily="49" charset="-128"/>
+              </a:rPr>
+              <a:t>×</a:t>
+            </a:r>
+            <a:r>
+              <a:rPr lang="ja-JP" altLang="en-US" sz="2000" b="1" dirty="0" smtClean="0">
+                <a:latin typeface="ＭＳ ゴシック" panose="020B0609070205080204" pitchFamily="49" charset="-128"/>
+                <a:ea typeface="ＭＳ ゴシック" panose="020B0609070205080204" pitchFamily="49" charset="-128"/>
+              </a:rPr>
+              <a:t>１につき</a:t>
+            </a:r>
+            <a:endParaRPr lang="en-US" altLang="ja-JP" sz="2000" b="1" dirty="0" smtClean="0">
+              <a:latin typeface="ＭＳ ゴシック" panose="020B0609070205080204" pitchFamily="49" charset="-128"/>
+              <a:ea typeface="ＭＳ ゴシック" panose="020B0609070205080204" pitchFamily="49" charset="-128"/>
+            </a:endParaRPr>
+          </a:p>
+        </p:txBody>
+      </p:sp>
+      <p:sp>
+        <p:nvSpPr>
+          <p:cNvPr id="22" name="テキスト ボックス 21"/>
+          <p:cNvSpPr txBox="1"/>
+          <p:nvPr/>
+        </p:nvSpPr>
+        <p:spPr>
+          <a:xfrm>
+            <a:off x="9503222" y="5025574"/>
+            <a:ext cx="2258116" cy="400110"/>
+          </a:xfrm>
+          <a:prstGeom prst="rect">
+            <a:avLst/>
+          </a:prstGeom>
+          <a:noFill/>
+        </p:spPr>
+        <p:txBody>
+          <a:bodyPr wrap="square" rtlCol="0">
+            <a:spAutoFit/>
+          </a:bodyPr>
+          <a:lstStyle/>
+          <a:p>
+            <a:r>
+              <a:rPr lang="en-US" altLang="ja-JP" sz="2000" b="1" dirty="0" smtClean="0">
+                <a:latin typeface="ＭＳ ゴシック" panose="020B0609070205080204" pitchFamily="49" charset="-128"/>
+                <a:ea typeface="ＭＳ ゴシック" panose="020B0609070205080204" pitchFamily="49" charset="-128"/>
+              </a:rPr>
+              <a:t>×</a:t>
+            </a:r>
+            <a:r>
+              <a:rPr lang="ja-JP" altLang="en-US" sz="2000" b="1" dirty="0" smtClean="0">
+                <a:latin typeface="ＭＳ ゴシック" panose="020B0609070205080204" pitchFamily="49" charset="-128"/>
+                <a:ea typeface="ＭＳ ゴシック" panose="020B0609070205080204" pitchFamily="49" charset="-128"/>
+              </a:rPr>
+              <a:t>１乗せられる</a:t>
+            </a:r>
+            <a:endParaRPr lang="en-US" altLang="ja-JP" sz="2000" b="1" dirty="0" smtClean="0">
+              <a:latin typeface="ＭＳ ゴシック" panose="020B0609070205080204" pitchFamily="49" charset="-128"/>
+              <a:ea typeface="ＭＳ ゴシック" panose="020B0609070205080204" pitchFamily="49" charset="-128"/>
+            </a:endParaRPr>
+          </a:p>
+        </p:txBody>
+      </p:sp>
     </p:spTree>
     <p:extLst>
       <p:ext uri="{BB962C8B-B14F-4D97-AF65-F5344CB8AC3E}">
-        <p14:creationId xmlns:p14="http://schemas.microsoft.com/office/powerpoint/2010/main" val="949686034"/>
+        <p14:creationId xmlns:p14="http://schemas.microsoft.com/office/powerpoint/2010/main" val="1881415050"/>
       </p:ext>
     </p:extLst>
   </p:cSld>
@@ -7396,14 +10380,14 @@
       </p:grpSpPr>
       <p:sp>
         <p:nvSpPr>
-          <p:cNvPr id="9" name="正方形/長方形 8"/>
+          <p:cNvPr id="19" name="正方形/長方形 18"/>
           <p:cNvSpPr/>
           <p:nvPr/>
         </p:nvSpPr>
         <p:spPr>
           <a:xfrm>
-            <a:off x="582179" y="4370968"/>
-            <a:ext cx="10679913" cy="904485"/>
+            <a:off x="726593" y="2650915"/>
+            <a:ext cx="10471963" cy="4114182"/>
           </a:xfrm>
           <a:prstGeom prst="rect">
             <a:avLst/>
@@ -7442,6 +10426,66 @@
           </a:p>
         </p:txBody>
       </p:sp>
+      <p:pic>
+        <p:nvPicPr>
+          <p:cNvPr id="10" name="図 9"/>
+          <p:cNvPicPr>
+            <a:picLocks noChangeAspect="1"/>
+          </p:cNvPicPr>
+          <p:nvPr/>
+        </p:nvPicPr>
+        <p:blipFill>
+          <a:blip r:embed="rId3" cstate="print">
+            <a:extLst>
+              <a:ext uri="{28A0092B-C50C-407E-A947-70E740481C1C}">
+                <a14:useLocalDpi xmlns:a14="http://schemas.microsoft.com/office/drawing/2010/main" val="0"/>
+              </a:ext>
+            </a:extLst>
+          </a:blip>
+          <a:stretch>
+            <a:fillRect/>
+          </a:stretch>
+        </p:blipFill>
+        <p:spPr>
+          <a:xfrm rot="21375691">
+            <a:off x="8133671" y="5035194"/>
+            <a:ext cx="1447767" cy="1050156"/>
+          </a:xfrm>
+          <a:prstGeom prst="rect">
+            <a:avLst/>
+          </a:prstGeom>
+        </p:spPr>
+      </p:pic>
+      <p:pic>
+        <p:nvPicPr>
+          <p:cNvPr id="22" name="図 21"/>
+          <p:cNvPicPr>
+            <a:picLocks noChangeAspect="1"/>
+          </p:cNvPicPr>
+          <p:nvPr/>
+        </p:nvPicPr>
+        <p:blipFill>
+          <a:blip r:embed="rId4">
+            <a:extLst>
+              <a:ext uri="{28A0092B-C50C-407E-A947-70E740481C1C}">
+                <a14:useLocalDpi xmlns:a14="http://schemas.microsoft.com/office/drawing/2010/main" val="0"/>
+              </a:ext>
+            </a:extLst>
+          </a:blip>
+          <a:stretch>
+            <a:fillRect/>
+          </a:stretch>
+        </p:blipFill>
+        <p:spPr>
+          <a:xfrm>
+            <a:off x="8184307" y="5027884"/>
+            <a:ext cx="1330525" cy="1089000"/>
+          </a:xfrm>
+          <a:prstGeom prst="rect">
+            <a:avLst/>
+          </a:prstGeom>
+        </p:spPr>
+      </p:pic>
       <p:sp>
         <p:nvSpPr>
           <p:cNvPr id="8" name="正方形/長方形 7"/>
@@ -7450,8 +10494,8 @@
         </p:nvSpPr>
         <p:spPr>
           <a:xfrm>
-            <a:off x="582179" y="1940573"/>
-            <a:ext cx="10679913" cy="1109824"/>
+            <a:off x="699408" y="1194967"/>
+            <a:ext cx="10471963" cy="1109824"/>
           </a:xfrm>
           <a:prstGeom prst="rect">
             <a:avLst/>
@@ -7582,7 +10626,7 @@
         </p:nvSpPr>
         <p:spPr>
           <a:xfrm>
-            <a:off x="582179" y="1940573"/>
+            <a:off x="907359" y="1162009"/>
             <a:ext cx="10264012" cy="1077218"/>
           </a:xfrm>
           <a:prstGeom prst="rect">
@@ -7601,7 +10645,7 @@
                 <a:latin typeface="ＭＳ ゴシック" panose="020B0609070205080204" pitchFamily="49" charset="-128"/>
                 <a:ea typeface="ＭＳ ゴシック" panose="020B0609070205080204" pitchFamily="49" charset="-128"/>
               </a:rPr>
-              <a:t>かごに他のプレイヤーや特売品が乗っていると滑走中、</a:t>
+              <a:t>かごに特売品や他の客が乗っていると滑走中、</a:t>
             </a:r>
             <a:endParaRPr lang="en-US" altLang="ja-JP" sz="3200" b="1" dirty="0" smtClean="0">
               <a:latin typeface="ＭＳ ゴシック" panose="020B0609070205080204" pitchFamily="49" charset="-128"/>
@@ -7623,16 +10667,266 @@
           </a:p>
         </p:txBody>
       </p:sp>
-      <p:sp>
-        <p:nvSpPr>
-          <p:cNvPr id="5" name="テキスト ボックス 4"/>
+      <p:pic>
+        <p:nvPicPr>
+          <p:cNvPr id="11" name="図 10"/>
+          <p:cNvPicPr>
+            <a:picLocks noChangeAspect="1"/>
+          </p:cNvPicPr>
+          <p:nvPr/>
+        </p:nvPicPr>
+        <p:blipFill>
+          <a:blip r:embed="rId5" cstate="print">
+            <a:extLst>
+              <a:ext uri="{28A0092B-C50C-407E-A947-70E740481C1C}">
+                <a14:useLocalDpi xmlns:a14="http://schemas.microsoft.com/office/drawing/2010/main" val="0"/>
+              </a:ext>
+            </a:extLst>
+          </a:blip>
+          <a:stretch>
+            <a:fillRect/>
+          </a:stretch>
+        </p:blipFill>
+        <p:spPr>
+          <a:xfrm>
+            <a:off x="8184307" y="3694475"/>
+            <a:ext cx="1468039" cy="1075180"/>
+          </a:xfrm>
+          <a:prstGeom prst="rect">
+            <a:avLst/>
+          </a:prstGeom>
+        </p:spPr>
+      </p:pic>
+      <p:pic>
+        <p:nvPicPr>
+          <p:cNvPr id="12" name="図 11"/>
+          <p:cNvPicPr>
+            <a:picLocks noChangeAspect="1"/>
+          </p:cNvPicPr>
+          <p:nvPr/>
+        </p:nvPicPr>
+        <p:blipFill>
+          <a:blip r:embed="rId6" cstate="print">
+            <a:extLst>
+              <a:ext uri="{28A0092B-C50C-407E-A947-70E740481C1C}">
+                <a14:useLocalDpi xmlns:a14="http://schemas.microsoft.com/office/drawing/2010/main" val="0"/>
+              </a:ext>
+            </a:extLst>
+          </a:blip>
+          <a:stretch>
+            <a:fillRect/>
+          </a:stretch>
+        </p:blipFill>
+        <p:spPr>
+          <a:xfrm>
+            <a:off x="8100974" y="4321946"/>
+            <a:ext cx="1845099" cy="1182015"/>
+          </a:xfrm>
+          <a:prstGeom prst="rect">
+            <a:avLst/>
+          </a:prstGeom>
+        </p:spPr>
+      </p:pic>
+      <p:pic>
+        <p:nvPicPr>
+          <p:cNvPr id="14" name="図 13"/>
+          <p:cNvPicPr>
+            <a:picLocks noChangeAspect="1"/>
+          </p:cNvPicPr>
+          <p:nvPr/>
+        </p:nvPicPr>
+        <p:blipFill>
+          <a:blip r:embed="rId7" cstate="print">
+            <a:extLst>
+              <a:ext uri="{28A0092B-C50C-407E-A947-70E740481C1C}">
+                <a14:useLocalDpi xmlns:a14="http://schemas.microsoft.com/office/drawing/2010/main" val="0"/>
+              </a:ext>
+            </a:extLst>
+          </a:blip>
+          <a:stretch>
+            <a:fillRect/>
+          </a:stretch>
+        </p:blipFill>
+        <p:spPr>
+          <a:xfrm>
+            <a:off x="8267748" y="5059468"/>
+            <a:ext cx="1655607" cy="1581234"/>
+          </a:xfrm>
+          <a:prstGeom prst="rect">
+            <a:avLst/>
+          </a:prstGeom>
+        </p:spPr>
+      </p:pic>
+      <p:sp>
+        <p:nvSpPr>
+          <p:cNvPr id="2" name="右矢印 1"/>
+          <p:cNvSpPr/>
+          <p:nvPr/>
+        </p:nvSpPr>
+        <p:spPr>
+          <a:xfrm rot="10800000">
+            <a:off x="5750519" y="4708006"/>
+            <a:ext cx="1234209" cy="1265620"/>
+          </a:xfrm>
+          <a:prstGeom prst="rightArrow">
+            <a:avLst/>
+          </a:prstGeom>
+        </p:spPr>
+        <p:style>
+          <a:lnRef idx="2">
+            <a:schemeClr val="accent1">
+              <a:shade val="50000"/>
+            </a:schemeClr>
+          </a:lnRef>
+          <a:fillRef idx="1">
+            <a:schemeClr val="accent1"/>
+          </a:fillRef>
+          <a:effectRef idx="0">
+            <a:schemeClr val="accent1"/>
+          </a:effectRef>
+          <a:fontRef idx="minor">
+            <a:schemeClr val="lt1"/>
+          </a:fontRef>
+        </p:style>
+        <p:txBody>
+          <a:bodyPr rtlCol="0" anchor="ctr"/>
+          <a:lstStyle/>
+          <a:p>
+            <a:pPr algn="ctr"/>
+            <a:endParaRPr kumimoji="1" lang="ja-JP" altLang="en-US"/>
+          </a:p>
+        </p:txBody>
+      </p:sp>
+      <p:pic>
+        <p:nvPicPr>
+          <p:cNvPr id="15" name="図 14"/>
+          <p:cNvPicPr>
+            <a:picLocks noChangeAspect="1"/>
+          </p:cNvPicPr>
+          <p:nvPr/>
+        </p:nvPicPr>
+        <p:blipFill>
+          <a:blip r:embed="rId8" cstate="print">
+            <a:extLst>
+              <a:ext uri="{28A0092B-C50C-407E-A947-70E740481C1C}">
+                <a14:useLocalDpi xmlns:a14="http://schemas.microsoft.com/office/drawing/2010/main" val="0"/>
+              </a:ext>
+            </a:extLst>
+          </a:blip>
+          <a:stretch>
+            <a:fillRect/>
+          </a:stretch>
+        </p:blipFill>
+        <p:spPr>
+          <a:xfrm rot="18807197">
+            <a:off x="3626798" y="4741110"/>
+            <a:ext cx="1740745" cy="1662548"/>
+          </a:xfrm>
+          <a:prstGeom prst="rect">
+            <a:avLst/>
+          </a:prstGeom>
+        </p:spPr>
+      </p:pic>
+      <p:pic>
+        <p:nvPicPr>
+          <p:cNvPr id="16" name="図 15"/>
+          <p:cNvPicPr>
+            <a:picLocks noChangeAspect="1"/>
+          </p:cNvPicPr>
+          <p:nvPr/>
+        </p:nvPicPr>
+        <p:blipFill>
+          <a:blip r:embed="rId6" cstate="print">
+            <a:extLst>
+              <a:ext uri="{28A0092B-C50C-407E-A947-70E740481C1C}">
+                <a14:useLocalDpi xmlns:a14="http://schemas.microsoft.com/office/drawing/2010/main" val="0"/>
+              </a:ext>
+            </a:extLst>
+          </a:blip>
+          <a:stretch>
+            <a:fillRect/>
+          </a:stretch>
+        </p:blipFill>
+        <p:spPr>
+          <a:xfrm>
+            <a:off x="1943263" y="5369647"/>
+            <a:ext cx="1842458" cy="1180323"/>
+          </a:xfrm>
+          <a:prstGeom prst="rect">
+            <a:avLst/>
+          </a:prstGeom>
+        </p:spPr>
+      </p:pic>
+      <p:pic>
+        <p:nvPicPr>
+          <p:cNvPr id="17" name="図 16"/>
+          <p:cNvPicPr>
+            <a:picLocks noChangeAspect="1"/>
+          </p:cNvPicPr>
+          <p:nvPr/>
+        </p:nvPicPr>
+        <p:blipFill>
+          <a:blip r:embed="rId5" cstate="print">
+            <a:extLst>
+              <a:ext uri="{28A0092B-C50C-407E-A947-70E740481C1C}">
+                <a14:useLocalDpi xmlns:a14="http://schemas.microsoft.com/office/drawing/2010/main" val="0"/>
+              </a:ext>
+            </a:extLst>
+          </a:blip>
+          <a:stretch>
+            <a:fillRect/>
+          </a:stretch>
+        </p:blipFill>
+        <p:spPr>
+          <a:xfrm rot="7817555">
+            <a:off x="877306" y="4832056"/>
+            <a:ext cx="1468039" cy="1075180"/>
+          </a:xfrm>
+          <a:prstGeom prst="rect">
+            <a:avLst/>
+          </a:prstGeom>
+        </p:spPr>
+      </p:pic>
+      <p:pic>
+        <p:nvPicPr>
+          <p:cNvPr id="18" name="図 17"/>
+          <p:cNvPicPr>
+            <a:picLocks noChangeAspect="1"/>
+          </p:cNvPicPr>
+          <p:nvPr/>
+        </p:nvPicPr>
+        <p:blipFill>
+          <a:blip r:embed="rId3" cstate="print">
+            <a:extLst>
+              <a:ext uri="{28A0092B-C50C-407E-A947-70E740481C1C}">
+                <a14:useLocalDpi xmlns:a14="http://schemas.microsoft.com/office/drawing/2010/main" val="0"/>
+              </a:ext>
+            </a:extLst>
+          </a:blip>
+          <a:stretch>
+            <a:fillRect/>
+          </a:stretch>
+        </p:blipFill>
+        <p:spPr>
+          <a:xfrm rot="21375691">
+            <a:off x="1072385" y="3740556"/>
+            <a:ext cx="1447767" cy="1050156"/>
+          </a:xfrm>
+          <a:prstGeom prst="rect">
+            <a:avLst/>
+          </a:prstGeom>
+        </p:spPr>
+      </p:pic>
+      <p:sp>
+        <p:nvSpPr>
+          <p:cNvPr id="20" name="テキスト ボックス 19"/>
           <p:cNvSpPr txBox="1"/>
           <p:nvPr/>
         </p:nvSpPr>
         <p:spPr>
           <a:xfrm>
-            <a:off x="582179" y="4370968"/>
-            <a:ext cx="11027642" cy="523220"/>
+            <a:off x="830568" y="2677296"/>
+            <a:ext cx="10264012" cy="1077218"/>
           </a:xfrm>
           <a:prstGeom prst="rect">
             <a:avLst/>
@@ -7646,55 +10940,65 @@
           <a:lstStyle/>
           <a:p>
             <a:r>
-              <a:rPr lang="ja-JP" altLang="en-US" sz="2800" b="1" dirty="0" smtClean="0">
+              <a:rPr lang="ja-JP" altLang="en-US" sz="3200" b="1" dirty="0" smtClean="0">
                 <a:latin typeface="ＭＳ ゴシック" panose="020B0609070205080204" pitchFamily="49" charset="-128"/>
                 <a:ea typeface="ＭＳ ゴシック" panose="020B0609070205080204" pitchFamily="49" charset="-128"/>
               </a:rPr>
-              <a:t>かごに乗せたプレイヤーは外へ放り出し、出禁にすることも可能。</a:t>
-            </a:r>
-            <a:endParaRPr lang="en-US" altLang="ja-JP" sz="2800" b="1" dirty="0">
+              <a:t>滑走中にぶつかると乗せたものがバラバラに</a:t>
+            </a:r>
+            <a:r>
+              <a:rPr lang="en-US" altLang="ja-JP" sz="3200" b="1" dirty="0" smtClean="0">
+                <a:latin typeface="ＭＳ ゴシック" panose="020B0609070205080204" pitchFamily="49" charset="-128"/>
+                <a:ea typeface="ＭＳ ゴシック" panose="020B0609070205080204" pitchFamily="49" charset="-128"/>
+              </a:rPr>
+              <a:t>…</a:t>
+            </a:r>
+          </a:p>
+          <a:p>
+            <a:r>
+              <a:rPr lang="ja-JP" altLang="en-US" sz="3200" b="1" dirty="0" smtClean="0">
+                <a:latin typeface="ＭＳ ゴシック" panose="020B0609070205080204" pitchFamily="49" charset="-128"/>
+                <a:ea typeface="ＭＳ ゴシック" panose="020B0609070205080204" pitchFamily="49" charset="-128"/>
+              </a:rPr>
+              <a:t>ぶつかり過ぎるとカートがぼろぼろになっていく</a:t>
+            </a:r>
+            <a:endParaRPr lang="en-US" altLang="ja-JP" sz="3200" b="1" dirty="0">
               <a:latin typeface="ＭＳ ゴシック" panose="020B0609070205080204" pitchFamily="49" charset="-128"/>
               <a:ea typeface="ＭＳ ゴシック" panose="020B0609070205080204" pitchFamily="49" charset="-128"/>
             </a:endParaRPr>
           </a:p>
         </p:txBody>
       </p:sp>
-      <p:sp>
-        <p:nvSpPr>
-          <p:cNvPr id="6" name="テキスト ボックス 5"/>
-          <p:cNvSpPr txBox="1"/>
-          <p:nvPr/>
-        </p:nvSpPr>
-        <p:spPr>
-          <a:xfrm>
-            <a:off x="582179" y="4752233"/>
-            <a:ext cx="10679913" cy="523220"/>
-          </a:xfrm>
-          <a:prstGeom prst="rect">
-            <a:avLst/>
-          </a:prstGeom>
-          <a:noFill/>
-        </p:spPr>
-        <p:txBody>
-          <a:bodyPr wrap="square" rtlCol="0">
-            <a:spAutoFit/>
-          </a:bodyPr>
-          <a:lstStyle/>
-          <a:p>
-            <a:r>
-              <a:rPr lang="ja-JP" altLang="en-US" sz="2800" b="1" dirty="0" smtClean="0">
-                <a:latin typeface="ＭＳ ゴシック" panose="020B0609070205080204" pitchFamily="49" charset="-128"/>
-                <a:ea typeface="ＭＳ ゴシック" panose="020B0609070205080204" pitchFamily="49" charset="-128"/>
-              </a:rPr>
-              <a:t>出禁にされたプレイヤーは他の入り口からしか入れなくなる。</a:t>
-            </a:r>
-            <a:endParaRPr lang="en-US" altLang="ja-JP" sz="2800" b="1" dirty="0">
-              <a:latin typeface="ＭＳ ゴシック" panose="020B0609070205080204" pitchFamily="49" charset="-128"/>
-              <a:ea typeface="ＭＳ ゴシック" panose="020B0609070205080204" pitchFamily="49" charset="-128"/>
-            </a:endParaRPr>
-          </a:p>
-        </p:txBody>
-      </p:sp>
+      <p:pic>
+        <p:nvPicPr>
+          <p:cNvPr id="21" name="図 20"/>
+          <p:cNvPicPr>
+            <a:picLocks noChangeAspect="1"/>
+          </p:cNvPicPr>
+          <p:nvPr/>
+        </p:nvPicPr>
+        <p:blipFill>
+          <a:blip r:embed="rId4">
+            <a:extLst>
+              <a:ext uri="{28A0092B-C50C-407E-A947-70E740481C1C}">
+                <a14:useLocalDpi xmlns:a14="http://schemas.microsoft.com/office/drawing/2010/main" val="0"/>
+              </a:ext>
+            </a:extLst>
+          </a:blip>
+          <a:stretch>
+            <a:fillRect/>
+          </a:stretch>
+        </p:blipFill>
+        <p:spPr>
+          <a:xfrm rot="12389522">
+            <a:off x="2830138" y="4120917"/>
+            <a:ext cx="1500852" cy="1228408"/>
+          </a:xfrm>
+          <a:prstGeom prst="rect">
+            <a:avLst/>
+          </a:prstGeom>
+        </p:spPr>
+      </p:pic>
     </p:spTree>
     <p:extLst>
       <p:ext uri="{BB962C8B-B14F-4D97-AF65-F5344CB8AC3E}">
@@ -7727,14 +11031,14 @@
       </p:grpSpPr>
       <p:sp>
         <p:nvSpPr>
-          <p:cNvPr id="8" name="正方形/長方形 7"/>
+          <p:cNvPr id="10" name="正方形/長方形 9"/>
           <p:cNvSpPr/>
           <p:nvPr/>
         </p:nvSpPr>
         <p:spPr>
           <a:xfrm>
-            <a:off x="582178" y="1420837"/>
-            <a:ext cx="11164345" cy="1505243"/>
+            <a:off x="412227" y="2470037"/>
+            <a:ext cx="11164345" cy="4155909"/>
           </a:xfrm>
           <a:prstGeom prst="rect">
             <a:avLst/>
@@ -7769,20 +11073,84 @@
           <a:lstStyle/>
           <a:p>
             <a:pPr algn="ctr"/>
-            <a:endParaRPr kumimoji="1" lang="ja-JP" altLang="en-US" dirty="0"/>
-          </a:p>
-        </p:txBody>
-      </p:sp>
-      <p:sp>
-        <p:nvSpPr>
-          <p:cNvPr id="7" name="正方形/長方形 6"/>
+            <a:endParaRPr kumimoji="1" lang="ja-JP" altLang="en-US" dirty="0">
+              <a:solidFill>
+                <a:schemeClr val="tx1"/>
+              </a:solidFill>
+            </a:endParaRPr>
+          </a:p>
+        </p:txBody>
+      </p:sp>
+      <p:pic>
+        <p:nvPicPr>
+          <p:cNvPr id="18" name="図 17"/>
+          <p:cNvPicPr>
+            <a:picLocks noChangeAspect="1"/>
+          </p:cNvPicPr>
+          <p:nvPr/>
+        </p:nvPicPr>
+        <p:blipFill>
+          <a:blip r:embed="rId2" cstate="print">
+            <a:extLst>
+              <a:ext uri="{28A0092B-C50C-407E-A947-70E740481C1C}">
+                <a14:useLocalDpi xmlns:a14="http://schemas.microsoft.com/office/drawing/2010/main" val="0"/>
+              </a:ext>
+            </a:extLst>
+          </a:blip>
+          <a:stretch>
+            <a:fillRect/>
+          </a:stretch>
+        </p:blipFill>
+        <p:spPr>
+          <a:xfrm rot="2058682">
+            <a:off x="2341412" y="4297657"/>
+            <a:ext cx="1446219" cy="1050156"/>
+          </a:xfrm>
+          <a:prstGeom prst="rect">
+            <a:avLst/>
+          </a:prstGeom>
+        </p:spPr>
+      </p:pic>
+      <p:pic>
+        <p:nvPicPr>
+          <p:cNvPr id="21" name="図 20"/>
+          <p:cNvPicPr>
+            <a:picLocks noChangeAspect="1"/>
+          </p:cNvPicPr>
+          <p:nvPr/>
+        </p:nvPicPr>
+        <p:blipFill>
+          <a:blip r:embed="rId3">
+            <a:extLst>
+              <a:ext uri="{28A0092B-C50C-407E-A947-70E740481C1C}">
+                <a14:useLocalDpi xmlns:a14="http://schemas.microsoft.com/office/drawing/2010/main" val="0"/>
+              </a:ext>
+            </a:extLst>
+          </a:blip>
+          <a:stretch>
+            <a:fillRect/>
+          </a:stretch>
+        </p:blipFill>
+        <p:spPr>
+          <a:xfrm rot="1503830">
+            <a:off x="2396702" y="4224368"/>
+            <a:ext cx="1352798" cy="1228408"/>
+          </a:xfrm>
+          <a:prstGeom prst="rect">
+            <a:avLst/>
+          </a:prstGeom>
+        </p:spPr>
+      </p:pic>
+      <p:sp>
+        <p:nvSpPr>
+          <p:cNvPr id="8" name="正方形/長方形 7"/>
           <p:cNvSpPr/>
           <p:nvPr/>
         </p:nvSpPr>
         <p:spPr>
           <a:xfrm>
-            <a:off x="0" y="-32606"/>
-            <a:ext cx="12192000" cy="1015663"/>
+            <a:off x="304791" y="1048269"/>
+            <a:ext cx="11164345" cy="1109824"/>
           </a:xfrm>
           <a:prstGeom prst="rect">
             <a:avLst/>
@@ -7817,112 +11185,24 @@
           <a:lstStyle/>
           <a:p>
             <a:pPr algn="ctr"/>
-            <a:endParaRPr kumimoji="1" lang="ja-JP" altLang="en-US" dirty="0"/>
-          </a:p>
-        </p:txBody>
-      </p:sp>
-      <p:sp>
-        <p:nvSpPr>
-          <p:cNvPr id="3" name="テキスト ボックス 2"/>
-          <p:cNvSpPr txBox="1"/>
-          <p:nvPr/>
-        </p:nvSpPr>
-        <p:spPr>
-          <a:xfrm>
-            <a:off x="0" y="0"/>
-            <a:ext cx="7984901" cy="1015663"/>
-          </a:xfrm>
-          <a:prstGeom prst="rect">
-            <a:avLst/>
-          </a:prstGeom>
-          <a:noFill/>
-        </p:spPr>
-        <p:txBody>
-          <a:bodyPr wrap="square" rtlCol="0">
-            <a:spAutoFit/>
-          </a:bodyPr>
-          <a:lstStyle/>
-          <a:p>
-            <a:r>
-              <a:rPr kumimoji="1" lang="ja-JP" altLang="en-US" sz="6000" b="1" dirty="0" smtClean="0">
-                <a:latin typeface="ＭＳ ゴシック" panose="020B0609070205080204" pitchFamily="49" charset="-128"/>
-                <a:ea typeface="ＭＳ ゴシック" panose="020B0609070205080204" pitchFamily="49" charset="-128"/>
-              </a:rPr>
-              <a:t>ゲームシステム</a:t>
-            </a:r>
-            <a:endParaRPr kumimoji="1" lang="ja-JP" altLang="en-US" sz="6000" b="1" dirty="0">
-              <a:latin typeface="ＭＳ ゴシック" panose="020B0609070205080204" pitchFamily="49" charset="-128"/>
-              <a:ea typeface="ＭＳ ゴシック" panose="020B0609070205080204" pitchFamily="49" charset="-128"/>
+            <a:endParaRPr kumimoji="1" lang="ja-JP" altLang="en-US" dirty="0">
+              <a:solidFill>
+                <a:schemeClr val="tx1"/>
+              </a:solidFill>
             </a:endParaRPr>
           </a:p>
         </p:txBody>
       </p:sp>
       <p:sp>
         <p:nvSpPr>
-          <p:cNvPr id="4" name="テキスト ボックス 3"/>
-          <p:cNvSpPr txBox="1"/>
-          <p:nvPr/>
-        </p:nvSpPr>
-        <p:spPr>
-          <a:xfrm>
-            <a:off x="582177" y="1634849"/>
-            <a:ext cx="10679913" cy="1077218"/>
-          </a:xfrm>
-          <a:prstGeom prst="rect">
-            <a:avLst/>
-          </a:prstGeom>
-          <a:noFill/>
-        </p:spPr>
-        <p:txBody>
-          <a:bodyPr wrap="square" rtlCol="0">
-            <a:spAutoFit/>
-          </a:bodyPr>
-          <a:lstStyle/>
-          <a:p>
-            <a:r>
-              <a:rPr lang="ja-JP" altLang="en-US" sz="3200" b="1" dirty="0">
-                <a:latin typeface="ＭＳ ゴシック" panose="020B0609070205080204" pitchFamily="49" charset="-128"/>
-                <a:ea typeface="ＭＳ ゴシック" panose="020B0609070205080204" pitchFamily="49" charset="-128"/>
-              </a:rPr>
-              <a:t>他</a:t>
-            </a:r>
-            <a:r>
-              <a:rPr lang="ja-JP" altLang="en-US" sz="3200" b="1" dirty="0" smtClean="0">
-                <a:latin typeface="ＭＳ ゴシック" panose="020B0609070205080204" pitchFamily="49" charset="-128"/>
-                <a:ea typeface="ＭＳ ゴシック" panose="020B0609070205080204" pitchFamily="49" charset="-128"/>
-              </a:rPr>
-              <a:t>のプレイヤーから脱出できたとき、</a:t>
-            </a:r>
-            <a:endParaRPr lang="en-US" altLang="ja-JP" sz="3200" b="1" dirty="0">
-              <a:latin typeface="ＭＳ ゴシック" panose="020B0609070205080204" pitchFamily="49" charset="-128"/>
-              <a:ea typeface="ＭＳ ゴシック" panose="020B0609070205080204" pitchFamily="49" charset="-128"/>
-            </a:endParaRPr>
-          </a:p>
-          <a:p>
-            <a:r>
-              <a:rPr lang="ja-JP" altLang="en-US" sz="3200" b="1" dirty="0" smtClean="0">
-                <a:latin typeface="ＭＳ ゴシック" panose="020B0609070205080204" pitchFamily="49" charset="-128"/>
-                <a:ea typeface="ＭＳ ゴシック" panose="020B0609070205080204" pitchFamily="49" charset="-128"/>
-              </a:rPr>
-              <a:t>ステージに配置されているカートに乗ることができる</a:t>
-            </a:r>
-            <a:endParaRPr lang="en-US" altLang="ja-JP" sz="3200" b="1" dirty="0">
-              <a:latin typeface="ＭＳ ゴシック" panose="020B0609070205080204" pitchFamily="49" charset="-128"/>
-              <a:ea typeface="ＭＳ ゴシック" panose="020B0609070205080204" pitchFamily="49" charset="-128"/>
-            </a:endParaRPr>
-          </a:p>
-        </p:txBody>
-      </p:sp>
-      <p:sp>
-        <p:nvSpPr>
-          <p:cNvPr id="10" name="正方形/長方形 9"/>
+          <p:cNvPr id="7" name="正方形/長方形 6"/>
           <p:cNvSpPr/>
           <p:nvPr/>
         </p:nvSpPr>
         <p:spPr>
           <a:xfrm>
-            <a:off x="582178" y="4590441"/>
-            <a:ext cx="11164345" cy="584775"/>
+            <a:off x="0" y="-32606"/>
+            <a:ext cx="12192000" cy="1015663"/>
           </a:xfrm>
           <a:prstGeom prst="rect">
             <a:avLst/>
@@ -7963,14 +11243,50 @@
       </p:sp>
       <p:sp>
         <p:nvSpPr>
-          <p:cNvPr id="11" name="テキスト ボックス 10"/>
+          <p:cNvPr id="3" name="テキスト ボックス 2"/>
           <p:cNvSpPr txBox="1"/>
           <p:nvPr/>
         </p:nvSpPr>
         <p:spPr>
           <a:xfrm>
-            <a:off x="582177" y="4590441"/>
-            <a:ext cx="11333157" cy="584775"/>
+            <a:off x="0" y="0"/>
+            <a:ext cx="7984901" cy="1015663"/>
+          </a:xfrm>
+          <a:prstGeom prst="rect">
+            <a:avLst/>
+          </a:prstGeom>
+          <a:noFill/>
+        </p:spPr>
+        <p:txBody>
+          <a:bodyPr wrap="square" rtlCol="0">
+            <a:spAutoFit/>
+          </a:bodyPr>
+          <a:lstStyle/>
+          <a:p>
+            <a:r>
+              <a:rPr kumimoji="1" lang="ja-JP" altLang="en-US" sz="6000" b="1" dirty="0" smtClean="0">
+                <a:latin typeface="ＭＳ ゴシック" panose="020B0609070205080204" pitchFamily="49" charset="-128"/>
+                <a:ea typeface="ＭＳ ゴシック" panose="020B0609070205080204" pitchFamily="49" charset="-128"/>
+              </a:rPr>
+              <a:t>ゲームシステム</a:t>
+            </a:r>
+            <a:endParaRPr kumimoji="1" lang="ja-JP" altLang="en-US" sz="6000" b="1" dirty="0">
+              <a:latin typeface="ＭＳ ゴシック" panose="020B0609070205080204" pitchFamily="49" charset="-128"/>
+              <a:ea typeface="ＭＳ ゴシック" panose="020B0609070205080204" pitchFamily="49" charset="-128"/>
+            </a:endParaRPr>
+          </a:p>
+        </p:txBody>
+      </p:sp>
+      <p:sp>
+        <p:nvSpPr>
+          <p:cNvPr id="9" name="テキスト ボックス 8"/>
+          <p:cNvSpPr txBox="1"/>
+          <p:nvPr/>
+        </p:nvSpPr>
+        <p:spPr>
+          <a:xfrm>
+            <a:off x="1739697" y="1064572"/>
+            <a:ext cx="10264012" cy="1077218"/>
           </a:xfrm>
           <a:prstGeom prst="rect">
             <a:avLst/>
@@ -7988,7 +11304,20 @@
                 <a:latin typeface="ＭＳ ゴシック" panose="020B0609070205080204" pitchFamily="49" charset="-128"/>
                 <a:ea typeface="ＭＳ ゴシック" panose="020B0609070205080204" pitchFamily="49" charset="-128"/>
               </a:rPr>
-              <a:t>カートに乗っていない状態でも商品をつかむことができる</a:t>
+              <a:t>カートはぶつかると少しずつ壊れていく</a:t>
+            </a:r>
+            <a:endParaRPr lang="en-US" altLang="ja-JP" sz="3200" b="1" dirty="0" smtClean="0">
+              <a:latin typeface="ＭＳ ゴシック" panose="020B0609070205080204" pitchFamily="49" charset="-128"/>
+              <a:ea typeface="ＭＳ ゴシック" panose="020B0609070205080204" pitchFamily="49" charset="-128"/>
+            </a:endParaRPr>
+          </a:p>
+          <a:p>
+            <a:r>
+              <a:rPr lang="ja-JP" altLang="en-US" sz="3200" b="1" dirty="0" smtClean="0">
+                <a:latin typeface="ＭＳ ゴシック" panose="020B0609070205080204" pitchFamily="49" charset="-128"/>
+                <a:ea typeface="ＭＳ ゴシック" panose="020B0609070205080204" pitchFamily="49" charset="-128"/>
+              </a:rPr>
+              <a:t>カートが壊れると使いずらくなっていく</a:t>
             </a:r>
             <a:endParaRPr lang="en-US" altLang="ja-JP" sz="3200" b="1" dirty="0">
               <a:latin typeface="ＭＳ ゴシック" panose="020B0609070205080204" pitchFamily="49" charset="-128"/>
@@ -7997,6 +11326,415 @@
           </a:p>
         </p:txBody>
       </p:sp>
+      <p:pic>
+        <p:nvPicPr>
+          <p:cNvPr id="11" name="図 10"/>
+          <p:cNvPicPr>
+            <a:picLocks noChangeAspect="1"/>
+          </p:cNvPicPr>
+          <p:nvPr/>
+        </p:nvPicPr>
+        <p:blipFill>
+          <a:blip r:embed="rId4" cstate="print">
+            <a:extLst>
+              <a:ext uri="{28A0092B-C50C-407E-A947-70E740481C1C}">
+                <a14:useLocalDpi xmlns:a14="http://schemas.microsoft.com/office/drawing/2010/main" val="0"/>
+              </a:ext>
+            </a:extLst>
+          </a:blip>
+          <a:stretch>
+            <a:fillRect/>
+          </a:stretch>
+        </p:blipFill>
+        <p:spPr>
+          <a:xfrm rot="18807197">
+            <a:off x="9504139" y="4332343"/>
+            <a:ext cx="1740745" cy="1662548"/>
+          </a:xfrm>
+          <a:prstGeom prst="rect">
+            <a:avLst/>
+          </a:prstGeom>
+        </p:spPr>
+      </p:pic>
+      <p:pic>
+        <p:nvPicPr>
+          <p:cNvPr id="12" name="図 11"/>
+          <p:cNvPicPr>
+            <a:picLocks noChangeAspect="1"/>
+          </p:cNvPicPr>
+          <p:nvPr/>
+        </p:nvPicPr>
+        <p:blipFill>
+          <a:blip r:embed="rId5" cstate="print">
+            <a:extLst>
+              <a:ext uri="{28A0092B-C50C-407E-A947-70E740481C1C}">
+                <a14:useLocalDpi xmlns:a14="http://schemas.microsoft.com/office/drawing/2010/main" val="0"/>
+              </a:ext>
+            </a:extLst>
+          </a:blip>
+          <a:stretch>
+            <a:fillRect/>
+          </a:stretch>
+        </p:blipFill>
+        <p:spPr>
+          <a:xfrm>
+            <a:off x="6437706" y="5282392"/>
+            <a:ext cx="1842458" cy="1180323"/>
+          </a:xfrm>
+          <a:prstGeom prst="rect">
+            <a:avLst/>
+          </a:prstGeom>
+        </p:spPr>
+      </p:pic>
+      <p:pic>
+        <p:nvPicPr>
+          <p:cNvPr id="13" name="図 12"/>
+          <p:cNvPicPr>
+            <a:picLocks noChangeAspect="1"/>
+          </p:cNvPicPr>
+          <p:nvPr/>
+        </p:nvPicPr>
+        <p:blipFill>
+          <a:blip r:embed="rId6" cstate="print">
+            <a:extLst>
+              <a:ext uri="{28A0092B-C50C-407E-A947-70E740481C1C}">
+                <a14:useLocalDpi xmlns:a14="http://schemas.microsoft.com/office/drawing/2010/main" val="0"/>
+              </a:ext>
+            </a:extLst>
+          </a:blip>
+          <a:stretch>
+            <a:fillRect/>
+          </a:stretch>
+        </p:blipFill>
+        <p:spPr>
+          <a:xfrm rot="7817555">
+            <a:off x="5740183" y="4830816"/>
+            <a:ext cx="1468039" cy="1075180"/>
+          </a:xfrm>
+          <a:prstGeom prst="rect">
+            <a:avLst/>
+          </a:prstGeom>
+        </p:spPr>
+      </p:pic>
+      <p:pic>
+        <p:nvPicPr>
+          <p:cNvPr id="14" name="図 13"/>
+          <p:cNvPicPr>
+            <a:picLocks noChangeAspect="1"/>
+          </p:cNvPicPr>
+          <p:nvPr/>
+        </p:nvPicPr>
+        <p:blipFill>
+          <a:blip r:embed="rId7" cstate="print">
+            <a:extLst>
+              <a:ext uri="{28A0092B-C50C-407E-A947-70E740481C1C}">
+                <a14:useLocalDpi xmlns:a14="http://schemas.microsoft.com/office/drawing/2010/main" val="0"/>
+              </a:ext>
+            </a:extLst>
+          </a:blip>
+          <a:stretch>
+            <a:fillRect/>
+          </a:stretch>
+        </p:blipFill>
+        <p:spPr>
+          <a:xfrm rot="21375691">
+            <a:off x="8252811" y="4158657"/>
+            <a:ext cx="1447767" cy="1050156"/>
+          </a:xfrm>
+          <a:prstGeom prst="rect">
+            <a:avLst/>
+          </a:prstGeom>
+        </p:spPr>
+      </p:pic>
+      <p:sp>
+        <p:nvSpPr>
+          <p:cNvPr id="15" name="テキスト ボックス 14"/>
+          <p:cNvSpPr txBox="1"/>
+          <p:nvPr/>
+        </p:nvSpPr>
+        <p:spPr>
+          <a:xfrm>
+            <a:off x="7229304" y="2470037"/>
+            <a:ext cx="4347268" cy="1077218"/>
+          </a:xfrm>
+          <a:prstGeom prst="rect">
+            <a:avLst/>
+          </a:prstGeom>
+          <a:noFill/>
+        </p:spPr>
+        <p:txBody>
+          <a:bodyPr wrap="square" rtlCol="0">
+            <a:spAutoFit/>
+          </a:bodyPr>
+          <a:lstStyle/>
+          <a:p>
+            <a:r>
+              <a:rPr lang="ja-JP" altLang="en-US" sz="3200" b="1" dirty="0" smtClean="0">
+                <a:latin typeface="ＭＳ ゴシック" panose="020B0609070205080204" pitchFamily="49" charset="-128"/>
+                <a:ea typeface="ＭＳ ゴシック" panose="020B0609070205080204" pitchFamily="49" charset="-128"/>
+              </a:rPr>
+              <a:t>カートが</a:t>
+            </a:r>
+            <a:r>
+              <a:rPr lang="ja-JP" altLang="en-US" sz="3200" b="1" dirty="0">
+                <a:latin typeface="ＭＳ ゴシック" panose="020B0609070205080204" pitchFamily="49" charset="-128"/>
+                <a:ea typeface="ＭＳ ゴシック" panose="020B0609070205080204" pitchFamily="49" charset="-128"/>
+              </a:rPr>
+              <a:t>完全</a:t>
+            </a:r>
+            <a:r>
+              <a:rPr lang="ja-JP" altLang="en-US" sz="3200" b="1" dirty="0" smtClean="0">
+                <a:latin typeface="ＭＳ ゴシック" panose="020B0609070205080204" pitchFamily="49" charset="-128"/>
+                <a:ea typeface="ＭＳ ゴシック" panose="020B0609070205080204" pitchFamily="49" charset="-128"/>
+              </a:rPr>
+              <a:t>壊れるとバラバラに</a:t>
+            </a:r>
+            <a:r>
+              <a:rPr lang="en-US" altLang="ja-JP" sz="3200" b="1" dirty="0" smtClean="0">
+                <a:latin typeface="ＭＳ ゴシック" panose="020B0609070205080204" pitchFamily="49" charset="-128"/>
+                <a:ea typeface="ＭＳ ゴシック" panose="020B0609070205080204" pitchFamily="49" charset="-128"/>
+              </a:rPr>
+              <a:t>…</a:t>
+            </a:r>
+            <a:endParaRPr lang="en-US" altLang="ja-JP" sz="3200" b="1" dirty="0">
+              <a:latin typeface="ＭＳ ゴシック" panose="020B0609070205080204" pitchFamily="49" charset="-128"/>
+              <a:ea typeface="ＭＳ ゴシック" panose="020B0609070205080204" pitchFamily="49" charset="-128"/>
+            </a:endParaRPr>
+          </a:p>
+        </p:txBody>
+      </p:sp>
+      <p:sp>
+        <p:nvSpPr>
+          <p:cNvPr id="2" name="爆発 1 1"/>
+          <p:cNvSpPr/>
+          <p:nvPr/>
+        </p:nvSpPr>
+        <p:spPr>
+          <a:xfrm rot="336496">
+            <a:off x="1726164" y="5574277"/>
+            <a:ext cx="694705" cy="760696"/>
+          </a:xfrm>
+          <a:prstGeom prst="irregularSeal1">
+            <a:avLst/>
+          </a:prstGeom>
+          <a:solidFill>
+            <a:srgbClr val="FFFF00"/>
+          </a:solidFill>
+        </p:spPr>
+        <p:style>
+          <a:lnRef idx="2">
+            <a:schemeClr val="accent1">
+              <a:shade val="50000"/>
+            </a:schemeClr>
+          </a:lnRef>
+          <a:fillRef idx="1">
+            <a:schemeClr val="accent1"/>
+          </a:fillRef>
+          <a:effectRef idx="0">
+            <a:schemeClr val="accent1"/>
+          </a:effectRef>
+          <a:fontRef idx="minor">
+            <a:schemeClr val="lt1"/>
+          </a:fontRef>
+        </p:style>
+        <p:txBody>
+          <a:bodyPr rtlCol="0" anchor="ctr"/>
+          <a:lstStyle/>
+          <a:p>
+            <a:pPr algn="ctr"/>
+            <a:endParaRPr kumimoji="1" lang="ja-JP" altLang="en-US"/>
+          </a:p>
+        </p:txBody>
+      </p:sp>
+      <p:sp>
+        <p:nvSpPr>
+          <p:cNvPr id="17" name="爆発 1 16"/>
+          <p:cNvSpPr/>
+          <p:nvPr/>
+        </p:nvSpPr>
+        <p:spPr>
+          <a:xfrm rot="336496">
+            <a:off x="3434082" y="5161767"/>
+            <a:ext cx="694705" cy="760696"/>
+          </a:xfrm>
+          <a:prstGeom prst="irregularSeal1">
+            <a:avLst/>
+          </a:prstGeom>
+          <a:solidFill>
+            <a:srgbClr val="FFFF00"/>
+          </a:solidFill>
+        </p:spPr>
+        <p:style>
+          <a:lnRef idx="2">
+            <a:schemeClr val="accent1">
+              <a:shade val="50000"/>
+            </a:schemeClr>
+          </a:lnRef>
+          <a:fillRef idx="1">
+            <a:schemeClr val="accent1"/>
+          </a:fillRef>
+          <a:effectRef idx="0">
+            <a:schemeClr val="accent1"/>
+          </a:effectRef>
+          <a:fontRef idx="minor">
+            <a:schemeClr val="lt1"/>
+          </a:fontRef>
+        </p:style>
+        <p:txBody>
+          <a:bodyPr rtlCol="0" anchor="ctr"/>
+          <a:lstStyle/>
+          <a:p>
+            <a:pPr algn="ctr"/>
+            <a:endParaRPr kumimoji="1" lang="ja-JP" altLang="en-US"/>
+          </a:p>
+        </p:txBody>
+      </p:sp>
+      <p:pic>
+        <p:nvPicPr>
+          <p:cNvPr id="16" name="図 15"/>
+          <p:cNvPicPr>
+            <a:picLocks noChangeAspect="1"/>
+          </p:cNvPicPr>
+          <p:nvPr/>
+        </p:nvPicPr>
+        <p:blipFill>
+          <a:blip r:embed="rId4" cstate="print">
+            <a:extLst>
+              <a:ext uri="{28A0092B-C50C-407E-A947-70E740481C1C}">
+                <a14:useLocalDpi xmlns:a14="http://schemas.microsoft.com/office/drawing/2010/main" val="0"/>
+              </a:ext>
+            </a:extLst>
+          </a:blip>
+          <a:stretch>
+            <a:fillRect/>
+          </a:stretch>
+        </p:blipFill>
+        <p:spPr>
+          <a:xfrm rot="1243209">
+            <a:off x="2260865" y="4507052"/>
+            <a:ext cx="1738886" cy="1662548"/>
+          </a:xfrm>
+          <a:prstGeom prst="rect">
+            <a:avLst/>
+          </a:prstGeom>
+        </p:spPr>
+      </p:pic>
+      <p:pic>
+        <p:nvPicPr>
+          <p:cNvPr id="19" name="図 18"/>
+          <p:cNvPicPr>
+            <a:picLocks noChangeAspect="1"/>
+          </p:cNvPicPr>
+          <p:nvPr/>
+        </p:nvPicPr>
+        <p:blipFill>
+          <a:blip r:embed="rId8" cstate="print">
+            <a:extLst>
+              <a:ext uri="{28A0092B-C50C-407E-A947-70E740481C1C}">
+                <a14:useLocalDpi xmlns:a14="http://schemas.microsoft.com/office/drawing/2010/main" val="0"/>
+              </a:ext>
+            </a:extLst>
+          </a:blip>
+          <a:stretch>
+            <a:fillRect/>
+          </a:stretch>
+        </p:blipFill>
+        <p:spPr>
+          <a:xfrm rot="2188571">
+            <a:off x="2543042" y="3671617"/>
+            <a:ext cx="1840489" cy="1180323"/>
+          </a:xfrm>
+          <a:prstGeom prst="rect">
+            <a:avLst/>
+          </a:prstGeom>
+        </p:spPr>
+      </p:pic>
+      <p:sp>
+        <p:nvSpPr>
+          <p:cNvPr id="20" name="テキスト ボックス 19"/>
+          <p:cNvSpPr txBox="1"/>
+          <p:nvPr/>
+        </p:nvSpPr>
+        <p:spPr>
+          <a:xfrm>
+            <a:off x="1269385" y="2553426"/>
+            <a:ext cx="3968659" cy="954107"/>
+          </a:xfrm>
+          <a:prstGeom prst="rect">
+            <a:avLst/>
+          </a:prstGeom>
+          <a:noFill/>
+        </p:spPr>
+        <p:txBody>
+          <a:bodyPr wrap="square" rtlCol="0">
+            <a:spAutoFit/>
+          </a:bodyPr>
+          <a:lstStyle/>
+          <a:p>
+            <a:r>
+              <a:rPr lang="ja-JP" altLang="en-US" sz="2800" b="1" dirty="0" smtClean="0">
+                <a:latin typeface="ＭＳ ゴシック" panose="020B0609070205080204" pitchFamily="49" charset="-128"/>
+                <a:ea typeface="ＭＳ ゴシック" panose="020B0609070205080204" pitchFamily="49" charset="-128"/>
+              </a:rPr>
+              <a:t>ぼろぼろになるほど</a:t>
+            </a:r>
+            <a:endParaRPr lang="en-US" altLang="ja-JP" sz="2800" b="1" dirty="0" smtClean="0">
+              <a:latin typeface="ＭＳ ゴシック" panose="020B0609070205080204" pitchFamily="49" charset="-128"/>
+              <a:ea typeface="ＭＳ ゴシック" panose="020B0609070205080204" pitchFamily="49" charset="-128"/>
+            </a:endParaRPr>
+          </a:p>
+          <a:p>
+            <a:r>
+              <a:rPr lang="ja-JP" altLang="en-US" sz="2800" b="1" dirty="0" smtClean="0">
+                <a:latin typeface="ＭＳ ゴシック" panose="020B0609070205080204" pitchFamily="49" charset="-128"/>
+                <a:ea typeface="ＭＳ ゴシック" panose="020B0609070205080204" pitchFamily="49" charset="-128"/>
+              </a:rPr>
+              <a:t>ガタガタになったり</a:t>
+            </a:r>
+            <a:r>
+              <a:rPr lang="en-US" altLang="ja-JP" sz="2800" b="1" dirty="0" smtClean="0">
+                <a:latin typeface="ＭＳ ゴシック" panose="020B0609070205080204" pitchFamily="49" charset="-128"/>
+                <a:ea typeface="ＭＳ ゴシック" panose="020B0609070205080204" pitchFamily="49" charset="-128"/>
+              </a:rPr>
+              <a:t>…</a:t>
+            </a:r>
+            <a:endParaRPr lang="en-US" altLang="ja-JP" sz="2800" b="1" dirty="0">
+              <a:latin typeface="ＭＳ ゴシック" panose="020B0609070205080204" pitchFamily="49" charset="-128"/>
+              <a:ea typeface="ＭＳ ゴシック" panose="020B0609070205080204" pitchFamily="49" charset="-128"/>
+            </a:endParaRPr>
+          </a:p>
+        </p:txBody>
+      </p:sp>
+      <p:pic>
+        <p:nvPicPr>
+          <p:cNvPr id="22" name="図 21"/>
+          <p:cNvPicPr>
+            <a:picLocks noChangeAspect="1"/>
+          </p:cNvPicPr>
+          <p:nvPr/>
+        </p:nvPicPr>
+        <p:blipFill>
+          <a:blip r:embed="rId3">
+            <a:extLst>
+              <a:ext uri="{28A0092B-C50C-407E-A947-70E740481C1C}">
+                <a14:useLocalDpi xmlns:a14="http://schemas.microsoft.com/office/drawing/2010/main" val="0"/>
+              </a:ext>
+            </a:extLst>
+          </a:blip>
+          <a:stretch>
+            <a:fillRect/>
+          </a:stretch>
+        </p:blipFill>
+        <p:spPr>
+          <a:xfrm rot="9192222">
+            <a:off x="6990472" y="3677574"/>
+            <a:ext cx="1500852" cy="1228408"/>
+          </a:xfrm>
+          <a:prstGeom prst="rect">
+            <a:avLst/>
+          </a:prstGeom>
+        </p:spPr>
+      </p:pic>
     </p:spTree>
     <p:extLst>
       <p:ext uri="{BB962C8B-B14F-4D97-AF65-F5344CB8AC3E}">
@@ -8029,14 +11767,14 @@
       </p:grpSpPr>
       <p:sp>
         <p:nvSpPr>
-          <p:cNvPr id="9" name="正方形/長方形 8"/>
+          <p:cNvPr id="8" name="正方形/長方形 7"/>
           <p:cNvSpPr/>
           <p:nvPr/>
         </p:nvSpPr>
         <p:spPr>
           <a:xfrm>
-            <a:off x="2097718" y="4592001"/>
-            <a:ext cx="8428711" cy="907893"/>
+            <a:off x="304791" y="1048269"/>
+            <a:ext cx="11164345" cy="1109824"/>
           </a:xfrm>
           <a:prstGeom prst="rect">
             <a:avLst/>
@@ -8071,20 +11809,24 @@
           <a:lstStyle/>
           <a:p>
             <a:pPr algn="ctr"/>
-            <a:endParaRPr kumimoji="1" lang="ja-JP" altLang="en-US" dirty="0"/>
-          </a:p>
-        </p:txBody>
-      </p:sp>
-      <p:sp>
-        <p:nvSpPr>
-          <p:cNvPr id="8" name="正方形/長方形 7"/>
+            <a:endParaRPr kumimoji="1" lang="ja-JP" altLang="en-US" dirty="0">
+              <a:solidFill>
+                <a:schemeClr val="tx1"/>
+              </a:solidFill>
+            </a:endParaRPr>
+          </a:p>
+        </p:txBody>
+      </p:sp>
+      <p:sp>
+        <p:nvSpPr>
+          <p:cNvPr id="7" name="正方形/長方形 6"/>
           <p:cNvSpPr/>
           <p:nvPr/>
         </p:nvSpPr>
         <p:spPr>
           <a:xfrm>
-            <a:off x="0" y="1108982"/>
-            <a:ext cx="12192000" cy="2808091"/>
+            <a:off x="0" y="-32606"/>
+            <a:ext cx="12192000" cy="1015663"/>
           </a:xfrm>
           <a:prstGeom prst="rect">
             <a:avLst/>
@@ -8125,14 +11867,50 @@
       </p:sp>
       <p:sp>
         <p:nvSpPr>
-          <p:cNvPr id="7" name="正方形/長方形 6"/>
+          <p:cNvPr id="3" name="テキスト ボックス 2"/>
+          <p:cNvSpPr txBox="1"/>
+          <p:nvPr/>
+        </p:nvSpPr>
+        <p:spPr>
+          <a:xfrm>
+            <a:off x="0" y="0"/>
+            <a:ext cx="7984901" cy="1015663"/>
+          </a:xfrm>
+          <a:prstGeom prst="rect">
+            <a:avLst/>
+          </a:prstGeom>
+          <a:noFill/>
+        </p:spPr>
+        <p:txBody>
+          <a:bodyPr wrap="square" rtlCol="0">
+            <a:spAutoFit/>
+          </a:bodyPr>
+          <a:lstStyle/>
+          <a:p>
+            <a:r>
+              <a:rPr kumimoji="1" lang="ja-JP" altLang="en-US" sz="6000" b="1" dirty="0" smtClean="0">
+                <a:latin typeface="ＭＳ ゴシック" panose="020B0609070205080204" pitchFamily="49" charset="-128"/>
+                <a:ea typeface="ＭＳ ゴシック" panose="020B0609070205080204" pitchFamily="49" charset="-128"/>
+              </a:rPr>
+              <a:t>ゲームシステム</a:t>
+            </a:r>
+            <a:endParaRPr kumimoji="1" lang="ja-JP" altLang="en-US" sz="6000" b="1" dirty="0">
+              <a:latin typeface="ＭＳ ゴシック" panose="020B0609070205080204" pitchFamily="49" charset="-128"/>
+              <a:ea typeface="ＭＳ ゴシック" panose="020B0609070205080204" pitchFamily="49" charset="-128"/>
+            </a:endParaRPr>
+          </a:p>
+        </p:txBody>
+      </p:sp>
+      <p:sp>
+        <p:nvSpPr>
+          <p:cNvPr id="10" name="正方形/長方形 9"/>
           <p:cNvSpPr/>
           <p:nvPr/>
         </p:nvSpPr>
         <p:spPr>
           <a:xfrm>
-            <a:off x="0" y="-32606"/>
-            <a:ext cx="12192000" cy="1015663"/>
+            <a:off x="304791" y="2524534"/>
+            <a:ext cx="11164345" cy="4155909"/>
           </a:xfrm>
           <a:prstGeom prst="rect">
             <a:avLst/>
@@ -8167,20 +11945,24 @@
           <a:lstStyle/>
           <a:p>
             <a:pPr algn="ctr"/>
-            <a:endParaRPr kumimoji="1" lang="ja-JP" altLang="en-US" dirty="0"/>
-          </a:p>
-        </p:txBody>
-      </p:sp>
-      <p:sp>
-        <p:nvSpPr>
-          <p:cNvPr id="2" name="テキスト ボックス 1"/>
+            <a:endParaRPr kumimoji="1" lang="ja-JP" altLang="en-US" dirty="0">
+              <a:solidFill>
+                <a:schemeClr val="tx1"/>
+              </a:solidFill>
+            </a:endParaRPr>
+          </a:p>
+        </p:txBody>
+      </p:sp>
+      <p:sp>
+        <p:nvSpPr>
+          <p:cNvPr id="22" name="テキスト ボックス 21"/>
           <p:cNvSpPr txBox="1"/>
           <p:nvPr/>
         </p:nvSpPr>
         <p:spPr>
           <a:xfrm>
-            <a:off x="0" y="1105814"/>
-            <a:ext cx="13303875" cy="584775"/>
+            <a:off x="1739697" y="1064572"/>
+            <a:ext cx="10264012" cy="584775"/>
           </a:xfrm>
           <a:prstGeom prst="rect">
             <a:avLst/>
@@ -8193,250 +11975,418 @@
           </a:bodyPr>
           <a:lstStyle/>
           <a:p>
-            <a:r>
-              <a:rPr lang="ja-JP" altLang="en-US" sz="2800" b="1" dirty="0" smtClean="0">
-                <a:latin typeface="ＭＳ ゴシック" panose="020B0609070205080204" pitchFamily="49" charset="-128"/>
-                <a:ea typeface="ＭＳ ゴシック" panose="020B0609070205080204" pitchFamily="49" charset="-128"/>
-              </a:rPr>
-              <a:t>掴んだ商品は投げつけることで他のプレイヤーを妨害することができる</a:t>
-            </a:r>
+            <a:endParaRPr lang="en-US" altLang="ja-JP" sz="3200" b="1" dirty="0">
+              <a:latin typeface="ＭＳ ゴシック" panose="020B0609070205080204" pitchFamily="49" charset="-128"/>
+              <a:ea typeface="ＭＳ ゴシック" panose="020B0609070205080204" pitchFamily="49" charset="-128"/>
+            </a:endParaRPr>
+          </a:p>
+        </p:txBody>
+      </p:sp>
+      <p:pic>
+        <p:nvPicPr>
+          <p:cNvPr id="4" name="図 3"/>
+          <p:cNvPicPr>
+            <a:picLocks noChangeAspect="1"/>
+          </p:cNvPicPr>
+          <p:nvPr/>
+        </p:nvPicPr>
+        <p:blipFill>
+          <a:blip r:embed="rId2">
+            <a:extLst>
+              <a:ext uri="{28A0092B-C50C-407E-A947-70E740481C1C}">
+                <a14:useLocalDpi xmlns:a14="http://schemas.microsoft.com/office/drawing/2010/main" val="0"/>
+              </a:ext>
+            </a:extLst>
+          </a:blip>
+          <a:stretch>
+            <a:fillRect/>
+          </a:stretch>
+        </p:blipFill>
+        <p:spPr>
+          <a:xfrm>
+            <a:off x="2653417" y="4443545"/>
+            <a:ext cx="1265511" cy="1117868"/>
+          </a:xfrm>
+          <a:prstGeom prst="rect">
+            <a:avLst/>
+          </a:prstGeom>
+        </p:spPr>
+      </p:pic>
+      <p:pic>
+        <p:nvPicPr>
+          <p:cNvPr id="11" name="図 10"/>
+          <p:cNvPicPr>
+            <a:picLocks noChangeAspect="1"/>
+          </p:cNvPicPr>
+          <p:nvPr/>
+        </p:nvPicPr>
+        <p:blipFill>
+          <a:blip r:embed="rId3" cstate="print">
+            <a:extLst>
+              <a:ext uri="{28A0092B-C50C-407E-A947-70E740481C1C}">
+                <a14:useLocalDpi xmlns:a14="http://schemas.microsoft.com/office/drawing/2010/main" val="0"/>
+              </a:ext>
+            </a:extLst>
+          </a:blip>
+          <a:stretch>
+            <a:fillRect/>
+          </a:stretch>
+        </p:blipFill>
+        <p:spPr>
+          <a:xfrm flipH="1">
+            <a:off x="2095477" y="4554705"/>
+            <a:ext cx="1792142" cy="1662548"/>
+          </a:xfrm>
+          <a:prstGeom prst="rect">
+            <a:avLst/>
+          </a:prstGeom>
+        </p:spPr>
+      </p:pic>
+      <p:sp>
+        <p:nvSpPr>
+          <p:cNvPr id="5" name="右矢印 4"/>
+          <p:cNvSpPr/>
+          <p:nvPr/>
+        </p:nvSpPr>
+        <p:spPr>
+          <a:xfrm>
+            <a:off x="5369348" y="3553316"/>
+            <a:ext cx="1790686" cy="1832663"/>
+          </a:xfrm>
+          <a:prstGeom prst="rightArrow">
+            <a:avLst/>
+          </a:prstGeom>
+        </p:spPr>
+        <p:style>
+          <a:lnRef idx="2">
+            <a:schemeClr val="accent1">
+              <a:shade val="50000"/>
+            </a:schemeClr>
+          </a:lnRef>
+          <a:fillRef idx="1">
+            <a:schemeClr val="accent1"/>
+          </a:fillRef>
+          <a:effectRef idx="0">
+            <a:schemeClr val="accent1"/>
+          </a:effectRef>
+          <a:fontRef idx="minor">
+            <a:schemeClr val="lt1"/>
+          </a:fontRef>
+        </p:style>
+        <p:txBody>
+          <a:bodyPr rtlCol="0" anchor="ctr"/>
+          <a:lstStyle/>
+          <a:p>
+            <a:pPr algn="ctr"/>
+            <a:endParaRPr kumimoji="1" lang="ja-JP" altLang="en-US"/>
+          </a:p>
+        </p:txBody>
+      </p:sp>
+      <p:pic>
+        <p:nvPicPr>
+          <p:cNvPr id="23" name="図 22"/>
+          <p:cNvPicPr>
+            <a:picLocks noChangeAspect="1"/>
+          </p:cNvPicPr>
+          <p:nvPr/>
+        </p:nvPicPr>
+        <p:blipFill>
+          <a:blip r:embed="rId3" cstate="print">
+            <a:duotone>
+              <a:schemeClr val="accent2">
+                <a:shade val="45000"/>
+                <a:satMod val="135000"/>
+              </a:schemeClr>
+              <a:prstClr val="white"/>
+            </a:duotone>
+            <a:extLst>
+              <a:ext uri="{28A0092B-C50C-407E-A947-70E740481C1C}">
+                <a14:useLocalDpi xmlns:a14="http://schemas.microsoft.com/office/drawing/2010/main" val="0"/>
+              </a:ext>
+            </a:extLst>
+          </a:blip>
+          <a:stretch>
+            <a:fillRect/>
+          </a:stretch>
+        </p:blipFill>
+        <p:spPr>
+          <a:xfrm flipH="1">
+            <a:off x="7723004" y="2780997"/>
+            <a:ext cx="1636888" cy="1662548"/>
+          </a:xfrm>
+          <a:prstGeom prst="rect">
+            <a:avLst/>
+          </a:prstGeom>
+        </p:spPr>
+      </p:pic>
+      <p:pic>
+        <p:nvPicPr>
+          <p:cNvPr id="24" name="図 23"/>
+          <p:cNvPicPr>
+            <a:picLocks noChangeAspect="1"/>
+          </p:cNvPicPr>
+          <p:nvPr/>
+        </p:nvPicPr>
+        <p:blipFill>
+          <a:blip r:embed="rId2">
+            <a:extLst>
+              <a:ext uri="{28A0092B-C50C-407E-A947-70E740481C1C}">
+                <a14:useLocalDpi xmlns:a14="http://schemas.microsoft.com/office/drawing/2010/main" val="0"/>
+              </a:ext>
+            </a:extLst>
+          </a:blip>
+          <a:stretch>
+            <a:fillRect/>
+          </a:stretch>
+        </p:blipFill>
+        <p:spPr>
+          <a:xfrm>
+            <a:off x="8172008" y="2769324"/>
+            <a:ext cx="1265511" cy="1117868"/>
+          </a:xfrm>
+          <a:prstGeom prst="rect">
+            <a:avLst/>
+          </a:prstGeom>
+        </p:spPr>
+      </p:pic>
+      <p:pic>
+        <p:nvPicPr>
+          <p:cNvPr id="25" name="図 24"/>
+          <p:cNvPicPr>
+            <a:picLocks noChangeAspect="1"/>
+          </p:cNvPicPr>
+          <p:nvPr/>
+        </p:nvPicPr>
+        <p:blipFill>
+          <a:blip r:embed="rId3" cstate="print">
+            <a:extLst>
+              <a:ext uri="{28A0092B-C50C-407E-A947-70E740481C1C}">
+                <a14:useLocalDpi xmlns:a14="http://schemas.microsoft.com/office/drawing/2010/main" val="0"/>
+              </a:ext>
+            </a:extLst>
+          </a:blip>
+          <a:stretch>
+            <a:fillRect/>
+          </a:stretch>
+        </p:blipFill>
+        <p:spPr>
+          <a:xfrm flipH="1">
+            <a:off x="7778894" y="4443545"/>
+            <a:ext cx="1792142" cy="1662548"/>
+          </a:xfrm>
+          <a:prstGeom prst="rect">
+            <a:avLst/>
+          </a:prstGeom>
+        </p:spPr>
+      </p:pic>
+      <p:sp>
+        <p:nvSpPr>
+          <p:cNvPr id="6" name="上カーブ矢印 5"/>
+          <p:cNvSpPr/>
+          <p:nvPr/>
+        </p:nvSpPr>
+        <p:spPr>
+          <a:xfrm rot="15846648">
+            <a:off x="8928262" y="3860432"/>
+            <a:ext cx="2071777" cy="1004358"/>
+          </a:xfrm>
+          <a:prstGeom prst="curvedUpArrow">
+            <a:avLst/>
+          </a:prstGeom>
+        </p:spPr>
+        <p:style>
+          <a:lnRef idx="2">
+            <a:schemeClr val="accent1">
+              <a:shade val="50000"/>
+            </a:schemeClr>
+          </a:lnRef>
+          <a:fillRef idx="1">
+            <a:schemeClr val="accent1"/>
+          </a:fillRef>
+          <a:effectRef idx="0">
+            <a:schemeClr val="accent1"/>
+          </a:effectRef>
+          <a:fontRef idx="minor">
+            <a:schemeClr val="lt1"/>
+          </a:fontRef>
+        </p:style>
+        <p:txBody>
+          <a:bodyPr rtlCol="0" anchor="ctr"/>
+          <a:lstStyle/>
+          <a:p>
+            <a:pPr algn="ctr"/>
+            <a:endParaRPr kumimoji="1" lang="ja-JP" altLang="en-US">
+              <a:solidFill>
+                <a:schemeClr val="tx1"/>
+              </a:solidFill>
+            </a:endParaRPr>
+          </a:p>
+        </p:txBody>
+      </p:sp>
+      <p:sp>
+        <p:nvSpPr>
+          <p:cNvPr id="26" name="テキスト ボックス 25"/>
+          <p:cNvSpPr txBox="1"/>
+          <p:nvPr/>
+        </p:nvSpPr>
+        <p:spPr>
+          <a:xfrm>
+            <a:off x="1739697" y="1064572"/>
+            <a:ext cx="10264012" cy="1077218"/>
+          </a:xfrm>
+          <a:prstGeom prst="rect">
+            <a:avLst/>
+          </a:prstGeom>
+          <a:noFill/>
+        </p:spPr>
+        <p:txBody>
+          <a:bodyPr wrap="square" rtlCol="0">
+            <a:spAutoFit/>
+          </a:bodyPr>
+          <a:lstStyle/>
+          <a:p>
             <a:r>
               <a:rPr lang="ja-JP" altLang="en-US" sz="3200" b="1" dirty="0" smtClean="0">
                 <a:latin typeface="ＭＳ ゴシック" panose="020B0609070205080204" pitchFamily="49" charset="-128"/>
                 <a:ea typeface="ＭＳ ゴシック" panose="020B0609070205080204" pitchFamily="49" charset="-128"/>
               </a:rPr>
-              <a:t>。</a:t>
+              <a:t>カートを持った客にかごを投げつけることで</a:t>
             </a:r>
             <a:endParaRPr lang="en-US" altLang="ja-JP" sz="3200" b="1" dirty="0" smtClean="0">
               <a:latin typeface="ＭＳ ゴシック" panose="020B0609070205080204" pitchFamily="49" charset="-128"/>
               <a:ea typeface="ＭＳ ゴシック" panose="020B0609070205080204" pitchFamily="49" charset="-128"/>
             </a:endParaRPr>
           </a:p>
-        </p:txBody>
-      </p:sp>
-      <p:sp>
-        <p:nvSpPr>
-          <p:cNvPr id="3" name="テキスト ボックス 2"/>
-          <p:cNvSpPr txBox="1"/>
-          <p:nvPr/>
-        </p:nvSpPr>
-        <p:spPr>
-          <a:xfrm>
-            <a:off x="0" y="0"/>
-            <a:ext cx="7984901" cy="1015663"/>
-          </a:xfrm>
-          <a:prstGeom prst="rect">
-            <a:avLst/>
-          </a:prstGeom>
-          <a:noFill/>
-        </p:spPr>
-        <p:txBody>
-          <a:bodyPr wrap="square" rtlCol="0">
-            <a:spAutoFit/>
-          </a:bodyPr>
-          <a:lstStyle/>
-          <a:p>
-            <a:r>
-              <a:rPr kumimoji="1" lang="ja-JP" altLang="en-US" sz="6000" b="1" dirty="0" smtClean="0">
-                <a:latin typeface="ＭＳ ゴシック" panose="020B0609070205080204" pitchFamily="49" charset="-128"/>
-                <a:ea typeface="ＭＳ ゴシック" panose="020B0609070205080204" pitchFamily="49" charset="-128"/>
-              </a:rPr>
-              <a:t>ゲームシステム</a:t>
-            </a:r>
-            <a:endParaRPr kumimoji="1" lang="ja-JP" altLang="en-US" sz="6000" b="1" dirty="0">
-              <a:latin typeface="ＭＳ ゴシック" panose="020B0609070205080204" pitchFamily="49" charset="-128"/>
-              <a:ea typeface="ＭＳ ゴシック" panose="020B0609070205080204" pitchFamily="49" charset="-128"/>
-            </a:endParaRPr>
-          </a:p>
-        </p:txBody>
-      </p:sp>
-      <p:sp>
-        <p:nvSpPr>
-          <p:cNvPr id="4" name="テキスト ボックス 3"/>
-          <p:cNvSpPr txBox="1"/>
-          <p:nvPr/>
-        </p:nvSpPr>
-        <p:spPr>
-          <a:xfrm>
-            <a:off x="875763" y="1883773"/>
-            <a:ext cx="6387921" cy="584775"/>
-          </a:xfrm>
-          <a:prstGeom prst="rect">
-            <a:avLst/>
-          </a:prstGeom>
-          <a:noFill/>
-        </p:spPr>
-        <p:txBody>
-          <a:bodyPr wrap="square" rtlCol="0">
-            <a:spAutoFit/>
-          </a:bodyPr>
-          <a:lstStyle/>
           <a:p>
             <a:r>
               <a:rPr lang="ja-JP" altLang="en-US" sz="3200" b="1" dirty="0" smtClean="0">
                 <a:latin typeface="ＭＳ ゴシック" panose="020B0609070205080204" pitchFamily="49" charset="-128"/>
                 <a:ea typeface="ＭＳ ゴシック" panose="020B0609070205080204" pitchFamily="49" charset="-128"/>
               </a:rPr>
-              <a:t>肉</a:t>
-            </a:r>
-            <a:r>
-              <a:rPr lang="en-US" altLang="ja-JP" sz="3200" b="1" dirty="0" smtClean="0">
-                <a:latin typeface="ＭＳ ゴシック" panose="020B0609070205080204" pitchFamily="49" charset="-128"/>
-                <a:ea typeface="ＭＳ ゴシック" panose="020B0609070205080204" pitchFamily="49" charset="-128"/>
-              </a:rPr>
-              <a:t>…</a:t>
-            </a:r>
-            <a:r>
-              <a:rPr lang="ja-JP" altLang="en-US" sz="3200" b="1" dirty="0" smtClean="0">
-                <a:latin typeface="ＭＳ ゴシック" panose="020B0609070205080204" pitchFamily="49" charset="-128"/>
-                <a:ea typeface="ＭＳ ゴシック" panose="020B0609070205080204" pitchFamily="49" charset="-128"/>
-              </a:rPr>
-              <a:t>踏んだプレイヤーは遅くなる</a:t>
-            </a:r>
-            <a:endParaRPr lang="en-US" altLang="ja-JP" sz="3200" b="1" dirty="0" smtClean="0">
+              <a:t>カートをジャックする！</a:t>
+            </a:r>
+            <a:endParaRPr lang="en-US" altLang="ja-JP" sz="3200" b="1" dirty="0">
               <a:latin typeface="ＭＳ ゴシック" panose="020B0609070205080204" pitchFamily="49" charset="-128"/>
               <a:ea typeface="ＭＳ ゴシック" panose="020B0609070205080204" pitchFamily="49" charset="-128"/>
             </a:endParaRPr>
           </a:p>
         </p:txBody>
       </p:sp>
-      <p:sp>
-        <p:nvSpPr>
-          <p:cNvPr id="5" name="テキスト ボックス 4"/>
-          <p:cNvSpPr txBox="1"/>
-          <p:nvPr/>
-        </p:nvSpPr>
-        <p:spPr>
-          <a:xfrm>
-            <a:off x="875763" y="2365517"/>
-            <a:ext cx="9852339" cy="1569660"/>
-          </a:xfrm>
-          <a:prstGeom prst="rect">
-            <a:avLst/>
-          </a:prstGeom>
-          <a:noFill/>
-        </p:spPr>
-        <p:txBody>
-          <a:bodyPr wrap="square" rtlCol="0">
-            <a:spAutoFit/>
-          </a:bodyPr>
-          <a:lstStyle/>
-          <a:p>
-            <a:r>
-              <a:rPr lang="ja-JP" altLang="en-US" sz="3200" b="1" dirty="0" smtClean="0">
-                <a:latin typeface="ＭＳ ゴシック" panose="020B0609070205080204" pitchFamily="49" charset="-128"/>
-                <a:ea typeface="ＭＳ ゴシック" panose="020B0609070205080204" pitchFamily="49" charset="-128"/>
-              </a:rPr>
-              <a:t>水</a:t>
-            </a:r>
-            <a:r>
-              <a:rPr lang="en-US" altLang="ja-JP" sz="3200" b="1" dirty="0" smtClean="0">
-                <a:latin typeface="ＭＳ ゴシック" panose="020B0609070205080204" pitchFamily="49" charset="-128"/>
-                <a:ea typeface="ＭＳ ゴシック" panose="020B0609070205080204" pitchFamily="49" charset="-128"/>
-              </a:rPr>
-              <a:t>…</a:t>
-            </a:r>
-            <a:r>
-              <a:rPr lang="ja-JP" altLang="en-US" sz="3200" b="1" dirty="0" smtClean="0">
-                <a:latin typeface="ＭＳ ゴシック" panose="020B0609070205080204" pitchFamily="49" charset="-128"/>
-                <a:ea typeface="ＭＳ ゴシック" panose="020B0609070205080204" pitchFamily="49" charset="-128"/>
-              </a:rPr>
-              <a:t>踏んだプレイヤーをスリップさせる</a:t>
-            </a:r>
-            <a:endParaRPr lang="en-US" altLang="ja-JP" sz="3200" b="1" dirty="0" smtClean="0">
-              <a:latin typeface="ＭＳ ゴシック" panose="020B0609070205080204" pitchFamily="49" charset="-128"/>
-              <a:ea typeface="ＭＳ ゴシック" panose="020B0609070205080204" pitchFamily="49" charset="-128"/>
-            </a:endParaRPr>
-          </a:p>
-          <a:p>
-            <a:r>
-              <a:rPr lang="ja-JP" altLang="en-US" sz="3200" b="1" dirty="0" smtClean="0">
-                <a:latin typeface="ＭＳ ゴシック" panose="020B0609070205080204" pitchFamily="49" charset="-128"/>
-                <a:ea typeface="ＭＳ ゴシック" panose="020B0609070205080204" pitchFamily="49" charset="-128"/>
-              </a:rPr>
-              <a:t>粉</a:t>
-            </a:r>
-            <a:r>
-              <a:rPr lang="en-US" altLang="ja-JP" sz="3200" b="1" dirty="0" smtClean="0">
-                <a:latin typeface="ＭＳ ゴシック" panose="020B0609070205080204" pitchFamily="49" charset="-128"/>
-                <a:ea typeface="ＭＳ ゴシック" panose="020B0609070205080204" pitchFamily="49" charset="-128"/>
-              </a:rPr>
-              <a:t>…</a:t>
-            </a:r>
-            <a:r>
-              <a:rPr lang="ja-JP" altLang="en-US" sz="3200" b="1" dirty="0" smtClean="0">
-                <a:latin typeface="ＭＳ ゴシック" panose="020B0609070205080204" pitchFamily="49" charset="-128"/>
-                <a:ea typeface="ＭＳ ゴシック" panose="020B0609070205080204" pitchFamily="49" charset="-128"/>
-              </a:rPr>
-              <a:t>プレイヤー全体の視界を悪くする</a:t>
-            </a:r>
-            <a:endParaRPr lang="en-US" altLang="ja-JP" sz="3200" b="1" dirty="0" smtClean="0">
-              <a:latin typeface="ＭＳ ゴシック" panose="020B0609070205080204" pitchFamily="49" charset="-128"/>
-              <a:ea typeface="ＭＳ ゴシック" panose="020B0609070205080204" pitchFamily="49" charset="-128"/>
-            </a:endParaRPr>
-          </a:p>
-          <a:p>
-            <a:r>
-              <a:rPr lang="ja-JP" altLang="en-US" sz="3200" b="1" dirty="0">
-                <a:latin typeface="ＭＳ ゴシック" panose="020B0609070205080204" pitchFamily="49" charset="-128"/>
-                <a:ea typeface="ＭＳ ゴシック" panose="020B0609070205080204" pitchFamily="49" charset="-128"/>
-              </a:rPr>
-              <a:t>　</a:t>
-            </a:r>
-            <a:r>
-              <a:rPr lang="ja-JP" altLang="en-US" sz="3200" b="1" dirty="0" smtClean="0">
-                <a:latin typeface="ＭＳ ゴシック" panose="020B0609070205080204" pitchFamily="49" charset="-128"/>
-                <a:ea typeface="ＭＳ ゴシック" panose="020B0609070205080204" pitchFamily="49" charset="-128"/>
-              </a:rPr>
-              <a:t>　　　　　　　　　　　　　　　　　　など</a:t>
-            </a:r>
-            <a:endParaRPr lang="en-US" altLang="ja-JP" sz="3200" b="1" dirty="0" smtClean="0">
-              <a:latin typeface="ＭＳ ゴシック" panose="020B0609070205080204" pitchFamily="49" charset="-128"/>
-              <a:ea typeface="ＭＳ ゴシック" panose="020B0609070205080204" pitchFamily="49" charset="-128"/>
-            </a:endParaRPr>
-          </a:p>
-        </p:txBody>
-      </p:sp>
-      <p:sp>
-        <p:nvSpPr>
-          <p:cNvPr id="6" name="テキスト ボックス 5"/>
-          <p:cNvSpPr txBox="1"/>
-          <p:nvPr/>
-        </p:nvSpPr>
-        <p:spPr>
-          <a:xfrm>
-            <a:off x="2097718" y="4753559"/>
-            <a:ext cx="9852339" cy="584775"/>
-          </a:xfrm>
-          <a:prstGeom prst="rect">
-            <a:avLst/>
-          </a:prstGeom>
-          <a:noFill/>
-        </p:spPr>
-        <p:txBody>
-          <a:bodyPr wrap="square" rtlCol="0">
-            <a:spAutoFit/>
-          </a:bodyPr>
-          <a:lstStyle/>
-          <a:p>
-            <a:r>
-              <a:rPr lang="ja-JP" altLang="en-US" sz="3200" b="1" dirty="0" smtClean="0">
-                <a:latin typeface="ＭＳ ゴシック" panose="020B0609070205080204" pitchFamily="49" charset="-128"/>
-                <a:ea typeface="ＭＳ ゴシック" panose="020B0609070205080204" pitchFamily="49" charset="-128"/>
-              </a:rPr>
-              <a:t>かごに入れることでポイントとしても使える</a:t>
-            </a:r>
-            <a:endParaRPr lang="en-US" altLang="ja-JP" sz="3200" b="1" dirty="0" smtClean="0">
-              <a:latin typeface="ＭＳ ゴシック" panose="020B0609070205080204" pitchFamily="49" charset="-128"/>
-              <a:ea typeface="ＭＳ ゴシック" panose="020B0609070205080204" pitchFamily="49" charset="-128"/>
-            </a:endParaRPr>
-          </a:p>
-        </p:txBody>
-      </p:sp>
+      <p:pic>
+        <p:nvPicPr>
+          <p:cNvPr id="29" name="図 28"/>
+          <p:cNvPicPr>
+            <a:picLocks noChangeAspect="1"/>
+          </p:cNvPicPr>
+          <p:nvPr/>
+        </p:nvPicPr>
+        <p:blipFill>
+          <a:blip r:embed="rId2">
+            <a:duotone>
+              <a:schemeClr val="accent2">
+                <a:shade val="45000"/>
+                <a:satMod val="135000"/>
+              </a:schemeClr>
+              <a:prstClr val="white"/>
+            </a:duotone>
+            <a:extLst>
+              <a:ext uri="{28A0092B-C50C-407E-A947-70E740481C1C}">
+                <a14:useLocalDpi xmlns:a14="http://schemas.microsoft.com/office/drawing/2010/main" val="0"/>
+              </a:ext>
+            </a:extLst>
+          </a:blip>
+          <a:stretch>
+            <a:fillRect/>
+          </a:stretch>
+        </p:blipFill>
+        <p:spPr>
+          <a:xfrm>
+            <a:off x="2531315" y="2524534"/>
+            <a:ext cx="1265511" cy="1117868"/>
+          </a:xfrm>
+          <a:prstGeom prst="rect">
+            <a:avLst/>
+          </a:prstGeom>
+        </p:spPr>
+      </p:pic>
+      <p:pic>
+        <p:nvPicPr>
+          <p:cNvPr id="21" name="図 20"/>
+          <p:cNvPicPr>
+            <a:picLocks noChangeAspect="1"/>
+          </p:cNvPicPr>
+          <p:nvPr/>
+        </p:nvPicPr>
+        <p:blipFill>
+          <a:blip r:embed="rId3" cstate="print">
+            <a:duotone>
+              <a:schemeClr val="accent2">
+                <a:shade val="45000"/>
+                <a:satMod val="135000"/>
+              </a:schemeClr>
+              <a:prstClr val="white"/>
+            </a:duotone>
+            <a:extLst>
+              <a:ext uri="{28A0092B-C50C-407E-A947-70E740481C1C}">
+                <a14:useLocalDpi xmlns:a14="http://schemas.microsoft.com/office/drawing/2010/main" val="0"/>
+              </a:ext>
+            </a:extLst>
+          </a:blip>
+          <a:stretch>
+            <a:fillRect/>
+          </a:stretch>
+        </p:blipFill>
+        <p:spPr>
+          <a:xfrm flipH="1">
+            <a:off x="2062030" y="2603707"/>
+            <a:ext cx="1724521" cy="1662548"/>
+          </a:xfrm>
+          <a:prstGeom prst="rect">
+            <a:avLst/>
+          </a:prstGeom>
+        </p:spPr>
+      </p:pic>
+      <p:pic>
+        <p:nvPicPr>
+          <p:cNvPr id="30" name="図 29"/>
+          <p:cNvPicPr>
+            <a:picLocks noChangeAspect="1"/>
+          </p:cNvPicPr>
+          <p:nvPr/>
+        </p:nvPicPr>
+        <p:blipFill>
+          <a:blip r:embed="rId2">
+            <a:duotone>
+              <a:schemeClr val="accent2">
+                <a:shade val="45000"/>
+                <a:satMod val="135000"/>
+              </a:schemeClr>
+              <a:prstClr val="white"/>
+            </a:duotone>
+            <a:extLst>
+              <a:ext uri="{28A0092B-C50C-407E-A947-70E740481C1C}">
+                <a14:useLocalDpi xmlns:a14="http://schemas.microsoft.com/office/drawing/2010/main" val="0"/>
+              </a:ext>
+            </a:extLst>
+          </a:blip>
+          <a:stretch>
+            <a:fillRect/>
+          </a:stretch>
+        </p:blipFill>
+        <p:spPr>
+          <a:xfrm rot="13998134">
+            <a:off x="6458221" y="2752961"/>
+            <a:ext cx="1265511" cy="1117868"/>
+          </a:xfrm>
+          <a:prstGeom prst="rect">
+            <a:avLst/>
+          </a:prstGeom>
+        </p:spPr>
+      </p:pic>
     </p:spTree>
     <p:extLst>
       <p:ext uri="{BB962C8B-B14F-4D97-AF65-F5344CB8AC3E}">
-        <p14:creationId xmlns:p14="http://schemas.microsoft.com/office/powerpoint/2010/main" val="2530205816"/>
+        <p14:creationId xmlns:p14="http://schemas.microsoft.com/office/powerpoint/2010/main" val="1666838514"/>
       </p:ext>
     </p:extLst>
   </p:cSld>
@@ -8465,14 +12415,14 @@
       </p:grpSpPr>
       <p:sp>
         <p:nvSpPr>
-          <p:cNvPr id="16" name="正方形/長方形 15"/>
+          <p:cNvPr id="8" name="正方形/長方形 7"/>
           <p:cNvSpPr/>
           <p:nvPr/>
         </p:nvSpPr>
         <p:spPr>
           <a:xfrm>
-            <a:off x="0" y="5471711"/>
-            <a:ext cx="12192000" cy="1015663"/>
+            <a:off x="304791" y="1048269"/>
+            <a:ext cx="11164345" cy="1109824"/>
           </a:xfrm>
           <a:prstGeom prst="rect">
             <a:avLst/>
@@ -8507,20 +12457,24 @@
           <a:lstStyle/>
           <a:p>
             <a:pPr algn="ctr"/>
-            <a:endParaRPr kumimoji="1" lang="ja-JP" altLang="en-US" dirty="0"/>
-          </a:p>
-        </p:txBody>
-      </p:sp>
-      <p:sp>
-        <p:nvSpPr>
-          <p:cNvPr id="11" name="正方形/長方形 10"/>
+            <a:endParaRPr kumimoji="1" lang="ja-JP" altLang="en-US" dirty="0">
+              <a:solidFill>
+                <a:schemeClr val="tx1"/>
+              </a:solidFill>
+            </a:endParaRPr>
+          </a:p>
+        </p:txBody>
+      </p:sp>
+      <p:sp>
+        <p:nvSpPr>
+          <p:cNvPr id="7" name="正方形/長方形 6"/>
           <p:cNvSpPr/>
           <p:nvPr/>
         </p:nvSpPr>
         <p:spPr>
           <a:xfrm>
-            <a:off x="239151" y="1093201"/>
-            <a:ext cx="11495649" cy="691665"/>
+            <a:off x="0" y="-32606"/>
+            <a:ext cx="12192000" cy="1015663"/>
           </a:xfrm>
           <a:prstGeom prst="rect">
             <a:avLst/>
@@ -8561,14 +12515,50 @@
       </p:sp>
       <p:sp>
         <p:nvSpPr>
-          <p:cNvPr id="6" name="正方形/長方形 5"/>
+          <p:cNvPr id="3" name="テキスト ボックス 2"/>
+          <p:cNvSpPr txBox="1"/>
+          <p:nvPr/>
+        </p:nvSpPr>
+        <p:spPr>
+          <a:xfrm>
+            <a:off x="0" y="0"/>
+            <a:ext cx="7984901" cy="1015663"/>
+          </a:xfrm>
+          <a:prstGeom prst="rect">
+            <a:avLst/>
+          </a:prstGeom>
+          <a:noFill/>
+        </p:spPr>
+        <p:txBody>
+          <a:bodyPr wrap="square" rtlCol="0">
+            <a:spAutoFit/>
+          </a:bodyPr>
+          <a:lstStyle/>
+          <a:p>
+            <a:r>
+              <a:rPr kumimoji="1" lang="ja-JP" altLang="en-US" sz="6000" b="1" dirty="0" smtClean="0">
+                <a:latin typeface="ＭＳ ゴシック" panose="020B0609070205080204" pitchFamily="49" charset="-128"/>
+                <a:ea typeface="ＭＳ ゴシック" panose="020B0609070205080204" pitchFamily="49" charset="-128"/>
+              </a:rPr>
+              <a:t>ゲームシステム</a:t>
+            </a:r>
+            <a:endParaRPr kumimoji="1" lang="ja-JP" altLang="en-US" sz="6000" b="1" dirty="0">
+              <a:latin typeface="ＭＳ ゴシック" panose="020B0609070205080204" pitchFamily="49" charset="-128"/>
+              <a:ea typeface="ＭＳ ゴシック" panose="020B0609070205080204" pitchFamily="49" charset="-128"/>
+            </a:endParaRPr>
+          </a:p>
+        </p:txBody>
+      </p:sp>
+      <p:sp>
+        <p:nvSpPr>
+          <p:cNvPr id="10" name="正方形/長方形 9"/>
           <p:cNvSpPr/>
           <p:nvPr/>
         </p:nvSpPr>
         <p:spPr>
           <a:xfrm>
-            <a:off x="0" y="-32606"/>
-            <a:ext cx="12192000" cy="1015663"/>
+            <a:off x="339594" y="2496866"/>
+            <a:ext cx="11164345" cy="4155909"/>
           </a:xfrm>
           <a:prstGeom prst="rect">
             <a:avLst/>
@@ -8603,20 +12593,24 @@
           <a:lstStyle/>
           <a:p>
             <a:pPr algn="ctr"/>
-            <a:endParaRPr kumimoji="1" lang="ja-JP" altLang="en-US" dirty="0"/>
-          </a:p>
-        </p:txBody>
-      </p:sp>
-      <p:sp>
-        <p:nvSpPr>
-          <p:cNvPr id="4" name="テキスト ボックス 3"/>
+            <a:endParaRPr kumimoji="1" lang="ja-JP" altLang="en-US" dirty="0">
+              <a:solidFill>
+                <a:schemeClr val="tx1"/>
+              </a:solidFill>
+            </a:endParaRPr>
+          </a:p>
+        </p:txBody>
+      </p:sp>
+      <p:sp>
+        <p:nvSpPr>
+          <p:cNvPr id="22" name="テキスト ボックス 21"/>
           <p:cNvSpPr txBox="1"/>
           <p:nvPr/>
         </p:nvSpPr>
         <p:spPr>
           <a:xfrm>
-            <a:off x="0" y="0"/>
-            <a:ext cx="7984901" cy="1015663"/>
+            <a:off x="1739697" y="1064572"/>
+            <a:ext cx="10264012" cy="584775"/>
           </a:xfrm>
           <a:prstGeom prst="rect">
             <a:avLst/>
@@ -8629,66 +12623,86 @@
           </a:bodyPr>
           <a:lstStyle/>
           <a:p>
-            <a:r>
-              <a:rPr kumimoji="1" lang="ja-JP" altLang="en-US" sz="6000" b="1" dirty="0" smtClean="0">
+            <a:endParaRPr lang="en-US" altLang="ja-JP" sz="3200" b="1" dirty="0">
+              <a:latin typeface="ＭＳ ゴシック" panose="020B0609070205080204" pitchFamily="49" charset="-128"/>
+              <a:ea typeface="ＭＳ ゴシック" panose="020B0609070205080204" pitchFamily="49" charset="-128"/>
+            </a:endParaRPr>
+          </a:p>
+        </p:txBody>
+      </p:sp>
+      <p:sp>
+        <p:nvSpPr>
+          <p:cNvPr id="26" name="テキスト ボックス 25"/>
+          <p:cNvSpPr txBox="1"/>
+          <p:nvPr/>
+        </p:nvSpPr>
+        <p:spPr>
+          <a:xfrm>
+            <a:off x="305955" y="1064572"/>
+            <a:ext cx="10264012" cy="1077218"/>
+          </a:xfrm>
+          <a:prstGeom prst="rect">
+            <a:avLst/>
+          </a:prstGeom>
+          <a:noFill/>
+        </p:spPr>
+        <p:txBody>
+          <a:bodyPr wrap="square" rtlCol="0">
+            <a:spAutoFit/>
+          </a:bodyPr>
+          <a:lstStyle/>
+          <a:p>
+            <a:r>
+              <a:rPr lang="ja-JP" altLang="en-US" sz="3200" b="1" dirty="0">
                 <a:latin typeface="ＭＳ ゴシック" panose="020B0609070205080204" pitchFamily="49" charset="-128"/>
                 <a:ea typeface="ＭＳ ゴシック" panose="020B0609070205080204" pitchFamily="49" charset="-128"/>
               </a:rPr>
-              <a:t>ゲームシステム</a:t>
-            </a:r>
-            <a:endParaRPr kumimoji="1" lang="ja-JP" altLang="en-US" sz="6000" b="1" dirty="0">
-              <a:latin typeface="ＭＳ ゴシック" panose="020B0609070205080204" pitchFamily="49" charset="-128"/>
-              <a:ea typeface="ＭＳ ゴシック" panose="020B0609070205080204" pitchFamily="49" charset="-128"/>
-            </a:endParaRPr>
-          </a:p>
-        </p:txBody>
-      </p:sp>
-      <p:sp>
-        <p:nvSpPr>
-          <p:cNvPr id="5" name="テキスト ボックス 4"/>
-          <p:cNvSpPr txBox="1"/>
-          <p:nvPr/>
-        </p:nvSpPr>
-        <p:spPr>
-          <a:xfrm>
-            <a:off x="239151" y="1146647"/>
-            <a:ext cx="13303875" cy="584775"/>
-          </a:xfrm>
-          <a:prstGeom prst="rect">
-            <a:avLst/>
-          </a:prstGeom>
-          <a:noFill/>
-        </p:spPr>
-        <p:txBody>
-          <a:bodyPr wrap="square" rtlCol="0">
-            <a:spAutoFit/>
-          </a:bodyPr>
-          <a:lstStyle/>
-          <a:p>
+              <a:t>特</a:t>
+            </a:r>
             <a:r>
               <a:rPr lang="ja-JP" altLang="en-US" sz="3200" b="1" dirty="0" smtClean="0">
                 <a:latin typeface="ＭＳ ゴシック" panose="020B0609070205080204" pitchFamily="49" charset="-128"/>
                 <a:ea typeface="ＭＳ ゴシック" panose="020B0609070205080204" pitchFamily="49" charset="-128"/>
               </a:rPr>
-              <a:t>カートを乗り換えて高得点を狙え！</a:t>
+              <a:t>売品のでる時間は決まっている</a:t>
             </a:r>
             <a:endParaRPr lang="en-US" altLang="ja-JP" sz="3200" b="1" dirty="0" smtClean="0">
               <a:latin typeface="ＭＳ ゴシック" panose="020B0609070205080204" pitchFamily="49" charset="-128"/>
               <a:ea typeface="ＭＳ ゴシック" panose="020B0609070205080204" pitchFamily="49" charset="-128"/>
             </a:endParaRPr>
           </a:p>
+          <a:p>
+            <a:r>
+              <a:rPr lang="ja-JP" altLang="en-US" sz="3200" b="1" dirty="0">
+                <a:latin typeface="ＭＳ ゴシック" panose="020B0609070205080204" pitchFamily="49" charset="-128"/>
+                <a:ea typeface="ＭＳ ゴシック" panose="020B0609070205080204" pitchFamily="49" charset="-128"/>
+              </a:rPr>
+              <a:t>特</a:t>
+            </a:r>
+            <a:r>
+              <a:rPr lang="ja-JP" altLang="en-US" sz="3200" b="1" dirty="0" smtClean="0">
+                <a:latin typeface="ＭＳ ゴシック" panose="020B0609070205080204" pitchFamily="49" charset="-128"/>
+                <a:ea typeface="ＭＳ ゴシック" panose="020B0609070205080204" pitchFamily="49" charset="-128"/>
+              </a:rPr>
+              <a:t>売品の時間になるとおばさんたちが集まり始める</a:t>
+            </a:r>
+            <a:endParaRPr lang="en-US" altLang="ja-JP" sz="3200" b="1" dirty="0" smtClean="0">
+              <a:latin typeface="ＭＳ ゴシック" panose="020B0609070205080204" pitchFamily="49" charset="-128"/>
+              <a:ea typeface="ＭＳ ゴシック" panose="020B0609070205080204" pitchFamily="49" charset="-128"/>
+            </a:endParaRPr>
+          </a:p>
         </p:txBody>
       </p:sp>
       <p:pic>
         <p:nvPicPr>
-          <p:cNvPr id="8" name="図 7"/>
+          <p:cNvPr id="2" name="図 1"/>
           <p:cNvPicPr>
             <a:picLocks noChangeAspect="1"/>
           </p:cNvPicPr>
           <p:nvPr/>
         </p:nvPicPr>
         <p:blipFill>
-          <a:blip r:embed="rId2">
+          <a:blip r:embed="rId2" cstate="print">
             <a:extLst>
               <a:ext uri="{28A0092B-C50C-407E-A947-70E740481C1C}">
                 <a14:useLocalDpi xmlns:a14="http://schemas.microsoft.com/office/drawing/2010/main" val="0"/>
@@ -8701,8 +12715,8 @@
         </p:blipFill>
         <p:spPr>
           <a:xfrm>
-            <a:off x="1021797" y="1862404"/>
-            <a:ext cx="2488076" cy="3474967"/>
+            <a:off x="1939580" y="3754717"/>
+            <a:ext cx="2898058" cy="2898058"/>
           </a:xfrm>
           <a:prstGeom prst="rect">
             <a:avLst/>
@@ -8711,14 +12725,14 @@
       </p:pic>
       <p:pic>
         <p:nvPicPr>
-          <p:cNvPr id="9" name="図 8"/>
+          <p:cNvPr id="31" name="図 30"/>
           <p:cNvPicPr>
             <a:picLocks noChangeAspect="1"/>
           </p:cNvPicPr>
           <p:nvPr/>
         </p:nvPicPr>
         <p:blipFill>
-          <a:blip r:embed="rId3">
+          <a:blip r:embed="rId3" cstate="print">
             <a:extLst>
               <a:ext uri="{28A0092B-C50C-407E-A947-70E740481C1C}">
                 <a14:useLocalDpi xmlns:a14="http://schemas.microsoft.com/office/drawing/2010/main" val="0"/>
@@ -8731,59 +12745,24 @@
         </p:blipFill>
         <p:spPr>
           <a:xfrm>
-            <a:off x="8996598" y="2050936"/>
-            <a:ext cx="2992517" cy="3277518"/>
-          </a:xfrm>
-          <a:prstGeom prst="rect">
-            <a:avLst/>
-          </a:prstGeom>
-          <a:ln w="38100">
-            <a:solidFill>
-              <a:schemeClr val="tx1"/>
-            </a:solidFill>
-          </a:ln>
+            <a:off x="7864478" y="4420799"/>
+            <a:ext cx="2555742" cy="2050983"/>
+          </a:xfrm>
+          <a:prstGeom prst="rect">
+            <a:avLst/>
+          </a:prstGeom>
         </p:spPr>
       </p:pic>
-      <p:pic>
-        <p:nvPicPr>
-          <p:cNvPr id="10" name="図 9"/>
-          <p:cNvPicPr>
-            <a:picLocks noChangeAspect="1"/>
-          </p:cNvPicPr>
-          <p:nvPr/>
-        </p:nvPicPr>
-        <p:blipFill>
-          <a:blip r:embed="rId4">
-            <a:extLst>
-              <a:ext uri="{28A0092B-C50C-407E-A947-70E740481C1C}">
-                <a14:useLocalDpi xmlns:a14="http://schemas.microsoft.com/office/drawing/2010/main" val="0"/>
-              </a:ext>
-            </a:extLst>
-          </a:blip>
-          <a:stretch>
-            <a:fillRect/>
-          </a:stretch>
-        </p:blipFill>
-        <p:spPr>
-          <a:xfrm>
-            <a:off x="5247241" y="1838312"/>
-            <a:ext cx="2545959" cy="3455776"/>
-          </a:xfrm>
-          <a:prstGeom prst="rect">
-            <a:avLst/>
-          </a:prstGeom>
-        </p:spPr>
-      </p:pic>
-      <p:sp>
-        <p:nvSpPr>
-          <p:cNvPr id="12" name="テキスト ボックス 11"/>
+      <p:sp>
+        <p:nvSpPr>
+          <p:cNvPr id="32" name="テキスト ボックス 31"/>
           <p:cNvSpPr txBox="1"/>
           <p:nvPr/>
         </p:nvSpPr>
         <p:spPr>
           <a:xfrm>
-            <a:off x="-86064" y="5414909"/>
-            <a:ext cx="4601029" cy="954107"/>
+            <a:off x="548670" y="2587183"/>
+            <a:ext cx="12983689" cy="1077218"/>
           </a:xfrm>
           <a:prstGeom prst="rect">
             <a:avLst/>
@@ -8797,26 +12776,26 @@
           <a:lstStyle/>
           <a:p>
             <a:r>
-              <a:rPr lang="ja-JP" altLang="en-US" sz="2800" b="1" dirty="0" smtClean="0">
+              <a:rPr lang="ja-JP" altLang="en-US" sz="3200" b="1" dirty="0" smtClean="0">
                 <a:latin typeface="ＭＳ ゴシック" panose="020B0609070205080204" pitchFamily="49" charset="-128"/>
                 <a:ea typeface="ＭＳ ゴシック" panose="020B0609070205080204" pitchFamily="49" charset="-128"/>
               </a:rPr>
-              <a:t>重いがたくさん乗せられる</a:t>
-            </a:r>
-            <a:endParaRPr lang="en-US" altLang="ja-JP" sz="2800" b="1" dirty="0" smtClean="0">
+              <a:t>特売品の位置を特定しやすいが、</a:t>
+            </a:r>
+            <a:endParaRPr lang="en-US" altLang="ja-JP" sz="3200" b="1" dirty="0" smtClean="0">
               <a:latin typeface="ＭＳ ゴシック" panose="020B0609070205080204" pitchFamily="49" charset="-128"/>
               <a:ea typeface="ＭＳ ゴシック" panose="020B0609070205080204" pitchFamily="49" charset="-128"/>
             </a:endParaRPr>
           </a:p>
           <a:p>
             <a:r>
-              <a:rPr lang="ja-JP" altLang="en-US" sz="2800" b="1" dirty="0" smtClean="0">
+              <a:rPr lang="ja-JP" altLang="en-US" sz="3200" b="1" dirty="0" smtClean="0">
                 <a:latin typeface="ＭＳ ゴシック" panose="020B0609070205080204" pitchFamily="49" charset="-128"/>
                 <a:ea typeface="ＭＳ ゴシック" panose="020B0609070205080204" pitchFamily="49" charset="-128"/>
               </a:rPr>
-              <a:t>　　　かご台車</a:t>
-            </a:r>
-            <a:endParaRPr lang="en-US" altLang="ja-JP" sz="2800" b="1" dirty="0" smtClean="0">
+              <a:t>特売品を奪い合うライバルになる</a:t>
+            </a:r>
+            <a:endParaRPr lang="en-US" altLang="ja-JP" sz="3200" b="1" dirty="0" smtClean="0">
               <a:latin typeface="ＭＳ ゴシック" panose="020B0609070205080204" pitchFamily="49" charset="-128"/>
               <a:ea typeface="ＭＳ ゴシック" panose="020B0609070205080204" pitchFamily="49" charset="-128"/>
             </a:endParaRPr>
@@ -8825,113 +12804,48 @@
       </p:sp>
       <p:sp>
         <p:nvSpPr>
-          <p:cNvPr id="14" name="テキスト ボックス 13"/>
-          <p:cNvSpPr txBox="1"/>
-          <p:nvPr/>
-        </p:nvSpPr>
-        <p:spPr>
-          <a:xfrm>
-            <a:off x="4395569" y="5387738"/>
-            <a:ext cx="4601029" cy="954107"/>
-          </a:xfrm>
-          <a:prstGeom prst="rect">
-            <a:avLst/>
-          </a:prstGeom>
-          <a:noFill/>
-        </p:spPr>
-        <p:txBody>
-          <a:bodyPr wrap="square" rtlCol="0">
-            <a:spAutoFit/>
-          </a:bodyPr>
-          <a:lstStyle/>
-          <a:p>
-            <a:r>
-              <a:rPr lang="ja-JP" altLang="en-US" sz="2800" b="1" dirty="0" smtClean="0">
-                <a:latin typeface="ＭＳ ゴシック" panose="020B0609070205080204" pitchFamily="49" charset="-128"/>
-                <a:ea typeface="ＭＳ ゴシック" panose="020B0609070205080204" pitchFamily="49" charset="-128"/>
-              </a:rPr>
-              <a:t>　平均的な速さと軽さ</a:t>
-            </a:r>
-            <a:endParaRPr lang="en-US" altLang="ja-JP" sz="2800" b="1" dirty="0" smtClean="0">
-              <a:latin typeface="ＭＳ ゴシック" panose="020B0609070205080204" pitchFamily="49" charset="-128"/>
-              <a:ea typeface="ＭＳ ゴシック" panose="020B0609070205080204" pitchFamily="49" charset="-128"/>
-            </a:endParaRPr>
-          </a:p>
-          <a:p>
-            <a:r>
-              <a:rPr lang="ja-JP" altLang="en-US" sz="2800" b="1" dirty="0">
-                <a:latin typeface="ＭＳ ゴシック" panose="020B0609070205080204" pitchFamily="49" charset="-128"/>
-                <a:ea typeface="ＭＳ ゴシック" panose="020B0609070205080204" pitchFamily="49" charset="-128"/>
-              </a:rPr>
-              <a:t>　</a:t>
-            </a:r>
-            <a:r>
-              <a:rPr lang="ja-JP" altLang="en-US" sz="2800" b="1" dirty="0" smtClean="0">
-                <a:latin typeface="ＭＳ ゴシック" panose="020B0609070205080204" pitchFamily="49" charset="-128"/>
-                <a:ea typeface="ＭＳ ゴシック" panose="020B0609070205080204" pitchFamily="49" charset="-128"/>
-              </a:rPr>
-              <a:t>ショピングカート</a:t>
-            </a:r>
-            <a:endParaRPr lang="en-US" altLang="ja-JP" sz="2800" b="1" dirty="0" smtClean="0">
-              <a:latin typeface="ＭＳ ゴシック" panose="020B0609070205080204" pitchFamily="49" charset="-128"/>
-              <a:ea typeface="ＭＳ ゴシック" panose="020B0609070205080204" pitchFamily="49" charset="-128"/>
-            </a:endParaRPr>
-          </a:p>
-        </p:txBody>
-      </p:sp>
-      <p:sp>
-        <p:nvSpPr>
-          <p:cNvPr id="15" name="テキスト ボックス 14"/>
-          <p:cNvSpPr txBox="1"/>
-          <p:nvPr/>
-        </p:nvSpPr>
-        <p:spPr>
-          <a:xfrm>
-            <a:off x="8873227" y="5387737"/>
-            <a:ext cx="3609374" cy="954107"/>
-          </a:xfrm>
-          <a:prstGeom prst="rect">
-            <a:avLst/>
-          </a:prstGeom>
-          <a:noFill/>
-        </p:spPr>
-        <p:txBody>
-          <a:bodyPr wrap="square" rtlCol="0">
-            <a:spAutoFit/>
-          </a:bodyPr>
-          <a:lstStyle/>
-          <a:p>
-            <a:r>
-              <a:rPr lang="ja-JP" altLang="en-US" sz="2800" b="1" dirty="0" smtClean="0">
-                <a:latin typeface="ＭＳ ゴシック" panose="020B0609070205080204" pitchFamily="49" charset="-128"/>
-                <a:ea typeface="ＭＳ ゴシック" panose="020B0609070205080204" pitchFamily="49" charset="-128"/>
-              </a:rPr>
-              <a:t>速くて小回りの利く</a:t>
-            </a:r>
-            <a:endParaRPr lang="en-US" altLang="ja-JP" sz="2800" b="1" dirty="0" smtClean="0">
-              <a:latin typeface="ＭＳ ゴシック" panose="020B0609070205080204" pitchFamily="49" charset="-128"/>
-              <a:ea typeface="ＭＳ ゴシック" panose="020B0609070205080204" pitchFamily="49" charset="-128"/>
-            </a:endParaRPr>
-          </a:p>
-          <a:p>
-            <a:r>
-              <a:rPr lang="ja-JP" altLang="en-US" sz="2800" b="1" dirty="0" smtClean="0">
-                <a:latin typeface="ＭＳ ゴシック" panose="020B0609070205080204" pitchFamily="49" charset="-128"/>
-                <a:ea typeface="ＭＳ ゴシック" panose="020B0609070205080204" pitchFamily="49" charset="-128"/>
-              </a:rPr>
-              <a:t>　子供用カート</a:t>
-            </a:r>
-            <a:endParaRPr lang="en-US" altLang="ja-JP" sz="2800" b="1" dirty="0" smtClean="0">
-              <a:latin typeface="ＭＳ ゴシック" panose="020B0609070205080204" pitchFamily="49" charset="-128"/>
-              <a:ea typeface="ＭＳ ゴシック" panose="020B0609070205080204" pitchFamily="49" charset="-128"/>
-            </a:endParaRPr>
+          <p:cNvPr id="9" name="右矢印 8"/>
+          <p:cNvSpPr/>
+          <p:nvPr/>
+        </p:nvSpPr>
+        <p:spPr>
+          <a:xfrm>
+            <a:off x="5295550" y="4278627"/>
+            <a:ext cx="2029825" cy="1914585"/>
+          </a:xfrm>
+          <a:prstGeom prst="rightArrow">
+            <a:avLst/>
+          </a:prstGeom>
+        </p:spPr>
+        <p:style>
+          <a:lnRef idx="2">
+            <a:schemeClr val="accent1">
+              <a:shade val="50000"/>
+            </a:schemeClr>
+          </a:lnRef>
+          <a:fillRef idx="1">
+            <a:schemeClr val="accent1"/>
+          </a:fillRef>
+          <a:effectRef idx="0">
+            <a:schemeClr val="accent1"/>
+          </a:effectRef>
+          <a:fontRef idx="minor">
+            <a:schemeClr val="lt1"/>
+          </a:fontRef>
+        </p:style>
+        <p:txBody>
+          <a:bodyPr rtlCol="0" anchor="ctr"/>
+          <a:lstStyle/>
+          <a:p>
+            <a:pPr algn="ctr"/>
+            <a:endParaRPr kumimoji="1" lang="ja-JP" altLang="en-US"/>
           </a:p>
         </p:txBody>
       </p:sp>
     </p:spTree>
     <p:extLst>
       <p:ext uri="{BB962C8B-B14F-4D97-AF65-F5344CB8AC3E}">
-        <p14:creationId xmlns:p14="http://schemas.microsoft.com/office/powerpoint/2010/main" val="4234566880"/>
+        <p14:creationId xmlns:p14="http://schemas.microsoft.com/office/powerpoint/2010/main" val="235631442"/>
       </p:ext>
     </p:extLst>
   </p:cSld>
@@ -9200,4 +13114,265 @@
     </a:ext>
   </a:extLst>
 </a:theme>
+</file>
+
+<file path=ppt/theme/theme2.xml><?xml version="1.0" encoding="utf-8"?>
+<a:theme xmlns:a="http://schemas.openxmlformats.org/drawingml/2006/main" name="Office テーマ">
+  <a:themeElements>
+    <a:clrScheme name="Office">
+      <a:dk1>
+        <a:sysClr val="windowText" lastClr="000000"/>
+      </a:dk1>
+      <a:lt1>
+        <a:sysClr val="window" lastClr="FFFFFF"/>
+      </a:lt1>
+      <a:dk2>
+        <a:srgbClr val="44546A"/>
+      </a:dk2>
+      <a:lt2>
+        <a:srgbClr val="E7E6E6"/>
+      </a:lt2>
+      <a:accent1>
+        <a:srgbClr val="5B9BD5"/>
+      </a:accent1>
+      <a:accent2>
+        <a:srgbClr val="ED7D31"/>
+      </a:accent2>
+      <a:accent3>
+        <a:srgbClr val="A5A5A5"/>
+      </a:accent3>
+      <a:accent4>
+        <a:srgbClr val="FFC000"/>
+      </a:accent4>
+      <a:accent5>
+        <a:srgbClr val="4472C4"/>
+      </a:accent5>
+      <a:accent6>
+        <a:srgbClr val="70AD47"/>
+      </a:accent6>
+      <a:hlink>
+        <a:srgbClr val="0563C1"/>
+      </a:hlink>
+      <a:folHlink>
+        <a:srgbClr val="954F72"/>
+      </a:folHlink>
+    </a:clrScheme>
+    <a:fontScheme name="Office">
+      <a:majorFont>
+        <a:latin typeface="游ゴシック Light" panose="020F0302020204030204"/>
+        <a:ea typeface=""/>
+        <a:cs typeface=""/>
+        <a:font script="Jpan" typeface="游ゴシック Light"/>
+        <a:font script="Hang" typeface="맑은 고딕"/>
+        <a:font script="Hans" typeface="等线 Light"/>
+        <a:font script="Hant" typeface="新細明體"/>
+        <a:font script="Arab" typeface="Times New Roman"/>
+        <a:font script="Hebr" typeface="Times New Roman"/>
+        <a:font script="Thai" typeface="Angsana New"/>
+        <a:font script="Ethi" typeface="Nyala"/>
+        <a:font script="Beng" typeface="Vrinda"/>
+        <a:font script="Gujr" typeface="Shruti"/>
+        <a:font script="Khmr" typeface="MoolBoran"/>
+        <a:font script="Knda" typeface="Tunga"/>
+        <a:font script="Guru" typeface="Raavi"/>
+        <a:font script="Cans" typeface="Euphemia"/>
+        <a:font script="Cher" typeface="Plantagenet Cherokee"/>
+        <a:font script="Yiii" typeface="Microsoft Yi Baiti"/>
+        <a:font script="Tibt" typeface="Microsoft Himalaya"/>
+        <a:font script="Thaa" typeface="MV Boli"/>
+        <a:font script="Deva" typeface="Mangal"/>
+        <a:font script="Telu" typeface="Gautami"/>
+        <a:font script="Taml" typeface="Latha"/>
+        <a:font script="Syrc" typeface="Estrangelo Edessa"/>
+        <a:font script="Orya" typeface="Kalinga"/>
+        <a:font script="Mlym" typeface="Kartika"/>
+        <a:font script="Laoo" typeface="DokChampa"/>
+        <a:font script="Sinh" typeface="Iskoola Pota"/>
+        <a:font script="Mong" typeface="Mongolian Baiti"/>
+        <a:font script="Viet" typeface="Times New Roman"/>
+        <a:font script="Uigh" typeface="Microsoft Uighur"/>
+        <a:font script="Geor" typeface="Sylfaen"/>
+      </a:majorFont>
+      <a:minorFont>
+        <a:latin typeface="游ゴシック" panose="020F0502020204030204"/>
+        <a:ea typeface=""/>
+        <a:cs typeface=""/>
+        <a:font script="Jpan" typeface="游ゴシック"/>
+        <a:font script="Hang" typeface="맑은 고딕"/>
+        <a:font script="Hans" typeface="等线"/>
+        <a:font script="Hant" typeface="新細明體"/>
+        <a:font script="Arab" typeface="Arial"/>
+        <a:font script="Hebr" typeface="Arial"/>
+        <a:font script="Thai" typeface="Cordia New"/>
+        <a:font script="Ethi" typeface="Nyala"/>
+        <a:font script="Beng" typeface="Vrinda"/>
+        <a:font script="Gujr" typeface="Shruti"/>
+        <a:font script="Khmr" typeface="DaunPenh"/>
+        <a:font script="Knda" typeface="Tunga"/>
+        <a:font script="Guru" typeface="Raavi"/>
+        <a:font script="Cans" typeface="Euphemia"/>
+        <a:font script="Cher" typeface="Plantagenet Cherokee"/>
+        <a:font script="Yiii" typeface="Microsoft Yi Baiti"/>
+        <a:font script="Tibt" typeface="Microsoft Himalaya"/>
+        <a:font script="Thaa" typeface="MV Boli"/>
+        <a:font script="Deva" typeface="Mangal"/>
+        <a:font script="Telu" typeface="Gautami"/>
+        <a:font script="Taml" typeface="Latha"/>
+        <a:font script="Syrc" typeface="Estrangelo Edessa"/>
+        <a:font script="Orya" typeface="Kalinga"/>
+        <a:font script="Mlym" typeface="Kartika"/>
+        <a:font script="Laoo" typeface="DokChampa"/>
+        <a:font script="Sinh" typeface="Iskoola Pota"/>
+        <a:font script="Mong" typeface="Mongolian Baiti"/>
+        <a:font script="Viet" typeface="Arial"/>
+        <a:font script="Uigh" typeface="Microsoft Uighur"/>
+        <a:font script="Geor" typeface="Sylfaen"/>
+      </a:minorFont>
+    </a:fontScheme>
+    <a:fmtScheme name="Office">
+      <a:fillStyleLst>
+        <a:solidFill>
+          <a:schemeClr val="phClr"/>
+        </a:solidFill>
+        <a:gradFill rotWithShape="1">
+          <a:gsLst>
+            <a:gs pos="0">
+              <a:schemeClr val="phClr">
+                <a:lumMod val="110000"/>
+                <a:satMod val="105000"/>
+                <a:tint val="67000"/>
+              </a:schemeClr>
+            </a:gs>
+            <a:gs pos="50000">
+              <a:schemeClr val="phClr">
+                <a:lumMod val="105000"/>
+                <a:satMod val="103000"/>
+                <a:tint val="73000"/>
+              </a:schemeClr>
+            </a:gs>
+            <a:gs pos="100000">
+              <a:schemeClr val="phClr">
+                <a:lumMod val="105000"/>
+                <a:satMod val="109000"/>
+                <a:tint val="81000"/>
+              </a:schemeClr>
+            </a:gs>
+          </a:gsLst>
+          <a:lin ang="5400000" scaled="0"/>
+        </a:gradFill>
+        <a:gradFill rotWithShape="1">
+          <a:gsLst>
+            <a:gs pos="0">
+              <a:schemeClr val="phClr">
+                <a:satMod val="103000"/>
+                <a:lumMod val="102000"/>
+                <a:tint val="94000"/>
+              </a:schemeClr>
+            </a:gs>
+            <a:gs pos="50000">
+              <a:schemeClr val="phClr">
+                <a:satMod val="110000"/>
+                <a:lumMod val="100000"/>
+                <a:shade val="100000"/>
+              </a:schemeClr>
+            </a:gs>
+            <a:gs pos="100000">
+              <a:schemeClr val="phClr">
+                <a:lumMod val="99000"/>
+                <a:satMod val="120000"/>
+                <a:shade val="78000"/>
+              </a:schemeClr>
+            </a:gs>
+          </a:gsLst>
+          <a:lin ang="5400000" scaled="0"/>
+        </a:gradFill>
+      </a:fillStyleLst>
+      <a:lnStyleLst>
+        <a:ln w="6350" cap="flat" cmpd="sng" algn="ctr">
+          <a:solidFill>
+            <a:schemeClr val="phClr"/>
+          </a:solidFill>
+          <a:prstDash val="solid"/>
+          <a:miter lim="800000"/>
+        </a:ln>
+        <a:ln w="12700" cap="flat" cmpd="sng" algn="ctr">
+          <a:solidFill>
+            <a:schemeClr val="phClr"/>
+          </a:solidFill>
+          <a:prstDash val="solid"/>
+          <a:miter lim="800000"/>
+        </a:ln>
+        <a:ln w="19050" cap="flat" cmpd="sng" algn="ctr">
+          <a:solidFill>
+            <a:schemeClr val="phClr"/>
+          </a:solidFill>
+          <a:prstDash val="solid"/>
+          <a:miter lim="800000"/>
+        </a:ln>
+      </a:lnStyleLst>
+      <a:effectStyleLst>
+        <a:effectStyle>
+          <a:effectLst/>
+        </a:effectStyle>
+        <a:effectStyle>
+          <a:effectLst/>
+        </a:effectStyle>
+        <a:effectStyle>
+          <a:effectLst>
+            <a:outerShdw blurRad="57150" dist="19050" dir="5400000" algn="ctr" rotWithShape="0">
+              <a:srgbClr val="000000">
+                <a:alpha val="63000"/>
+              </a:srgbClr>
+            </a:outerShdw>
+          </a:effectLst>
+        </a:effectStyle>
+      </a:effectStyleLst>
+      <a:bgFillStyleLst>
+        <a:solidFill>
+          <a:schemeClr val="phClr"/>
+        </a:solidFill>
+        <a:solidFill>
+          <a:schemeClr val="phClr">
+            <a:tint val="95000"/>
+            <a:satMod val="170000"/>
+          </a:schemeClr>
+        </a:solidFill>
+        <a:gradFill rotWithShape="1">
+          <a:gsLst>
+            <a:gs pos="0">
+              <a:schemeClr val="phClr">
+                <a:tint val="93000"/>
+                <a:satMod val="150000"/>
+                <a:shade val="98000"/>
+                <a:lumMod val="102000"/>
+              </a:schemeClr>
+            </a:gs>
+            <a:gs pos="50000">
+              <a:schemeClr val="phClr">
+                <a:tint val="98000"/>
+                <a:satMod val="130000"/>
+                <a:shade val="90000"/>
+                <a:lumMod val="103000"/>
+              </a:schemeClr>
+            </a:gs>
+            <a:gs pos="100000">
+              <a:schemeClr val="phClr">
+                <a:shade val="63000"/>
+                <a:satMod val="120000"/>
+              </a:schemeClr>
+            </a:gs>
+          </a:gsLst>
+          <a:lin ang="5400000" scaled="0"/>
+        </a:gradFill>
+      </a:bgFillStyleLst>
+    </a:fmtScheme>
+  </a:themeElements>
+  <a:objectDefaults/>
+  <a:extraClrSchemeLst/>
+  <a:extLst>
+    <a:ext uri="{05A4C25C-085E-4340-85A3-A5531E510DB2}">
+      <thm15:themeFamily xmlns:thm15="http://schemas.microsoft.com/office/thememl/2012/main" name="Office Theme" id="{62F939B6-93AF-4DB8-9C6B-D6C7DFDC589F}" vid="{4A3C46E8-61CC-4603-A589-7422A47A8E4A}"/>
+    </a:ext>
+  </a:extLst>
+</a:theme>
 </file>
--- a/後期企画書/ショッピングカート.pptx
+++ b/後期企画書/ショッピングカート.pptx
@@ -17,10 +17,10 @@
     <p:sldId id="266" r:id="rId8"/>
     <p:sldId id="270" r:id="rId9"/>
     <p:sldId id="271" r:id="rId10"/>
-    <p:sldId id="274" r:id="rId11"/>
-    <p:sldId id="262" r:id="rId12"/>
-    <p:sldId id="273" r:id="rId13"/>
-    <p:sldId id="272" r:id="rId14"/>
+    <p:sldId id="273" r:id="rId11"/>
+    <p:sldId id="272" r:id="rId12"/>
+    <p:sldId id="262" r:id="rId13"/>
+    <p:sldId id="274" r:id="rId14"/>
     <p:sldId id="275" r:id="rId15"/>
     <p:sldId id="264" r:id="rId16"/>
   </p:sldIdLst>
@@ -211,7 +211,7 @@
           <a:p>
             <a:fld id="{1192C13D-0622-4A62-AB8C-56D55F9BE08A}" type="datetimeFigureOut">
               <a:rPr kumimoji="1" lang="ja-JP" altLang="en-US" smtClean="0"/>
-              <a:t>2017/9/26</a:t>
+              <a:t>2017/9/29</a:t>
             </a:fld>
             <a:endParaRPr kumimoji="1" lang="ja-JP" altLang="en-US"/>
           </a:p>
@@ -555,6 +555,120 @@
           <a:bodyPr/>
           <a:lstStyle/>
           <a:p>
+            <a:pPr marL="0" marR="0" lvl="0" indent="0" algn="l" defTabSz="914400" rtl="0" eaLnBrk="1" fontAlgn="auto" latinLnBrk="0" hangingPunct="1">
+              <a:lnSpc>
+                <a:spcPct val="100000"/>
+              </a:lnSpc>
+              <a:spcBef>
+                <a:spcPts val="0"/>
+              </a:spcBef>
+              <a:spcAft>
+                <a:spcPts val="0"/>
+              </a:spcAft>
+              <a:buClrTx/>
+              <a:buSzTx/>
+              <a:buFontTx/>
+              <a:buNone/>
+              <a:tabLst/>
+              <a:defRPr/>
+            </a:pPr>
+            <a:r>
+              <a:rPr lang="ja-JP" altLang="en-US" sz="1200" b="1" dirty="0" smtClean="0">
+                <a:latin typeface="ＭＳ ゴシック" panose="020B0609070205080204" pitchFamily="49" charset="-128"/>
+                <a:ea typeface="ＭＳ ゴシック" panose="020B0609070205080204" pitchFamily="49" charset="-128"/>
+              </a:rPr>
+              <a:t>カートに他の客を乗せて御１人様一点限りの品物を買いまくれ</a:t>
+            </a:r>
+            <a:endParaRPr lang="en-US" altLang="ja-JP" sz="1200" b="1" dirty="0" smtClean="0">
+              <a:latin typeface="ＭＳ ゴシック" panose="020B0609070205080204" pitchFamily="49" charset="-128"/>
+              <a:ea typeface="ＭＳ ゴシック" panose="020B0609070205080204" pitchFamily="49" charset="-128"/>
+            </a:endParaRPr>
+          </a:p>
+          <a:p>
+            <a:endParaRPr kumimoji="1" lang="ja-JP" altLang="en-US" dirty="0"/>
+          </a:p>
+        </p:txBody>
+      </p:sp>
+      <p:sp>
+        <p:nvSpPr>
+          <p:cNvPr id="4" name="スライド番号プレースホルダー 3"/>
+          <p:cNvSpPr>
+            <a:spLocks noGrp="1"/>
+          </p:cNvSpPr>
+          <p:nvPr>
+            <p:ph type="sldNum" sz="quarter" idx="10"/>
+          </p:nvPr>
+        </p:nvSpPr>
+        <p:spPr/>
+        <p:txBody>
+          <a:bodyPr/>
+          <a:lstStyle/>
+          <a:p>
+            <a:fld id="{4D8D83FB-14EF-4042-A47A-E198C4F09221}" type="slidenum">
+              <a:rPr kumimoji="1" lang="ja-JP" altLang="en-US" smtClean="0"/>
+              <a:t>2</a:t>
+            </a:fld>
+            <a:endParaRPr kumimoji="1" lang="ja-JP" altLang="en-US"/>
+          </a:p>
+        </p:txBody>
+      </p:sp>
+    </p:spTree>
+    <p:extLst>
+      <p:ext uri="{BB962C8B-B14F-4D97-AF65-F5344CB8AC3E}">
+        <p14:creationId xmlns:p14="http://schemas.microsoft.com/office/powerpoint/2010/main" val="738794596"/>
+      </p:ext>
+    </p:extLst>
+  </p:cSld>
+  <p:clrMapOvr>
+    <a:masterClrMapping/>
+  </p:clrMapOvr>
+</p:notes>
+</file>
+
+<file path=ppt/notesSlides/notesSlide2.xml><?xml version="1.0" encoding="utf-8"?>
+<p:notes xmlns:a="http://schemas.openxmlformats.org/drawingml/2006/main" xmlns:r="http://schemas.openxmlformats.org/officeDocument/2006/relationships" xmlns:p="http://schemas.openxmlformats.org/presentationml/2006/main">
+  <p:cSld>
+    <p:spTree>
+      <p:nvGrpSpPr>
+        <p:cNvPr id="1" name=""/>
+        <p:cNvGrpSpPr/>
+        <p:nvPr/>
+      </p:nvGrpSpPr>
+      <p:grpSpPr>
+        <a:xfrm>
+          <a:off x="0" y="0"/>
+          <a:ext cx="0" cy="0"/>
+          <a:chOff x="0" y="0"/>
+          <a:chExt cx="0" cy="0"/>
+        </a:xfrm>
+      </p:grpSpPr>
+      <p:sp>
+        <p:nvSpPr>
+          <p:cNvPr id="2" name="スライド イメージ プレースホルダー 1"/>
+          <p:cNvSpPr>
+            <a:spLocks noGrp="1" noRot="1" noChangeAspect="1"/>
+          </p:cNvSpPr>
+          <p:nvPr>
+            <p:ph type="sldImg"/>
+          </p:nvPr>
+        </p:nvSpPr>
+        <p:spPr/>
+      </p:sp>
+      <p:sp>
+        <p:nvSpPr>
+          <p:cNvPr id="3" name="ノート プレースホルダー 2"/>
+          <p:cNvSpPr>
+            <a:spLocks noGrp="1"/>
+          </p:cNvSpPr>
+          <p:nvPr>
+            <p:ph type="body" idx="1"/>
+          </p:nvPr>
+        </p:nvSpPr>
+        <p:spPr/>
+        <p:txBody>
+          <a:bodyPr/>
+          <a:lstStyle/>
+          <a:p>
             <a:endParaRPr kumimoji="1" lang="ja-JP" altLang="en-US" dirty="0"/>
           </a:p>
         </p:txBody>
@@ -595,7 +709,7 @@
 </p:notes>
 </file>
 
-<file path=ppt/notesSlides/notesSlide2.xml><?xml version="1.0" encoding="utf-8"?>
+<file path=ppt/notesSlides/notesSlide3.xml><?xml version="1.0" encoding="utf-8"?>
 <p:notes xmlns:a="http://schemas.openxmlformats.org/drawingml/2006/main" xmlns:r="http://schemas.openxmlformats.org/officeDocument/2006/relationships" xmlns:p="http://schemas.openxmlformats.org/presentationml/2006/main">
   <p:cSld>
     <p:spTree>
@@ -810,7 +924,7 @@
           <a:p>
             <a:fld id="{70E1B586-A8BD-4333-A42D-47BDB602A482}" type="datetimeFigureOut">
               <a:rPr kumimoji="1" lang="ja-JP" altLang="en-US" smtClean="0"/>
-              <a:t>2017/9/26</a:t>
+              <a:t>2017/9/29</a:t>
             </a:fld>
             <a:endParaRPr kumimoji="1" lang="ja-JP" altLang="en-US" dirty="0"/>
           </a:p>
@@ -1012,7 +1126,7 @@
           <a:p>
             <a:fld id="{70E1B586-A8BD-4333-A42D-47BDB602A482}" type="datetimeFigureOut">
               <a:rPr kumimoji="1" lang="ja-JP" altLang="en-US" smtClean="0"/>
-              <a:t>2017/9/26</a:t>
+              <a:t>2017/9/29</a:t>
             </a:fld>
             <a:endParaRPr kumimoji="1" lang="ja-JP" altLang="en-US" dirty="0"/>
           </a:p>
@@ -1224,7 +1338,7 @@
           <a:p>
             <a:fld id="{70E1B586-A8BD-4333-A42D-47BDB602A482}" type="datetimeFigureOut">
               <a:rPr kumimoji="1" lang="ja-JP" altLang="en-US" smtClean="0"/>
-              <a:t>2017/9/26</a:t>
+              <a:t>2017/9/29</a:t>
             </a:fld>
             <a:endParaRPr kumimoji="1" lang="ja-JP" altLang="en-US" dirty="0"/>
           </a:p>
@@ -1426,7 +1540,7 @@
           <a:p>
             <a:fld id="{70E1B586-A8BD-4333-A42D-47BDB602A482}" type="datetimeFigureOut">
               <a:rPr kumimoji="1" lang="ja-JP" altLang="en-US" smtClean="0"/>
-              <a:t>2017/9/26</a:t>
+              <a:t>2017/9/29</a:t>
             </a:fld>
             <a:endParaRPr kumimoji="1" lang="ja-JP" altLang="en-US" dirty="0"/>
           </a:p>
@@ -1672,7 +1786,7 @@
           <a:p>
             <a:fld id="{70E1B586-A8BD-4333-A42D-47BDB602A482}" type="datetimeFigureOut">
               <a:rPr kumimoji="1" lang="ja-JP" altLang="en-US" smtClean="0"/>
-              <a:t>2017/9/26</a:t>
+              <a:t>2017/9/29</a:t>
             </a:fld>
             <a:endParaRPr kumimoji="1" lang="ja-JP" altLang="en-US" dirty="0"/>
           </a:p>
@@ -1968,7 +2082,7 @@
           <a:p>
             <a:fld id="{70E1B586-A8BD-4333-A42D-47BDB602A482}" type="datetimeFigureOut">
               <a:rPr kumimoji="1" lang="ja-JP" altLang="en-US" smtClean="0"/>
-              <a:t>2017/9/26</a:t>
+              <a:t>2017/9/29</a:t>
             </a:fld>
             <a:endParaRPr kumimoji="1" lang="ja-JP" altLang="en-US" dirty="0"/>
           </a:p>
@@ -2399,7 +2513,7 @@
           <a:p>
             <a:fld id="{70E1B586-A8BD-4333-A42D-47BDB602A482}" type="datetimeFigureOut">
               <a:rPr kumimoji="1" lang="ja-JP" altLang="en-US" smtClean="0"/>
-              <a:t>2017/9/26</a:t>
+              <a:t>2017/9/29</a:t>
             </a:fld>
             <a:endParaRPr kumimoji="1" lang="ja-JP" altLang="en-US" dirty="0"/>
           </a:p>
@@ -2517,7 +2631,7 @@
           <a:p>
             <a:fld id="{70E1B586-A8BD-4333-A42D-47BDB602A482}" type="datetimeFigureOut">
               <a:rPr kumimoji="1" lang="ja-JP" altLang="en-US" smtClean="0"/>
-              <a:t>2017/9/26</a:t>
+              <a:t>2017/9/29</a:t>
             </a:fld>
             <a:endParaRPr kumimoji="1" lang="ja-JP" altLang="en-US" dirty="0"/>
           </a:p>
@@ -2612,7 +2726,7 @@
           <a:p>
             <a:fld id="{70E1B586-A8BD-4333-A42D-47BDB602A482}" type="datetimeFigureOut">
               <a:rPr kumimoji="1" lang="ja-JP" altLang="en-US" smtClean="0"/>
-              <a:t>2017/9/26</a:t>
+              <a:t>2017/9/29</a:t>
             </a:fld>
             <a:endParaRPr kumimoji="1" lang="ja-JP" altLang="en-US" dirty="0"/>
           </a:p>
@@ -2921,7 +3035,7 @@
           <a:p>
             <a:fld id="{70E1B586-A8BD-4333-A42D-47BDB602A482}" type="datetimeFigureOut">
               <a:rPr kumimoji="1" lang="ja-JP" altLang="en-US" smtClean="0"/>
-              <a:t>2017/9/26</a:t>
+              <a:t>2017/9/29</a:t>
             </a:fld>
             <a:endParaRPr kumimoji="1" lang="ja-JP" altLang="en-US" dirty="0"/>
           </a:p>
@@ -3174,7 +3288,7 @@
           <a:p>
             <a:fld id="{70E1B586-A8BD-4333-A42D-47BDB602A482}" type="datetimeFigureOut">
               <a:rPr kumimoji="1" lang="ja-JP" altLang="en-US" smtClean="0"/>
-              <a:t>2017/9/26</a:t>
+              <a:t>2017/9/29</a:t>
             </a:fld>
             <a:endParaRPr kumimoji="1" lang="ja-JP" altLang="en-US" dirty="0"/>
           </a:p>
@@ -3429,7 +3543,7 @@
           <a:p>
             <a:fld id="{70E1B586-A8BD-4333-A42D-47BDB602A482}" type="datetimeFigureOut">
               <a:rPr kumimoji="1" lang="ja-JP" altLang="en-US" smtClean="0"/>
-              <a:t>2017/9/26</a:t>
+              <a:t>2017/9/29</a:t>
             </a:fld>
             <a:endParaRPr kumimoji="1" lang="ja-JP" altLang="en-US" dirty="0"/>
           </a:p>
@@ -4039,6 +4153,13 @@
   <p:clrMapOvr>
     <a:masterClrMapping/>
   </p:clrMapOvr>
+  <p:timing>
+    <p:tnLst>
+      <p:par>
+        <p:cTn id="1" dur="indefinite" restart="never" nodeType="tmRoot"/>
+      </p:par>
+    </p:tnLst>
+  </p:timing>
 </p:sld>
 </file>
 
@@ -4061,14 +4182,14 @@
       </p:grpSpPr>
       <p:sp>
         <p:nvSpPr>
-          <p:cNvPr id="8" name="正方形/長方形 7"/>
+          <p:cNvPr id="7" name="正方形/長方形 6"/>
           <p:cNvSpPr/>
           <p:nvPr/>
         </p:nvSpPr>
         <p:spPr>
           <a:xfrm>
-            <a:off x="304791" y="1048269"/>
-            <a:ext cx="11164345" cy="1109824"/>
+            <a:off x="0" y="-32606"/>
+            <a:ext cx="12192000" cy="1015663"/>
           </a:xfrm>
           <a:prstGeom prst="rect">
             <a:avLst/>
@@ -4103,24 +4224,56 @@
           <a:lstStyle/>
           <a:p>
             <a:pPr algn="ctr"/>
-            <a:endParaRPr kumimoji="1" lang="ja-JP" altLang="en-US" dirty="0">
-              <a:solidFill>
-                <a:schemeClr val="tx1"/>
-              </a:solidFill>
+            <a:endParaRPr kumimoji="1" lang="ja-JP" altLang="en-US" dirty="0"/>
+          </a:p>
+        </p:txBody>
+      </p:sp>
+      <p:sp>
+        <p:nvSpPr>
+          <p:cNvPr id="3" name="テキスト ボックス 2"/>
+          <p:cNvSpPr txBox="1"/>
+          <p:nvPr/>
+        </p:nvSpPr>
+        <p:spPr>
+          <a:xfrm>
+            <a:off x="0" y="0"/>
+            <a:ext cx="7984901" cy="1015663"/>
+          </a:xfrm>
+          <a:prstGeom prst="rect">
+            <a:avLst/>
+          </a:prstGeom>
+          <a:noFill/>
+        </p:spPr>
+        <p:txBody>
+          <a:bodyPr wrap="square" rtlCol="0">
+            <a:spAutoFit/>
+          </a:bodyPr>
+          <a:lstStyle/>
+          <a:p>
+            <a:r>
+              <a:rPr kumimoji="1" lang="ja-JP" altLang="en-US" sz="6000" b="1" dirty="0" smtClean="0">
+                <a:latin typeface="ＭＳ ゴシック" panose="020B0609070205080204" pitchFamily="49" charset="-128"/>
+                <a:ea typeface="ＭＳ ゴシック" panose="020B0609070205080204" pitchFamily="49" charset="-128"/>
+              </a:rPr>
+              <a:t>客</a:t>
+            </a:r>
+            <a:endParaRPr kumimoji="1" lang="ja-JP" altLang="en-US" sz="6000" b="1" dirty="0">
+              <a:latin typeface="ＭＳ ゴシック" panose="020B0609070205080204" pitchFamily="49" charset="-128"/>
+              <a:ea typeface="ＭＳ ゴシック" panose="020B0609070205080204" pitchFamily="49" charset="-128"/>
             </a:endParaRPr>
           </a:p>
         </p:txBody>
       </p:sp>
       <p:sp>
         <p:nvSpPr>
-          <p:cNvPr id="7" name="正方形/長方形 6"/>
+          <p:cNvPr id="10" name="正方形/長方形 9"/>
           <p:cNvSpPr/>
           <p:nvPr/>
         </p:nvSpPr>
         <p:spPr>
           <a:xfrm>
-            <a:off x="0" y="-32606"/>
-            <a:ext cx="12192000" cy="1015663"/>
+            <a:off x="126609" y="1054208"/>
+            <a:ext cx="11877099" cy="5555597"/>
           </a:xfrm>
           <a:prstGeom prst="rect">
             <a:avLst/>
@@ -4155,90 +4308,6 @@
           <a:lstStyle/>
           <a:p>
             <a:pPr algn="ctr"/>
-            <a:endParaRPr kumimoji="1" lang="ja-JP" altLang="en-US" dirty="0"/>
-          </a:p>
-        </p:txBody>
-      </p:sp>
-      <p:sp>
-        <p:nvSpPr>
-          <p:cNvPr id="3" name="テキスト ボックス 2"/>
-          <p:cNvSpPr txBox="1"/>
-          <p:nvPr/>
-        </p:nvSpPr>
-        <p:spPr>
-          <a:xfrm>
-            <a:off x="0" y="0"/>
-            <a:ext cx="7984901" cy="1015663"/>
-          </a:xfrm>
-          <a:prstGeom prst="rect">
-            <a:avLst/>
-          </a:prstGeom>
-          <a:noFill/>
-        </p:spPr>
-        <p:txBody>
-          <a:bodyPr wrap="square" rtlCol="0">
-            <a:spAutoFit/>
-          </a:bodyPr>
-          <a:lstStyle/>
-          <a:p>
-            <a:r>
-              <a:rPr kumimoji="1" lang="ja-JP" altLang="en-US" sz="6000" b="1" dirty="0" smtClean="0">
-                <a:latin typeface="ＭＳ ゴシック" panose="020B0609070205080204" pitchFamily="49" charset="-128"/>
-                <a:ea typeface="ＭＳ ゴシック" panose="020B0609070205080204" pitchFamily="49" charset="-128"/>
-              </a:rPr>
-              <a:t>ゲームシステム</a:t>
-            </a:r>
-            <a:endParaRPr kumimoji="1" lang="ja-JP" altLang="en-US" sz="6000" b="1" dirty="0">
-              <a:latin typeface="ＭＳ ゴシック" panose="020B0609070205080204" pitchFamily="49" charset="-128"/>
-              <a:ea typeface="ＭＳ ゴシック" panose="020B0609070205080204" pitchFamily="49" charset="-128"/>
-            </a:endParaRPr>
-          </a:p>
-        </p:txBody>
-      </p:sp>
-      <p:sp>
-        <p:nvSpPr>
-          <p:cNvPr id="10" name="正方形/長方形 9"/>
-          <p:cNvSpPr/>
-          <p:nvPr/>
-        </p:nvSpPr>
-        <p:spPr>
-          <a:xfrm>
-            <a:off x="339594" y="2496866"/>
-            <a:ext cx="11164345" cy="4155909"/>
-          </a:xfrm>
-          <a:prstGeom prst="rect">
-            <a:avLst/>
-          </a:prstGeom>
-          <a:solidFill>
-            <a:schemeClr val="bg1"/>
-          </a:solidFill>
-          <a:ln>
-            <a:solidFill>
-              <a:schemeClr val="tx1"/>
-            </a:solidFill>
-          </a:ln>
-        </p:spPr>
-        <p:style>
-          <a:lnRef idx="2">
-            <a:schemeClr val="accent1">
-              <a:shade val="50000"/>
-            </a:schemeClr>
-          </a:lnRef>
-          <a:fillRef idx="1">
-            <a:schemeClr val="accent1"/>
-          </a:fillRef>
-          <a:effectRef idx="0">
-            <a:schemeClr val="accent1"/>
-          </a:effectRef>
-          <a:fontRef idx="minor">
-            <a:schemeClr val="lt1"/>
-          </a:fontRef>
-        </p:style>
-        <p:txBody>
-          <a:bodyPr rtlCol="0" anchor="ctr"/>
-          <a:lstStyle/>
-          <a:p>
-            <a:pPr algn="ctr"/>
             <a:endParaRPr kumimoji="1" lang="ja-JP" altLang="en-US" dirty="0">
               <a:solidFill>
                 <a:schemeClr val="tx1"/>
@@ -4278,14 +4347,14 @@
       </p:sp>
       <p:sp>
         <p:nvSpPr>
-          <p:cNvPr id="26" name="テキスト ボックス 25"/>
+          <p:cNvPr id="32" name="テキスト ボックス 31"/>
           <p:cNvSpPr txBox="1"/>
           <p:nvPr/>
         </p:nvSpPr>
         <p:spPr>
           <a:xfrm>
-            <a:off x="305955" y="1064572"/>
-            <a:ext cx="10264012" cy="1077218"/>
+            <a:off x="503693" y="1192253"/>
+            <a:ext cx="12983689" cy="1077218"/>
           </a:xfrm>
           <a:prstGeom prst="rect">
             <a:avLst/>
@@ -4298,19 +4367,12 @@
           </a:bodyPr>
           <a:lstStyle/>
           <a:p>
-            <a:r>
-              <a:rPr lang="ja-JP" altLang="en-US" sz="3200" b="1" dirty="0">
-                <a:latin typeface="ＭＳ ゴシック" panose="020B0609070205080204" pitchFamily="49" charset="-128"/>
-                <a:ea typeface="ＭＳ ゴシック" panose="020B0609070205080204" pitchFamily="49" charset="-128"/>
-              </a:rPr>
-              <a:t>買</a:t>
-            </a:r>
             <a:r>
               <a:rPr lang="ja-JP" altLang="en-US" sz="3200" b="1" dirty="0" smtClean="0">
                 <a:latin typeface="ＭＳ ゴシック" panose="020B0609070205080204" pitchFamily="49" charset="-128"/>
                 <a:ea typeface="ＭＳ ゴシック" panose="020B0609070205080204" pitchFamily="49" charset="-128"/>
               </a:rPr>
-              <a:t>いたいものが決まったらレジへ</a:t>
+              <a:t>客にはカートを持った客や子連れの客がいる</a:t>
             </a:r>
             <a:endParaRPr lang="en-US" altLang="ja-JP" sz="3200" b="1" dirty="0" smtClean="0">
               <a:latin typeface="ＭＳ ゴシック" panose="020B0609070205080204" pitchFamily="49" charset="-128"/>
@@ -4323,69 +4385,7 @@
                 <a:latin typeface="ＭＳ ゴシック" panose="020B0609070205080204" pitchFamily="49" charset="-128"/>
                 <a:ea typeface="ＭＳ ゴシック" panose="020B0609070205080204" pitchFamily="49" charset="-128"/>
               </a:rPr>
-              <a:t>レジへ行くことでレジ袋に入れて一つの物へ</a:t>
-            </a:r>
-            <a:endParaRPr lang="en-US" altLang="ja-JP" sz="3200" b="1" dirty="0" smtClean="0">
-              <a:latin typeface="ＭＳ ゴシック" panose="020B0609070205080204" pitchFamily="49" charset="-128"/>
-              <a:ea typeface="ＭＳ ゴシック" panose="020B0609070205080204" pitchFamily="49" charset="-128"/>
-            </a:endParaRPr>
-          </a:p>
-        </p:txBody>
-      </p:sp>
-      <p:sp>
-        <p:nvSpPr>
-          <p:cNvPr id="32" name="テキスト ボックス 31"/>
-          <p:cNvSpPr txBox="1"/>
-          <p:nvPr/>
-        </p:nvSpPr>
-        <p:spPr>
-          <a:xfrm>
-            <a:off x="505127" y="2922183"/>
-            <a:ext cx="12983689" cy="1569660"/>
-          </a:xfrm>
-          <a:prstGeom prst="rect">
-            <a:avLst/>
-          </a:prstGeom>
-          <a:noFill/>
-        </p:spPr>
-        <p:txBody>
-          <a:bodyPr wrap="square" rtlCol="0">
-            <a:spAutoFit/>
-          </a:bodyPr>
-          <a:lstStyle/>
-          <a:p>
-            <a:r>
-              <a:rPr lang="ja-JP" altLang="en-US" sz="3200" b="1" dirty="0" smtClean="0">
-                <a:latin typeface="ＭＳ ゴシック" panose="020B0609070205080204" pitchFamily="49" charset="-128"/>
-                <a:ea typeface="ＭＳ ゴシック" panose="020B0609070205080204" pitchFamily="49" charset="-128"/>
-              </a:rPr>
-              <a:t>レジ袋に入れたらカートの下のかごへ</a:t>
-            </a:r>
-            <a:endParaRPr lang="en-US" altLang="ja-JP" sz="3200" b="1" dirty="0" smtClean="0">
-              <a:latin typeface="ＭＳ ゴシック" panose="020B0609070205080204" pitchFamily="49" charset="-128"/>
-              <a:ea typeface="ＭＳ ゴシック" panose="020B0609070205080204" pitchFamily="49" charset="-128"/>
-            </a:endParaRPr>
-          </a:p>
-          <a:p>
-            <a:r>
-              <a:rPr lang="ja-JP" altLang="en-US" sz="3200" b="1" dirty="0" smtClean="0">
-                <a:latin typeface="ＭＳ ゴシック" panose="020B0609070205080204" pitchFamily="49" charset="-128"/>
-                <a:ea typeface="ＭＳ ゴシック" panose="020B0609070205080204" pitchFamily="49" charset="-128"/>
-              </a:rPr>
-              <a:t>次のレジから換算されないが落とすと</a:t>
-            </a:r>
-            <a:endParaRPr lang="en-US" altLang="ja-JP" sz="3200" b="1" dirty="0" smtClean="0">
-              <a:latin typeface="ＭＳ ゴシック" panose="020B0609070205080204" pitchFamily="49" charset="-128"/>
-              <a:ea typeface="ＭＳ ゴシック" panose="020B0609070205080204" pitchFamily="49" charset="-128"/>
-            </a:endParaRPr>
-          </a:p>
-          <a:p>
-            <a:r>
-              <a:rPr lang="ja-JP" altLang="en-US" sz="3200" b="1" dirty="0" smtClean="0">
-                <a:latin typeface="ＭＳ ゴシック" panose="020B0609070205080204" pitchFamily="49" charset="-128"/>
-                <a:ea typeface="ＭＳ ゴシック" panose="020B0609070205080204" pitchFamily="49" charset="-128"/>
-              </a:rPr>
-              <a:t>スコアにならない！</a:t>
+              <a:t>カートを持った客にはかごを投げつけてジャックできる</a:t>
             </a:r>
             <a:endParaRPr lang="en-US" altLang="ja-JP" sz="3200" b="1" dirty="0" smtClean="0">
               <a:latin typeface="ＭＳ ゴシック" panose="020B0609070205080204" pitchFamily="49" charset="-128"/>
@@ -4415,19 +4415,155 @@
           </a:stretch>
         </p:blipFill>
         <p:spPr>
-          <a:xfrm rot="222526">
-            <a:off x="7561212" y="3088083"/>
-            <a:ext cx="2442697" cy="3305274"/>
+          <a:xfrm>
+            <a:off x="696548" y="2623765"/>
+            <a:ext cx="2472008" cy="2416485"/>
           </a:xfrm>
           <a:prstGeom prst="rect">
             <a:avLst/>
           </a:prstGeom>
         </p:spPr>
       </p:pic>
+      <p:pic>
+        <p:nvPicPr>
+          <p:cNvPr id="5" name="図 4"/>
+          <p:cNvPicPr>
+            <a:picLocks noChangeAspect="1"/>
+          </p:cNvPicPr>
+          <p:nvPr/>
+        </p:nvPicPr>
+        <p:blipFill>
+          <a:blip r:embed="rId3" cstate="print">
+            <a:extLst>
+              <a:ext uri="{28A0092B-C50C-407E-A947-70E740481C1C}">
+                <a14:useLocalDpi xmlns:a14="http://schemas.microsoft.com/office/drawing/2010/main" val="0"/>
+              </a:ext>
+            </a:extLst>
+          </a:blip>
+          <a:stretch>
+            <a:fillRect/>
+          </a:stretch>
+        </p:blipFill>
+        <p:spPr>
+          <a:xfrm>
+            <a:off x="4677099" y="2440622"/>
+            <a:ext cx="2283883" cy="2480581"/>
+          </a:xfrm>
+          <a:prstGeom prst="rect">
+            <a:avLst/>
+          </a:prstGeom>
+        </p:spPr>
+      </p:pic>
+      <p:pic>
+        <p:nvPicPr>
+          <p:cNvPr id="6" name="図 5"/>
+          <p:cNvPicPr>
+            <a:picLocks noChangeAspect="1"/>
+          </p:cNvPicPr>
+          <p:nvPr/>
+        </p:nvPicPr>
+        <p:blipFill>
+          <a:blip r:embed="rId4" cstate="print">
+            <a:extLst>
+              <a:ext uri="{28A0092B-C50C-407E-A947-70E740481C1C}">
+                <a14:useLocalDpi xmlns:a14="http://schemas.microsoft.com/office/drawing/2010/main" val="0"/>
+              </a:ext>
+            </a:extLst>
+          </a:blip>
+          <a:stretch>
+            <a:fillRect/>
+          </a:stretch>
+        </p:blipFill>
+        <p:spPr>
+          <a:xfrm>
+            <a:off x="8925940" y="2364546"/>
+            <a:ext cx="1692426" cy="2606081"/>
+          </a:xfrm>
+          <a:prstGeom prst="rect">
+            <a:avLst/>
+          </a:prstGeom>
+        </p:spPr>
+      </p:pic>
+      <p:sp>
+        <p:nvSpPr>
+          <p:cNvPr id="15" name="テキスト ボックス 14"/>
+          <p:cNvSpPr txBox="1"/>
+          <p:nvPr/>
+        </p:nvSpPr>
+        <p:spPr>
+          <a:xfrm>
+            <a:off x="379858" y="5240311"/>
+            <a:ext cx="12983689" cy="1569660"/>
+          </a:xfrm>
+          <a:prstGeom prst="rect">
+            <a:avLst/>
+          </a:prstGeom>
+          <a:noFill/>
+        </p:spPr>
+        <p:txBody>
+          <a:bodyPr wrap="square" rtlCol="0">
+            <a:spAutoFit/>
+          </a:bodyPr>
+          <a:lstStyle/>
+          <a:p>
+            <a:r>
+              <a:rPr lang="ja-JP" altLang="en-US" sz="3200" b="1" dirty="0" smtClean="0">
+                <a:latin typeface="ＭＳ ゴシック" panose="020B0609070205080204" pitchFamily="49" charset="-128"/>
+                <a:ea typeface="ＭＳ ゴシック" panose="020B0609070205080204" pitchFamily="49" charset="-128"/>
+              </a:rPr>
+              <a:t>子連れ</a:t>
+            </a:r>
+            <a:r>
+              <a:rPr lang="ja-JP" altLang="en-US" sz="3200" b="1" dirty="0">
+                <a:latin typeface="ＭＳ ゴシック" panose="020B0609070205080204" pitchFamily="49" charset="-128"/>
+                <a:ea typeface="ＭＳ ゴシック" panose="020B0609070205080204" pitchFamily="49" charset="-128"/>
+              </a:rPr>
+              <a:t>の客は親をカートに</a:t>
+            </a:r>
+            <a:r>
+              <a:rPr lang="ja-JP" altLang="en-US" sz="3200" b="1" dirty="0" smtClean="0">
+                <a:latin typeface="ＭＳ ゴシック" panose="020B0609070205080204" pitchFamily="49" charset="-128"/>
+                <a:ea typeface="ＭＳ ゴシック" panose="020B0609070205080204" pitchFamily="49" charset="-128"/>
+              </a:rPr>
+              <a:t>乗せると後ろに子供がついてくる。</a:t>
+            </a:r>
+            <a:endParaRPr lang="en-US" altLang="ja-JP" sz="3200" b="1" dirty="0" smtClean="0">
+              <a:latin typeface="ＭＳ ゴシック" panose="020B0609070205080204" pitchFamily="49" charset="-128"/>
+              <a:ea typeface="ＭＳ ゴシック" panose="020B0609070205080204" pitchFamily="49" charset="-128"/>
+            </a:endParaRPr>
+          </a:p>
+          <a:p>
+            <a:r>
+              <a:rPr lang="ja-JP" altLang="en-US" sz="3200" b="1" dirty="0">
+                <a:latin typeface="ＭＳ ゴシック" panose="020B0609070205080204" pitchFamily="49" charset="-128"/>
+                <a:ea typeface="ＭＳ ゴシック" panose="020B0609070205080204" pitchFamily="49" charset="-128"/>
+              </a:rPr>
+              <a:t>脚</a:t>
+            </a:r>
+            <a:r>
+              <a:rPr lang="ja-JP" altLang="en-US" sz="3200" b="1" dirty="0" smtClean="0">
+                <a:latin typeface="ＭＳ ゴシック" panose="020B0609070205080204" pitchFamily="49" charset="-128"/>
+                <a:ea typeface="ＭＳ ゴシック" panose="020B0609070205080204" pitchFamily="49" charset="-128"/>
+              </a:rPr>
+              <a:t>は遅いので離れすぎるといなくなってしまう。</a:t>
+            </a:r>
+            <a:endParaRPr lang="en-US" altLang="ja-JP" sz="3200" b="1" dirty="0">
+              <a:latin typeface="ＭＳ ゴシック" panose="020B0609070205080204" pitchFamily="49" charset="-128"/>
+              <a:ea typeface="ＭＳ ゴシック" panose="020B0609070205080204" pitchFamily="49" charset="-128"/>
+            </a:endParaRPr>
+          </a:p>
+          <a:p>
+            <a:endParaRPr lang="en-US" altLang="ja-JP" sz="3200" b="1" dirty="0" smtClean="0">
+              <a:latin typeface="ＭＳ ゴシック" panose="020B0609070205080204" pitchFamily="49" charset="-128"/>
+              <a:ea typeface="ＭＳ ゴシック" panose="020B0609070205080204" pitchFamily="49" charset="-128"/>
+            </a:endParaRPr>
+          </a:p>
+        </p:txBody>
+      </p:sp>
     </p:spTree>
     <p:extLst>
       <p:ext uri="{BB962C8B-B14F-4D97-AF65-F5344CB8AC3E}">
-        <p14:creationId xmlns:p14="http://schemas.microsoft.com/office/powerpoint/2010/main" val="3196187879"/>
+        <p14:creationId xmlns:p14="http://schemas.microsoft.com/office/powerpoint/2010/main" val="571696591"/>
       </p:ext>
     </p:extLst>
   </p:cSld>
@@ -4456,14 +4592,14 @@
       </p:grpSpPr>
       <p:sp>
         <p:nvSpPr>
-          <p:cNvPr id="16" name="正方形/長方形 15"/>
+          <p:cNvPr id="8" name="正方形/長方形 7"/>
           <p:cNvSpPr/>
           <p:nvPr/>
         </p:nvSpPr>
         <p:spPr>
           <a:xfrm>
-            <a:off x="0" y="5471711"/>
-            <a:ext cx="12192000" cy="1015663"/>
+            <a:off x="304791" y="1048269"/>
+            <a:ext cx="11335666" cy="1109824"/>
           </a:xfrm>
           <a:prstGeom prst="rect">
             <a:avLst/>
@@ -4498,20 +4634,24 @@
           <a:lstStyle/>
           <a:p>
             <a:pPr algn="ctr"/>
-            <a:endParaRPr kumimoji="1" lang="ja-JP" altLang="en-US" dirty="0"/>
-          </a:p>
-        </p:txBody>
-      </p:sp>
-      <p:sp>
-        <p:nvSpPr>
-          <p:cNvPr id="11" name="正方形/長方形 10"/>
+            <a:endParaRPr kumimoji="1" lang="ja-JP" altLang="en-US" dirty="0">
+              <a:solidFill>
+                <a:schemeClr val="tx1"/>
+              </a:solidFill>
+            </a:endParaRPr>
+          </a:p>
+        </p:txBody>
+      </p:sp>
+      <p:sp>
+        <p:nvSpPr>
+          <p:cNvPr id="7" name="正方形/長方形 6"/>
           <p:cNvSpPr/>
           <p:nvPr/>
         </p:nvSpPr>
         <p:spPr>
           <a:xfrm>
-            <a:off x="239151" y="1093201"/>
-            <a:ext cx="11495649" cy="691665"/>
+            <a:off x="0" y="-32606"/>
+            <a:ext cx="12192000" cy="1015663"/>
           </a:xfrm>
           <a:prstGeom prst="rect">
             <a:avLst/>
@@ -4552,14 +4692,50 @@
       </p:sp>
       <p:sp>
         <p:nvSpPr>
-          <p:cNvPr id="6" name="正方形/長方形 5"/>
+          <p:cNvPr id="3" name="テキスト ボックス 2"/>
+          <p:cNvSpPr txBox="1"/>
+          <p:nvPr/>
+        </p:nvSpPr>
+        <p:spPr>
+          <a:xfrm>
+            <a:off x="0" y="0"/>
+            <a:ext cx="7984901" cy="1015663"/>
+          </a:xfrm>
+          <a:prstGeom prst="rect">
+            <a:avLst/>
+          </a:prstGeom>
+          <a:noFill/>
+        </p:spPr>
+        <p:txBody>
+          <a:bodyPr wrap="square" rtlCol="0">
+            <a:spAutoFit/>
+          </a:bodyPr>
+          <a:lstStyle/>
+          <a:p>
+            <a:r>
+              <a:rPr kumimoji="1" lang="ja-JP" altLang="en-US" sz="6000" b="1" dirty="0" smtClean="0">
+                <a:latin typeface="ＭＳ ゴシック" panose="020B0609070205080204" pitchFamily="49" charset="-128"/>
+                <a:ea typeface="ＭＳ ゴシック" panose="020B0609070205080204" pitchFamily="49" charset="-128"/>
+              </a:rPr>
+              <a:t>警備員と店員</a:t>
+            </a:r>
+            <a:endParaRPr kumimoji="1" lang="ja-JP" altLang="en-US" sz="6000" b="1" dirty="0">
+              <a:latin typeface="ＭＳ ゴシック" panose="020B0609070205080204" pitchFamily="49" charset="-128"/>
+              <a:ea typeface="ＭＳ ゴシック" panose="020B0609070205080204" pitchFamily="49" charset="-128"/>
+            </a:endParaRPr>
+          </a:p>
+        </p:txBody>
+      </p:sp>
+      <p:sp>
+        <p:nvSpPr>
+          <p:cNvPr id="10" name="正方形/長方形 9"/>
           <p:cNvSpPr/>
           <p:nvPr/>
         </p:nvSpPr>
         <p:spPr>
           <a:xfrm>
-            <a:off x="0" y="-32606"/>
-            <a:ext cx="12192000" cy="1015663"/>
+            <a:off x="339594" y="2496865"/>
+            <a:ext cx="11402463" cy="4154407"/>
           </a:xfrm>
           <a:prstGeom prst="rect">
             <a:avLst/>
@@ -4594,20 +4770,24 @@
           <a:lstStyle/>
           <a:p>
             <a:pPr algn="ctr"/>
-            <a:endParaRPr kumimoji="1" lang="ja-JP" altLang="en-US" dirty="0"/>
-          </a:p>
-        </p:txBody>
-      </p:sp>
-      <p:sp>
-        <p:nvSpPr>
-          <p:cNvPr id="4" name="テキスト ボックス 3"/>
+            <a:endParaRPr kumimoji="1" lang="ja-JP" altLang="en-US" dirty="0">
+              <a:solidFill>
+                <a:schemeClr val="tx1"/>
+              </a:solidFill>
+            </a:endParaRPr>
+          </a:p>
+        </p:txBody>
+      </p:sp>
+      <p:sp>
+        <p:nvSpPr>
+          <p:cNvPr id="22" name="テキスト ボックス 21"/>
           <p:cNvSpPr txBox="1"/>
           <p:nvPr/>
         </p:nvSpPr>
         <p:spPr>
           <a:xfrm>
-            <a:off x="0" y="0"/>
-            <a:ext cx="7984901" cy="1015663"/>
+            <a:off x="1739697" y="1064572"/>
+            <a:ext cx="10264012" cy="584775"/>
           </a:xfrm>
           <a:prstGeom prst="rect">
             <a:avLst/>
@@ -4620,14 +4800,7 @@
           </a:bodyPr>
           <a:lstStyle/>
           <a:p>
-            <a:r>
-              <a:rPr kumimoji="1" lang="ja-JP" altLang="en-US" sz="6000" b="1" dirty="0" smtClean="0">
-                <a:latin typeface="ＭＳ ゴシック" panose="020B0609070205080204" pitchFamily="49" charset="-128"/>
-                <a:ea typeface="ＭＳ ゴシック" panose="020B0609070205080204" pitchFamily="49" charset="-128"/>
-              </a:rPr>
-              <a:t>ゲームシステム</a:t>
-            </a:r>
-            <a:endParaRPr kumimoji="1" lang="ja-JP" altLang="en-US" sz="6000" b="1" dirty="0">
+            <a:endParaRPr lang="en-US" altLang="ja-JP" sz="3200" b="1" dirty="0">
               <a:latin typeface="ＭＳ ゴシック" panose="020B0609070205080204" pitchFamily="49" charset="-128"/>
               <a:ea typeface="ＭＳ ゴシック" panose="020B0609070205080204" pitchFamily="49" charset="-128"/>
             </a:endParaRPr>
@@ -4636,14 +4809,14 @@
       </p:sp>
       <p:sp>
         <p:nvSpPr>
-          <p:cNvPr id="5" name="テキスト ボックス 4"/>
+          <p:cNvPr id="26" name="テキスト ボックス 25"/>
           <p:cNvSpPr txBox="1"/>
           <p:nvPr/>
         </p:nvSpPr>
         <p:spPr>
           <a:xfrm>
-            <a:off x="239151" y="1146647"/>
-            <a:ext cx="13303875" cy="584775"/>
+            <a:off x="339594" y="1032051"/>
+            <a:ext cx="10996063" cy="1077218"/>
           </a:xfrm>
           <a:prstGeom prst="rect">
             <a:avLst/>
@@ -4661,18 +4834,60 @@
                 <a:latin typeface="ＭＳ ゴシック" panose="020B0609070205080204" pitchFamily="49" charset="-128"/>
                 <a:ea typeface="ＭＳ ゴシック" panose="020B0609070205080204" pitchFamily="49" charset="-128"/>
               </a:rPr>
-              <a:t>カートを乗り換えて高得点を狙え！</a:t>
+              <a:t>カートに人を乗せているのを警備員に発見されると</a:t>
             </a:r>
             <a:endParaRPr lang="en-US" altLang="ja-JP" sz="3200" b="1" dirty="0" smtClean="0">
               <a:latin typeface="ＭＳ ゴシック" panose="020B0609070205080204" pitchFamily="49" charset="-128"/>
               <a:ea typeface="ＭＳ ゴシック" panose="020B0609070205080204" pitchFamily="49" charset="-128"/>
             </a:endParaRPr>
           </a:p>
+          <a:p>
+            <a:r>
+              <a:rPr lang="ja-JP" altLang="en-US" sz="3200" b="1" dirty="0" smtClean="0">
+                <a:latin typeface="ＭＳ ゴシック" panose="020B0609070205080204" pitchFamily="49" charset="-128"/>
+                <a:ea typeface="ＭＳ ゴシック" panose="020B0609070205080204" pitchFamily="49" charset="-128"/>
+              </a:rPr>
+              <a:t>追いかけて来る！</a:t>
+            </a:r>
+            <a:endParaRPr lang="en-US" altLang="ja-JP" sz="3200" b="1" dirty="0" smtClean="0">
+              <a:latin typeface="ＭＳ ゴシック" panose="020B0609070205080204" pitchFamily="49" charset="-128"/>
+              <a:ea typeface="ＭＳ ゴシック" panose="020B0609070205080204" pitchFamily="49" charset="-128"/>
+            </a:endParaRPr>
+          </a:p>
+        </p:txBody>
+      </p:sp>
+      <p:sp>
+        <p:nvSpPr>
+          <p:cNvPr id="32" name="テキスト ボックス 31"/>
+          <p:cNvSpPr txBox="1"/>
+          <p:nvPr/>
+        </p:nvSpPr>
+        <p:spPr>
+          <a:xfrm>
+            <a:off x="548670" y="2587183"/>
+            <a:ext cx="12983689" cy="584775"/>
+          </a:xfrm>
+          <a:prstGeom prst="rect">
+            <a:avLst/>
+          </a:prstGeom>
+          <a:noFill/>
+        </p:spPr>
+        <p:txBody>
+          <a:bodyPr wrap="square" rtlCol="0">
+            <a:spAutoFit/>
+          </a:bodyPr>
+          <a:lstStyle/>
+          <a:p>
+            <a:endParaRPr lang="en-US" altLang="ja-JP" sz="3200" b="1" dirty="0" smtClean="0">
+              <a:latin typeface="ＭＳ ゴシック" panose="020B0609070205080204" pitchFamily="49" charset="-128"/>
+              <a:ea typeface="ＭＳ ゴシック" panose="020B0609070205080204" pitchFamily="49" charset="-128"/>
+            </a:endParaRPr>
+          </a:p>
         </p:txBody>
       </p:sp>
       <p:pic>
         <p:nvPicPr>
-          <p:cNvPr id="9" name="図 8"/>
+          <p:cNvPr id="4" name="図 3"/>
           <p:cNvPicPr>
             <a:picLocks noChangeAspect="1"/>
           </p:cNvPicPr>
@@ -4692,29 +4907,113 @@
         </p:blipFill>
         <p:spPr>
           <a:xfrm>
-            <a:off x="8996598" y="2050936"/>
-            <a:ext cx="2992517" cy="3277518"/>
-          </a:xfrm>
-          <a:prstGeom prst="rect">
-            <a:avLst/>
-          </a:prstGeom>
-          <a:ln w="38100">
-            <a:solidFill>
-              <a:schemeClr val="tx1"/>
-            </a:solidFill>
-          </a:ln>
+            <a:off x="1956155" y="3510731"/>
+            <a:ext cx="3140542" cy="3140542"/>
+          </a:xfrm>
+          <a:prstGeom prst="rect">
+            <a:avLst/>
+          </a:prstGeom>
         </p:spPr>
       </p:pic>
+      <p:sp>
+        <p:nvSpPr>
+          <p:cNvPr id="13" name="正方形/長方形 12"/>
+          <p:cNvSpPr/>
+          <p:nvPr/>
+        </p:nvSpPr>
+        <p:spPr>
+          <a:xfrm>
+            <a:off x="6993762" y="5731336"/>
+            <a:ext cx="4160416" cy="292647"/>
+          </a:xfrm>
+          <a:prstGeom prst="rect">
+            <a:avLst/>
+          </a:prstGeom>
+          <a:solidFill>
+            <a:schemeClr val="accent1">
+              <a:lumMod val="60000"/>
+              <a:lumOff val="40000"/>
+            </a:schemeClr>
+          </a:solidFill>
+        </p:spPr>
+        <p:style>
+          <a:lnRef idx="2">
+            <a:schemeClr val="accent1">
+              <a:shade val="50000"/>
+            </a:schemeClr>
+          </a:lnRef>
+          <a:fillRef idx="1">
+            <a:schemeClr val="accent1"/>
+          </a:fillRef>
+          <a:effectRef idx="0">
+            <a:schemeClr val="accent1"/>
+          </a:effectRef>
+          <a:fontRef idx="minor">
+            <a:schemeClr val="lt1"/>
+          </a:fontRef>
+        </p:style>
+        <p:txBody>
+          <a:bodyPr rtlCol="0" anchor="ctr"/>
+          <a:lstStyle/>
+          <a:p>
+            <a:pPr algn="ctr"/>
+            <a:endParaRPr kumimoji="1" lang="ja-JP" altLang="en-US"/>
+          </a:p>
+        </p:txBody>
+      </p:sp>
+      <p:sp>
+        <p:nvSpPr>
+          <p:cNvPr id="14" name="楕円 13"/>
+          <p:cNvSpPr/>
+          <p:nvPr/>
+        </p:nvSpPr>
+        <p:spPr>
+          <a:xfrm>
+            <a:off x="6486975" y="5554511"/>
+            <a:ext cx="765949" cy="619036"/>
+          </a:xfrm>
+          <a:prstGeom prst="ellipse">
+            <a:avLst/>
+          </a:prstGeom>
+          <a:solidFill>
+            <a:srgbClr val="EA4646"/>
+          </a:solidFill>
+        </p:spPr>
+        <p:style>
+          <a:lnRef idx="2">
+            <a:schemeClr val="accent1">
+              <a:shade val="50000"/>
+            </a:schemeClr>
+          </a:lnRef>
+          <a:fillRef idx="1">
+            <a:schemeClr val="accent1"/>
+          </a:fillRef>
+          <a:effectRef idx="0">
+            <a:schemeClr val="accent1"/>
+          </a:effectRef>
+          <a:fontRef idx="minor">
+            <a:schemeClr val="lt1"/>
+          </a:fontRef>
+        </p:style>
+        <p:txBody>
+          <a:bodyPr rtlCol="0" anchor="ctr"/>
+          <a:lstStyle/>
+          <a:p>
+            <a:pPr algn="ctr"/>
+            <a:endParaRPr kumimoji="1" lang="ja-JP" altLang="en-US"/>
+          </a:p>
+        </p:txBody>
+      </p:sp>
       <p:pic>
         <p:nvPicPr>
-          <p:cNvPr id="10" name="図 9"/>
+          <p:cNvPr id="15" name="図 14"/>
           <p:cNvPicPr>
             <a:picLocks noChangeAspect="1"/>
           </p:cNvPicPr>
           <p:nvPr/>
         </p:nvPicPr>
         <p:blipFill>
-          <a:blip r:embed="rId3">
+          <a:blip r:embed="rId3" cstate="print">
             <a:extLst>
               <a:ext uri="{28A0092B-C50C-407E-A947-70E740481C1C}">
                 <a14:useLocalDpi xmlns:a14="http://schemas.microsoft.com/office/drawing/2010/main" val="0"/>
@@ -4726,9 +5025,9 @@
           </a:stretch>
         </p:blipFill>
         <p:spPr>
-          <a:xfrm>
-            <a:off x="5247241" y="1838312"/>
-            <a:ext cx="2545959" cy="3455776"/>
+          <a:xfrm flipH="1">
+            <a:off x="8925026" y="5371848"/>
+            <a:ext cx="878075" cy="1023460"/>
           </a:xfrm>
           <a:prstGeom prst="rect">
             <a:avLst/>
@@ -4737,14 +5036,59 @@
       </p:pic>
       <p:sp>
         <p:nvSpPr>
-          <p:cNvPr id="12" name="テキスト ボックス 11"/>
+          <p:cNvPr id="16" name="月 15"/>
+          <p:cNvSpPr/>
+          <p:nvPr/>
+        </p:nvSpPr>
+        <p:spPr>
+          <a:xfrm rot="2134749" flipH="1">
+            <a:off x="10709836" y="5536448"/>
+            <a:ext cx="538765" cy="678714"/>
+          </a:xfrm>
+          <a:prstGeom prst="moon">
+            <a:avLst>
+              <a:gd name="adj" fmla="val 51505"/>
+            </a:avLst>
+          </a:prstGeom>
+          <a:solidFill>
+            <a:srgbClr val="FFFF00"/>
+          </a:solidFill>
+        </p:spPr>
+        <p:style>
+          <a:lnRef idx="2">
+            <a:schemeClr val="accent1">
+              <a:shade val="50000"/>
+            </a:schemeClr>
+          </a:lnRef>
+          <a:fillRef idx="1">
+            <a:schemeClr val="accent1"/>
+          </a:fillRef>
+          <a:effectRef idx="0">
+            <a:schemeClr val="accent1"/>
+          </a:effectRef>
+          <a:fontRef idx="minor">
+            <a:schemeClr val="lt1"/>
+          </a:fontRef>
+        </p:style>
+        <p:txBody>
+          <a:bodyPr rtlCol="0" anchor="ctr"/>
+          <a:lstStyle/>
+          <a:p>
+            <a:pPr algn="ctr"/>
+            <a:endParaRPr kumimoji="1" lang="ja-JP" altLang="en-US"/>
+          </a:p>
+        </p:txBody>
+      </p:sp>
+      <p:sp>
+        <p:nvSpPr>
+          <p:cNvPr id="18" name="テキスト ボックス 17"/>
           <p:cNvSpPr txBox="1"/>
           <p:nvPr/>
         </p:nvSpPr>
         <p:spPr>
           <a:xfrm>
-            <a:off x="-86064" y="5414909"/>
-            <a:ext cx="4601029" cy="954107"/>
+            <a:off x="304791" y="2558253"/>
+            <a:ext cx="11437266" cy="1077218"/>
           </a:xfrm>
           <a:prstGeom prst="rect">
             <a:avLst/>
@@ -4758,160 +5102,41 @@
           <a:lstStyle/>
           <a:p>
             <a:r>
-              <a:rPr lang="ja-JP" altLang="en-US" sz="2800" b="1" dirty="0" smtClean="0">
+              <a:rPr lang="ja-JP" altLang="en-US" sz="3200" b="1" dirty="0" smtClean="0">
                 <a:latin typeface="ＭＳ ゴシック" panose="020B0609070205080204" pitchFamily="49" charset="-128"/>
                 <a:ea typeface="ＭＳ ゴシック" panose="020B0609070205080204" pitchFamily="49" charset="-128"/>
               </a:rPr>
-              <a:t>重いがたくさん乗せられる</a:t>
-            </a:r>
-            <a:endParaRPr lang="en-US" altLang="ja-JP" sz="2800" b="1" dirty="0" smtClean="0">
+              <a:t>つかまると出禁にされ、時間が経過するまで入店できない</a:t>
+            </a:r>
+            <a:endParaRPr lang="en-US" altLang="ja-JP" sz="3200" b="1" dirty="0" smtClean="0">
               <a:latin typeface="ＭＳ ゴシック" panose="020B0609070205080204" pitchFamily="49" charset="-128"/>
               <a:ea typeface="ＭＳ ゴシック" panose="020B0609070205080204" pitchFamily="49" charset="-128"/>
             </a:endParaRPr>
           </a:p>
           <a:p>
             <a:r>
-              <a:rPr lang="ja-JP" altLang="en-US" sz="2800" b="1" dirty="0" smtClean="0">
+              <a:rPr lang="ja-JP" altLang="en-US" sz="3200" b="1" dirty="0" smtClean="0">
                 <a:latin typeface="ＭＳ ゴシック" panose="020B0609070205080204" pitchFamily="49" charset="-128"/>
                 <a:ea typeface="ＭＳ ゴシック" panose="020B0609070205080204" pitchFamily="49" charset="-128"/>
               </a:rPr>
-              <a:t>　　</a:t>
-            </a:r>
-            <a:r>
-              <a:rPr lang="ja-JP" altLang="en-US" sz="2800" b="1" dirty="0">
-                <a:latin typeface="ＭＳ ゴシック" panose="020B0609070205080204" pitchFamily="49" charset="-128"/>
-                <a:ea typeface="ＭＳ ゴシック" panose="020B0609070205080204" pitchFamily="49" charset="-128"/>
-              </a:rPr>
-              <a:t>　</a:t>
-            </a:r>
-            <a:r>
-              <a:rPr lang="ja-JP" altLang="en-US" sz="2800" b="1" dirty="0" smtClean="0">
-                <a:latin typeface="ＭＳ ゴシック" panose="020B0609070205080204" pitchFamily="49" charset="-128"/>
-                <a:ea typeface="ＭＳ ゴシック" panose="020B0609070205080204" pitchFamily="49" charset="-128"/>
-              </a:rPr>
-              <a:t>大型カート</a:t>
-            </a:r>
-            <a:endParaRPr lang="en-US" altLang="ja-JP" sz="2800" b="1" dirty="0" smtClean="0">
+              <a:t>店員は人を乗せるとこを発見すると叫んで警備員を呼ぶ！</a:t>
+            </a:r>
+            <a:endParaRPr lang="en-US" altLang="ja-JP" sz="3200" b="1" dirty="0" smtClean="0">
               <a:latin typeface="ＭＳ ゴシック" panose="020B0609070205080204" pitchFamily="49" charset="-128"/>
               <a:ea typeface="ＭＳ ゴシック" panose="020B0609070205080204" pitchFamily="49" charset="-128"/>
             </a:endParaRPr>
           </a:p>
         </p:txBody>
       </p:sp>
-      <p:sp>
-        <p:nvSpPr>
-          <p:cNvPr id="14" name="テキスト ボックス 13"/>
-          <p:cNvSpPr txBox="1"/>
-          <p:nvPr/>
-        </p:nvSpPr>
-        <p:spPr>
-          <a:xfrm>
-            <a:off x="4395569" y="5387738"/>
-            <a:ext cx="4601029" cy="954107"/>
-          </a:xfrm>
-          <a:prstGeom prst="rect">
-            <a:avLst/>
-          </a:prstGeom>
-          <a:noFill/>
-        </p:spPr>
-        <p:txBody>
-          <a:bodyPr wrap="square" rtlCol="0">
-            <a:spAutoFit/>
-          </a:bodyPr>
-          <a:lstStyle/>
-          <a:p>
-            <a:r>
-              <a:rPr lang="ja-JP" altLang="en-US" sz="2800" b="1" dirty="0" smtClean="0">
-                <a:latin typeface="ＭＳ ゴシック" panose="020B0609070205080204" pitchFamily="49" charset="-128"/>
-                <a:ea typeface="ＭＳ ゴシック" panose="020B0609070205080204" pitchFamily="49" charset="-128"/>
-              </a:rPr>
-              <a:t>　平均的な速さと軽さ</a:t>
-            </a:r>
-            <a:endParaRPr lang="en-US" altLang="ja-JP" sz="2800" b="1" dirty="0" smtClean="0">
-              <a:latin typeface="ＭＳ ゴシック" panose="020B0609070205080204" pitchFamily="49" charset="-128"/>
-              <a:ea typeface="ＭＳ ゴシック" panose="020B0609070205080204" pitchFamily="49" charset="-128"/>
-            </a:endParaRPr>
-          </a:p>
-          <a:p>
-            <a:r>
-              <a:rPr lang="ja-JP" altLang="en-US" sz="2800" b="1" dirty="0">
-                <a:latin typeface="ＭＳ ゴシック" panose="020B0609070205080204" pitchFamily="49" charset="-128"/>
-                <a:ea typeface="ＭＳ ゴシック" panose="020B0609070205080204" pitchFamily="49" charset="-128"/>
-              </a:rPr>
-              <a:t>　</a:t>
-            </a:r>
-            <a:r>
-              <a:rPr lang="ja-JP" altLang="en-US" sz="2800" b="1" dirty="0" smtClean="0">
-                <a:latin typeface="ＭＳ ゴシック" panose="020B0609070205080204" pitchFamily="49" charset="-128"/>
-                <a:ea typeface="ＭＳ ゴシック" panose="020B0609070205080204" pitchFamily="49" charset="-128"/>
-              </a:rPr>
-              <a:t>ショピングカート</a:t>
-            </a:r>
-            <a:endParaRPr lang="en-US" altLang="ja-JP" sz="2800" b="1" dirty="0" smtClean="0">
-              <a:latin typeface="ＭＳ ゴシック" panose="020B0609070205080204" pitchFamily="49" charset="-128"/>
-              <a:ea typeface="ＭＳ ゴシック" panose="020B0609070205080204" pitchFamily="49" charset="-128"/>
-            </a:endParaRPr>
-          </a:p>
-        </p:txBody>
-      </p:sp>
-      <p:sp>
-        <p:nvSpPr>
-          <p:cNvPr id="15" name="テキスト ボックス 14"/>
-          <p:cNvSpPr txBox="1"/>
-          <p:nvPr/>
-        </p:nvSpPr>
-        <p:spPr>
-          <a:xfrm>
-            <a:off x="8873227" y="5387737"/>
-            <a:ext cx="3609374" cy="954107"/>
-          </a:xfrm>
-          <a:prstGeom prst="rect">
-            <a:avLst/>
-          </a:prstGeom>
-          <a:noFill/>
-        </p:spPr>
-        <p:txBody>
-          <a:bodyPr wrap="square" rtlCol="0">
-            <a:spAutoFit/>
-          </a:bodyPr>
-          <a:lstStyle/>
-          <a:p>
-            <a:r>
-              <a:rPr lang="ja-JP" altLang="en-US" sz="2800" b="1" dirty="0" smtClean="0">
-                <a:latin typeface="ＭＳ ゴシック" panose="020B0609070205080204" pitchFamily="49" charset="-128"/>
-                <a:ea typeface="ＭＳ ゴシック" panose="020B0609070205080204" pitchFamily="49" charset="-128"/>
-              </a:rPr>
-              <a:t>速くて小回りの利く</a:t>
-            </a:r>
-            <a:endParaRPr lang="en-US" altLang="ja-JP" sz="2800" b="1" dirty="0" smtClean="0">
-              <a:latin typeface="ＭＳ ゴシック" panose="020B0609070205080204" pitchFamily="49" charset="-128"/>
-              <a:ea typeface="ＭＳ ゴシック" panose="020B0609070205080204" pitchFamily="49" charset="-128"/>
-            </a:endParaRPr>
-          </a:p>
-          <a:p>
-            <a:r>
-              <a:rPr lang="ja-JP" altLang="en-US" sz="2800" b="1" dirty="0" smtClean="0">
-                <a:latin typeface="ＭＳ ゴシック" panose="020B0609070205080204" pitchFamily="49" charset="-128"/>
-                <a:ea typeface="ＭＳ ゴシック" panose="020B0609070205080204" pitchFamily="49" charset="-128"/>
-              </a:rPr>
-              <a:t>　子供用カート</a:t>
-            </a:r>
-            <a:endParaRPr lang="en-US" altLang="ja-JP" sz="2800" b="1" dirty="0" smtClean="0">
-              <a:latin typeface="ＭＳ ゴシック" panose="020B0609070205080204" pitchFamily="49" charset="-128"/>
-              <a:ea typeface="ＭＳ ゴシック" panose="020B0609070205080204" pitchFamily="49" charset="-128"/>
-            </a:endParaRPr>
-          </a:p>
-        </p:txBody>
-      </p:sp>
       <p:pic>
         <p:nvPicPr>
-          <p:cNvPr id="2" name="図 1"/>
+          <p:cNvPr id="5" name="図 4"/>
           <p:cNvPicPr>
             <a:picLocks noChangeAspect="1"/>
           </p:cNvPicPr>
           <p:nvPr/>
         </p:nvPicPr>
-        <p:blipFill rotWithShape="1">
+        <p:blipFill>
           <a:blip r:embed="rId4">
             <a:extLst>
               <a:ext uri="{28A0092B-C50C-407E-A947-70E740481C1C}">
@@ -4919,13 +5144,14 @@
               </a:ext>
             </a:extLst>
           </a:blip>
-          <a:srcRect l="-12523" t="51282" r="12523" b="410"/>
-          <a:stretch/>
+          <a:stretch>
+            <a:fillRect/>
+          </a:stretch>
         </p:blipFill>
         <p:spPr>
           <a:xfrm>
-            <a:off x="0" y="2033224"/>
-            <a:ext cx="4156418" cy="3312942"/>
+            <a:off x="654070" y="3670641"/>
+            <a:ext cx="1553175" cy="2847487"/>
           </a:xfrm>
           <a:prstGeom prst="rect">
             <a:avLst/>
@@ -4935,7 +5161,7 @@
     </p:spTree>
     <p:extLst>
       <p:ext uri="{BB962C8B-B14F-4D97-AF65-F5344CB8AC3E}">
-        <p14:creationId xmlns:p14="http://schemas.microsoft.com/office/powerpoint/2010/main" val="4234566880"/>
+        <p14:creationId xmlns:p14="http://schemas.microsoft.com/office/powerpoint/2010/main" val="3609582055"/>
       </p:ext>
     </p:extLst>
   </p:cSld>
@@ -4964,13 +5190,13 @@
       </p:grpSpPr>
       <p:sp>
         <p:nvSpPr>
-          <p:cNvPr id="7" name="正方形/長方形 6"/>
+          <p:cNvPr id="16" name="正方形/長方形 15"/>
           <p:cNvSpPr/>
           <p:nvPr/>
         </p:nvSpPr>
         <p:spPr>
           <a:xfrm>
-            <a:off x="0" y="-32606"/>
+            <a:off x="0" y="5471711"/>
             <a:ext cx="12192000" cy="1015663"/>
           </a:xfrm>
           <a:prstGeom prst="rect">
@@ -5012,50 +5238,14 @@
       </p:sp>
       <p:sp>
         <p:nvSpPr>
-          <p:cNvPr id="3" name="テキスト ボックス 2"/>
-          <p:cNvSpPr txBox="1"/>
-          <p:nvPr/>
-        </p:nvSpPr>
-        <p:spPr>
-          <a:xfrm>
-            <a:off x="0" y="0"/>
-            <a:ext cx="7984901" cy="1015663"/>
-          </a:xfrm>
-          <a:prstGeom prst="rect">
-            <a:avLst/>
-          </a:prstGeom>
-          <a:noFill/>
-        </p:spPr>
-        <p:txBody>
-          <a:bodyPr wrap="square" rtlCol="0">
-            <a:spAutoFit/>
-          </a:bodyPr>
-          <a:lstStyle/>
-          <a:p>
-            <a:r>
-              <a:rPr kumimoji="1" lang="ja-JP" altLang="en-US" sz="6000" b="1" dirty="0" smtClean="0">
-                <a:latin typeface="ＭＳ ゴシック" panose="020B0609070205080204" pitchFamily="49" charset="-128"/>
-                <a:ea typeface="ＭＳ ゴシック" panose="020B0609070205080204" pitchFamily="49" charset="-128"/>
-              </a:rPr>
-              <a:t>ゲームシステム</a:t>
-            </a:r>
-            <a:endParaRPr kumimoji="1" lang="ja-JP" altLang="en-US" sz="6000" b="1" dirty="0">
-              <a:latin typeface="ＭＳ ゴシック" panose="020B0609070205080204" pitchFamily="49" charset="-128"/>
-              <a:ea typeface="ＭＳ ゴシック" panose="020B0609070205080204" pitchFamily="49" charset="-128"/>
-            </a:endParaRPr>
-          </a:p>
-        </p:txBody>
-      </p:sp>
-      <p:sp>
-        <p:nvSpPr>
-          <p:cNvPr id="10" name="正方形/長方形 9"/>
+          <p:cNvPr id="11" name="正方形/長方形 10"/>
           <p:cNvSpPr/>
           <p:nvPr/>
         </p:nvSpPr>
         <p:spPr>
           <a:xfrm>
-            <a:off x="126609" y="1054208"/>
-            <a:ext cx="11877099" cy="5555597"/>
+            <a:off x="239151" y="1093201"/>
+            <a:ext cx="11495649" cy="691665"/>
           </a:xfrm>
           <a:prstGeom prst="rect">
             <a:avLst/>
@@ -5090,24 +5280,68 @@
           <a:lstStyle/>
           <a:p>
             <a:pPr algn="ctr"/>
-            <a:endParaRPr kumimoji="1" lang="ja-JP" altLang="en-US" dirty="0">
-              <a:solidFill>
-                <a:schemeClr val="tx1"/>
-              </a:solidFill>
-            </a:endParaRPr>
-          </a:p>
-        </p:txBody>
-      </p:sp>
-      <p:sp>
-        <p:nvSpPr>
-          <p:cNvPr id="22" name="テキスト ボックス 21"/>
+            <a:endParaRPr kumimoji="1" lang="ja-JP" altLang="en-US" dirty="0"/>
+          </a:p>
+        </p:txBody>
+      </p:sp>
+      <p:sp>
+        <p:nvSpPr>
+          <p:cNvPr id="6" name="正方形/長方形 5"/>
+          <p:cNvSpPr/>
+          <p:nvPr/>
+        </p:nvSpPr>
+        <p:spPr>
+          <a:xfrm>
+            <a:off x="0" y="-32606"/>
+            <a:ext cx="12192000" cy="1015663"/>
+          </a:xfrm>
+          <a:prstGeom prst="rect">
+            <a:avLst/>
+          </a:prstGeom>
+          <a:solidFill>
+            <a:schemeClr val="bg1"/>
+          </a:solidFill>
+          <a:ln>
+            <a:solidFill>
+              <a:schemeClr val="tx1"/>
+            </a:solidFill>
+          </a:ln>
+        </p:spPr>
+        <p:style>
+          <a:lnRef idx="2">
+            <a:schemeClr val="accent1">
+              <a:shade val="50000"/>
+            </a:schemeClr>
+          </a:lnRef>
+          <a:fillRef idx="1">
+            <a:schemeClr val="accent1"/>
+          </a:fillRef>
+          <a:effectRef idx="0">
+            <a:schemeClr val="accent1"/>
+          </a:effectRef>
+          <a:fontRef idx="minor">
+            <a:schemeClr val="lt1"/>
+          </a:fontRef>
+        </p:style>
+        <p:txBody>
+          <a:bodyPr rtlCol="0" anchor="ctr"/>
+          <a:lstStyle/>
+          <a:p>
+            <a:pPr algn="ctr"/>
+            <a:endParaRPr kumimoji="1" lang="ja-JP" altLang="en-US" dirty="0"/>
+          </a:p>
+        </p:txBody>
+      </p:sp>
+      <p:sp>
+        <p:nvSpPr>
+          <p:cNvPr id="4" name="テキスト ボックス 3"/>
           <p:cNvSpPr txBox="1"/>
           <p:nvPr/>
         </p:nvSpPr>
         <p:spPr>
           <a:xfrm>
-            <a:off x="1739697" y="1064572"/>
-            <a:ext cx="10264012" cy="584775"/>
+            <a:off x="0" y="0"/>
+            <a:ext cx="7984901" cy="1015663"/>
           </a:xfrm>
           <a:prstGeom prst="rect">
             <a:avLst/>
@@ -5120,7 +5354,14 @@
           </a:bodyPr>
           <a:lstStyle/>
           <a:p>
-            <a:endParaRPr lang="en-US" altLang="ja-JP" sz="3200" b="1" dirty="0">
+            <a:r>
+              <a:rPr lang="ja-JP" altLang="en-US" sz="6000" b="1" dirty="0" smtClean="0">
+                <a:latin typeface="ＭＳ ゴシック" panose="020B0609070205080204" pitchFamily="49" charset="-128"/>
+                <a:ea typeface="ＭＳ ゴシック" panose="020B0609070205080204" pitchFamily="49" charset="-128"/>
+              </a:rPr>
+              <a:t>カートの種類</a:t>
+            </a:r>
+            <a:endParaRPr kumimoji="1" lang="ja-JP" altLang="en-US" sz="6000" b="1" dirty="0">
               <a:latin typeface="ＭＳ ゴシック" panose="020B0609070205080204" pitchFamily="49" charset="-128"/>
               <a:ea typeface="ＭＳ ゴシック" panose="020B0609070205080204" pitchFamily="49" charset="-128"/>
             </a:endParaRPr>
@@ -5129,14 +5370,14 @@
       </p:sp>
       <p:sp>
         <p:nvSpPr>
-          <p:cNvPr id="32" name="テキスト ボックス 31"/>
+          <p:cNvPr id="5" name="テキスト ボックス 4"/>
           <p:cNvSpPr txBox="1"/>
           <p:nvPr/>
         </p:nvSpPr>
         <p:spPr>
           <a:xfrm>
-            <a:off x="503693" y="1192253"/>
-            <a:ext cx="12983689" cy="1077218"/>
+            <a:off x="239151" y="1146647"/>
+            <a:ext cx="13303875" cy="584775"/>
           </a:xfrm>
           <a:prstGeom prst="rect">
             <a:avLst/>
@@ -5154,38 +5395,25 @@
                 <a:latin typeface="ＭＳ ゴシック" panose="020B0609070205080204" pitchFamily="49" charset="-128"/>
                 <a:ea typeface="ＭＳ ゴシック" panose="020B0609070205080204" pitchFamily="49" charset="-128"/>
               </a:rPr>
-              <a:t>客にはカートを持った客や子連れの客がいる</a:t>
+              <a:t>カートを乗り換えて高得点を狙え！</a:t>
             </a:r>
             <a:endParaRPr lang="en-US" altLang="ja-JP" sz="3200" b="1" dirty="0" smtClean="0">
               <a:latin typeface="ＭＳ ゴシック" panose="020B0609070205080204" pitchFamily="49" charset="-128"/>
               <a:ea typeface="ＭＳ ゴシック" panose="020B0609070205080204" pitchFamily="49" charset="-128"/>
             </a:endParaRPr>
           </a:p>
-          <a:p>
-            <a:r>
-              <a:rPr lang="ja-JP" altLang="en-US" sz="3200" b="1" dirty="0" smtClean="0">
-                <a:latin typeface="ＭＳ ゴシック" panose="020B0609070205080204" pitchFamily="49" charset="-128"/>
-                <a:ea typeface="ＭＳ ゴシック" panose="020B0609070205080204" pitchFamily="49" charset="-128"/>
-              </a:rPr>
-              <a:t>カートを持った客にはかごを投げつけてジャックできる</a:t>
-            </a:r>
-            <a:endParaRPr lang="en-US" altLang="ja-JP" sz="3200" b="1" dirty="0" smtClean="0">
-              <a:latin typeface="ＭＳ ゴシック" panose="020B0609070205080204" pitchFamily="49" charset="-128"/>
-              <a:ea typeface="ＭＳ ゴシック" panose="020B0609070205080204" pitchFamily="49" charset="-128"/>
-            </a:endParaRPr>
-          </a:p>
         </p:txBody>
       </p:sp>
       <p:pic>
         <p:nvPicPr>
-          <p:cNvPr id="4" name="図 3"/>
+          <p:cNvPr id="9" name="図 8"/>
           <p:cNvPicPr>
             <a:picLocks noChangeAspect="1"/>
           </p:cNvPicPr>
           <p:nvPr/>
         </p:nvPicPr>
         <p:blipFill>
-          <a:blip r:embed="rId2" cstate="print">
+          <a:blip r:embed="rId2">
             <a:extLst>
               <a:ext uri="{28A0092B-C50C-407E-A947-70E740481C1C}">
                 <a14:useLocalDpi xmlns:a14="http://schemas.microsoft.com/office/drawing/2010/main" val="0"/>
@@ -5198,24 +5426,29 @@
         </p:blipFill>
         <p:spPr>
           <a:xfrm>
-            <a:off x="696548" y="2623765"/>
-            <a:ext cx="2472008" cy="2416485"/>
-          </a:xfrm>
-          <a:prstGeom prst="rect">
-            <a:avLst/>
-          </a:prstGeom>
+            <a:off x="8996598" y="2050936"/>
+            <a:ext cx="2992517" cy="3277518"/>
+          </a:xfrm>
+          <a:prstGeom prst="rect">
+            <a:avLst/>
+          </a:prstGeom>
+          <a:ln w="38100">
+            <a:solidFill>
+              <a:schemeClr val="tx1"/>
+            </a:solidFill>
+          </a:ln>
         </p:spPr>
       </p:pic>
       <p:pic>
         <p:nvPicPr>
-          <p:cNvPr id="5" name="図 4"/>
+          <p:cNvPr id="10" name="図 9"/>
           <p:cNvPicPr>
             <a:picLocks noChangeAspect="1"/>
           </p:cNvPicPr>
           <p:nvPr/>
         </p:nvPicPr>
         <p:blipFill>
-          <a:blip r:embed="rId3" cstate="print">
+          <a:blip r:embed="rId3">
             <a:extLst>
               <a:ext uri="{28A0092B-C50C-407E-A947-70E740481C1C}">
                 <a14:useLocalDpi xmlns:a14="http://schemas.microsoft.com/office/drawing/2010/main" val="0"/>
@@ -5228,124 +5461,215 @@
         </p:blipFill>
         <p:spPr>
           <a:xfrm>
-            <a:off x="4677099" y="2440622"/>
-            <a:ext cx="2283883" cy="2480581"/>
+            <a:off x="5247241" y="1838312"/>
+            <a:ext cx="2545959" cy="3455776"/>
           </a:xfrm>
           <a:prstGeom prst="rect">
             <a:avLst/>
           </a:prstGeom>
         </p:spPr>
       </p:pic>
+      <p:sp>
+        <p:nvSpPr>
+          <p:cNvPr id="12" name="テキスト ボックス 11"/>
+          <p:cNvSpPr txBox="1"/>
+          <p:nvPr/>
+        </p:nvSpPr>
+        <p:spPr>
+          <a:xfrm>
+            <a:off x="-86064" y="5414909"/>
+            <a:ext cx="4601029" cy="954107"/>
+          </a:xfrm>
+          <a:prstGeom prst="rect">
+            <a:avLst/>
+          </a:prstGeom>
+          <a:noFill/>
+        </p:spPr>
+        <p:txBody>
+          <a:bodyPr wrap="square" rtlCol="0">
+            <a:spAutoFit/>
+          </a:bodyPr>
+          <a:lstStyle/>
+          <a:p>
+            <a:r>
+              <a:rPr lang="ja-JP" altLang="en-US" sz="2800" b="1" dirty="0" smtClean="0">
+                <a:latin typeface="ＭＳ ゴシック" panose="020B0609070205080204" pitchFamily="49" charset="-128"/>
+                <a:ea typeface="ＭＳ ゴシック" panose="020B0609070205080204" pitchFamily="49" charset="-128"/>
+              </a:rPr>
+              <a:t>重いがたくさん乗せられる</a:t>
+            </a:r>
+            <a:endParaRPr lang="en-US" altLang="ja-JP" sz="2800" b="1" dirty="0" smtClean="0">
+              <a:latin typeface="ＭＳ ゴシック" panose="020B0609070205080204" pitchFamily="49" charset="-128"/>
+              <a:ea typeface="ＭＳ ゴシック" panose="020B0609070205080204" pitchFamily="49" charset="-128"/>
+            </a:endParaRPr>
+          </a:p>
+          <a:p>
+            <a:r>
+              <a:rPr lang="ja-JP" altLang="en-US" sz="2800" b="1" dirty="0" smtClean="0">
+                <a:latin typeface="ＭＳ ゴシック" panose="020B0609070205080204" pitchFamily="49" charset="-128"/>
+                <a:ea typeface="ＭＳ ゴシック" panose="020B0609070205080204" pitchFamily="49" charset="-128"/>
+              </a:rPr>
+              <a:t>　　</a:t>
+            </a:r>
+            <a:r>
+              <a:rPr lang="ja-JP" altLang="en-US" sz="2800" b="1" dirty="0">
+                <a:latin typeface="ＭＳ ゴシック" panose="020B0609070205080204" pitchFamily="49" charset="-128"/>
+                <a:ea typeface="ＭＳ ゴシック" panose="020B0609070205080204" pitchFamily="49" charset="-128"/>
+              </a:rPr>
+              <a:t>　</a:t>
+            </a:r>
+            <a:r>
+              <a:rPr lang="ja-JP" altLang="en-US" sz="2800" b="1" dirty="0" smtClean="0">
+                <a:latin typeface="ＭＳ ゴシック" panose="020B0609070205080204" pitchFamily="49" charset="-128"/>
+                <a:ea typeface="ＭＳ ゴシック" panose="020B0609070205080204" pitchFamily="49" charset="-128"/>
+              </a:rPr>
+              <a:t>大型カート</a:t>
+            </a:r>
+            <a:endParaRPr lang="en-US" altLang="ja-JP" sz="2800" b="1" dirty="0" smtClean="0">
+              <a:latin typeface="ＭＳ ゴシック" panose="020B0609070205080204" pitchFamily="49" charset="-128"/>
+              <a:ea typeface="ＭＳ ゴシック" panose="020B0609070205080204" pitchFamily="49" charset="-128"/>
+            </a:endParaRPr>
+          </a:p>
+        </p:txBody>
+      </p:sp>
+      <p:sp>
+        <p:nvSpPr>
+          <p:cNvPr id="14" name="テキスト ボックス 13"/>
+          <p:cNvSpPr txBox="1"/>
+          <p:nvPr/>
+        </p:nvSpPr>
+        <p:spPr>
+          <a:xfrm>
+            <a:off x="4395569" y="5387738"/>
+            <a:ext cx="4601029" cy="954107"/>
+          </a:xfrm>
+          <a:prstGeom prst="rect">
+            <a:avLst/>
+          </a:prstGeom>
+          <a:noFill/>
+        </p:spPr>
+        <p:txBody>
+          <a:bodyPr wrap="square" rtlCol="0">
+            <a:spAutoFit/>
+          </a:bodyPr>
+          <a:lstStyle/>
+          <a:p>
+            <a:r>
+              <a:rPr lang="ja-JP" altLang="en-US" sz="2800" b="1" dirty="0" smtClean="0">
+                <a:latin typeface="ＭＳ ゴシック" panose="020B0609070205080204" pitchFamily="49" charset="-128"/>
+                <a:ea typeface="ＭＳ ゴシック" panose="020B0609070205080204" pitchFamily="49" charset="-128"/>
+              </a:rPr>
+              <a:t>　平均的な速さと軽さ</a:t>
+            </a:r>
+            <a:endParaRPr lang="en-US" altLang="ja-JP" sz="2800" b="1" dirty="0" smtClean="0">
+              <a:latin typeface="ＭＳ ゴシック" panose="020B0609070205080204" pitchFamily="49" charset="-128"/>
+              <a:ea typeface="ＭＳ ゴシック" panose="020B0609070205080204" pitchFamily="49" charset="-128"/>
+            </a:endParaRPr>
+          </a:p>
+          <a:p>
+            <a:r>
+              <a:rPr lang="ja-JP" altLang="en-US" sz="2800" b="1" dirty="0">
+                <a:latin typeface="ＭＳ ゴシック" panose="020B0609070205080204" pitchFamily="49" charset="-128"/>
+                <a:ea typeface="ＭＳ ゴシック" panose="020B0609070205080204" pitchFamily="49" charset="-128"/>
+              </a:rPr>
+              <a:t>　</a:t>
+            </a:r>
+            <a:r>
+              <a:rPr lang="ja-JP" altLang="en-US" sz="2800" b="1" dirty="0" smtClean="0">
+                <a:latin typeface="ＭＳ ゴシック" panose="020B0609070205080204" pitchFamily="49" charset="-128"/>
+                <a:ea typeface="ＭＳ ゴシック" panose="020B0609070205080204" pitchFamily="49" charset="-128"/>
+              </a:rPr>
+              <a:t>ショピングカート</a:t>
+            </a:r>
+            <a:endParaRPr lang="en-US" altLang="ja-JP" sz="2800" b="1" dirty="0" smtClean="0">
+              <a:latin typeface="ＭＳ ゴシック" panose="020B0609070205080204" pitchFamily="49" charset="-128"/>
+              <a:ea typeface="ＭＳ ゴシック" panose="020B0609070205080204" pitchFamily="49" charset="-128"/>
+            </a:endParaRPr>
+          </a:p>
+        </p:txBody>
+      </p:sp>
+      <p:sp>
+        <p:nvSpPr>
+          <p:cNvPr id="15" name="テキスト ボックス 14"/>
+          <p:cNvSpPr txBox="1"/>
+          <p:nvPr/>
+        </p:nvSpPr>
+        <p:spPr>
+          <a:xfrm>
+            <a:off x="8873227" y="5387737"/>
+            <a:ext cx="3609374" cy="954107"/>
+          </a:xfrm>
+          <a:prstGeom prst="rect">
+            <a:avLst/>
+          </a:prstGeom>
+          <a:noFill/>
+        </p:spPr>
+        <p:txBody>
+          <a:bodyPr wrap="square" rtlCol="0">
+            <a:spAutoFit/>
+          </a:bodyPr>
+          <a:lstStyle/>
+          <a:p>
+            <a:r>
+              <a:rPr lang="ja-JP" altLang="en-US" sz="2800" b="1" dirty="0" smtClean="0">
+                <a:latin typeface="ＭＳ ゴシック" panose="020B0609070205080204" pitchFamily="49" charset="-128"/>
+                <a:ea typeface="ＭＳ ゴシック" panose="020B0609070205080204" pitchFamily="49" charset="-128"/>
+              </a:rPr>
+              <a:t>速くて小回りの利く</a:t>
+            </a:r>
+            <a:endParaRPr lang="en-US" altLang="ja-JP" sz="2800" b="1" dirty="0" smtClean="0">
+              <a:latin typeface="ＭＳ ゴシック" panose="020B0609070205080204" pitchFamily="49" charset="-128"/>
+              <a:ea typeface="ＭＳ ゴシック" panose="020B0609070205080204" pitchFamily="49" charset="-128"/>
+            </a:endParaRPr>
+          </a:p>
+          <a:p>
+            <a:r>
+              <a:rPr lang="ja-JP" altLang="en-US" sz="2800" b="1" dirty="0" smtClean="0">
+                <a:latin typeface="ＭＳ ゴシック" panose="020B0609070205080204" pitchFamily="49" charset="-128"/>
+                <a:ea typeface="ＭＳ ゴシック" panose="020B0609070205080204" pitchFamily="49" charset="-128"/>
+              </a:rPr>
+              <a:t>　子供用カート</a:t>
+            </a:r>
+            <a:endParaRPr lang="en-US" altLang="ja-JP" sz="2800" b="1" dirty="0" smtClean="0">
+              <a:latin typeface="ＭＳ ゴシック" panose="020B0609070205080204" pitchFamily="49" charset="-128"/>
+              <a:ea typeface="ＭＳ ゴシック" panose="020B0609070205080204" pitchFamily="49" charset="-128"/>
+            </a:endParaRPr>
+          </a:p>
+        </p:txBody>
+      </p:sp>
       <p:pic>
         <p:nvPicPr>
-          <p:cNvPr id="6" name="図 5"/>
+          <p:cNvPr id="2" name="図 1"/>
           <p:cNvPicPr>
             <a:picLocks noChangeAspect="1"/>
           </p:cNvPicPr>
           <p:nvPr/>
         </p:nvPicPr>
-        <p:blipFill>
-          <a:blip r:embed="rId4" cstate="print">
+        <p:blipFill rotWithShape="1">
+          <a:blip r:embed="rId4">
             <a:extLst>
               <a:ext uri="{28A0092B-C50C-407E-A947-70E740481C1C}">
                 <a14:useLocalDpi xmlns:a14="http://schemas.microsoft.com/office/drawing/2010/main" val="0"/>
               </a:ext>
             </a:extLst>
           </a:blip>
-          <a:stretch>
-            <a:fillRect/>
-          </a:stretch>
+          <a:srcRect l="-12523" t="51282" r="12523" b="410"/>
+          <a:stretch/>
         </p:blipFill>
         <p:spPr>
           <a:xfrm>
-            <a:off x="8925940" y="2364546"/>
-            <a:ext cx="1692426" cy="2606081"/>
+            <a:off x="0" y="2033224"/>
+            <a:ext cx="4156418" cy="3312942"/>
           </a:xfrm>
           <a:prstGeom prst="rect">
             <a:avLst/>
           </a:prstGeom>
         </p:spPr>
       </p:pic>
-      <p:sp>
-        <p:nvSpPr>
-          <p:cNvPr id="15" name="テキスト ボックス 14"/>
-          <p:cNvSpPr txBox="1"/>
-          <p:nvPr/>
-        </p:nvSpPr>
-        <p:spPr>
-          <a:xfrm>
-            <a:off x="379858" y="5240311"/>
-            <a:ext cx="12983689" cy="1569660"/>
-          </a:xfrm>
-          <a:prstGeom prst="rect">
-            <a:avLst/>
-          </a:prstGeom>
-          <a:noFill/>
-        </p:spPr>
-        <p:txBody>
-          <a:bodyPr wrap="square" rtlCol="0">
-            <a:spAutoFit/>
-          </a:bodyPr>
-          <a:lstStyle/>
-          <a:p>
-            <a:r>
-              <a:rPr lang="ja-JP" altLang="en-US" sz="3200" b="1" dirty="0" smtClean="0">
-                <a:latin typeface="ＭＳ ゴシック" panose="020B0609070205080204" pitchFamily="49" charset="-128"/>
-                <a:ea typeface="ＭＳ ゴシック" panose="020B0609070205080204" pitchFamily="49" charset="-128"/>
-              </a:rPr>
-              <a:t>子連れ</a:t>
-            </a:r>
-            <a:r>
-              <a:rPr lang="ja-JP" altLang="en-US" sz="3200" b="1" dirty="0">
-                <a:latin typeface="ＭＳ ゴシック" panose="020B0609070205080204" pitchFamily="49" charset="-128"/>
-                <a:ea typeface="ＭＳ ゴシック" panose="020B0609070205080204" pitchFamily="49" charset="-128"/>
-              </a:rPr>
-              <a:t>の客は親をカートに</a:t>
-            </a:r>
-            <a:r>
-              <a:rPr lang="ja-JP" altLang="en-US" sz="3200" b="1" dirty="0" smtClean="0">
-                <a:latin typeface="ＭＳ ゴシック" panose="020B0609070205080204" pitchFamily="49" charset="-128"/>
-                <a:ea typeface="ＭＳ ゴシック" panose="020B0609070205080204" pitchFamily="49" charset="-128"/>
-              </a:rPr>
-              <a:t>乗せると後ろに子供がついてくる。</a:t>
-            </a:r>
-            <a:endParaRPr lang="en-US" altLang="ja-JP" sz="3200" b="1" dirty="0" smtClean="0">
-              <a:latin typeface="ＭＳ ゴシック" panose="020B0609070205080204" pitchFamily="49" charset="-128"/>
-              <a:ea typeface="ＭＳ ゴシック" panose="020B0609070205080204" pitchFamily="49" charset="-128"/>
-            </a:endParaRPr>
-          </a:p>
-          <a:p>
-            <a:r>
-              <a:rPr lang="ja-JP" altLang="en-US" sz="3200" b="1" dirty="0">
-                <a:latin typeface="ＭＳ ゴシック" panose="020B0609070205080204" pitchFamily="49" charset="-128"/>
-                <a:ea typeface="ＭＳ ゴシック" panose="020B0609070205080204" pitchFamily="49" charset="-128"/>
-              </a:rPr>
-              <a:t>脚</a:t>
-            </a:r>
-            <a:r>
-              <a:rPr lang="ja-JP" altLang="en-US" sz="3200" b="1" dirty="0" smtClean="0">
-                <a:latin typeface="ＭＳ ゴシック" panose="020B0609070205080204" pitchFamily="49" charset="-128"/>
-                <a:ea typeface="ＭＳ ゴシック" panose="020B0609070205080204" pitchFamily="49" charset="-128"/>
-              </a:rPr>
-              <a:t>は遅いので離れすぎるといなくなってしまう。</a:t>
-            </a:r>
-            <a:endParaRPr lang="en-US" altLang="ja-JP" sz="3200" b="1" dirty="0">
-              <a:latin typeface="ＭＳ ゴシック" panose="020B0609070205080204" pitchFamily="49" charset="-128"/>
-              <a:ea typeface="ＭＳ ゴシック" panose="020B0609070205080204" pitchFamily="49" charset="-128"/>
-            </a:endParaRPr>
-          </a:p>
-          <a:p>
-            <a:endParaRPr lang="en-US" altLang="ja-JP" sz="3200" b="1" dirty="0" smtClean="0">
-              <a:latin typeface="ＭＳ ゴシック" panose="020B0609070205080204" pitchFamily="49" charset="-128"/>
-              <a:ea typeface="ＭＳ ゴシック" panose="020B0609070205080204" pitchFamily="49" charset="-128"/>
-            </a:endParaRPr>
-          </a:p>
-        </p:txBody>
-      </p:sp>
     </p:spTree>
     <p:extLst>
       <p:ext uri="{BB962C8B-B14F-4D97-AF65-F5344CB8AC3E}">
-        <p14:creationId xmlns:p14="http://schemas.microsoft.com/office/powerpoint/2010/main" val="571696591"/>
+        <p14:creationId xmlns:p14="http://schemas.microsoft.com/office/powerpoint/2010/main" val="4234566880"/>
       </p:ext>
     </p:extLst>
   </p:cSld>
@@ -5381,7 +5705,7 @@
         <p:spPr>
           <a:xfrm>
             <a:off x="304791" y="1048269"/>
-            <a:ext cx="11335666" cy="1109824"/>
+            <a:ext cx="11164345" cy="1109824"/>
           </a:xfrm>
           <a:prstGeom prst="rect">
             <a:avLst/>
@@ -5499,7 +5823,7 @@
                 <a:latin typeface="ＭＳ ゴシック" panose="020B0609070205080204" pitchFamily="49" charset="-128"/>
                 <a:ea typeface="ＭＳ ゴシック" panose="020B0609070205080204" pitchFamily="49" charset="-128"/>
               </a:rPr>
-              <a:t>ゲームシステム</a:t>
+              <a:t>レジとレジ袋</a:t>
             </a:r>
             <a:endParaRPr kumimoji="1" lang="ja-JP" altLang="en-US" sz="6000" b="1" dirty="0">
               <a:latin typeface="ＭＳ ゴシック" panose="020B0609070205080204" pitchFamily="49" charset="-128"/>
@@ -5516,8 +5840,8 @@
         </p:nvSpPr>
         <p:spPr>
           <a:xfrm>
-            <a:off x="339594" y="2496865"/>
-            <a:ext cx="11402463" cy="4154407"/>
+            <a:off x="339594" y="2496866"/>
+            <a:ext cx="11164345" cy="4155909"/>
           </a:xfrm>
           <a:prstGeom prst="rect">
             <a:avLst/>
@@ -5597,8 +5921,8 @@
         </p:nvSpPr>
         <p:spPr>
           <a:xfrm>
-            <a:off x="339594" y="1032051"/>
-            <a:ext cx="10996063" cy="1077218"/>
+            <a:off x="305955" y="1064572"/>
+            <a:ext cx="10264012" cy="1077218"/>
           </a:xfrm>
           <a:prstGeom prst="rect">
             <a:avLst/>
@@ -5611,12 +5935,19 @@
           </a:bodyPr>
           <a:lstStyle/>
           <a:p>
+            <a:r>
+              <a:rPr lang="ja-JP" altLang="en-US" sz="3200" b="1" dirty="0">
+                <a:latin typeface="ＭＳ ゴシック" panose="020B0609070205080204" pitchFamily="49" charset="-128"/>
+                <a:ea typeface="ＭＳ ゴシック" panose="020B0609070205080204" pitchFamily="49" charset="-128"/>
+              </a:rPr>
+              <a:t>買</a:t>
+            </a:r>
             <a:r>
               <a:rPr lang="ja-JP" altLang="en-US" sz="3200" b="1" dirty="0" smtClean="0">
                 <a:latin typeface="ＭＳ ゴシック" panose="020B0609070205080204" pitchFamily="49" charset="-128"/>
                 <a:ea typeface="ＭＳ ゴシック" panose="020B0609070205080204" pitchFamily="49" charset="-128"/>
               </a:rPr>
-              <a:t>カートに人を乗せているのを警備員に発見されると</a:t>
+              <a:t>いたいものが決まったらレジへ</a:t>
             </a:r>
             <a:endParaRPr lang="en-US" altLang="ja-JP" sz="3200" b="1" dirty="0" smtClean="0">
               <a:latin typeface="ＭＳ ゴシック" panose="020B0609070205080204" pitchFamily="49" charset="-128"/>
@@ -5629,7 +5960,7 @@
                 <a:latin typeface="ＭＳ ゴシック" panose="020B0609070205080204" pitchFamily="49" charset="-128"/>
                 <a:ea typeface="ＭＳ ゴシック" panose="020B0609070205080204" pitchFamily="49" charset="-128"/>
               </a:rPr>
-              <a:t>追いかけて来る！</a:t>
+              <a:t>レジへ行くことでレジ袋に入れて一つの物へ</a:t>
             </a:r>
             <a:endParaRPr lang="en-US" altLang="ja-JP" sz="3200" b="1" dirty="0" smtClean="0">
               <a:latin typeface="ＭＳ ゴシック" panose="020B0609070205080204" pitchFamily="49" charset="-128"/>
@@ -5646,8 +5977,8 @@
         </p:nvSpPr>
         <p:spPr>
           <a:xfrm>
-            <a:off x="548670" y="2587183"/>
-            <a:ext cx="12983689" cy="584775"/>
+            <a:off x="505127" y="2922183"/>
+            <a:ext cx="12983689" cy="1569660"/>
           </a:xfrm>
           <a:prstGeom prst="rect">
             <a:avLst/>
@@ -5660,6 +5991,39 @@
           </a:bodyPr>
           <a:lstStyle/>
           <a:p>
+            <a:r>
+              <a:rPr lang="ja-JP" altLang="en-US" sz="3200" b="1" dirty="0" smtClean="0">
+                <a:latin typeface="ＭＳ ゴシック" panose="020B0609070205080204" pitchFamily="49" charset="-128"/>
+                <a:ea typeface="ＭＳ ゴシック" panose="020B0609070205080204" pitchFamily="49" charset="-128"/>
+              </a:rPr>
+              <a:t>レジ袋に入れたらカートの下のかごへ</a:t>
+            </a:r>
+            <a:endParaRPr lang="en-US" altLang="ja-JP" sz="3200" b="1" dirty="0" smtClean="0">
+              <a:latin typeface="ＭＳ ゴシック" panose="020B0609070205080204" pitchFamily="49" charset="-128"/>
+              <a:ea typeface="ＭＳ ゴシック" panose="020B0609070205080204" pitchFamily="49" charset="-128"/>
+            </a:endParaRPr>
+          </a:p>
+          <a:p>
+            <a:r>
+              <a:rPr lang="ja-JP" altLang="en-US" sz="3200" b="1" dirty="0" smtClean="0">
+                <a:latin typeface="ＭＳ ゴシック" panose="020B0609070205080204" pitchFamily="49" charset="-128"/>
+                <a:ea typeface="ＭＳ ゴシック" panose="020B0609070205080204" pitchFamily="49" charset="-128"/>
+              </a:rPr>
+              <a:t>次のレジから換算されないが落とすと</a:t>
+            </a:r>
+            <a:endParaRPr lang="en-US" altLang="ja-JP" sz="3200" b="1" dirty="0" smtClean="0">
+              <a:latin typeface="ＭＳ ゴシック" panose="020B0609070205080204" pitchFamily="49" charset="-128"/>
+              <a:ea typeface="ＭＳ ゴシック" panose="020B0609070205080204" pitchFamily="49" charset="-128"/>
+            </a:endParaRPr>
+          </a:p>
+          <a:p>
+            <a:r>
+              <a:rPr lang="ja-JP" altLang="en-US" sz="3200" b="1" dirty="0" smtClean="0">
+                <a:latin typeface="ＭＳ ゴシック" panose="020B0609070205080204" pitchFamily="49" charset="-128"/>
+                <a:ea typeface="ＭＳ ゴシック" panose="020B0609070205080204" pitchFamily="49" charset="-128"/>
+              </a:rPr>
+              <a:t>スコアにならない！</a:t>
+            </a:r>
             <a:endParaRPr lang="en-US" altLang="ja-JP" sz="3200" b="1" dirty="0" smtClean="0">
               <a:latin typeface="ＭＳ ゴシック" panose="020B0609070205080204" pitchFamily="49" charset="-128"/>
               <a:ea typeface="ＭＳ ゴシック" panose="020B0609070205080204" pitchFamily="49" charset="-128"/>
@@ -5676,7 +6040,7 @@
           <p:nvPr/>
         </p:nvPicPr>
         <p:blipFill>
-          <a:blip r:embed="rId2">
+          <a:blip r:embed="rId2" cstate="print">
             <a:extLst>
               <a:ext uri="{28A0092B-C50C-407E-A947-70E740481C1C}">
                 <a14:useLocalDpi xmlns:a14="http://schemas.microsoft.com/office/drawing/2010/main" val="0"/>
@@ -5688,252 +6052,9 @@
           </a:stretch>
         </p:blipFill>
         <p:spPr>
-          <a:xfrm>
-            <a:off x="1956155" y="3510731"/>
-            <a:ext cx="3140542" cy="3140542"/>
-          </a:xfrm>
-          <a:prstGeom prst="rect">
-            <a:avLst/>
-          </a:prstGeom>
-        </p:spPr>
-      </p:pic>
-      <p:sp>
-        <p:nvSpPr>
-          <p:cNvPr id="13" name="正方形/長方形 12"/>
-          <p:cNvSpPr/>
-          <p:nvPr/>
-        </p:nvSpPr>
-        <p:spPr>
-          <a:xfrm>
-            <a:off x="6993762" y="5731336"/>
-            <a:ext cx="4160416" cy="292647"/>
-          </a:xfrm>
-          <a:prstGeom prst="rect">
-            <a:avLst/>
-          </a:prstGeom>
-          <a:solidFill>
-            <a:schemeClr val="accent1">
-              <a:lumMod val="60000"/>
-              <a:lumOff val="40000"/>
-            </a:schemeClr>
-          </a:solidFill>
-        </p:spPr>
-        <p:style>
-          <a:lnRef idx="2">
-            <a:schemeClr val="accent1">
-              <a:shade val="50000"/>
-            </a:schemeClr>
-          </a:lnRef>
-          <a:fillRef idx="1">
-            <a:schemeClr val="accent1"/>
-          </a:fillRef>
-          <a:effectRef idx="0">
-            <a:schemeClr val="accent1"/>
-          </a:effectRef>
-          <a:fontRef idx="minor">
-            <a:schemeClr val="lt1"/>
-          </a:fontRef>
-        </p:style>
-        <p:txBody>
-          <a:bodyPr rtlCol="0" anchor="ctr"/>
-          <a:lstStyle/>
-          <a:p>
-            <a:pPr algn="ctr"/>
-            <a:endParaRPr kumimoji="1" lang="ja-JP" altLang="en-US"/>
-          </a:p>
-        </p:txBody>
-      </p:sp>
-      <p:sp>
-        <p:nvSpPr>
-          <p:cNvPr id="14" name="楕円 13"/>
-          <p:cNvSpPr/>
-          <p:nvPr/>
-        </p:nvSpPr>
-        <p:spPr>
-          <a:xfrm>
-            <a:off x="6486975" y="5554511"/>
-            <a:ext cx="765949" cy="619036"/>
-          </a:xfrm>
-          <a:prstGeom prst="ellipse">
-            <a:avLst/>
-          </a:prstGeom>
-          <a:solidFill>
-            <a:srgbClr val="EA4646"/>
-          </a:solidFill>
-        </p:spPr>
-        <p:style>
-          <a:lnRef idx="2">
-            <a:schemeClr val="accent1">
-              <a:shade val="50000"/>
-            </a:schemeClr>
-          </a:lnRef>
-          <a:fillRef idx="1">
-            <a:schemeClr val="accent1"/>
-          </a:fillRef>
-          <a:effectRef idx="0">
-            <a:schemeClr val="accent1"/>
-          </a:effectRef>
-          <a:fontRef idx="minor">
-            <a:schemeClr val="lt1"/>
-          </a:fontRef>
-        </p:style>
-        <p:txBody>
-          <a:bodyPr rtlCol="0" anchor="ctr"/>
-          <a:lstStyle/>
-          <a:p>
-            <a:pPr algn="ctr"/>
-            <a:endParaRPr kumimoji="1" lang="ja-JP" altLang="en-US"/>
-          </a:p>
-        </p:txBody>
-      </p:sp>
-      <p:pic>
-        <p:nvPicPr>
-          <p:cNvPr id="15" name="図 14"/>
-          <p:cNvPicPr>
-            <a:picLocks noChangeAspect="1"/>
-          </p:cNvPicPr>
-          <p:nvPr/>
-        </p:nvPicPr>
-        <p:blipFill>
-          <a:blip r:embed="rId3" cstate="print">
-            <a:extLst>
-              <a:ext uri="{28A0092B-C50C-407E-A947-70E740481C1C}">
-                <a14:useLocalDpi xmlns:a14="http://schemas.microsoft.com/office/drawing/2010/main" val="0"/>
-              </a:ext>
-            </a:extLst>
-          </a:blip>
-          <a:stretch>
-            <a:fillRect/>
-          </a:stretch>
-        </p:blipFill>
-        <p:spPr>
-          <a:xfrm flipH="1">
-            <a:off x="8925026" y="5371848"/>
-            <a:ext cx="878075" cy="1023460"/>
-          </a:xfrm>
-          <a:prstGeom prst="rect">
-            <a:avLst/>
-          </a:prstGeom>
-        </p:spPr>
-      </p:pic>
-      <p:sp>
-        <p:nvSpPr>
-          <p:cNvPr id="16" name="月 15"/>
-          <p:cNvSpPr/>
-          <p:nvPr/>
-        </p:nvSpPr>
-        <p:spPr>
-          <a:xfrm rot="2134749" flipH="1">
-            <a:off x="10709836" y="5536448"/>
-            <a:ext cx="538765" cy="678714"/>
-          </a:xfrm>
-          <a:prstGeom prst="moon">
-            <a:avLst>
-              <a:gd name="adj" fmla="val 51505"/>
-            </a:avLst>
-          </a:prstGeom>
-          <a:solidFill>
-            <a:srgbClr val="FFFF00"/>
-          </a:solidFill>
-        </p:spPr>
-        <p:style>
-          <a:lnRef idx="2">
-            <a:schemeClr val="accent1">
-              <a:shade val="50000"/>
-            </a:schemeClr>
-          </a:lnRef>
-          <a:fillRef idx="1">
-            <a:schemeClr val="accent1"/>
-          </a:fillRef>
-          <a:effectRef idx="0">
-            <a:schemeClr val="accent1"/>
-          </a:effectRef>
-          <a:fontRef idx="minor">
-            <a:schemeClr val="lt1"/>
-          </a:fontRef>
-        </p:style>
-        <p:txBody>
-          <a:bodyPr rtlCol="0" anchor="ctr"/>
-          <a:lstStyle/>
-          <a:p>
-            <a:pPr algn="ctr"/>
-            <a:endParaRPr kumimoji="1" lang="ja-JP" altLang="en-US"/>
-          </a:p>
-        </p:txBody>
-      </p:sp>
-      <p:sp>
-        <p:nvSpPr>
-          <p:cNvPr id="18" name="テキスト ボックス 17"/>
-          <p:cNvSpPr txBox="1"/>
-          <p:nvPr/>
-        </p:nvSpPr>
-        <p:spPr>
-          <a:xfrm>
-            <a:off x="304791" y="2558253"/>
-            <a:ext cx="11437266" cy="1077218"/>
-          </a:xfrm>
-          <a:prstGeom prst="rect">
-            <a:avLst/>
-          </a:prstGeom>
-          <a:noFill/>
-        </p:spPr>
-        <p:txBody>
-          <a:bodyPr wrap="square" rtlCol="0">
-            <a:spAutoFit/>
-          </a:bodyPr>
-          <a:lstStyle/>
-          <a:p>
-            <a:r>
-              <a:rPr lang="ja-JP" altLang="en-US" sz="3200" b="1" dirty="0" smtClean="0">
-                <a:latin typeface="ＭＳ ゴシック" panose="020B0609070205080204" pitchFamily="49" charset="-128"/>
-                <a:ea typeface="ＭＳ ゴシック" panose="020B0609070205080204" pitchFamily="49" charset="-128"/>
-              </a:rPr>
-              <a:t>つかまると出禁にされ、時間が経過するまで入店できない</a:t>
-            </a:r>
-            <a:endParaRPr lang="en-US" altLang="ja-JP" sz="3200" b="1" dirty="0" smtClean="0">
-              <a:latin typeface="ＭＳ ゴシック" panose="020B0609070205080204" pitchFamily="49" charset="-128"/>
-              <a:ea typeface="ＭＳ ゴシック" panose="020B0609070205080204" pitchFamily="49" charset="-128"/>
-            </a:endParaRPr>
-          </a:p>
-          <a:p>
-            <a:r>
-              <a:rPr lang="ja-JP" altLang="en-US" sz="3200" b="1" dirty="0" smtClean="0">
-                <a:latin typeface="ＭＳ ゴシック" panose="020B0609070205080204" pitchFamily="49" charset="-128"/>
-                <a:ea typeface="ＭＳ ゴシック" panose="020B0609070205080204" pitchFamily="49" charset="-128"/>
-              </a:rPr>
-              <a:t>店員は人を乗せるとこを発見すると叫んで警備員を呼ぶ！</a:t>
-            </a:r>
-            <a:endParaRPr lang="en-US" altLang="ja-JP" sz="3200" b="1" dirty="0" smtClean="0">
-              <a:latin typeface="ＭＳ ゴシック" panose="020B0609070205080204" pitchFamily="49" charset="-128"/>
-              <a:ea typeface="ＭＳ ゴシック" panose="020B0609070205080204" pitchFamily="49" charset="-128"/>
-            </a:endParaRPr>
-          </a:p>
-        </p:txBody>
-      </p:sp>
-      <p:pic>
-        <p:nvPicPr>
-          <p:cNvPr id="5" name="図 4"/>
-          <p:cNvPicPr>
-            <a:picLocks noChangeAspect="1"/>
-          </p:cNvPicPr>
-          <p:nvPr/>
-        </p:nvPicPr>
-        <p:blipFill>
-          <a:blip r:embed="rId4">
-            <a:extLst>
-              <a:ext uri="{28A0092B-C50C-407E-A947-70E740481C1C}">
-                <a14:useLocalDpi xmlns:a14="http://schemas.microsoft.com/office/drawing/2010/main" val="0"/>
-              </a:ext>
-            </a:extLst>
-          </a:blip>
-          <a:stretch>
-            <a:fillRect/>
-          </a:stretch>
-        </p:blipFill>
-        <p:spPr>
-          <a:xfrm>
-            <a:off x="654070" y="3670641"/>
-            <a:ext cx="1553175" cy="2847487"/>
+          <a:xfrm rot="222526">
+            <a:off x="7561212" y="3088083"/>
+            <a:ext cx="2442697" cy="3305274"/>
           </a:xfrm>
           <a:prstGeom prst="rect">
             <a:avLst/>
@@ -5943,7 +6064,7 @@
     </p:spTree>
     <p:extLst>
       <p:ext uri="{BB962C8B-B14F-4D97-AF65-F5344CB8AC3E}">
-        <p14:creationId xmlns:p14="http://schemas.microsoft.com/office/powerpoint/2010/main" val="3609582055"/>
+        <p14:creationId xmlns:p14="http://schemas.microsoft.com/office/powerpoint/2010/main" val="3196187879"/>
       </p:ext>
     </p:extLst>
   </p:cSld>
@@ -6212,11 +6333,11 @@
           <a:lstStyle/>
           <a:p>
             <a:r>
-              <a:rPr kumimoji="1" lang="ja-JP" altLang="en-US" sz="6000" b="1" dirty="0" smtClean="0">
+              <a:rPr lang="ja-JP" altLang="en-US" sz="6000" b="1" dirty="0">
                 <a:latin typeface="ＭＳ ゴシック" panose="020B0609070205080204" pitchFamily="49" charset="-128"/>
                 <a:ea typeface="ＭＳ ゴシック" panose="020B0609070205080204" pitchFamily="49" charset="-128"/>
               </a:rPr>
-              <a:t>ゲームシステム</a:t>
+              <a:t>スコア</a:t>
             </a:r>
             <a:endParaRPr kumimoji="1" lang="ja-JP" altLang="en-US" sz="6000" b="1" dirty="0">
               <a:latin typeface="ＭＳ ゴシック" panose="020B0609070205080204" pitchFamily="49" charset="-128"/>
@@ -7378,6 +7499,121 @@
           </a:p>
         </p:txBody>
       </p:sp>
+      <p:cxnSp>
+        <p:nvCxnSpPr>
+          <p:cNvPr id="17" name="直線コネクタ 16"/>
+          <p:cNvCxnSpPr/>
+          <p:nvPr/>
+        </p:nvCxnSpPr>
+        <p:spPr>
+          <a:xfrm>
+            <a:off x="7216993" y="3627210"/>
+            <a:ext cx="1450173" cy="9335"/>
+          </a:xfrm>
+          <a:prstGeom prst="line">
+            <a:avLst/>
+          </a:prstGeom>
+          <a:ln w="130175"/>
+        </p:spPr>
+        <p:style>
+          <a:lnRef idx="1">
+            <a:schemeClr val="accent1"/>
+          </a:lnRef>
+          <a:fillRef idx="0">
+            <a:schemeClr val="accent1"/>
+          </a:fillRef>
+          <a:effectRef idx="0">
+            <a:schemeClr val="accent1"/>
+          </a:effectRef>
+          <a:fontRef idx="minor">
+            <a:schemeClr val="tx1"/>
+          </a:fontRef>
+        </p:style>
+      </p:cxnSp>
+      <p:sp>
+        <p:nvSpPr>
+          <p:cNvPr id="19" name="正方形/長方形 18"/>
+          <p:cNvSpPr/>
+          <p:nvPr/>
+        </p:nvSpPr>
+        <p:spPr>
+          <a:xfrm>
+            <a:off x="8681434" y="3494018"/>
+            <a:ext cx="2845158" cy="445985"/>
+          </a:xfrm>
+          <a:prstGeom prst="rect">
+            <a:avLst/>
+          </a:prstGeom>
+          <a:solidFill>
+            <a:schemeClr val="bg1"/>
+          </a:solidFill>
+          <a:ln>
+            <a:solidFill>
+              <a:schemeClr val="tx1"/>
+            </a:solidFill>
+          </a:ln>
+        </p:spPr>
+        <p:style>
+          <a:lnRef idx="2">
+            <a:schemeClr val="accent1">
+              <a:shade val="50000"/>
+            </a:schemeClr>
+          </a:lnRef>
+          <a:fillRef idx="1">
+            <a:schemeClr val="accent1"/>
+          </a:fillRef>
+          <a:effectRef idx="0">
+            <a:schemeClr val="accent1"/>
+          </a:effectRef>
+          <a:fontRef idx="minor">
+            <a:schemeClr val="lt1"/>
+          </a:fontRef>
+        </p:style>
+        <p:txBody>
+          <a:bodyPr rtlCol="0" anchor="ctr"/>
+          <a:lstStyle/>
+          <a:p>
+            <a:pPr algn="ctr"/>
+            <a:endParaRPr kumimoji="1" lang="ja-JP" altLang="en-US" dirty="0"/>
+          </a:p>
+        </p:txBody>
+      </p:sp>
+      <p:sp>
+        <p:nvSpPr>
+          <p:cNvPr id="20" name="テキスト ボックス 19"/>
+          <p:cNvSpPr txBox="1"/>
+          <p:nvPr/>
+        </p:nvSpPr>
+        <p:spPr>
+          <a:xfrm>
+            <a:off x="8895988" y="3414913"/>
+            <a:ext cx="2424541" cy="523220"/>
+          </a:xfrm>
+          <a:prstGeom prst="rect">
+            <a:avLst/>
+          </a:prstGeom>
+          <a:noFill/>
+        </p:spPr>
+        <p:txBody>
+          <a:bodyPr wrap="square" rtlCol="0">
+            <a:spAutoFit/>
+          </a:bodyPr>
+          <a:lstStyle/>
+          <a:p>
+            <a:r>
+              <a:rPr lang="ja-JP" altLang="en-US" sz="2800" b="1" dirty="0" smtClean="0">
+                <a:latin typeface="ＭＳ ゴシック" panose="020B0609070205080204" pitchFamily="49" charset="-128"/>
+                <a:ea typeface="ＭＳ ゴシック" panose="020B0609070205080204" pitchFamily="49" charset="-128"/>
+              </a:rPr>
+              <a:t>かごを投げる</a:t>
+            </a:r>
+            <a:endParaRPr lang="en-US" altLang="ja-JP" sz="2800" b="1" dirty="0" smtClean="0">
+              <a:latin typeface="ＭＳ ゴシック" panose="020B0609070205080204" pitchFamily="49" charset="-128"/>
+              <a:ea typeface="ＭＳ ゴシック" panose="020B0609070205080204" pitchFamily="49" charset="-128"/>
+            </a:endParaRPr>
+          </a:p>
+        </p:txBody>
+      </p:sp>
     </p:spTree>
     <p:extLst>
       <p:ext uri="{BB962C8B-B14F-4D97-AF65-F5344CB8AC3E}">
@@ -7669,36 +7905,6 @@
           <p:nvPr/>
         </p:nvPicPr>
         <p:blipFill>
-          <a:blip r:embed="rId2" cstate="print">
-            <a:extLst>
-              <a:ext uri="{28A0092B-C50C-407E-A947-70E740481C1C}">
-                <a14:useLocalDpi xmlns:a14="http://schemas.microsoft.com/office/drawing/2010/main" val="0"/>
-              </a:ext>
-            </a:extLst>
-          </a:blip>
-          <a:stretch>
-            <a:fillRect/>
-          </a:stretch>
-        </p:blipFill>
-        <p:spPr>
-          <a:xfrm rot="21375691">
-            <a:off x="1038089" y="4595230"/>
-            <a:ext cx="1995029" cy="1601011"/>
-          </a:xfrm>
-          <a:prstGeom prst="rect">
-            <a:avLst/>
-          </a:prstGeom>
-        </p:spPr>
-      </p:pic>
-      <p:pic>
-        <p:nvPicPr>
-          <p:cNvPr id="6" name="図 5"/>
-          <p:cNvPicPr>
-            <a:picLocks noChangeAspect="1"/>
-          </p:cNvPicPr>
-          <p:nvPr/>
-        </p:nvPicPr>
-        <p:blipFill>
           <a:blip r:embed="rId3" cstate="print">
             <a:extLst>
               <a:ext uri="{28A0092B-C50C-407E-A947-70E740481C1C}">
@@ -7711,9 +7917,9 @@
           </a:stretch>
         </p:blipFill>
         <p:spPr>
-          <a:xfrm>
-            <a:off x="1783271" y="5318160"/>
-            <a:ext cx="1506700" cy="1439016"/>
+          <a:xfrm rot="21375691">
+            <a:off x="1038089" y="4595230"/>
+            <a:ext cx="1995029" cy="1601011"/>
           </a:xfrm>
           <a:prstGeom prst="rect">
             <a:avLst/>
@@ -7722,7 +7928,7 @@
       </p:pic>
       <p:pic>
         <p:nvPicPr>
-          <p:cNvPr id="9" name="図 8"/>
+          <p:cNvPr id="6" name="図 5"/>
           <p:cNvPicPr>
             <a:picLocks noChangeAspect="1"/>
           </p:cNvPicPr>
@@ -7742,8 +7948,8 @@
         </p:blipFill>
         <p:spPr>
           <a:xfrm>
-            <a:off x="1410231" y="2237938"/>
-            <a:ext cx="1953508" cy="1582882"/>
+            <a:off x="1783271" y="5318160"/>
+            <a:ext cx="1506700" cy="1439016"/>
           </a:xfrm>
           <a:prstGeom prst="rect">
             <a:avLst/>
@@ -7752,7 +7958,7 @@
       </p:pic>
       <p:pic>
         <p:nvPicPr>
-          <p:cNvPr id="10" name="図 9"/>
+          <p:cNvPr id="9" name="図 8"/>
           <p:cNvPicPr>
             <a:picLocks noChangeAspect="1"/>
           </p:cNvPicPr>
@@ -7772,8 +7978,8 @@
         </p:blipFill>
         <p:spPr>
           <a:xfrm>
-            <a:off x="905257" y="3249073"/>
-            <a:ext cx="2542555" cy="1802036"/>
+            <a:off x="1410231" y="2237938"/>
+            <a:ext cx="1953508" cy="1582882"/>
           </a:xfrm>
           <a:prstGeom prst="rect">
             <a:avLst/>
@@ -7782,7 +7988,7 @@
       </p:pic>
       <p:pic>
         <p:nvPicPr>
-          <p:cNvPr id="11" name="図 10"/>
+          <p:cNvPr id="10" name="図 9"/>
           <p:cNvPicPr>
             <a:picLocks noChangeAspect="1"/>
           </p:cNvPicPr>
@@ -7802,29 +8008,24 @@
         </p:blipFill>
         <p:spPr>
           <a:xfrm>
-            <a:off x="5124025" y="4166478"/>
-            <a:ext cx="2407276" cy="2407276"/>
-          </a:xfrm>
-          <a:prstGeom prst="rect">
-            <a:avLst/>
-          </a:prstGeom>
-          <a:ln>
-            <a:solidFill>
-              <a:schemeClr val="tx1"/>
-            </a:solidFill>
-          </a:ln>
+            <a:off x="905257" y="3249073"/>
+            <a:ext cx="2542555" cy="1802036"/>
+          </a:xfrm>
+          <a:prstGeom prst="rect">
+            <a:avLst/>
+          </a:prstGeom>
         </p:spPr>
       </p:pic>
       <p:pic>
         <p:nvPicPr>
-          <p:cNvPr id="12" name="図 11"/>
+          <p:cNvPr id="11" name="図 10"/>
           <p:cNvPicPr>
             <a:picLocks noChangeAspect="1"/>
           </p:cNvPicPr>
           <p:nvPr/>
         </p:nvPicPr>
         <p:blipFill>
-          <a:blip r:embed="rId7">
+          <a:blip r:embed="rId7" cstate="print">
             <a:extLst>
               <a:ext uri="{28A0092B-C50C-407E-A947-70E740481C1C}">
                 <a14:useLocalDpi xmlns:a14="http://schemas.microsoft.com/office/drawing/2010/main" val="0"/>
@@ -7837,6 +8038,41 @@
         </p:blipFill>
         <p:spPr>
           <a:xfrm>
+            <a:off x="5124025" y="4166478"/>
+            <a:ext cx="2407276" cy="2407276"/>
+          </a:xfrm>
+          <a:prstGeom prst="rect">
+            <a:avLst/>
+          </a:prstGeom>
+          <a:ln>
+            <a:solidFill>
+              <a:schemeClr val="tx1"/>
+            </a:solidFill>
+          </a:ln>
+        </p:spPr>
+      </p:pic>
+      <p:pic>
+        <p:nvPicPr>
+          <p:cNvPr id="12" name="図 11"/>
+          <p:cNvPicPr>
+            <a:picLocks noChangeAspect="1"/>
+          </p:cNvPicPr>
+          <p:nvPr/>
+        </p:nvPicPr>
+        <p:blipFill>
+          <a:blip r:embed="rId8">
+            <a:extLst>
+              <a:ext uri="{28A0092B-C50C-407E-A947-70E740481C1C}">
+                <a14:useLocalDpi xmlns:a14="http://schemas.microsoft.com/office/drawing/2010/main" val="0"/>
+              </a:ext>
+            </a:extLst>
+          </a:blip>
+          <a:stretch>
+            <a:fillRect/>
+          </a:stretch>
+        </p:blipFill>
+        <p:spPr>
+          <a:xfrm>
             <a:off x="9365355" y="4630856"/>
             <a:ext cx="2476500" cy="1847850"/>
           </a:xfrm>
@@ -8024,6 +8260,13 @@
   <p:clrMapOvr>
     <a:masterClrMapping/>
   </p:clrMapOvr>
+  <p:timing>
+    <p:tnLst>
+      <p:par>
+        <p:cTn id="1" dur="indefinite" restart="never" nodeType="tmRoot"/>
+      </p:par>
+    </p:tnLst>
+  </p:timing>
 </p:sld>
 </file>
 
@@ -8272,8 +8515,8 @@
         </p:nvSpPr>
         <p:spPr>
           <a:xfrm>
-            <a:off x="2028946" y="5734439"/>
-            <a:ext cx="8263864" cy="1015663"/>
+            <a:off x="2345290" y="5734901"/>
+            <a:ext cx="7501420" cy="1015663"/>
           </a:xfrm>
           <a:prstGeom prst="rect">
             <a:avLst/>
@@ -8577,8 +8820,8 @@
         </p:nvSpPr>
         <p:spPr>
           <a:xfrm>
-            <a:off x="2028946" y="5676253"/>
-            <a:ext cx="8373561" cy="1077218"/>
+            <a:off x="2310628" y="5638428"/>
+            <a:ext cx="7668846" cy="1077218"/>
           </a:xfrm>
           <a:prstGeom prst="rect">
             <a:avLst/>
@@ -8596,7 +8839,7 @@
                 <a:latin typeface="ＭＳ ゴシック" panose="020B0609070205080204" pitchFamily="49" charset="-128"/>
                 <a:ea typeface="ＭＳ ゴシック" panose="020B0609070205080204" pitchFamily="49" charset="-128"/>
               </a:rPr>
-              <a:t>ショッピングカートでお店の中を滑走して</a:t>
+              <a:t>滑走モードと歩きモードを切り替えて</a:t>
             </a:r>
             <a:endParaRPr lang="en-US" altLang="ja-JP" sz="3200" b="1" dirty="0" smtClean="0">
               <a:latin typeface="ＭＳ ゴシック" panose="020B0609070205080204" pitchFamily="49" charset="-128"/>
@@ -8605,20 +8848,13 @@
           </a:p>
           <a:p>
             <a:r>
-              <a:rPr lang="ja-JP" altLang="en-US" sz="3200" b="1" dirty="0">
-                <a:latin typeface="ＭＳ ゴシック" panose="020B0609070205080204" pitchFamily="49" charset="-128"/>
-                <a:ea typeface="ＭＳ ゴシック" panose="020B0609070205080204" pitchFamily="49" charset="-128"/>
-              </a:rPr>
-              <a:t>特</a:t>
-            </a:r>
-            <a:r>
               <a:rPr lang="ja-JP" altLang="en-US" sz="3200" b="1" dirty="0" smtClean="0">
                 <a:latin typeface="ＭＳ ゴシック" panose="020B0609070205080204" pitchFamily="49" charset="-128"/>
                 <a:ea typeface="ＭＳ ゴシック" panose="020B0609070205080204" pitchFamily="49" charset="-128"/>
               </a:rPr>
-              <a:t>売品を買ってポイントを溜めろ！</a:t>
-            </a:r>
-            <a:endParaRPr lang="en-US" altLang="ja-JP" sz="3200" b="1" dirty="0">
+              <a:t>商品を落とさないようにしよう</a:t>
+            </a:r>
+            <a:endParaRPr lang="en-US" altLang="ja-JP" sz="3200" b="1" dirty="0" smtClean="0">
               <a:latin typeface="ＭＳ ゴシック" panose="020B0609070205080204" pitchFamily="49" charset="-128"/>
               <a:ea typeface="ＭＳ ゴシック" panose="020B0609070205080204" pitchFamily="49" charset="-128"/>
             </a:endParaRPr>
@@ -8944,6 +9180,36 @@
           </a:p>
         </p:txBody>
       </p:sp>
+      <p:pic>
+        <p:nvPicPr>
+          <p:cNvPr id="24" name="図 23"/>
+          <p:cNvPicPr>
+            <a:picLocks noChangeAspect="1"/>
+          </p:cNvPicPr>
+          <p:nvPr/>
+        </p:nvPicPr>
+        <p:blipFill>
+          <a:blip r:embed="rId6" cstate="print">
+            <a:extLst>
+              <a:ext uri="{28A0092B-C50C-407E-A947-70E740481C1C}">
+                <a14:useLocalDpi xmlns:a14="http://schemas.microsoft.com/office/drawing/2010/main" val="0"/>
+              </a:ext>
+            </a:extLst>
+          </a:blip>
+          <a:stretch>
+            <a:fillRect/>
+          </a:stretch>
+        </p:blipFill>
+        <p:spPr>
+          <a:xfrm flipH="1">
+            <a:off x="4858177" y="1181524"/>
+            <a:ext cx="727103" cy="814105"/>
+          </a:xfrm>
+          <a:prstGeom prst="rect">
+            <a:avLst/>
+          </a:prstGeom>
+        </p:spPr>
+      </p:pic>
     </p:spTree>
     <p:extLst>
       <p:ext uri="{BB962C8B-B14F-4D97-AF65-F5344CB8AC3E}">
@@ -12536,11 +12802,18 @@
           <a:lstStyle/>
           <a:p>
             <a:r>
-              <a:rPr kumimoji="1" lang="ja-JP" altLang="en-US" sz="6000" b="1" dirty="0" smtClean="0">
+              <a:rPr lang="ja-JP" altLang="en-US" sz="6000" b="1" dirty="0">
                 <a:latin typeface="ＭＳ ゴシック" panose="020B0609070205080204" pitchFamily="49" charset="-128"/>
                 <a:ea typeface="ＭＳ ゴシック" panose="020B0609070205080204" pitchFamily="49" charset="-128"/>
               </a:rPr>
-              <a:t>ゲームシステム</a:t>
+              <a:t>特</a:t>
+            </a:r>
+            <a:r>
+              <a:rPr lang="ja-JP" altLang="en-US" sz="6000" b="1" dirty="0" smtClean="0">
+                <a:latin typeface="ＭＳ ゴシック" panose="020B0609070205080204" pitchFamily="49" charset="-128"/>
+                <a:ea typeface="ＭＳ ゴシック" panose="020B0609070205080204" pitchFamily="49" charset="-128"/>
+              </a:rPr>
+              <a:t>売品の奪い合い　</a:t>
             </a:r>
             <a:endParaRPr kumimoji="1" lang="ja-JP" altLang="en-US" sz="6000" b="1" dirty="0">
               <a:latin typeface="ＭＳ ゴシック" panose="020B0609070205080204" pitchFamily="49" charset="-128"/>
